--- a/OST_2024-25_Predlozak za prakticni seminarski rad_Web (1).pptx
+++ b/OST_2024-25_Predlozak za prakticni seminarski rad_Web (1).pptx
@@ -7057,8 +7057,8 @@
         </p:nvSpPr>
         <p:spPr>
           <a:xfrm>
-            <a:off x="0" y="58466"/>
-            <a:ext cx="14630400" cy="1292662"/>
+            <a:off x="0" y="458576"/>
+            <a:ext cx="14630400" cy="892552"/>
           </a:xfrm>
         </p:spPr>
         <p:txBody>
@@ -7071,11 +7071,11 @@
             </a:r>
             <a:r>
               <a:rPr lang="en-GB" sz="2600" dirty="0"/>
-              <a:t> Multiple Regression Analysis (MRA) </a:t>
-            </a:r>
-            <a:r>
-              <a:rPr lang="en-GB" sz="2600" dirty="0" err="1"/>
-              <a:t>modela</a:t>
+              <a:t> </a:t>
+            </a:r>
+            <a:r>
+              <a:rPr lang="hr-HR" sz="2600" dirty="0"/>
+              <a:t>neuronske mreže</a:t>
             </a:r>
             <a:r>
               <a:rPr lang="en-GB" sz="2600" dirty="0"/>
@@ -7174,32 +7174,8 @@
               <a:t>kože</a:t>
             </a:r>
             <a:r>
-              <a:rPr lang="en-GB" sz="2600" dirty="0"/>
-              <a:t>, </a:t>
-            </a:r>
-            <a:r>
-              <a:rPr lang="en-GB" sz="2600" dirty="0" err="1"/>
-              <a:t>srčane</a:t>
-            </a:r>
-            <a:r>
-              <a:rPr lang="en-GB" sz="2600" dirty="0"/>
+              <a:rPr lang="hr-HR" sz="2600" dirty="0"/>
               <a:t> </a:t>
-            </a:r>
-            <a:r>
-              <a:rPr lang="en-GB" sz="2600" dirty="0" err="1"/>
-              <a:t>aktivnosti</a:t>
-            </a:r>
-            <a:r>
-              <a:rPr lang="en-GB" sz="2600" dirty="0"/>
-              <a:t>, </a:t>
-            </a:r>
-            <a:r>
-              <a:rPr lang="en-GB" sz="2600" dirty="0" err="1"/>
-              <a:t>elektromiografije</a:t>
-            </a:r>
-            <a:r>
-              <a:rPr lang="en-GB" sz="2600" dirty="0"/>
-              <a:t>, </a:t>
             </a:r>
             <a:r>
               <a:rPr lang="en-GB" sz="2600" dirty="0" err="1"/>
@@ -7745,8 +7721,8 @@
         </p:nvSpPr>
         <p:spPr>
           <a:xfrm>
-            <a:off x="0" y="58466"/>
-            <a:ext cx="14630400" cy="1292662"/>
+            <a:off x="0" y="458576"/>
+            <a:ext cx="14630400" cy="892552"/>
           </a:xfrm>
         </p:spPr>
         <p:txBody>
@@ -7759,11 +7735,11 @@
             </a:r>
             <a:r>
               <a:rPr lang="en-GB" sz="2600" dirty="0"/>
-              <a:t> Multiple Regression Analysis (MRA) </a:t>
-            </a:r>
-            <a:r>
-              <a:rPr lang="en-GB" sz="2600" dirty="0" err="1"/>
-              <a:t>modela</a:t>
+              <a:t> </a:t>
+            </a:r>
+            <a:r>
+              <a:rPr lang="hr-HR" sz="2600" dirty="0"/>
+              <a:t>neuronske mreže</a:t>
             </a:r>
             <a:r>
               <a:rPr lang="en-GB" sz="2600" dirty="0"/>
@@ -7862,32 +7838,8 @@
               <a:t>kože</a:t>
             </a:r>
             <a:r>
-              <a:rPr lang="en-GB" sz="2600" dirty="0"/>
-              <a:t>, </a:t>
-            </a:r>
-            <a:r>
-              <a:rPr lang="en-GB" sz="2600" dirty="0" err="1"/>
-              <a:t>srčane</a:t>
-            </a:r>
-            <a:r>
-              <a:rPr lang="en-GB" sz="2600" dirty="0"/>
+              <a:rPr lang="hr-HR" sz="2600" dirty="0"/>
               <a:t> </a:t>
-            </a:r>
-            <a:r>
-              <a:rPr lang="en-GB" sz="2600" dirty="0" err="1"/>
-              <a:t>aktivnosti</a:t>
-            </a:r>
-            <a:r>
-              <a:rPr lang="en-GB" sz="2600" dirty="0"/>
-              <a:t>, </a:t>
-            </a:r>
-            <a:r>
-              <a:rPr lang="en-GB" sz="2600" dirty="0" err="1"/>
-              <a:t>elektromiografije</a:t>
-            </a:r>
-            <a:r>
-              <a:rPr lang="en-GB" sz="2600" dirty="0"/>
-              <a:t>, </a:t>
             </a:r>
             <a:r>
               <a:rPr lang="en-GB" sz="2600" dirty="0" err="1"/>
@@ -8471,8 +8423,8 @@
         </p:nvSpPr>
         <p:spPr>
           <a:xfrm>
-            <a:off x="0" y="58466"/>
-            <a:ext cx="14630400" cy="1292662"/>
+            <a:off x="0" y="458576"/>
+            <a:ext cx="14630400" cy="892552"/>
           </a:xfrm>
         </p:spPr>
         <p:txBody>
@@ -8485,11 +8437,11 @@
             </a:r>
             <a:r>
               <a:rPr lang="en-GB" sz="2600" dirty="0"/>
-              <a:t> Multiple Regression Analysis (MRA) </a:t>
-            </a:r>
-            <a:r>
-              <a:rPr lang="en-GB" sz="2600" dirty="0" err="1"/>
-              <a:t>modela</a:t>
+              <a:t> </a:t>
+            </a:r>
+            <a:r>
+              <a:rPr lang="hr-HR" sz="2600" dirty="0"/>
+              <a:t>neuronske mreže</a:t>
             </a:r>
             <a:r>
               <a:rPr lang="en-GB" sz="2600" dirty="0"/>
@@ -8588,32 +8540,8 @@
               <a:t>kože</a:t>
             </a:r>
             <a:r>
-              <a:rPr lang="en-GB" sz="2600" dirty="0"/>
-              <a:t>, </a:t>
-            </a:r>
-            <a:r>
-              <a:rPr lang="en-GB" sz="2600" dirty="0" err="1"/>
-              <a:t>srčane</a:t>
-            </a:r>
-            <a:r>
-              <a:rPr lang="en-GB" sz="2600" dirty="0"/>
+              <a:rPr lang="hr-HR" sz="2600" dirty="0"/>
               <a:t> </a:t>
-            </a:r>
-            <a:r>
-              <a:rPr lang="en-GB" sz="2600" dirty="0" err="1"/>
-              <a:t>aktivnosti</a:t>
-            </a:r>
-            <a:r>
-              <a:rPr lang="en-GB" sz="2600" dirty="0"/>
-              <a:t>, </a:t>
-            </a:r>
-            <a:r>
-              <a:rPr lang="en-GB" sz="2600" dirty="0" err="1"/>
-              <a:t>elektromiografije</a:t>
-            </a:r>
-            <a:r>
-              <a:rPr lang="en-GB" sz="2600" dirty="0"/>
-              <a:t>, </a:t>
             </a:r>
             <a:r>
               <a:rPr lang="en-GB" sz="2600" dirty="0" err="1"/>
@@ -12227,8 +12155,8 @@
         </p:nvSpPr>
         <p:spPr>
           <a:xfrm>
-            <a:off x="0" y="58466"/>
-            <a:ext cx="14630400" cy="1292662"/>
+            <a:off x="0" y="458576"/>
+            <a:ext cx="14630400" cy="892552"/>
           </a:xfrm>
         </p:spPr>
         <p:txBody>
@@ -12241,11 +12169,11 @@
             </a:r>
             <a:r>
               <a:rPr lang="en-GB" sz="2600" dirty="0"/>
-              <a:t> Multiple Regression Analysis (MRA) </a:t>
-            </a:r>
-            <a:r>
-              <a:rPr lang="en-GB" sz="2600" dirty="0" err="1"/>
-              <a:t>modela</a:t>
+              <a:t> </a:t>
+            </a:r>
+            <a:r>
+              <a:rPr lang="hr-HR" sz="2600" dirty="0"/>
+              <a:t>neuronske mreže</a:t>
             </a:r>
             <a:r>
               <a:rPr lang="en-GB" sz="2600" dirty="0"/>
@@ -12344,32 +12272,8 @@
               <a:t>kože</a:t>
             </a:r>
             <a:r>
-              <a:rPr lang="en-GB" sz="2600" dirty="0"/>
-              <a:t>, </a:t>
-            </a:r>
-            <a:r>
-              <a:rPr lang="en-GB" sz="2600" dirty="0" err="1"/>
-              <a:t>srčane</a:t>
-            </a:r>
-            <a:r>
-              <a:rPr lang="en-GB" sz="2600" dirty="0"/>
+              <a:rPr lang="hr-HR" sz="2600" dirty="0"/>
               <a:t> </a:t>
-            </a:r>
-            <a:r>
-              <a:rPr lang="en-GB" sz="2600" dirty="0" err="1"/>
-              <a:t>aktivnosti</a:t>
-            </a:r>
-            <a:r>
-              <a:rPr lang="en-GB" sz="2600" dirty="0"/>
-              <a:t>, </a:t>
-            </a:r>
-            <a:r>
-              <a:rPr lang="en-GB" sz="2600" dirty="0" err="1"/>
-              <a:t>elektromiografije</a:t>
-            </a:r>
-            <a:r>
-              <a:rPr lang="en-GB" sz="2600" dirty="0"/>
-              <a:t>, </a:t>
             </a:r>
             <a:r>
               <a:rPr lang="en-GB" sz="2600" dirty="0" err="1"/>
@@ -13987,8 +13891,8 @@
         </p:nvSpPr>
         <p:spPr>
           <a:xfrm>
-            <a:off x="0" y="58466"/>
-            <a:ext cx="14630400" cy="1292662"/>
+            <a:off x="0" y="458576"/>
+            <a:ext cx="14630400" cy="892552"/>
           </a:xfrm>
         </p:spPr>
         <p:txBody>
@@ -14001,11 +13905,11 @@
             </a:r>
             <a:r>
               <a:rPr lang="en-GB" sz="2600" dirty="0"/>
-              <a:t> Multiple Regression Analysis (MRA) </a:t>
-            </a:r>
-            <a:r>
-              <a:rPr lang="en-GB" sz="2600" dirty="0" err="1"/>
-              <a:t>modela</a:t>
+              <a:t> </a:t>
+            </a:r>
+            <a:r>
+              <a:rPr lang="hr-HR" sz="2600" dirty="0"/>
+              <a:t>neuronske mreže</a:t>
             </a:r>
             <a:r>
               <a:rPr lang="en-GB" sz="2600" dirty="0"/>
@@ -14104,32 +14008,8 @@
               <a:t>kože</a:t>
             </a:r>
             <a:r>
-              <a:rPr lang="en-GB" sz="2600" dirty="0"/>
-              <a:t>, </a:t>
-            </a:r>
-            <a:r>
-              <a:rPr lang="en-GB" sz="2600" dirty="0" err="1"/>
-              <a:t>srčane</a:t>
-            </a:r>
-            <a:r>
-              <a:rPr lang="en-GB" sz="2600" dirty="0"/>
+              <a:rPr lang="hr-HR" sz="2600" dirty="0"/>
               <a:t> </a:t>
-            </a:r>
-            <a:r>
-              <a:rPr lang="en-GB" sz="2600" dirty="0" err="1"/>
-              <a:t>aktivnosti</a:t>
-            </a:r>
-            <a:r>
-              <a:rPr lang="en-GB" sz="2600" dirty="0"/>
-              <a:t>, </a:t>
-            </a:r>
-            <a:r>
-              <a:rPr lang="en-GB" sz="2600" dirty="0" err="1"/>
-              <a:t>elektromiografije</a:t>
-            </a:r>
-            <a:r>
-              <a:rPr lang="en-GB" sz="2600" dirty="0"/>
-              <a:t>, </a:t>
             </a:r>
             <a:r>
               <a:rPr lang="en-GB" sz="2600" dirty="0" err="1"/>
@@ -14691,8 +14571,8 @@
         </p:nvSpPr>
         <p:spPr>
           <a:xfrm>
-            <a:off x="0" y="58466"/>
-            <a:ext cx="14630400" cy="1292662"/>
+            <a:off x="0" y="458576"/>
+            <a:ext cx="14630400" cy="892552"/>
           </a:xfrm>
         </p:spPr>
         <p:txBody>
@@ -14705,11 +14585,11 @@
             </a:r>
             <a:r>
               <a:rPr lang="en-GB" sz="2600" dirty="0"/>
-              <a:t> Multiple Regression Analysis (MRA) </a:t>
-            </a:r>
-            <a:r>
-              <a:rPr lang="en-GB" sz="2600" dirty="0" err="1"/>
-              <a:t>modela</a:t>
+              <a:t> </a:t>
+            </a:r>
+            <a:r>
+              <a:rPr lang="hr-HR" sz="2600" dirty="0"/>
+              <a:t>neuronske mreže</a:t>
             </a:r>
             <a:r>
               <a:rPr lang="en-GB" sz="2600" dirty="0"/>
@@ -14808,32 +14688,8 @@
               <a:t>kože</a:t>
             </a:r>
             <a:r>
-              <a:rPr lang="en-GB" sz="2600" dirty="0"/>
-              <a:t>, </a:t>
-            </a:r>
-            <a:r>
-              <a:rPr lang="en-GB" sz="2600" dirty="0" err="1"/>
-              <a:t>srčane</a:t>
-            </a:r>
-            <a:r>
-              <a:rPr lang="en-GB" sz="2600" dirty="0"/>
+              <a:rPr lang="hr-HR" sz="2600" dirty="0"/>
               <a:t> </a:t>
-            </a:r>
-            <a:r>
-              <a:rPr lang="en-GB" sz="2600" dirty="0" err="1"/>
-              <a:t>aktivnosti</a:t>
-            </a:r>
-            <a:r>
-              <a:rPr lang="en-GB" sz="2600" dirty="0"/>
-              <a:t>, </a:t>
-            </a:r>
-            <a:r>
-              <a:rPr lang="en-GB" sz="2600" dirty="0" err="1"/>
-              <a:t>elektromiografije</a:t>
-            </a:r>
-            <a:r>
-              <a:rPr lang="en-GB" sz="2600" dirty="0"/>
-              <a:t>, </a:t>
             </a:r>
             <a:r>
               <a:rPr lang="en-GB" sz="2600" dirty="0" err="1"/>
@@ -15302,8 +15158,8 @@
         </p:nvSpPr>
         <p:spPr>
           <a:xfrm>
-            <a:off x="0" y="58466"/>
-            <a:ext cx="14630400" cy="1292662"/>
+            <a:off x="0" y="458576"/>
+            <a:ext cx="14630400" cy="892552"/>
           </a:xfrm>
         </p:spPr>
         <p:txBody>
@@ -15316,11 +15172,11 @@
             </a:r>
             <a:r>
               <a:rPr lang="en-GB" sz="2600" dirty="0"/>
-              <a:t> Multiple Regression Analysis (MRA) </a:t>
-            </a:r>
-            <a:r>
-              <a:rPr lang="en-GB" sz="2600" dirty="0" err="1"/>
-              <a:t>modela</a:t>
+              <a:t> </a:t>
+            </a:r>
+            <a:r>
+              <a:rPr lang="hr-HR" sz="2600" dirty="0"/>
+              <a:t>neuronske mreže</a:t>
             </a:r>
             <a:r>
               <a:rPr lang="en-GB" sz="2600" dirty="0"/>
@@ -15419,32 +15275,8 @@
               <a:t>kože</a:t>
             </a:r>
             <a:r>
-              <a:rPr lang="en-GB" sz="2600" dirty="0"/>
-              <a:t>, </a:t>
-            </a:r>
-            <a:r>
-              <a:rPr lang="en-GB" sz="2600" dirty="0" err="1"/>
-              <a:t>srčane</a:t>
-            </a:r>
-            <a:r>
-              <a:rPr lang="en-GB" sz="2600" dirty="0"/>
+              <a:rPr lang="hr-HR" sz="2600" dirty="0"/>
               <a:t> </a:t>
-            </a:r>
-            <a:r>
-              <a:rPr lang="en-GB" sz="2600" dirty="0" err="1"/>
-              <a:t>aktivnosti</a:t>
-            </a:r>
-            <a:r>
-              <a:rPr lang="en-GB" sz="2600" dirty="0"/>
-              <a:t>, </a:t>
-            </a:r>
-            <a:r>
-              <a:rPr lang="en-GB" sz="2600" dirty="0" err="1"/>
-              <a:t>elektromiografije</a:t>
-            </a:r>
-            <a:r>
-              <a:rPr lang="en-GB" sz="2600" dirty="0"/>
-              <a:t>, </a:t>
             </a:r>
             <a:r>
               <a:rPr lang="en-GB" sz="2600" dirty="0" err="1"/>
@@ -15947,8 +15779,8 @@
         </p:nvSpPr>
         <p:spPr>
           <a:xfrm>
-            <a:off x="0" y="58466"/>
-            <a:ext cx="14630400" cy="1292662"/>
+            <a:off x="0" y="458576"/>
+            <a:ext cx="14630400" cy="892552"/>
           </a:xfrm>
         </p:spPr>
         <p:txBody>
@@ -15961,11 +15793,11 @@
             </a:r>
             <a:r>
               <a:rPr lang="en-GB" sz="2600" dirty="0"/>
-              <a:t> Multiple Regression Analysis (MRA) </a:t>
-            </a:r>
-            <a:r>
-              <a:rPr lang="en-GB" sz="2600" dirty="0" err="1"/>
-              <a:t>modela</a:t>
+              <a:t> </a:t>
+            </a:r>
+            <a:r>
+              <a:rPr lang="hr-HR" sz="2600" dirty="0"/>
+              <a:t>neuronske mreže</a:t>
             </a:r>
             <a:r>
               <a:rPr lang="en-GB" sz="2600" dirty="0"/>
@@ -16064,32 +15896,8 @@
               <a:t>kože</a:t>
             </a:r>
             <a:r>
-              <a:rPr lang="en-GB" sz="2600" dirty="0"/>
-              <a:t>, </a:t>
-            </a:r>
-            <a:r>
-              <a:rPr lang="en-GB" sz="2600" dirty="0" err="1"/>
-              <a:t>srčane</a:t>
-            </a:r>
-            <a:r>
-              <a:rPr lang="en-GB" sz="2600" dirty="0"/>
+              <a:rPr lang="hr-HR" sz="2600" dirty="0"/>
               <a:t> </a:t>
-            </a:r>
-            <a:r>
-              <a:rPr lang="en-GB" sz="2600" dirty="0" err="1"/>
-              <a:t>aktivnosti</a:t>
-            </a:r>
-            <a:r>
-              <a:rPr lang="en-GB" sz="2600" dirty="0"/>
-              <a:t>, </a:t>
-            </a:r>
-            <a:r>
-              <a:rPr lang="en-GB" sz="2600" dirty="0" err="1"/>
-              <a:t>elektromiografije</a:t>
-            </a:r>
-            <a:r>
-              <a:rPr lang="en-GB" sz="2600" dirty="0"/>
-              <a:t>, </a:t>
             </a:r>
             <a:r>
               <a:rPr lang="en-GB" sz="2600" dirty="0" err="1"/>
@@ -16176,36 +15984,6 @@
           </a:p>
         </p:txBody>
       </p:sp>
-      <p:pic>
-        <p:nvPicPr>
-          <p:cNvPr id="5" name="Picture 4">
-            <a:extLst>
-              <a:ext uri="{FF2B5EF4-FFF2-40B4-BE49-F238E27FC236}">
-                <a16:creationId xmlns:a16="http://schemas.microsoft.com/office/drawing/2014/main" id="{64D31FF2-8206-106F-53F7-4B6014F94B8F}"/>
-              </a:ext>
-            </a:extLst>
-          </p:cNvPr>
-          <p:cNvPicPr>
-            <a:picLocks noChangeAspect="1"/>
-          </p:cNvPicPr>
-          <p:nvPr/>
-        </p:nvPicPr>
-        <p:blipFill>
-          <a:blip r:embed="rId2"/>
-          <a:stretch>
-            <a:fillRect/>
-          </a:stretch>
-        </p:blipFill>
-        <p:spPr>
-          <a:xfrm>
-            <a:off x="172720" y="2104637"/>
-            <a:ext cx="11459244" cy="5933893"/>
-          </a:xfrm>
-          <a:prstGeom prst="rect">
-            <a:avLst/>
-          </a:prstGeom>
-        </p:spPr>
-      </p:pic>
       <p:sp>
         <p:nvSpPr>
           <p:cNvPr id="9" name="Content Placeholder 7">
@@ -16477,6 +16255,42 @@
           </a:p>
         </p:txBody>
       </p:sp>
+      <p:pic>
+        <p:nvPicPr>
+          <p:cNvPr id="7" name="Picture 6" descr="A group of red dots&#10;&#10;Description automatically generated">
+            <a:extLst>
+              <a:ext uri="{FF2B5EF4-FFF2-40B4-BE49-F238E27FC236}">
+                <a16:creationId xmlns:a16="http://schemas.microsoft.com/office/drawing/2014/main" id="{AFE9EE04-88C6-C74A-451F-6B07B6CD3588}"/>
+              </a:ext>
+            </a:extLst>
+          </p:cNvPr>
+          <p:cNvPicPr>
+            <a:picLocks noChangeAspect="1"/>
+          </p:cNvPicPr>
+          <p:nvPr/>
+        </p:nvPicPr>
+        <p:blipFill>
+          <a:blip r:embed="rId2">
+            <a:extLst>
+              <a:ext uri="{28A0092B-C50C-407E-A947-70E740481C1C}">
+                <a14:useLocalDpi xmlns:a14="http://schemas.microsoft.com/office/drawing/2010/main" val="0"/>
+              </a:ext>
+            </a:extLst>
+          </a:blip>
+          <a:stretch>
+            <a:fillRect/>
+          </a:stretch>
+        </p:blipFill>
+        <p:spPr>
+          <a:xfrm>
+            <a:off x="614680" y="2403438"/>
+            <a:ext cx="9433560" cy="5652935"/>
+          </a:xfrm>
+          <a:prstGeom prst="rect">
+            <a:avLst/>
+          </a:prstGeom>
+        </p:spPr>
+      </p:pic>
     </p:spTree>
     <p:extLst>
       <p:ext uri="{BB962C8B-B14F-4D97-AF65-F5344CB8AC3E}">
@@ -16531,8 +16345,8 @@
         </p:nvSpPr>
         <p:spPr>
           <a:xfrm>
-            <a:off x="0" y="58466"/>
-            <a:ext cx="14630400" cy="1292662"/>
+            <a:off x="0" y="458576"/>
+            <a:ext cx="14630400" cy="892552"/>
           </a:xfrm>
         </p:spPr>
         <p:txBody>
@@ -16545,11 +16359,11 @@
             </a:r>
             <a:r>
               <a:rPr lang="en-GB" sz="2600" dirty="0"/>
-              <a:t> Multiple Regression Analysis (MRA) </a:t>
-            </a:r>
-            <a:r>
-              <a:rPr lang="en-GB" sz="2600" dirty="0" err="1"/>
-              <a:t>modela</a:t>
+              <a:t> </a:t>
+            </a:r>
+            <a:r>
+              <a:rPr lang="hr-HR" sz="2600" dirty="0"/>
+              <a:t>neuronske mreže</a:t>
             </a:r>
             <a:r>
               <a:rPr lang="en-GB" sz="2600" dirty="0"/>
@@ -16648,32 +16462,8 @@
               <a:t>kože</a:t>
             </a:r>
             <a:r>
-              <a:rPr lang="en-GB" sz="2600" dirty="0"/>
-              <a:t>, </a:t>
-            </a:r>
-            <a:r>
-              <a:rPr lang="en-GB" sz="2600" dirty="0" err="1"/>
-              <a:t>srčane</a:t>
-            </a:r>
-            <a:r>
-              <a:rPr lang="en-GB" sz="2600" dirty="0"/>
+              <a:rPr lang="hr-HR" sz="2600" dirty="0"/>
               <a:t> </a:t>
-            </a:r>
-            <a:r>
-              <a:rPr lang="en-GB" sz="2600" dirty="0" err="1"/>
-              <a:t>aktivnosti</a:t>
-            </a:r>
-            <a:r>
-              <a:rPr lang="en-GB" sz="2600" dirty="0"/>
-              <a:t>, </a:t>
-            </a:r>
-            <a:r>
-              <a:rPr lang="en-GB" sz="2600" dirty="0" err="1"/>
-              <a:t>elektromiografije</a:t>
-            </a:r>
-            <a:r>
-              <a:rPr lang="en-GB" sz="2600" dirty="0"/>
-              <a:t>, </a:t>
             </a:r>
             <a:r>
               <a:rPr lang="en-GB" sz="2600" dirty="0" err="1"/>
@@ -17170,8 +16960,8 @@
         </p:nvSpPr>
         <p:spPr>
           <a:xfrm>
-            <a:off x="0" y="58466"/>
-            <a:ext cx="14630400" cy="1292662"/>
+            <a:off x="0" y="458576"/>
+            <a:ext cx="14630400" cy="892552"/>
           </a:xfrm>
         </p:spPr>
         <p:txBody>
@@ -17184,11 +16974,11 @@
             </a:r>
             <a:r>
               <a:rPr lang="en-GB" sz="2600" dirty="0"/>
-              <a:t> Multiple Regression Analysis (MRA) </a:t>
-            </a:r>
-            <a:r>
-              <a:rPr lang="en-GB" sz="2600" dirty="0" err="1"/>
-              <a:t>modela</a:t>
+              <a:t> </a:t>
+            </a:r>
+            <a:r>
+              <a:rPr lang="hr-HR" sz="2600" dirty="0"/>
+              <a:t>neuronske mreže</a:t>
             </a:r>
             <a:r>
               <a:rPr lang="en-GB" sz="2600" dirty="0"/>
@@ -17287,32 +17077,8 @@
               <a:t>kože</a:t>
             </a:r>
             <a:r>
-              <a:rPr lang="en-GB" sz="2600" dirty="0"/>
-              <a:t>, </a:t>
-            </a:r>
-            <a:r>
-              <a:rPr lang="en-GB" sz="2600" dirty="0" err="1"/>
-              <a:t>srčane</a:t>
-            </a:r>
-            <a:r>
-              <a:rPr lang="en-GB" sz="2600" dirty="0"/>
+              <a:rPr lang="hr-HR" sz="2600" dirty="0"/>
               <a:t> </a:t>
-            </a:r>
-            <a:r>
-              <a:rPr lang="en-GB" sz="2600" dirty="0" err="1"/>
-              <a:t>aktivnosti</a:t>
-            </a:r>
-            <a:r>
-              <a:rPr lang="en-GB" sz="2600" dirty="0"/>
-              <a:t>, </a:t>
-            </a:r>
-            <a:r>
-              <a:rPr lang="en-GB" sz="2600" dirty="0" err="1"/>
-              <a:t>elektromiografije</a:t>
-            </a:r>
-            <a:r>
-              <a:rPr lang="en-GB" sz="2600" dirty="0"/>
-              <a:t>, </a:t>
             </a:r>
             <a:r>
               <a:rPr lang="en-GB" sz="2600" dirty="0" err="1"/>
@@ -18170,8 +17936,8 @@
         </p:nvSpPr>
         <p:spPr>
           <a:xfrm>
-            <a:off x="0" y="58466"/>
-            <a:ext cx="14630400" cy="1292662"/>
+            <a:off x="0" y="458576"/>
+            <a:ext cx="14630400" cy="892552"/>
           </a:xfrm>
         </p:spPr>
         <p:txBody>
@@ -18184,11 +17950,11 @@
             </a:r>
             <a:r>
               <a:rPr lang="en-GB" sz="2600" dirty="0"/>
-              <a:t> Multiple Regression Analysis (MRA) </a:t>
-            </a:r>
-            <a:r>
-              <a:rPr lang="en-GB" sz="2600" dirty="0" err="1"/>
-              <a:t>modela</a:t>
+              <a:t> </a:t>
+            </a:r>
+            <a:r>
+              <a:rPr lang="hr-HR" sz="2600" dirty="0"/>
+              <a:t>neuronske mreže</a:t>
             </a:r>
             <a:r>
               <a:rPr lang="en-GB" sz="2600" dirty="0"/>
@@ -18287,32 +18053,8 @@
               <a:t>kože</a:t>
             </a:r>
             <a:r>
-              <a:rPr lang="en-GB" sz="2600" dirty="0"/>
-              <a:t>, </a:t>
-            </a:r>
-            <a:r>
-              <a:rPr lang="en-GB" sz="2600" dirty="0" err="1"/>
-              <a:t>srčane</a:t>
-            </a:r>
-            <a:r>
-              <a:rPr lang="en-GB" sz="2600" dirty="0"/>
+              <a:rPr lang="hr-HR" sz="2600" dirty="0"/>
               <a:t> </a:t>
-            </a:r>
-            <a:r>
-              <a:rPr lang="en-GB" sz="2600" dirty="0" err="1"/>
-              <a:t>aktivnosti</a:t>
-            </a:r>
-            <a:r>
-              <a:rPr lang="en-GB" sz="2600" dirty="0"/>
-              <a:t>, </a:t>
-            </a:r>
-            <a:r>
-              <a:rPr lang="en-GB" sz="2600" dirty="0" err="1"/>
-              <a:t>elektromiografije</a:t>
-            </a:r>
-            <a:r>
-              <a:rPr lang="en-GB" sz="2600" dirty="0"/>
-              <a:t>, </a:t>
             </a:r>
             <a:r>
               <a:rPr lang="en-GB" sz="2600" dirty="0" err="1"/>
@@ -19862,8 +19604,8 @@
         </p:nvSpPr>
         <p:spPr>
           <a:xfrm>
-            <a:off x="0" y="58466"/>
-            <a:ext cx="14630400" cy="1292662"/>
+            <a:off x="0" y="458576"/>
+            <a:ext cx="14630400" cy="892552"/>
           </a:xfrm>
         </p:spPr>
         <p:txBody>
@@ -19876,11 +19618,11 @@
             </a:r>
             <a:r>
               <a:rPr lang="en-GB" sz="2600" dirty="0"/>
-              <a:t> Multiple Regression Analysis (MRA) </a:t>
-            </a:r>
-            <a:r>
-              <a:rPr lang="en-GB" sz="2600" dirty="0" err="1"/>
-              <a:t>modela</a:t>
+              <a:t> </a:t>
+            </a:r>
+            <a:r>
+              <a:rPr lang="hr-HR" sz="2600" dirty="0"/>
+              <a:t>neuronske mreže</a:t>
             </a:r>
             <a:r>
               <a:rPr lang="en-GB" sz="2600" dirty="0"/>
@@ -19979,32 +19721,8 @@
               <a:t>kože</a:t>
             </a:r>
             <a:r>
-              <a:rPr lang="en-GB" sz="2600" dirty="0"/>
-              <a:t>, </a:t>
-            </a:r>
-            <a:r>
-              <a:rPr lang="en-GB" sz="2600" dirty="0" err="1"/>
-              <a:t>srčane</a:t>
-            </a:r>
-            <a:r>
-              <a:rPr lang="en-GB" sz="2600" dirty="0"/>
+              <a:rPr lang="hr-HR" sz="2600" dirty="0"/>
               <a:t> </a:t>
-            </a:r>
-            <a:r>
-              <a:rPr lang="en-GB" sz="2600" dirty="0" err="1"/>
-              <a:t>aktivnosti</a:t>
-            </a:r>
-            <a:r>
-              <a:rPr lang="en-GB" sz="2600" dirty="0"/>
-              <a:t>, </a:t>
-            </a:r>
-            <a:r>
-              <a:rPr lang="en-GB" sz="2600" dirty="0" err="1"/>
-              <a:t>elektromiografije</a:t>
-            </a:r>
-            <a:r>
-              <a:rPr lang="en-GB" sz="2600" dirty="0"/>
-              <a:t>, </a:t>
             </a:r>
             <a:r>
               <a:rPr lang="en-GB" sz="2600" dirty="0" err="1"/>
@@ -20364,8 +20082,8 @@
         </p:nvSpPr>
         <p:spPr>
           <a:xfrm>
-            <a:off x="0" y="58466"/>
-            <a:ext cx="14630400" cy="1292662"/>
+            <a:off x="0" y="458576"/>
+            <a:ext cx="14630400" cy="892552"/>
           </a:xfrm>
         </p:spPr>
         <p:txBody>
@@ -20378,11 +20096,11 @@
             </a:r>
             <a:r>
               <a:rPr lang="en-GB" sz="2600" dirty="0"/>
-              <a:t> Multiple Regression Analysis (MRA) </a:t>
-            </a:r>
-            <a:r>
-              <a:rPr lang="en-GB" sz="2600" dirty="0" err="1"/>
-              <a:t>modela</a:t>
+              <a:t> </a:t>
+            </a:r>
+            <a:r>
+              <a:rPr lang="hr-HR" sz="2600" dirty="0"/>
+              <a:t>neuronske mreže</a:t>
             </a:r>
             <a:r>
               <a:rPr lang="en-GB" sz="2600" dirty="0"/>
@@ -20481,32 +20199,8 @@
               <a:t>kože</a:t>
             </a:r>
             <a:r>
-              <a:rPr lang="en-GB" sz="2600" dirty="0"/>
-              <a:t>, </a:t>
-            </a:r>
-            <a:r>
-              <a:rPr lang="en-GB" sz="2600" dirty="0" err="1"/>
-              <a:t>srčane</a:t>
-            </a:r>
-            <a:r>
-              <a:rPr lang="en-GB" sz="2600" dirty="0"/>
+              <a:rPr lang="hr-HR" sz="2600" dirty="0"/>
               <a:t> </a:t>
-            </a:r>
-            <a:r>
-              <a:rPr lang="en-GB" sz="2600" dirty="0" err="1"/>
-              <a:t>aktivnosti</a:t>
-            </a:r>
-            <a:r>
-              <a:rPr lang="en-GB" sz="2600" dirty="0"/>
-              <a:t>, </a:t>
-            </a:r>
-            <a:r>
-              <a:rPr lang="en-GB" sz="2600" dirty="0" err="1"/>
-              <a:t>elektromiografije</a:t>
-            </a:r>
-            <a:r>
-              <a:rPr lang="en-GB" sz="2600" dirty="0"/>
-              <a:t>, </a:t>
             </a:r>
             <a:r>
               <a:rPr lang="en-GB" sz="2600" dirty="0" err="1"/>
@@ -20866,8 +20560,8 @@
         </p:nvSpPr>
         <p:spPr>
           <a:xfrm>
-            <a:off x="0" y="58466"/>
-            <a:ext cx="14630400" cy="1292662"/>
+            <a:off x="0" y="458576"/>
+            <a:ext cx="14630400" cy="892552"/>
           </a:xfrm>
         </p:spPr>
         <p:txBody>
@@ -20880,11 +20574,11 @@
             </a:r>
             <a:r>
               <a:rPr lang="en-GB" sz="2600" dirty="0"/>
-              <a:t> Multiple Regression Analysis (MRA) </a:t>
-            </a:r>
-            <a:r>
-              <a:rPr lang="en-GB" sz="2600" dirty="0" err="1"/>
-              <a:t>modela</a:t>
+              <a:t> </a:t>
+            </a:r>
+            <a:r>
+              <a:rPr lang="hr-HR" sz="2600" dirty="0"/>
+              <a:t>neuronske mreže</a:t>
             </a:r>
             <a:r>
               <a:rPr lang="en-GB" sz="2600" dirty="0"/>
@@ -20983,32 +20677,8 @@
               <a:t>kože</a:t>
             </a:r>
             <a:r>
-              <a:rPr lang="en-GB" sz="2600" dirty="0"/>
-              <a:t>, </a:t>
-            </a:r>
-            <a:r>
-              <a:rPr lang="en-GB" sz="2600" dirty="0" err="1"/>
-              <a:t>srčane</a:t>
-            </a:r>
-            <a:r>
-              <a:rPr lang="en-GB" sz="2600" dirty="0"/>
+              <a:rPr lang="hr-HR" sz="2600" dirty="0"/>
               <a:t> </a:t>
-            </a:r>
-            <a:r>
-              <a:rPr lang="en-GB" sz="2600" dirty="0" err="1"/>
-              <a:t>aktivnosti</a:t>
-            </a:r>
-            <a:r>
-              <a:rPr lang="en-GB" sz="2600" dirty="0"/>
-              <a:t>, </a:t>
-            </a:r>
-            <a:r>
-              <a:rPr lang="en-GB" sz="2600" dirty="0" err="1"/>
-              <a:t>elektromiografije</a:t>
-            </a:r>
-            <a:r>
-              <a:rPr lang="en-GB" sz="2600" dirty="0"/>
-              <a:t>, </a:t>
             </a:r>
             <a:r>
               <a:rPr lang="en-GB" sz="2600" dirty="0" err="1"/>
@@ -21715,8 +21385,8 @@
         </p:nvSpPr>
         <p:spPr>
           <a:xfrm>
-            <a:off x="0" y="58466"/>
-            <a:ext cx="14630400" cy="1292662"/>
+            <a:off x="0" y="458576"/>
+            <a:ext cx="14630400" cy="892552"/>
           </a:xfrm>
         </p:spPr>
         <p:txBody>
@@ -21729,11 +21399,11 @@
             </a:r>
             <a:r>
               <a:rPr lang="en-GB" sz="2600" dirty="0"/>
-              <a:t> Multiple Regression Analysis (MRA) </a:t>
-            </a:r>
-            <a:r>
-              <a:rPr lang="en-GB" sz="2600" dirty="0" err="1"/>
-              <a:t>modela</a:t>
+              <a:t> </a:t>
+            </a:r>
+            <a:r>
+              <a:rPr lang="hr-HR" sz="2600" dirty="0"/>
+              <a:t>neuronske mreže</a:t>
             </a:r>
             <a:r>
               <a:rPr lang="en-GB" sz="2600" dirty="0"/>
@@ -21832,32 +21502,8 @@
               <a:t>kože</a:t>
             </a:r>
             <a:r>
-              <a:rPr lang="en-GB" sz="2600" dirty="0"/>
-              <a:t>, </a:t>
-            </a:r>
-            <a:r>
-              <a:rPr lang="en-GB" sz="2600" dirty="0" err="1"/>
-              <a:t>srčane</a:t>
-            </a:r>
-            <a:r>
-              <a:rPr lang="en-GB" sz="2600" dirty="0"/>
+              <a:rPr lang="hr-HR" sz="2600" dirty="0"/>
               <a:t> </a:t>
-            </a:r>
-            <a:r>
-              <a:rPr lang="en-GB" sz="2600" dirty="0" err="1"/>
-              <a:t>aktivnosti</a:t>
-            </a:r>
-            <a:r>
-              <a:rPr lang="en-GB" sz="2600" dirty="0"/>
-              <a:t>, </a:t>
-            </a:r>
-            <a:r>
-              <a:rPr lang="en-GB" sz="2600" dirty="0" err="1"/>
-              <a:t>elektromiografije</a:t>
-            </a:r>
-            <a:r>
-              <a:rPr lang="en-GB" sz="2600" dirty="0"/>
-              <a:t>, </a:t>
             </a:r>
             <a:r>
               <a:rPr lang="en-GB" sz="2600" dirty="0" err="1"/>
@@ -22313,8 +21959,8 @@
         </p:nvSpPr>
         <p:spPr>
           <a:xfrm>
-            <a:off x="0" y="58466"/>
-            <a:ext cx="14630400" cy="1292662"/>
+            <a:off x="0" y="458576"/>
+            <a:ext cx="14630400" cy="892552"/>
           </a:xfrm>
         </p:spPr>
         <p:txBody>
@@ -22327,11 +21973,11 @@
             </a:r>
             <a:r>
               <a:rPr lang="en-GB" sz="2600" dirty="0"/>
-              <a:t> Multiple Regression Analysis (MRA) </a:t>
-            </a:r>
-            <a:r>
-              <a:rPr lang="en-GB" sz="2600" dirty="0" err="1"/>
-              <a:t>modela</a:t>
+              <a:t> </a:t>
+            </a:r>
+            <a:r>
+              <a:rPr lang="hr-HR" sz="2600" dirty="0"/>
+              <a:t>neuronske mreže</a:t>
             </a:r>
             <a:r>
               <a:rPr lang="en-GB" sz="2600" dirty="0"/>
@@ -22430,32 +22076,8 @@
               <a:t>kože</a:t>
             </a:r>
             <a:r>
-              <a:rPr lang="en-GB" sz="2600" dirty="0"/>
-              <a:t>, </a:t>
-            </a:r>
-            <a:r>
-              <a:rPr lang="en-GB" sz="2600" dirty="0" err="1"/>
-              <a:t>srčane</a:t>
-            </a:r>
-            <a:r>
-              <a:rPr lang="en-GB" sz="2600" dirty="0"/>
+              <a:rPr lang="hr-HR" sz="2600" dirty="0"/>
               <a:t> </a:t>
-            </a:r>
-            <a:r>
-              <a:rPr lang="en-GB" sz="2600" dirty="0" err="1"/>
-              <a:t>aktivnosti</a:t>
-            </a:r>
-            <a:r>
-              <a:rPr lang="en-GB" sz="2600" dirty="0"/>
-              <a:t>, </a:t>
-            </a:r>
-            <a:r>
-              <a:rPr lang="en-GB" sz="2600" dirty="0" err="1"/>
-              <a:t>elektromiografije</a:t>
-            </a:r>
-            <a:r>
-              <a:rPr lang="en-GB" sz="2600" dirty="0"/>
-              <a:t>, </a:t>
             </a:r>
             <a:r>
               <a:rPr lang="en-GB" sz="2600" dirty="0" err="1"/>
@@ -22885,8 +22507,8 @@
         </p:nvSpPr>
         <p:spPr>
           <a:xfrm>
-            <a:off x="0" y="58466"/>
-            <a:ext cx="14630400" cy="1292662"/>
+            <a:off x="0" y="458576"/>
+            <a:ext cx="14630400" cy="892552"/>
           </a:xfrm>
         </p:spPr>
         <p:txBody>
@@ -22899,11 +22521,11 @@
             </a:r>
             <a:r>
               <a:rPr lang="en-GB" sz="2600" dirty="0"/>
-              <a:t> Multiple Regression Analysis (MRA) </a:t>
-            </a:r>
-            <a:r>
-              <a:rPr lang="en-GB" sz="2600" dirty="0" err="1"/>
-              <a:t>modela</a:t>
+              <a:t> </a:t>
+            </a:r>
+            <a:r>
+              <a:rPr lang="hr-HR" sz="2600" dirty="0"/>
+              <a:t>neuronske mreže</a:t>
             </a:r>
             <a:r>
               <a:rPr lang="en-GB" sz="2600" dirty="0"/>
@@ -23002,32 +22624,8 @@
               <a:t>kože</a:t>
             </a:r>
             <a:r>
-              <a:rPr lang="en-GB" sz="2600" dirty="0"/>
-              <a:t>, </a:t>
-            </a:r>
-            <a:r>
-              <a:rPr lang="en-GB" sz="2600" dirty="0" err="1"/>
-              <a:t>srčane</a:t>
-            </a:r>
-            <a:r>
-              <a:rPr lang="en-GB" sz="2600" dirty="0"/>
+              <a:rPr lang="hr-HR" sz="2600" dirty="0"/>
               <a:t> </a:t>
-            </a:r>
-            <a:r>
-              <a:rPr lang="en-GB" sz="2600" dirty="0" err="1"/>
-              <a:t>aktivnosti</a:t>
-            </a:r>
-            <a:r>
-              <a:rPr lang="en-GB" sz="2600" dirty="0"/>
-              <a:t>, </a:t>
-            </a:r>
-            <a:r>
-              <a:rPr lang="en-GB" sz="2600" dirty="0" err="1"/>
-              <a:t>elektromiografije</a:t>
-            </a:r>
-            <a:r>
-              <a:rPr lang="en-GB" sz="2600" dirty="0"/>
-              <a:t>, </a:t>
             </a:r>
             <a:r>
               <a:rPr lang="en-GB" sz="2600" dirty="0" err="1"/>
@@ -23501,8 +23099,8 @@
         </p:nvSpPr>
         <p:spPr>
           <a:xfrm>
-            <a:off x="0" y="58466"/>
-            <a:ext cx="14630400" cy="1292662"/>
+            <a:off x="0" y="458576"/>
+            <a:ext cx="14630400" cy="892552"/>
           </a:xfrm>
         </p:spPr>
         <p:txBody>
@@ -23515,11 +23113,11 @@
             </a:r>
             <a:r>
               <a:rPr lang="en-GB" sz="2600" dirty="0"/>
-              <a:t> Multiple Regression Analysis (MRA) </a:t>
-            </a:r>
-            <a:r>
-              <a:rPr lang="en-GB" sz="2600" dirty="0" err="1"/>
-              <a:t>modela</a:t>
+              <a:t> </a:t>
+            </a:r>
+            <a:r>
+              <a:rPr lang="hr-HR" sz="2600" dirty="0"/>
+              <a:t>neuronske mreže</a:t>
             </a:r>
             <a:r>
               <a:rPr lang="en-GB" sz="2600" dirty="0"/>
@@ -23618,32 +23216,8 @@
               <a:t>kože</a:t>
             </a:r>
             <a:r>
-              <a:rPr lang="en-GB" sz="2600" dirty="0"/>
-              <a:t>, </a:t>
-            </a:r>
-            <a:r>
-              <a:rPr lang="en-GB" sz="2600" dirty="0" err="1"/>
-              <a:t>srčane</a:t>
-            </a:r>
-            <a:r>
-              <a:rPr lang="en-GB" sz="2600" dirty="0"/>
+              <a:rPr lang="hr-HR" sz="2600" dirty="0"/>
               <a:t> </a:t>
-            </a:r>
-            <a:r>
-              <a:rPr lang="en-GB" sz="2600" dirty="0" err="1"/>
-              <a:t>aktivnosti</a:t>
-            </a:r>
-            <a:r>
-              <a:rPr lang="en-GB" sz="2600" dirty="0"/>
-              <a:t>, </a:t>
-            </a:r>
-            <a:r>
-              <a:rPr lang="en-GB" sz="2600" dirty="0" err="1"/>
-              <a:t>elektromiografije</a:t>
-            </a:r>
-            <a:r>
-              <a:rPr lang="en-GB" sz="2600" dirty="0"/>
-              <a:t>, </a:t>
             </a:r>
             <a:r>
               <a:rPr lang="en-GB" sz="2600" dirty="0" err="1"/>
@@ -24072,8 +23646,8 @@
         </p:nvSpPr>
         <p:spPr>
           <a:xfrm>
-            <a:off x="0" y="58466"/>
-            <a:ext cx="14630400" cy="1292662"/>
+            <a:off x="0" y="458576"/>
+            <a:ext cx="14630400" cy="892552"/>
           </a:xfrm>
         </p:spPr>
         <p:txBody>
@@ -24086,11 +23660,11 @@
             </a:r>
             <a:r>
               <a:rPr lang="en-GB" sz="2600" dirty="0"/>
-              <a:t> Multiple Regression Analysis (MRA) </a:t>
-            </a:r>
-            <a:r>
-              <a:rPr lang="en-GB" sz="2600" dirty="0" err="1"/>
-              <a:t>modela</a:t>
+              <a:t> </a:t>
+            </a:r>
+            <a:r>
+              <a:rPr lang="hr-HR" sz="2600" dirty="0"/>
+              <a:t>neuronske mreže</a:t>
             </a:r>
             <a:r>
               <a:rPr lang="en-GB" sz="2600" dirty="0"/>
@@ -24189,32 +23763,8 @@
               <a:t>kože</a:t>
             </a:r>
             <a:r>
-              <a:rPr lang="en-GB" sz="2600" dirty="0"/>
-              <a:t>, </a:t>
-            </a:r>
-            <a:r>
-              <a:rPr lang="en-GB" sz="2600" dirty="0" err="1"/>
-              <a:t>srčane</a:t>
-            </a:r>
-            <a:r>
-              <a:rPr lang="en-GB" sz="2600" dirty="0"/>
+              <a:rPr lang="hr-HR" sz="2600" dirty="0"/>
               <a:t> </a:t>
-            </a:r>
-            <a:r>
-              <a:rPr lang="en-GB" sz="2600" dirty="0" err="1"/>
-              <a:t>aktivnosti</a:t>
-            </a:r>
-            <a:r>
-              <a:rPr lang="en-GB" sz="2600" dirty="0"/>
-              <a:t>, </a:t>
-            </a:r>
-            <a:r>
-              <a:rPr lang="en-GB" sz="2600" dirty="0" err="1"/>
-              <a:t>elektromiografije</a:t>
-            </a:r>
-            <a:r>
-              <a:rPr lang="en-GB" sz="2600" dirty="0"/>
-              <a:t>, </a:t>
             </a:r>
             <a:r>
               <a:rPr lang="en-GB" sz="2600" dirty="0" err="1"/>
@@ -24610,8 +24160,8 @@
         </p:nvSpPr>
         <p:spPr>
           <a:xfrm>
-            <a:off x="0" y="58466"/>
-            <a:ext cx="14630400" cy="1292662"/>
+            <a:off x="0" y="458576"/>
+            <a:ext cx="14630400" cy="892552"/>
           </a:xfrm>
         </p:spPr>
         <p:txBody>
@@ -24624,11 +24174,11 @@
             </a:r>
             <a:r>
               <a:rPr lang="en-GB" sz="2600" dirty="0"/>
-              <a:t> Multiple Regression Analysis (MRA) </a:t>
-            </a:r>
-            <a:r>
-              <a:rPr lang="en-GB" sz="2600" dirty="0" err="1"/>
-              <a:t>modela</a:t>
+              <a:t> </a:t>
+            </a:r>
+            <a:r>
+              <a:rPr lang="hr-HR" sz="2600" dirty="0"/>
+              <a:t>neuronske mreže</a:t>
             </a:r>
             <a:r>
               <a:rPr lang="en-GB" sz="2600" dirty="0"/>
@@ -24727,32 +24277,8 @@
               <a:t>kože</a:t>
             </a:r>
             <a:r>
-              <a:rPr lang="en-GB" sz="2600" dirty="0"/>
-              <a:t>, </a:t>
-            </a:r>
-            <a:r>
-              <a:rPr lang="en-GB" sz="2600" dirty="0" err="1"/>
-              <a:t>srčane</a:t>
-            </a:r>
-            <a:r>
-              <a:rPr lang="en-GB" sz="2600" dirty="0"/>
+              <a:rPr lang="hr-HR" sz="2600" dirty="0"/>
               <a:t> </a:t>
-            </a:r>
-            <a:r>
-              <a:rPr lang="en-GB" sz="2600" dirty="0" err="1"/>
-              <a:t>aktivnosti</a:t>
-            </a:r>
-            <a:r>
-              <a:rPr lang="en-GB" sz="2600" dirty="0"/>
-              <a:t>, </a:t>
-            </a:r>
-            <a:r>
-              <a:rPr lang="en-GB" sz="2600" dirty="0" err="1"/>
-              <a:t>elektromiografije</a:t>
-            </a:r>
-            <a:r>
-              <a:rPr lang="en-GB" sz="2600" dirty="0"/>
-              <a:t>, </a:t>
             </a:r>
             <a:r>
               <a:rPr lang="en-GB" sz="2600" dirty="0" err="1"/>
@@ -25105,8 +24631,8 @@
         </p:nvSpPr>
         <p:spPr>
           <a:xfrm>
-            <a:off x="0" y="58466"/>
-            <a:ext cx="14630400" cy="1292662"/>
+            <a:off x="0" y="458576"/>
+            <a:ext cx="14630400" cy="892552"/>
           </a:xfrm>
         </p:spPr>
         <p:txBody>
@@ -25119,11 +24645,11 @@
             </a:r>
             <a:r>
               <a:rPr lang="en-GB" sz="2600" dirty="0"/>
-              <a:t> Multiple Regression Analysis (MRA) </a:t>
-            </a:r>
-            <a:r>
-              <a:rPr lang="en-GB" sz="2600" dirty="0" err="1"/>
-              <a:t>modela</a:t>
+              <a:t> </a:t>
+            </a:r>
+            <a:r>
+              <a:rPr lang="hr-HR" sz="2600" dirty="0"/>
+              <a:t>neuronske mreže</a:t>
             </a:r>
             <a:r>
               <a:rPr lang="en-GB" sz="2600" dirty="0"/>
@@ -25222,32 +24748,8 @@
               <a:t>kože</a:t>
             </a:r>
             <a:r>
-              <a:rPr lang="en-GB" sz="2600" dirty="0"/>
-              <a:t>, </a:t>
-            </a:r>
-            <a:r>
-              <a:rPr lang="en-GB" sz="2600" dirty="0" err="1"/>
-              <a:t>srčane</a:t>
-            </a:r>
-            <a:r>
-              <a:rPr lang="en-GB" sz="2600" dirty="0"/>
+              <a:rPr lang="hr-HR" sz="2600" dirty="0"/>
               <a:t> </a:t>
-            </a:r>
-            <a:r>
-              <a:rPr lang="en-GB" sz="2600" dirty="0" err="1"/>
-              <a:t>aktivnosti</a:t>
-            </a:r>
-            <a:r>
-              <a:rPr lang="en-GB" sz="2600" dirty="0"/>
-              <a:t>, </a:t>
-            </a:r>
-            <a:r>
-              <a:rPr lang="en-GB" sz="2600" dirty="0" err="1"/>
-              <a:t>elektromiografije</a:t>
-            </a:r>
-            <a:r>
-              <a:rPr lang="en-GB" sz="2600" dirty="0"/>
-              <a:t>, </a:t>
             </a:r>
             <a:r>
               <a:rPr lang="en-GB" sz="2600" dirty="0" err="1"/>
@@ -27217,15 +26719,6 @@
 </file>
 
 <file path=customXml/item1.xml><?xml version="1.0" encoding="utf-8"?>
-<?mso-contentType ?>
-<FormTemplates xmlns="http://schemas.microsoft.com/sharepoint/v3/contenttype/forms">
-  <Display>DocumentLibraryForm</Display>
-  <Edit>DocumentLibraryForm</Edit>
-  <New>DocumentLibraryForm</New>
-</FormTemplates>
-</file>
-
-<file path=customXml/item2.xml><?xml version="1.0" encoding="utf-8"?>
 <ct:contentTypeSchema xmlns:ct="http://schemas.microsoft.com/office/2006/metadata/contentType" xmlns:ma="http://schemas.microsoft.com/office/2006/metadata/properties/metaAttributes" ct:_="" ma:_="" ma:contentTypeName="Dokument" ma:contentTypeID="0x010100DA5FA0E6990937438F53B23C2D440142" ma:contentTypeVersion="14" ma:contentTypeDescription="Stvaranje novog dokumenta." ma:contentTypeScope="" ma:versionID="12a32ef67c8165ed487cb41f775985be">
   <xsd:schema xmlns:xsd="http://www.w3.org/2001/XMLSchema" xmlns:xs="http://www.w3.org/2001/XMLSchema" xmlns:p="http://schemas.microsoft.com/office/2006/metadata/properties" xmlns:ns3="ed847637-fdd2-4946-9bcb-6b9629a264cf" xmlns:ns4="22b07baa-fb9b-49de-985d-7f35a8396414" targetNamespace="http://schemas.microsoft.com/office/2006/metadata/properties" ma:root="true" ma:fieldsID="5e50f0770acba1e25188eb2d6aad934f" ns3:_="" ns4:_="">
     <xsd:import namespace="ed847637-fdd2-4946-9bcb-6b9629a264cf"/>
@@ -27454,6 +26947,15 @@
 </ct:contentTypeSchema>
 </file>
 
+<file path=customXml/item2.xml><?xml version="1.0" encoding="utf-8"?>
+<?mso-contentType ?>
+<FormTemplates xmlns="http://schemas.microsoft.com/sharepoint/v3/contenttype/forms">
+  <Display>DocumentLibraryForm</Display>
+  <Edit>DocumentLibraryForm</Edit>
+  <New>DocumentLibraryForm</New>
+</FormTemplates>
+</file>
+
 <file path=customXml/item3.xml><?xml version="1.0" encoding="utf-8"?>
 <p:properties xmlns:p="http://schemas.microsoft.com/office/2006/metadata/properties" xmlns:xsi="http://www.w3.org/2001/XMLSchema-instance" xmlns:pc="http://schemas.microsoft.com/office/infopath/2007/PartnerControls">
   <documentManagement/>
@@ -27461,14 +26963,6 @@
 </file>
 
 <file path=customXml/itemProps1.xml><?xml version="1.0" encoding="utf-8"?>
-<ds:datastoreItem xmlns:ds="http://schemas.openxmlformats.org/officeDocument/2006/customXml" ds:itemID="{0C2C9D2D-4966-4033-83BF-B86269848EDC}">
-  <ds:schemaRefs>
-    <ds:schemaRef ds:uri="http://schemas.microsoft.com/sharepoint/v3/contenttype/forms"/>
-  </ds:schemaRefs>
-</ds:datastoreItem>
-</file>
-
-<file path=customXml/itemProps2.xml><?xml version="1.0" encoding="utf-8"?>
 <ds:datastoreItem xmlns:ds="http://schemas.openxmlformats.org/officeDocument/2006/customXml" ds:itemID="{1E42887F-EC5F-4CCD-8DB9-9BD8A91F948F}">
   <ds:schemaRefs>
     <ds:schemaRef ds:uri="http://schemas.microsoft.com/office/2006/metadata/contentType"/>
@@ -27488,6 +26982,14 @@
 </ds:datastoreItem>
 </file>
 
+<file path=customXml/itemProps2.xml><?xml version="1.0" encoding="utf-8"?>
+<ds:datastoreItem xmlns:ds="http://schemas.openxmlformats.org/officeDocument/2006/customXml" ds:itemID="{0C2C9D2D-4966-4033-83BF-B86269848EDC}">
+  <ds:schemaRefs>
+    <ds:schemaRef ds:uri="http://schemas.microsoft.com/sharepoint/v3/contenttype/forms"/>
+  </ds:schemaRefs>
+</ds:datastoreItem>
+</file>
+
 <file path=customXml/itemProps3.xml><?xml version="1.0" encoding="utf-8"?>
 <ds:datastoreItem xmlns:ds="http://schemas.openxmlformats.org/officeDocument/2006/customXml" ds:itemID="{BFC5E9DD-0FB8-4161-BEDC-BC91609E3813}">
   <ds:schemaRefs>

--- a/OST_2024-25_Predlozak za prakticni seminarski rad_Web (1).pptx
+++ b/OST_2024-25_Predlozak za prakticni seminarski rad_Web (1).pptx
@@ -32,9 +32,9 @@
     <p:sldId id="4277" r:id="rId23"/>
     <p:sldId id="4276" r:id="rId24"/>
     <p:sldId id="4618" r:id="rId25"/>
-    <p:sldId id="4606" r:id="rId26"/>
-    <p:sldId id="4607" r:id="rId27"/>
-    <p:sldId id="4609" r:id="rId28"/>
+    <p:sldId id="4609" r:id="rId26"/>
+    <p:sldId id="4622" r:id="rId27"/>
+    <p:sldId id="4623" r:id="rId28"/>
     <p:sldId id="4617" r:id="rId29"/>
   </p:sldIdLst>
   <p:sldSz cx="14630400" cy="8229600"/>
@@ -189,9 +189,9 @@
             <p14:sldId id="4277"/>
             <p14:sldId id="4276"/>
             <p14:sldId id="4618"/>
-            <p14:sldId id="4606"/>
-            <p14:sldId id="4607"/>
             <p14:sldId id="4609"/>
+            <p14:sldId id="4622"/>
+            <p14:sldId id="4623"/>
             <p14:sldId id="4617"/>
           </p14:sldIdLst>
         </p14:section>
@@ -237,7 +237,7 @@
 
 <file path=ppt/commentAuthors.xml><?xml version="1.0" encoding="utf-8"?>
 <p:cmAuthorLst xmlns:a="http://schemas.openxmlformats.org/drawingml/2006/main" xmlns:r="http://schemas.openxmlformats.org/officeDocument/2006/relationships" xmlns:p="http://schemas.openxmlformats.org/presentationml/2006/main">
-  <p:cmAuthor id="48" name="Author" initials="A" lastIdx="0" clrIdx="45"/>
+  <p:cmAuthor id="49" name="Autor" initials="A" lastIdx="0" clrIdx="46"/>
 </p:cmAuthorLst>
 </file>
 
@@ -18556,6 +18556,7 @@
             </a:extLst>
           </p:cNvPr>
           <p:cNvCxnSpPr>
+            <a:cxnSpLocks/>
             <a:stCxn id="6" idx="2"/>
             <a:endCxn id="9" idx="0"/>
           </p:cNvCxnSpPr>
@@ -19571,484 +19572,6 @@
         <p:cNvPr id="1" name="">
           <a:extLst>
             <a:ext uri="{FF2B5EF4-FFF2-40B4-BE49-F238E27FC236}">
-              <a16:creationId xmlns:a16="http://schemas.microsoft.com/office/drawing/2014/main" id="{F753023C-CBA8-9963-E49B-5E1FBEAB7E13}"/>
-            </a:ext>
-          </a:extLst>
-        </p:cNvPr>
-        <p:cNvGrpSpPr/>
-        <p:nvPr/>
-      </p:nvGrpSpPr>
-      <p:grpSpPr>
-        <a:xfrm>
-          <a:off x="0" y="0"/>
-          <a:ext cx="0" cy="0"/>
-          <a:chOff x="0" y="0"/>
-          <a:chExt cx="0" cy="0"/>
-        </a:xfrm>
-      </p:grpSpPr>
-      <p:sp>
-        <p:nvSpPr>
-          <p:cNvPr id="2" name="Title 1">
-            <a:extLst>
-              <a:ext uri="{FF2B5EF4-FFF2-40B4-BE49-F238E27FC236}">
-                <a16:creationId xmlns:a16="http://schemas.microsoft.com/office/drawing/2014/main" id="{82A19E9F-0A03-FD36-912B-EC20B2093BE2}"/>
-              </a:ext>
-            </a:extLst>
-          </p:cNvPr>
-          <p:cNvSpPr>
-            <a:spLocks noGrp="1"/>
-          </p:cNvSpPr>
-          <p:nvPr>
-            <p:ph type="title"/>
-          </p:nvPr>
-        </p:nvSpPr>
-        <p:spPr>
-          <a:xfrm>
-            <a:off x="0" y="458576"/>
-            <a:ext cx="14630400" cy="892552"/>
-          </a:xfrm>
-        </p:spPr>
-        <p:txBody>
-          <a:bodyPr/>
-          <a:lstStyle/>
-          <a:p>
-            <a:r>
-              <a:rPr lang="en-GB" sz="2600" dirty="0" err="1"/>
-              <a:t>Razvoj</a:t>
-            </a:r>
-            <a:r>
-              <a:rPr lang="en-GB" sz="2600" dirty="0"/>
-              <a:t> </a:t>
-            </a:r>
-            <a:r>
-              <a:rPr lang="hr-HR" sz="2600" dirty="0"/>
-              <a:t>neuronske mreže</a:t>
-            </a:r>
-            <a:r>
-              <a:rPr lang="en-GB" sz="2600" dirty="0"/>
-              <a:t> za </a:t>
-            </a:r>
-            <a:r>
-              <a:rPr lang="en-GB" sz="2600" dirty="0" err="1"/>
-              <a:t>estimaciju</a:t>
-            </a:r>
-            <a:r>
-              <a:rPr lang="en-GB" sz="2600" dirty="0"/>
-              <a:t>/</a:t>
-            </a:r>
-            <a:r>
-              <a:rPr lang="en-GB" sz="2600" dirty="0" err="1"/>
-              <a:t>predikciju</a:t>
-            </a:r>
-            <a:r>
-              <a:rPr lang="en-GB" sz="2600" dirty="0"/>
-              <a:t> </a:t>
-            </a:r>
-            <a:r>
-              <a:rPr lang="en-GB" sz="2600" dirty="0" err="1"/>
-              <a:t>performansi</a:t>
-            </a:r>
-            <a:r>
-              <a:rPr lang="en-GB" sz="2600" dirty="0"/>
-              <a:t> </a:t>
-            </a:r>
-            <a:r>
-              <a:rPr lang="en-GB" sz="2600" dirty="0" err="1"/>
-              <a:t>na</a:t>
-            </a:r>
-            <a:r>
-              <a:rPr lang="en-GB" sz="2600" dirty="0"/>
-              <a:t> </a:t>
-            </a:r>
-            <a:r>
-              <a:rPr lang="en-GB" sz="2600" dirty="0" err="1"/>
-              <a:t>simulatoru</a:t>
-            </a:r>
-            <a:r>
-              <a:rPr lang="en-GB" sz="2600" dirty="0"/>
-              <a:t> </a:t>
-            </a:r>
-            <a:r>
-              <a:rPr lang="en-GB" sz="2600" dirty="0" err="1"/>
-              <a:t>leta</a:t>
-            </a:r>
-            <a:r>
-              <a:rPr lang="en-GB" sz="2600" dirty="0"/>
-              <a:t> u startle </a:t>
-            </a:r>
-            <a:r>
-              <a:rPr lang="en-GB" sz="2600" dirty="0" err="1"/>
-              <a:t>uvjetima</a:t>
-            </a:r>
-            <a:r>
-              <a:rPr lang="en-GB" sz="2600" dirty="0"/>
-              <a:t> </a:t>
-            </a:r>
-            <a:r>
-              <a:rPr lang="en-GB" sz="2600" dirty="0" err="1"/>
-              <a:t>na</a:t>
-            </a:r>
-            <a:r>
-              <a:rPr lang="en-GB" sz="2600" dirty="0"/>
-              <a:t> </a:t>
-            </a:r>
-            <a:r>
-              <a:rPr lang="en-GB" sz="2600" dirty="0" err="1"/>
-              <a:t>temelju</a:t>
-            </a:r>
-            <a:r>
-              <a:rPr lang="en-GB" sz="2600" dirty="0"/>
-              <a:t> </a:t>
-            </a:r>
-            <a:r>
-              <a:rPr lang="en-GB" sz="2600" dirty="0" err="1"/>
-              <a:t>signala</a:t>
-            </a:r>
-            <a:r>
-              <a:rPr lang="en-GB" sz="2600" dirty="0"/>
-              <a:t> </a:t>
-            </a:r>
-            <a:r>
-              <a:rPr lang="en-GB" sz="2600" dirty="0" err="1"/>
-              <a:t>vodljivosti</a:t>
-            </a:r>
-            <a:r>
-              <a:rPr lang="en-GB" sz="2600" dirty="0"/>
-              <a:t> </a:t>
-            </a:r>
-            <a:r>
-              <a:rPr lang="en-GB" sz="2600" dirty="0" err="1"/>
-              <a:t>kože</a:t>
-            </a:r>
-            <a:r>
-              <a:rPr lang="hr-HR" sz="2600" dirty="0"/>
-              <a:t> </a:t>
-            </a:r>
-            <a:r>
-              <a:rPr lang="en-GB" sz="2600" dirty="0" err="1"/>
-              <a:t>i</a:t>
-            </a:r>
-            <a:r>
-              <a:rPr lang="en-GB" sz="2600" dirty="0"/>
-              <a:t> </a:t>
-            </a:r>
-            <a:r>
-              <a:rPr lang="en-GB" sz="2600" dirty="0" err="1"/>
-              <a:t>disanja</a:t>
-            </a:r>
-            <a:endParaRPr lang="en-GB" sz="2600" dirty="0"/>
-          </a:p>
-        </p:txBody>
-      </p:sp>
-      <p:sp>
-        <p:nvSpPr>
-          <p:cNvPr id="4" name="Slide Number Placeholder 3">
-            <a:extLst>
-              <a:ext uri="{FF2B5EF4-FFF2-40B4-BE49-F238E27FC236}">
-                <a16:creationId xmlns:a16="http://schemas.microsoft.com/office/drawing/2014/main" id="{0B83446B-BDD8-78A6-CE01-2A0FF6FB409E}"/>
-              </a:ext>
-            </a:extLst>
-          </p:cNvPr>
-          <p:cNvSpPr>
-            <a:spLocks noGrp="1"/>
-          </p:cNvSpPr>
-          <p:nvPr>
-            <p:ph type="sldNum" sz="quarter" idx="10"/>
-          </p:nvPr>
-        </p:nvSpPr>
-        <p:spPr/>
-        <p:txBody>
-          <a:bodyPr/>
-          <a:lstStyle/>
-          <a:p>
-            <a:fld id="{C92FC937-38D6-4B8F-AEB3-E5F6C110AD7F}" type="slidenum">
-              <a:rPr lang="hr-HR" smtClean="0"/>
-              <a:t>21</a:t>
-            </a:fld>
-            <a:endParaRPr lang="hr-HR"/>
-          </a:p>
-        </p:txBody>
-      </p:sp>
-      <p:sp>
-        <p:nvSpPr>
-          <p:cNvPr id="8" name="Content Placeholder 7">
-            <a:extLst>
-              <a:ext uri="{FF2B5EF4-FFF2-40B4-BE49-F238E27FC236}">
-                <a16:creationId xmlns:a16="http://schemas.microsoft.com/office/drawing/2014/main" id="{0DA9D08B-754D-3A0D-9391-BF55536839E0}"/>
-              </a:ext>
-            </a:extLst>
-          </p:cNvPr>
-          <p:cNvSpPr>
-            <a:spLocks noGrp="1"/>
-          </p:cNvSpPr>
-          <p:nvPr>
-            <p:ph idx="1"/>
-          </p:nvPr>
-        </p:nvSpPr>
-        <p:spPr>
-          <a:xfrm>
-            <a:off x="316536" y="1694642"/>
-            <a:ext cx="13980855" cy="394595"/>
-          </a:xfrm>
-        </p:spPr>
-        <p:txBody>
-          <a:bodyPr/>
-          <a:lstStyle/>
-          <a:p>
-            <a:pPr marL="0" indent="0">
-              <a:buNone/>
-            </a:pPr>
-            <a:r>
-              <a:rPr lang="hr-HR" b="1" dirty="0"/>
-              <a:t>Rezultati</a:t>
-            </a:r>
-            <a:endParaRPr lang="hr-HR" b="1" u="sng" dirty="0"/>
-          </a:p>
-        </p:txBody>
-      </p:sp>
-      <p:pic>
-        <p:nvPicPr>
-          <p:cNvPr id="5" name="Picture 4">
-            <a:extLst>
-              <a:ext uri="{FF2B5EF4-FFF2-40B4-BE49-F238E27FC236}">
-                <a16:creationId xmlns:a16="http://schemas.microsoft.com/office/drawing/2014/main" id="{367420ED-AE8A-3B7C-9BB9-02321CE4A31E}"/>
-              </a:ext>
-            </a:extLst>
-          </p:cNvPr>
-          <p:cNvPicPr>
-            <a:picLocks noChangeAspect="1"/>
-          </p:cNvPicPr>
-          <p:nvPr/>
-        </p:nvPicPr>
-        <p:blipFill>
-          <a:blip r:embed="rId2">
-            <a:extLst>
-              <a:ext uri="{28A0092B-C50C-407E-A947-70E740481C1C}">
-                <a14:useLocalDpi xmlns:a14="http://schemas.microsoft.com/office/drawing/2010/main" val="0"/>
-              </a:ext>
-            </a:extLst>
-          </a:blip>
-          <a:srcRect/>
-          <a:stretch/>
-        </p:blipFill>
-        <p:spPr>
-          <a:xfrm>
-            <a:off x="289839" y="2089238"/>
-            <a:ext cx="7483088" cy="5962134"/>
-          </a:xfrm>
-          <a:prstGeom prst="rect">
-            <a:avLst/>
-          </a:prstGeom>
-        </p:spPr>
-      </p:pic>
-      <p:sp>
-        <p:nvSpPr>
-          <p:cNvPr id="6" name="Rectangle 5">
-            <a:extLst>
-              <a:ext uri="{FF2B5EF4-FFF2-40B4-BE49-F238E27FC236}">
-                <a16:creationId xmlns:a16="http://schemas.microsoft.com/office/drawing/2014/main" id="{F884D628-67C7-B033-EE68-4E9B8B88FB68}"/>
-              </a:ext>
-            </a:extLst>
-          </p:cNvPr>
-          <p:cNvSpPr/>
-          <p:nvPr/>
-        </p:nvSpPr>
-        <p:spPr>
-          <a:xfrm>
-            <a:off x="8174793" y="6660549"/>
-            <a:ext cx="2521179" cy="1176749"/>
-          </a:xfrm>
-          <a:prstGeom prst="rect">
-            <a:avLst/>
-          </a:prstGeom>
-          <a:noFill/>
-          <a:ln w="25400" cap="flat" cmpd="sng" algn="ctr">
-            <a:solidFill>
-              <a:srgbClr val="4F81BD">
-                <a:shade val="15000"/>
-              </a:srgbClr>
-            </a:solidFill>
-            <a:prstDash val="solid"/>
-          </a:ln>
-          <a:effectLst>
-            <a:glow rad="63500">
-              <a:srgbClr val="4F81BD">
-                <a:satMod val="175000"/>
-                <a:alpha val="40000"/>
-              </a:srgbClr>
-            </a:glow>
-          </a:effectLst>
-        </p:spPr>
-        <p:txBody>
-          <a:bodyPr rtlCol="0" anchor="ctr"/>
-          <a:lstStyle/>
-          <a:p>
-            <a:pPr marL="0" marR="0" lvl="0" indent="0" defTabSz="914400" eaLnBrk="0" fontAlgn="auto" latinLnBrk="0" hangingPunct="0">
-              <a:lnSpc>
-                <a:spcPct val="100000"/>
-              </a:lnSpc>
-              <a:spcBef>
-                <a:spcPts val="0"/>
-              </a:spcBef>
-              <a:spcAft>
-                <a:spcPts val="0"/>
-              </a:spcAft>
-              <a:buClrTx/>
-              <a:buSzTx/>
-              <a:buFontTx/>
-              <a:buNone/>
-              <a:tabLst/>
-              <a:defRPr/>
-            </a:pPr>
-            <a:r>
-              <a:rPr kumimoji="0" lang="en-GB" sz="1800" b="1" i="0" u="none" strike="noStrike" kern="0" cap="none" spc="0" normalizeH="0" baseline="0" noProof="0" dirty="0">
-                <a:ln>
-                  <a:noFill/>
-                </a:ln>
-                <a:solidFill>
-                  <a:srgbClr val="1F497D">
-                    <a:lumMod val="50000"/>
-                  </a:srgbClr>
-                </a:solidFill>
-                <a:effectLst/>
-                <a:uLnTx/>
-                <a:uFillTx/>
-                <a:latin typeface="Arial"/>
-                <a:ea typeface="+mn-ea"/>
-                <a:cs typeface="+mn-cs"/>
-              </a:rPr>
-              <a:t>RMSE: 0.42</a:t>
-            </a:r>
-          </a:p>
-          <a:p>
-            <a:pPr marL="0" marR="0" lvl="0" indent="0" defTabSz="914400" eaLnBrk="0" fontAlgn="auto" latinLnBrk="0" hangingPunct="0">
-              <a:lnSpc>
-                <a:spcPct val="100000"/>
-              </a:lnSpc>
-              <a:spcBef>
-                <a:spcPts val="0"/>
-              </a:spcBef>
-              <a:spcAft>
-                <a:spcPts val="0"/>
-              </a:spcAft>
-              <a:buClrTx/>
-              <a:buSzTx/>
-              <a:buFontTx/>
-              <a:buNone/>
-              <a:tabLst/>
-              <a:defRPr/>
-            </a:pPr>
-            <a:r>
-              <a:rPr kumimoji="0" lang="en-GB" sz="1800" b="1" i="0" u="none" strike="noStrike" kern="0" cap="none" spc="0" normalizeH="0" baseline="0" noProof="0" dirty="0">
-                <a:ln>
-                  <a:noFill/>
-                </a:ln>
-                <a:solidFill>
-                  <a:srgbClr val="1F497D">
-                    <a:lumMod val="50000"/>
-                  </a:srgbClr>
-                </a:solidFill>
-                <a:effectLst/>
-                <a:uLnTx/>
-                <a:uFillTx/>
-                <a:latin typeface="Arial"/>
-                <a:ea typeface="+mn-ea"/>
-                <a:cs typeface="+mn-cs"/>
-              </a:rPr>
-              <a:t>R-squared: 0.87</a:t>
-            </a:r>
-          </a:p>
-          <a:p>
-            <a:pPr marL="0" marR="0" lvl="0" indent="0" defTabSz="914400" eaLnBrk="0" fontAlgn="auto" latinLnBrk="0" hangingPunct="0">
-              <a:lnSpc>
-                <a:spcPct val="100000"/>
-              </a:lnSpc>
-              <a:spcBef>
-                <a:spcPts val="0"/>
-              </a:spcBef>
-              <a:spcAft>
-                <a:spcPts val="0"/>
-              </a:spcAft>
-              <a:buClrTx/>
-              <a:buSzTx/>
-              <a:buFontTx/>
-              <a:buNone/>
-              <a:tabLst/>
-              <a:defRPr/>
-            </a:pPr>
-            <a:r>
-              <a:rPr kumimoji="0" lang="en-GB" sz="1800" b="1" i="0" u="none" strike="noStrike" kern="0" cap="none" spc="0" normalizeH="0" baseline="0" noProof="0" dirty="0">
-                <a:ln>
-                  <a:noFill/>
-                </a:ln>
-                <a:solidFill>
-                  <a:srgbClr val="1F497D">
-                    <a:lumMod val="50000"/>
-                  </a:srgbClr>
-                </a:solidFill>
-                <a:effectLst/>
-                <a:uLnTx/>
-                <a:uFillTx/>
-                <a:latin typeface="Arial"/>
-                <a:ea typeface="+mn-ea"/>
-                <a:cs typeface="+mn-cs"/>
-              </a:rPr>
-              <a:t>p-value: 0.0002</a:t>
-            </a:r>
-          </a:p>
-        </p:txBody>
-      </p:sp>
-      <p:pic>
-        <p:nvPicPr>
-          <p:cNvPr id="7" name="Picture 6">
-            <a:extLst>
-              <a:ext uri="{FF2B5EF4-FFF2-40B4-BE49-F238E27FC236}">
-                <a16:creationId xmlns:a16="http://schemas.microsoft.com/office/drawing/2014/main" id="{73F8BE17-8FDB-33FE-66AC-7E52ED7B0D88}"/>
-              </a:ext>
-            </a:extLst>
-          </p:cNvPr>
-          <p:cNvPicPr>
-            <a:picLocks noChangeAspect="1"/>
-          </p:cNvPicPr>
-          <p:nvPr/>
-        </p:nvPicPr>
-        <p:blipFill>
-          <a:blip r:embed="rId3"/>
-          <a:stretch>
-            <a:fillRect/>
-          </a:stretch>
-        </p:blipFill>
-        <p:spPr>
-          <a:xfrm>
-            <a:off x="7772927" y="2313237"/>
-            <a:ext cx="5458450" cy="4160081"/>
-          </a:xfrm>
-          <a:prstGeom prst="rect">
-            <a:avLst/>
-          </a:prstGeom>
-        </p:spPr>
-      </p:pic>
-    </p:spTree>
-    <p:extLst>
-      <p:ext uri="{BB962C8B-B14F-4D97-AF65-F5344CB8AC3E}">
-        <p14:creationId xmlns:p14="http://schemas.microsoft.com/office/powerpoint/2010/main" val="2727579340"/>
-      </p:ext>
-    </p:extLst>
-  </p:cSld>
-  <p:clrMapOvr>
-    <a:masterClrMapping/>
-  </p:clrMapOvr>
-</p:sld>
-</file>
-
-<file path=ppt/slides/slide22.xml><?xml version="1.0" encoding="utf-8"?>
-<p:sld xmlns:a="http://schemas.openxmlformats.org/drawingml/2006/main" xmlns:r="http://schemas.openxmlformats.org/officeDocument/2006/relationships" xmlns:p="http://schemas.openxmlformats.org/presentationml/2006/main">
-  <p:cSld>
-    <p:spTree>
-      <p:nvGrpSpPr>
-        <p:cNvPr id="1" name="">
-          <a:extLst>
-            <a:ext uri="{FF2B5EF4-FFF2-40B4-BE49-F238E27FC236}">
               <a16:creationId xmlns:a16="http://schemas.microsoft.com/office/drawing/2014/main" id="{A912C2C6-AFA7-8427-16C3-F8E09A27BBF3}"/>
             </a:ext>
           </a:extLst>
@@ -20241,7 +19764,7 @@
           <a:p>
             <a:fld id="{C92FC937-38D6-4B8F-AEB3-E5F6C110AD7F}" type="slidenum">
               <a:rPr lang="hr-HR" smtClean="0"/>
-              <a:t>22</a:t>
+              <a:t>21</a:t>
             </a:fld>
             <a:endParaRPr lang="hr-HR"/>
           </a:p>
@@ -20278,601 +19801,28 @@
             </a:pPr>
             <a:r>
               <a:rPr lang="hr-HR" b="1" dirty="0"/>
-              <a:t>Rezultati</a:t>
+              <a:t>Rezultati -&gt; Estimacija </a:t>
+            </a:r>
+            <a:r>
+              <a:rPr lang="hr-HR" b="1" dirty="0" err="1"/>
+              <a:t>startle</a:t>
+            </a:r>
+            <a:r>
+              <a:rPr lang="hr-HR" b="1" dirty="0"/>
+              <a:t> performansi na temelju </a:t>
+            </a:r>
+            <a:r>
+              <a:rPr lang="hr-HR" b="1" dirty="0" err="1"/>
+              <a:t>startle</a:t>
+            </a:r>
+            <a:r>
+              <a:rPr lang="hr-HR" b="1" dirty="0"/>
+              <a:t> fizioloških značajki </a:t>
             </a:r>
             <a:endParaRPr lang="hr-HR" b="1" u="sng" dirty="0"/>
           </a:p>
         </p:txBody>
       </p:sp>
-      <p:pic>
-        <p:nvPicPr>
-          <p:cNvPr id="5" name="Picture 4">
-            <a:extLst>
-              <a:ext uri="{FF2B5EF4-FFF2-40B4-BE49-F238E27FC236}">
-                <a16:creationId xmlns:a16="http://schemas.microsoft.com/office/drawing/2014/main" id="{E339D5E4-0AA5-878F-818D-85FE443E0033}"/>
-              </a:ext>
-            </a:extLst>
-          </p:cNvPr>
-          <p:cNvPicPr>
-            <a:picLocks noChangeAspect="1"/>
-          </p:cNvPicPr>
-          <p:nvPr/>
-        </p:nvPicPr>
-        <p:blipFill>
-          <a:blip r:embed="rId2">
-            <a:extLst>
-              <a:ext uri="{28A0092B-C50C-407E-A947-70E740481C1C}">
-                <a14:useLocalDpi xmlns:a14="http://schemas.microsoft.com/office/drawing/2010/main" val="0"/>
-              </a:ext>
-            </a:extLst>
-          </a:blip>
-          <a:srcRect/>
-          <a:stretch/>
-        </p:blipFill>
-        <p:spPr>
-          <a:xfrm>
-            <a:off x="384538" y="2055113"/>
-            <a:ext cx="7320387" cy="6051655"/>
-          </a:xfrm>
-          <a:prstGeom prst="rect">
-            <a:avLst/>
-          </a:prstGeom>
-        </p:spPr>
-      </p:pic>
-      <p:sp>
-        <p:nvSpPr>
-          <p:cNvPr id="6" name="Rectangle 5">
-            <a:extLst>
-              <a:ext uri="{FF2B5EF4-FFF2-40B4-BE49-F238E27FC236}">
-                <a16:creationId xmlns:a16="http://schemas.microsoft.com/office/drawing/2014/main" id="{E483603B-8A19-3249-AFEE-D66F31AF4938}"/>
-              </a:ext>
-            </a:extLst>
-          </p:cNvPr>
-          <p:cNvSpPr/>
-          <p:nvPr/>
-        </p:nvSpPr>
-        <p:spPr>
-          <a:xfrm>
-            <a:off x="8174793" y="6660549"/>
-            <a:ext cx="2521179" cy="1176749"/>
-          </a:xfrm>
-          <a:prstGeom prst="rect">
-            <a:avLst/>
-          </a:prstGeom>
-          <a:noFill/>
-          <a:ln w="25400" cap="flat" cmpd="sng" algn="ctr">
-            <a:solidFill>
-              <a:srgbClr val="4F81BD">
-                <a:shade val="15000"/>
-              </a:srgbClr>
-            </a:solidFill>
-            <a:prstDash val="solid"/>
-          </a:ln>
-          <a:effectLst>
-            <a:glow rad="63500">
-              <a:srgbClr val="4F81BD">
-                <a:satMod val="175000"/>
-                <a:alpha val="40000"/>
-              </a:srgbClr>
-            </a:glow>
-          </a:effectLst>
-        </p:spPr>
-        <p:txBody>
-          <a:bodyPr rtlCol="0" anchor="ctr"/>
-          <a:lstStyle/>
-          <a:p>
-            <a:pPr marL="0" marR="0" lvl="0" indent="0" defTabSz="914400" eaLnBrk="0" fontAlgn="auto" latinLnBrk="0" hangingPunct="0">
-              <a:lnSpc>
-                <a:spcPct val="100000"/>
-              </a:lnSpc>
-              <a:spcBef>
-                <a:spcPts val="0"/>
-              </a:spcBef>
-              <a:spcAft>
-                <a:spcPts val="0"/>
-              </a:spcAft>
-              <a:buClrTx/>
-              <a:buSzTx/>
-              <a:buFontTx/>
-              <a:buNone/>
-              <a:tabLst/>
-              <a:defRPr/>
-            </a:pPr>
-            <a:r>
-              <a:rPr kumimoji="0" lang="en-GB" sz="1800" b="1" i="0" u="none" strike="noStrike" kern="0" cap="none" spc="0" normalizeH="0" baseline="0" noProof="0" dirty="0">
-                <a:ln>
-                  <a:noFill/>
-                </a:ln>
-                <a:solidFill>
-                  <a:srgbClr val="1F497D">
-                    <a:lumMod val="50000"/>
-                  </a:srgbClr>
-                </a:solidFill>
-                <a:effectLst/>
-                <a:uLnTx/>
-                <a:uFillTx/>
-                <a:latin typeface="Arial"/>
-                <a:ea typeface="+mn-ea"/>
-                <a:cs typeface="+mn-cs"/>
-              </a:rPr>
-              <a:t>RMSE: 0.42</a:t>
-            </a:r>
-          </a:p>
-          <a:p>
-            <a:pPr marL="0" marR="0" lvl="0" indent="0" defTabSz="914400" eaLnBrk="0" fontAlgn="auto" latinLnBrk="0" hangingPunct="0">
-              <a:lnSpc>
-                <a:spcPct val="100000"/>
-              </a:lnSpc>
-              <a:spcBef>
-                <a:spcPts val="0"/>
-              </a:spcBef>
-              <a:spcAft>
-                <a:spcPts val="0"/>
-              </a:spcAft>
-              <a:buClrTx/>
-              <a:buSzTx/>
-              <a:buFontTx/>
-              <a:buNone/>
-              <a:tabLst/>
-              <a:defRPr/>
-            </a:pPr>
-            <a:r>
-              <a:rPr kumimoji="0" lang="en-GB" sz="1800" b="1" i="0" u="none" strike="noStrike" kern="0" cap="none" spc="0" normalizeH="0" baseline="0" noProof="0" dirty="0">
-                <a:ln>
-                  <a:noFill/>
-                </a:ln>
-                <a:solidFill>
-                  <a:srgbClr val="1F497D">
-                    <a:lumMod val="50000"/>
-                  </a:srgbClr>
-                </a:solidFill>
-                <a:effectLst/>
-                <a:uLnTx/>
-                <a:uFillTx/>
-                <a:latin typeface="Arial"/>
-                <a:ea typeface="+mn-ea"/>
-                <a:cs typeface="+mn-cs"/>
-              </a:rPr>
-              <a:t>R-squared: 0.87</a:t>
-            </a:r>
-          </a:p>
-          <a:p>
-            <a:pPr marL="0" marR="0" lvl="0" indent="0" defTabSz="914400" eaLnBrk="0" fontAlgn="auto" latinLnBrk="0" hangingPunct="0">
-              <a:lnSpc>
-                <a:spcPct val="100000"/>
-              </a:lnSpc>
-              <a:spcBef>
-                <a:spcPts val="0"/>
-              </a:spcBef>
-              <a:spcAft>
-                <a:spcPts val="0"/>
-              </a:spcAft>
-              <a:buClrTx/>
-              <a:buSzTx/>
-              <a:buFontTx/>
-              <a:buNone/>
-              <a:tabLst/>
-              <a:defRPr/>
-            </a:pPr>
-            <a:r>
-              <a:rPr kumimoji="0" lang="en-GB" sz="1800" b="1" i="0" u="none" strike="noStrike" kern="0" cap="none" spc="0" normalizeH="0" baseline="0" noProof="0" dirty="0">
-                <a:ln>
-                  <a:noFill/>
-                </a:ln>
-                <a:solidFill>
-                  <a:srgbClr val="1F497D">
-                    <a:lumMod val="50000"/>
-                  </a:srgbClr>
-                </a:solidFill>
-                <a:effectLst/>
-                <a:uLnTx/>
-                <a:uFillTx/>
-                <a:latin typeface="Arial"/>
-                <a:ea typeface="+mn-ea"/>
-                <a:cs typeface="+mn-cs"/>
-              </a:rPr>
-              <a:t>p-value: 0.0002</a:t>
-            </a:r>
-          </a:p>
-        </p:txBody>
-      </p:sp>
-      <p:pic>
-        <p:nvPicPr>
-          <p:cNvPr id="7" name="Picture 6">
-            <a:extLst>
-              <a:ext uri="{FF2B5EF4-FFF2-40B4-BE49-F238E27FC236}">
-                <a16:creationId xmlns:a16="http://schemas.microsoft.com/office/drawing/2014/main" id="{1CFD664B-6179-9A03-6419-5F4B353D826E}"/>
-              </a:ext>
-            </a:extLst>
-          </p:cNvPr>
-          <p:cNvPicPr>
-            <a:picLocks noChangeAspect="1"/>
-          </p:cNvPicPr>
-          <p:nvPr/>
-        </p:nvPicPr>
-        <p:blipFill>
-          <a:blip r:embed="rId3"/>
-          <a:stretch>
-            <a:fillRect/>
-          </a:stretch>
-        </p:blipFill>
-        <p:spPr>
-          <a:xfrm>
-            <a:off x="7772927" y="2313237"/>
-            <a:ext cx="5458450" cy="4160081"/>
-          </a:xfrm>
-          <a:prstGeom prst="rect">
-            <a:avLst/>
-          </a:prstGeom>
-        </p:spPr>
-      </p:pic>
-    </p:spTree>
-    <p:extLst>
-      <p:ext uri="{BB962C8B-B14F-4D97-AF65-F5344CB8AC3E}">
-        <p14:creationId xmlns:p14="http://schemas.microsoft.com/office/powerpoint/2010/main" val="2821260675"/>
-      </p:ext>
-    </p:extLst>
-  </p:cSld>
-  <p:clrMapOvr>
-    <a:masterClrMapping/>
-  </p:clrMapOvr>
-</p:sld>
-</file>
-
-<file path=ppt/slides/slide23.xml><?xml version="1.0" encoding="utf-8"?>
-<p:sld xmlns:a="http://schemas.openxmlformats.org/drawingml/2006/main" xmlns:r="http://schemas.openxmlformats.org/officeDocument/2006/relationships" xmlns:p="http://schemas.openxmlformats.org/presentationml/2006/main">
-  <p:cSld>
-    <p:spTree>
-      <p:nvGrpSpPr>
-        <p:cNvPr id="1" name="">
-          <a:extLst>
-            <a:ext uri="{FF2B5EF4-FFF2-40B4-BE49-F238E27FC236}">
-              <a16:creationId xmlns:a16="http://schemas.microsoft.com/office/drawing/2014/main" id="{A912C2C6-AFA7-8427-16C3-F8E09A27BBF3}"/>
-            </a:ext>
-          </a:extLst>
-        </p:cNvPr>
-        <p:cNvGrpSpPr/>
-        <p:nvPr/>
-      </p:nvGrpSpPr>
-      <p:grpSpPr>
-        <a:xfrm>
-          <a:off x="0" y="0"/>
-          <a:ext cx="0" cy="0"/>
-          <a:chOff x="0" y="0"/>
-          <a:chExt cx="0" cy="0"/>
-        </a:xfrm>
-      </p:grpSpPr>
-      <p:sp>
-        <p:nvSpPr>
-          <p:cNvPr id="2" name="Title 1">
-            <a:extLst>
-              <a:ext uri="{FF2B5EF4-FFF2-40B4-BE49-F238E27FC236}">
-                <a16:creationId xmlns:a16="http://schemas.microsoft.com/office/drawing/2014/main" id="{A9EE9EC7-8C37-44E6-1F26-BC763070FBDB}"/>
-              </a:ext>
-            </a:extLst>
-          </p:cNvPr>
-          <p:cNvSpPr>
-            <a:spLocks noGrp="1"/>
-          </p:cNvSpPr>
-          <p:nvPr>
-            <p:ph type="title"/>
-          </p:nvPr>
-        </p:nvSpPr>
-        <p:spPr>
-          <a:xfrm>
-            <a:off x="0" y="458576"/>
-            <a:ext cx="14630400" cy="892552"/>
-          </a:xfrm>
-        </p:spPr>
-        <p:txBody>
-          <a:bodyPr/>
-          <a:lstStyle/>
-          <a:p>
-            <a:r>
-              <a:rPr lang="en-GB" sz="2600" dirty="0" err="1"/>
-              <a:t>Razvoj</a:t>
-            </a:r>
-            <a:r>
-              <a:rPr lang="en-GB" sz="2600" dirty="0"/>
-              <a:t> </a:t>
-            </a:r>
-            <a:r>
-              <a:rPr lang="hr-HR" sz="2600" dirty="0"/>
-              <a:t>neuronske mreže</a:t>
-            </a:r>
-            <a:r>
-              <a:rPr lang="en-GB" sz="2600" dirty="0"/>
-              <a:t> za </a:t>
-            </a:r>
-            <a:r>
-              <a:rPr lang="en-GB" sz="2600" dirty="0" err="1"/>
-              <a:t>estimaciju</a:t>
-            </a:r>
-            <a:r>
-              <a:rPr lang="en-GB" sz="2600" dirty="0"/>
-              <a:t>/</a:t>
-            </a:r>
-            <a:r>
-              <a:rPr lang="en-GB" sz="2600" dirty="0" err="1"/>
-              <a:t>predikciju</a:t>
-            </a:r>
-            <a:r>
-              <a:rPr lang="en-GB" sz="2600" dirty="0"/>
-              <a:t> </a:t>
-            </a:r>
-            <a:r>
-              <a:rPr lang="en-GB" sz="2600" dirty="0" err="1"/>
-              <a:t>performansi</a:t>
-            </a:r>
-            <a:r>
-              <a:rPr lang="en-GB" sz="2600" dirty="0"/>
-              <a:t> </a:t>
-            </a:r>
-            <a:r>
-              <a:rPr lang="en-GB" sz="2600" dirty="0" err="1"/>
-              <a:t>na</a:t>
-            </a:r>
-            <a:r>
-              <a:rPr lang="en-GB" sz="2600" dirty="0"/>
-              <a:t> </a:t>
-            </a:r>
-            <a:r>
-              <a:rPr lang="en-GB" sz="2600" dirty="0" err="1"/>
-              <a:t>simulatoru</a:t>
-            </a:r>
-            <a:r>
-              <a:rPr lang="en-GB" sz="2600" dirty="0"/>
-              <a:t> </a:t>
-            </a:r>
-            <a:r>
-              <a:rPr lang="en-GB" sz="2600" dirty="0" err="1"/>
-              <a:t>leta</a:t>
-            </a:r>
-            <a:r>
-              <a:rPr lang="en-GB" sz="2600" dirty="0"/>
-              <a:t> u startle </a:t>
-            </a:r>
-            <a:r>
-              <a:rPr lang="en-GB" sz="2600" dirty="0" err="1"/>
-              <a:t>uvjetima</a:t>
-            </a:r>
-            <a:r>
-              <a:rPr lang="en-GB" sz="2600" dirty="0"/>
-              <a:t> </a:t>
-            </a:r>
-            <a:r>
-              <a:rPr lang="en-GB" sz="2600" dirty="0" err="1"/>
-              <a:t>na</a:t>
-            </a:r>
-            <a:r>
-              <a:rPr lang="en-GB" sz="2600" dirty="0"/>
-              <a:t> </a:t>
-            </a:r>
-            <a:r>
-              <a:rPr lang="en-GB" sz="2600" dirty="0" err="1"/>
-              <a:t>temelju</a:t>
-            </a:r>
-            <a:r>
-              <a:rPr lang="en-GB" sz="2600" dirty="0"/>
-              <a:t> </a:t>
-            </a:r>
-            <a:r>
-              <a:rPr lang="en-GB" sz="2600" dirty="0" err="1"/>
-              <a:t>signala</a:t>
-            </a:r>
-            <a:r>
-              <a:rPr lang="en-GB" sz="2600" dirty="0"/>
-              <a:t> </a:t>
-            </a:r>
-            <a:r>
-              <a:rPr lang="en-GB" sz="2600" dirty="0" err="1"/>
-              <a:t>vodljivosti</a:t>
-            </a:r>
-            <a:r>
-              <a:rPr lang="en-GB" sz="2600" dirty="0"/>
-              <a:t> </a:t>
-            </a:r>
-            <a:r>
-              <a:rPr lang="en-GB" sz="2600" dirty="0" err="1"/>
-              <a:t>kože</a:t>
-            </a:r>
-            <a:r>
-              <a:rPr lang="hr-HR" sz="2600" dirty="0"/>
-              <a:t> </a:t>
-            </a:r>
-            <a:r>
-              <a:rPr lang="en-GB" sz="2600" dirty="0" err="1"/>
-              <a:t>i</a:t>
-            </a:r>
-            <a:r>
-              <a:rPr lang="en-GB" sz="2600" dirty="0"/>
-              <a:t> </a:t>
-            </a:r>
-            <a:r>
-              <a:rPr lang="en-GB" sz="2600" dirty="0" err="1"/>
-              <a:t>disanja</a:t>
-            </a:r>
-            <a:endParaRPr lang="en-GB" sz="2600" dirty="0"/>
-          </a:p>
-        </p:txBody>
-      </p:sp>
-      <p:sp>
-        <p:nvSpPr>
-          <p:cNvPr id="4" name="Slide Number Placeholder 3">
-            <a:extLst>
-              <a:ext uri="{FF2B5EF4-FFF2-40B4-BE49-F238E27FC236}">
-                <a16:creationId xmlns:a16="http://schemas.microsoft.com/office/drawing/2014/main" id="{93248EBF-2C68-E77F-15D3-16E6E553F12C}"/>
-              </a:ext>
-            </a:extLst>
-          </p:cNvPr>
-          <p:cNvSpPr>
-            <a:spLocks noGrp="1"/>
-          </p:cNvSpPr>
-          <p:nvPr>
-            <p:ph type="sldNum" sz="quarter" idx="10"/>
-          </p:nvPr>
-        </p:nvSpPr>
-        <p:spPr/>
-        <p:txBody>
-          <a:bodyPr/>
-          <a:lstStyle/>
-          <a:p>
-            <a:fld id="{C92FC937-38D6-4B8F-AEB3-E5F6C110AD7F}" type="slidenum">
-              <a:rPr lang="hr-HR" smtClean="0"/>
-              <a:t>23</a:t>
-            </a:fld>
-            <a:endParaRPr lang="hr-HR"/>
-          </a:p>
-        </p:txBody>
-      </p:sp>
-      <p:sp>
-        <p:nvSpPr>
-          <p:cNvPr id="8" name="Content Placeholder 7">
-            <a:extLst>
-              <a:ext uri="{FF2B5EF4-FFF2-40B4-BE49-F238E27FC236}">
-                <a16:creationId xmlns:a16="http://schemas.microsoft.com/office/drawing/2014/main" id="{BA0D86CB-6D61-62FA-3BBE-3522F808FCDE}"/>
-              </a:ext>
-            </a:extLst>
-          </p:cNvPr>
-          <p:cNvSpPr>
-            <a:spLocks noGrp="1"/>
-          </p:cNvSpPr>
-          <p:nvPr>
-            <p:ph idx="1"/>
-          </p:nvPr>
-        </p:nvSpPr>
-        <p:spPr>
-          <a:xfrm>
-            <a:off x="316536" y="1694642"/>
-            <a:ext cx="13980855" cy="394595"/>
-          </a:xfrm>
-        </p:spPr>
-        <p:txBody>
-          <a:bodyPr/>
-          <a:lstStyle/>
-          <a:p>
-            <a:pPr marL="0" indent="0">
-              <a:buNone/>
-            </a:pPr>
-            <a:r>
-              <a:rPr lang="hr-HR" b="1" dirty="0"/>
-              <a:t>Rezultati</a:t>
-            </a:r>
-            <a:endParaRPr lang="hr-HR" b="1" u="sng" dirty="0"/>
-          </a:p>
-        </p:txBody>
-      </p:sp>
-      <p:pic>
-        <p:nvPicPr>
-          <p:cNvPr id="10" name="Picture 9">
-            <a:extLst>
-              <a:ext uri="{FF2B5EF4-FFF2-40B4-BE49-F238E27FC236}">
-                <a16:creationId xmlns:a16="http://schemas.microsoft.com/office/drawing/2014/main" id="{BA2D46B3-A074-0D83-086A-7526E4954F39}"/>
-              </a:ext>
-            </a:extLst>
-          </p:cNvPr>
-          <p:cNvPicPr>
-            <a:picLocks noChangeAspect="1"/>
-          </p:cNvPicPr>
-          <p:nvPr/>
-        </p:nvPicPr>
-        <p:blipFill>
-          <a:blip r:embed="rId2">
-            <a:extLst>
-              <a:ext uri="{28A0092B-C50C-407E-A947-70E740481C1C}">
-                <a14:useLocalDpi xmlns:a14="http://schemas.microsoft.com/office/drawing/2010/main" val="0"/>
-              </a:ext>
-            </a:extLst>
-          </a:blip>
-          <a:srcRect/>
-          <a:stretch/>
-        </p:blipFill>
-        <p:spPr>
-          <a:xfrm>
-            <a:off x="7818120" y="3192732"/>
-            <a:ext cx="5837815" cy="4695964"/>
-          </a:xfrm>
-          <a:prstGeom prst="rect">
-            <a:avLst/>
-          </a:prstGeom>
-        </p:spPr>
-      </p:pic>
-      <p:pic>
-        <p:nvPicPr>
-          <p:cNvPr id="11" name="Picture 10">
-            <a:extLst>
-              <a:ext uri="{FF2B5EF4-FFF2-40B4-BE49-F238E27FC236}">
-                <a16:creationId xmlns:a16="http://schemas.microsoft.com/office/drawing/2014/main" id="{2BBD4B5D-E80A-CC55-D245-901E9EC28C22}"/>
-              </a:ext>
-            </a:extLst>
-          </p:cNvPr>
-          <p:cNvPicPr>
-            <a:picLocks noChangeAspect="1"/>
-          </p:cNvPicPr>
-          <p:nvPr/>
-        </p:nvPicPr>
-        <p:blipFill>
-          <a:blip r:embed="rId3"/>
-          <a:srcRect r="14546"/>
-          <a:stretch/>
-        </p:blipFill>
-        <p:spPr>
-          <a:xfrm>
-            <a:off x="11658240" y="5540713"/>
-            <a:ext cx="2664613" cy="1646599"/>
-          </a:xfrm>
-          <a:prstGeom prst="rect">
-            <a:avLst/>
-          </a:prstGeom>
-          <a:ln w="38100">
-            <a:solidFill>
-              <a:srgbClr val="F9D448"/>
-            </a:solidFill>
-          </a:ln>
-          <a:effectLst>
-            <a:glow rad="101600">
-              <a:srgbClr val="F9D448">
-                <a:alpha val="60000"/>
-              </a:srgbClr>
-            </a:glow>
-          </a:effectLst>
-        </p:spPr>
-      </p:pic>
-      <p:pic>
-        <p:nvPicPr>
-          <p:cNvPr id="12" name="Picture 11">
-            <a:extLst>
-              <a:ext uri="{FF2B5EF4-FFF2-40B4-BE49-F238E27FC236}">
-                <a16:creationId xmlns:a16="http://schemas.microsoft.com/office/drawing/2014/main" id="{C4F105AA-B675-F29F-E7D8-8E28F53BDCA6}"/>
-              </a:ext>
-            </a:extLst>
-          </p:cNvPr>
-          <p:cNvPicPr>
-            <a:picLocks noChangeAspect="1"/>
-          </p:cNvPicPr>
-          <p:nvPr/>
-        </p:nvPicPr>
-        <p:blipFill>
-          <a:blip r:embed="rId4">
-            <a:extLst>
-              <a:ext uri="{28A0092B-C50C-407E-A947-70E740481C1C}">
-                <a14:useLocalDpi xmlns:a14="http://schemas.microsoft.com/office/drawing/2010/main" val="0"/>
-              </a:ext>
-            </a:extLst>
-          </a:blip>
-          <a:srcRect/>
-          <a:stretch/>
-        </p:blipFill>
-        <p:spPr>
-          <a:xfrm>
-            <a:off x="307548" y="3244132"/>
-            <a:ext cx="5760038" cy="4593167"/>
-          </a:xfrm>
-          <a:prstGeom prst="rect">
-            <a:avLst/>
-          </a:prstGeom>
-        </p:spPr>
-      </p:pic>
       <p:sp>
         <p:nvSpPr>
           <p:cNvPr id="13" name="TextBox 12">
@@ -21025,10 +19975,10 @@
       </p:sp>
       <p:pic>
         <p:nvPicPr>
-          <p:cNvPr id="15" name="Picture 14">
+          <p:cNvPr id="23" name="Slika 22">
             <a:extLst>
               <a:ext uri="{FF2B5EF4-FFF2-40B4-BE49-F238E27FC236}">
-                <a16:creationId xmlns:a16="http://schemas.microsoft.com/office/drawing/2014/main" id="{09F4E4C0-EFDF-640E-8436-27418AA9B102}"/>
+                <a16:creationId xmlns:a16="http://schemas.microsoft.com/office/drawing/2014/main" id="{3E4F29D5-738C-1157-46DD-632355C2D5D1}"/>
               </a:ext>
             </a:extLst>
           </p:cNvPr>
@@ -21038,99 +19988,1323 @@
           <p:nvPr/>
         </p:nvPicPr>
         <p:blipFill>
-          <a:blip r:embed="rId5"/>
+          <a:blip r:embed="rId2">
+            <a:extLst>
+              <a:ext uri="{28A0092B-C50C-407E-A947-70E740481C1C}">
+                <a14:useLocalDpi xmlns:a14="http://schemas.microsoft.com/office/drawing/2010/main" val="0"/>
+              </a:ext>
+            </a:extLst>
+          </a:blip>
           <a:stretch>
             <a:fillRect/>
           </a:stretch>
         </p:blipFill>
         <p:spPr>
           <a:xfrm>
-            <a:off x="3096866" y="6241336"/>
-            <a:ext cx="4344066" cy="787576"/>
+            <a:off x="1743570" y="5140276"/>
+            <a:ext cx="2987040" cy="129540"/>
           </a:xfrm>
           <a:prstGeom prst="rect">
             <a:avLst/>
           </a:prstGeom>
-          <a:ln w="28575">
-            <a:solidFill>
-              <a:schemeClr val="bg1"/>
-            </a:solidFill>
-          </a:ln>
-          <a:effectLst>
-            <a:glow rad="101600">
-              <a:schemeClr val="bg1">
-                <a:alpha val="60000"/>
-              </a:schemeClr>
-            </a:glow>
-          </a:effectLst>
         </p:spPr>
       </p:pic>
-      <p:sp>
-        <p:nvSpPr>
-          <p:cNvPr id="3" name="Rectangle 2">
+      <p:pic>
+        <p:nvPicPr>
+          <p:cNvPr id="25" name="Slika 24" descr="Slika na kojoj se prikazuje snimka zaslona, dijagram, crta, radnja&#10;&#10;Opis je automatski generiran">
             <a:extLst>
               <a:ext uri="{FF2B5EF4-FFF2-40B4-BE49-F238E27FC236}">
-                <a16:creationId xmlns:a16="http://schemas.microsoft.com/office/drawing/2014/main" id="{FBE380AC-82EA-4205-CDBC-A523524C8515}"/>
+                <a16:creationId xmlns:a16="http://schemas.microsoft.com/office/drawing/2014/main" id="{5D1E1F01-E4C9-E0FC-B1F3-94043745A814}"/>
               </a:ext>
             </a:extLst>
           </p:cNvPr>
-          <p:cNvSpPr/>
+          <p:cNvPicPr>
+            <a:picLocks noChangeAspect="1"/>
+          </p:cNvPicPr>
+          <p:nvPr/>
+        </p:nvPicPr>
+        <p:blipFill>
+          <a:blip r:embed="rId3">
+            <a:extLst>
+              <a:ext uri="{28A0092B-C50C-407E-A947-70E740481C1C}">
+                <a14:useLocalDpi xmlns:a14="http://schemas.microsoft.com/office/drawing/2010/main" val="0"/>
+              </a:ext>
+            </a:extLst>
+          </a:blip>
+          <a:stretch>
+            <a:fillRect/>
+          </a:stretch>
+        </p:blipFill>
+        <p:spPr>
+          <a:xfrm>
+            <a:off x="822960" y="3177195"/>
+            <a:ext cx="5128260" cy="3855720"/>
+          </a:xfrm>
+          <a:prstGeom prst="rect">
+            <a:avLst/>
+          </a:prstGeom>
+        </p:spPr>
+      </p:pic>
+      <p:pic>
+        <p:nvPicPr>
+          <p:cNvPr id="27" name="Slika 26">
+            <a:extLst>
+              <a:ext uri="{FF2B5EF4-FFF2-40B4-BE49-F238E27FC236}">
+                <a16:creationId xmlns:a16="http://schemas.microsoft.com/office/drawing/2014/main" id="{DBB76030-2E72-31E1-F2E4-419A4E2F40F9}"/>
+              </a:ext>
+            </a:extLst>
+          </p:cNvPr>
+          <p:cNvPicPr>
+            <a:picLocks noChangeAspect="1"/>
+          </p:cNvPicPr>
+          <p:nvPr/>
+        </p:nvPicPr>
+        <p:blipFill>
+          <a:blip r:embed="rId2">
+            <a:extLst>
+              <a:ext uri="{28A0092B-C50C-407E-A947-70E740481C1C}">
+                <a14:useLocalDpi xmlns:a14="http://schemas.microsoft.com/office/drawing/2010/main" val="0"/>
+              </a:ext>
+            </a:extLst>
+          </a:blip>
+          <a:stretch>
+            <a:fillRect/>
+          </a:stretch>
+        </p:blipFill>
+        <p:spPr>
+          <a:xfrm>
+            <a:off x="1043359" y="7232897"/>
+            <a:ext cx="4984409" cy="216161"/>
+          </a:xfrm>
+          <a:prstGeom prst="rect">
+            <a:avLst/>
+          </a:prstGeom>
+        </p:spPr>
+      </p:pic>
+      <p:pic>
+        <p:nvPicPr>
+          <p:cNvPr id="29" name="Slika 28" descr="Slika na kojoj se prikazuje dijagram, crta, snimka zaslona, radnja&#10;&#10;Opis je automatski generiran">
+            <a:extLst>
+              <a:ext uri="{FF2B5EF4-FFF2-40B4-BE49-F238E27FC236}">
+                <a16:creationId xmlns:a16="http://schemas.microsoft.com/office/drawing/2014/main" id="{719431B9-66FC-D3BD-87F0-1AF5CB5A7E52}"/>
+              </a:ext>
+            </a:extLst>
+          </p:cNvPr>
+          <p:cNvPicPr>
+            <a:picLocks noChangeAspect="1"/>
+          </p:cNvPicPr>
+          <p:nvPr/>
+        </p:nvPicPr>
+        <p:blipFill>
+          <a:blip r:embed="rId4">
+            <a:extLst>
+              <a:ext uri="{28A0092B-C50C-407E-A947-70E740481C1C}">
+                <a14:useLocalDpi xmlns:a14="http://schemas.microsoft.com/office/drawing/2010/main" val="0"/>
+              </a:ext>
+            </a:extLst>
+          </a:blip>
+          <a:stretch>
+            <a:fillRect/>
+          </a:stretch>
+        </p:blipFill>
+        <p:spPr>
+          <a:xfrm>
+            <a:off x="8458201" y="3216226"/>
+            <a:ext cx="5052060" cy="3848100"/>
+          </a:xfrm>
+          <a:prstGeom prst="rect">
+            <a:avLst/>
+          </a:prstGeom>
+        </p:spPr>
+      </p:pic>
+      <p:pic>
+        <p:nvPicPr>
+          <p:cNvPr id="31" name="Slika 30" descr="Slika na kojoj se prikazuje tekst, Font, snimka zaslona&#10;&#10;Opis je automatski generiran">
+            <a:extLst>
+              <a:ext uri="{FF2B5EF4-FFF2-40B4-BE49-F238E27FC236}">
+                <a16:creationId xmlns:a16="http://schemas.microsoft.com/office/drawing/2014/main" id="{5FB73727-AFFF-C7A0-473E-82DBFB3045B4}"/>
+              </a:ext>
+            </a:extLst>
+          </p:cNvPr>
+          <p:cNvPicPr>
+            <a:picLocks noChangeAspect="1"/>
+          </p:cNvPicPr>
+          <p:nvPr/>
+        </p:nvPicPr>
+        <p:blipFill>
+          <a:blip r:embed="rId5">
+            <a:extLst>
+              <a:ext uri="{28A0092B-C50C-407E-A947-70E740481C1C}">
+                <a14:useLocalDpi xmlns:a14="http://schemas.microsoft.com/office/drawing/2010/main" val="0"/>
+              </a:ext>
+            </a:extLst>
+          </a:blip>
+          <a:stretch>
+            <a:fillRect/>
+          </a:stretch>
+        </p:blipFill>
+        <p:spPr>
+          <a:xfrm>
+            <a:off x="9442501" y="7150845"/>
+            <a:ext cx="3446677" cy="712196"/>
+          </a:xfrm>
+          <a:prstGeom prst="rect">
+            <a:avLst/>
+          </a:prstGeom>
+        </p:spPr>
+      </p:pic>
+    </p:spTree>
+    <p:extLst>
+      <p:ext uri="{BB962C8B-B14F-4D97-AF65-F5344CB8AC3E}">
+        <p14:creationId xmlns:p14="http://schemas.microsoft.com/office/powerpoint/2010/main" val="903207117"/>
+      </p:ext>
+    </p:extLst>
+  </p:cSld>
+  <p:clrMapOvr>
+    <a:masterClrMapping/>
+  </p:clrMapOvr>
+</p:sld>
+</file>
+
+<file path=ppt/slides/slide22.xml><?xml version="1.0" encoding="utf-8"?>
+<p:sld xmlns:a="http://schemas.openxmlformats.org/drawingml/2006/main" xmlns:r="http://schemas.openxmlformats.org/officeDocument/2006/relationships" xmlns:p="http://schemas.openxmlformats.org/presentationml/2006/main">
+  <p:cSld>
+    <p:spTree>
+      <p:nvGrpSpPr>
+        <p:cNvPr id="1" name="">
+          <a:extLst>
+            <a:ext uri="{FF2B5EF4-FFF2-40B4-BE49-F238E27FC236}">
+              <a16:creationId xmlns:a16="http://schemas.microsoft.com/office/drawing/2014/main" id="{6137BE14-7750-3E9A-DA01-86F49975E03C}"/>
+            </a:ext>
+          </a:extLst>
+        </p:cNvPr>
+        <p:cNvGrpSpPr/>
+        <p:nvPr/>
+      </p:nvGrpSpPr>
+      <p:grpSpPr>
+        <a:xfrm>
+          <a:off x="0" y="0"/>
+          <a:ext cx="0" cy="0"/>
+          <a:chOff x="0" y="0"/>
+          <a:chExt cx="0" cy="0"/>
+        </a:xfrm>
+      </p:grpSpPr>
+      <p:sp>
+        <p:nvSpPr>
+          <p:cNvPr id="2" name="Title 1">
+            <a:extLst>
+              <a:ext uri="{FF2B5EF4-FFF2-40B4-BE49-F238E27FC236}">
+                <a16:creationId xmlns:a16="http://schemas.microsoft.com/office/drawing/2014/main" id="{FD17C7CF-076D-852E-4AB9-CF2CE76AC7A0}"/>
+              </a:ext>
+            </a:extLst>
+          </p:cNvPr>
+          <p:cNvSpPr>
+            <a:spLocks noGrp="1"/>
+          </p:cNvSpPr>
+          <p:nvPr>
+            <p:ph type="title"/>
+          </p:nvPr>
+        </p:nvSpPr>
+        <p:spPr>
+          <a:xfrm>
+            <a:off x="0" y="458576"/>
+            <a:ext cx="14630400" cy="892552"/>
+          </a:xfrm>
+        </p:spPr>
+        <p:txBody>
+          <a:bodyPr/>
+          <a:lstStyle/>
+          <a:p>
+            <a:r>
+              <a:rPr lang="en-GB" sz="2600" dirty="0" err="1"/>
+              <a:t>Razvoj</a:t>
+            </a:r>
+            <a:r>
+              <a:rPr lang="en-GB" sz="2600" dirty="0"/>
+              <a:t> </a:t>
+            </a:r>
+            <a:r>
+              <a:rPr lang="hr-HR" sz="2600" dirty="0"/>
+              <a:t>neuronske mreže</a:t>
+            </a:r>
+            <a:r>
+              <a:rPr lang="en-GB" sz="2600" dirty="0"/>
+              <a:t> za </a:t>
+            </a:r>
+            <a:r>
+              <a:rPr lang="en-GB" sz="2600" dirty="0" err="1"/>
+              <a:t>estimaciju</a:t>
+            </a:r>
+            <a:r>
+              <a:rPr lang="en-GB" sz="2600" dirty="0"/>
+              <a:t>/</a:t>
+            </a:r>
+            <a:r>
+              <a:rPr lang="en-GB" sz="2600" dirty="0" err="1"/>
+              <a:t>predikciju</a:t>
+            </a:r>
+            <a:r>
+              <a:rPr lang="en-GB" sz="2600" dirty="0"/>
+              <a:t> </a:t>
+            </a:r>
+            <a:r>
+              <a:rPr lang="en-GB" sz="2600" dirty="0" err="1"/>
+              <a:t>performansi</a:t>
+            </a:r>
+            <a:r>
+              <a:rPr lang="en-GB" sz="2600" dirty="0"/>
+              <a:t> </a:t>
+            </a:r>
+            <a:r>
+              <a:rPr lang="en-GB" sz="2600" dirty="0" err="1"/>
+              <a:t>na</a:t>
+            </a:r>
+            <a:r>
+              <a:rPr lang="en-GB" sz="2600" dirty="0"/>
+              <a:t> </a:t>
+            </a:r>
+            <a:r>
+              <a:rPr lang="en-GB" sz="2600" dirty="0" err="1"/>
+              <a:t>simulatoru</a:t>
+            </a:r>
+            <a:r>
+              <a:rPr lang="en-GB" sz="2600" dirty="0"/>
+              <a:t> </a:t>
+            </a:r>
+            <a:r>
+              <a:rPr lang="en-GB" sz="2600" dirty="0" err="1"/>
+              <a:t>leta</a:t>
+            </a:r>
+            <a:r>
+              <a:rPr lang="en-GB" sz="2600" dirty="0"/>
+              <a:t> u startle </a:t>
+            </a:r>
+            <a:r>
+              <a:rPr lang="en-GB" sz="2600" dirty="0" err="1"/>
+              <a:t>uvjetima</a:t>
+            </a:r>
+            <a:r>
+              <a:rPr lang="en-GB" sz="2600" dirty="0"/>
+              <a:t> </a:t>
+            </a:r>
+            <a:r>
+              <a:rPr lang="en-GB" sz="2600" dirty="0" err="1"/>
+              <a:t>na</a:t>
+            </a:r>
+            <a:r>
+              <a:rPr lang="en-GB" sz="2600" dirty="0"/>
+              <a:t> </a:t>
+            </a:r>
+            <a:r>
+              <a:rPr lang="en-GB" sz="2600" dirty="0" err="1"/>
+              <a:t>temelju</a:t>
+            </a:r>
+            <a:r>
+              <a:rPr lang="en-GB" sz="2600" dirty="0"/>
+              <a:t> </a:t>
+            </a:r>
+            <a:r>
+              <a:rPr lang="en-GB" sz="2600" dirty="0" err="1"/>
+              <a:t>signala</a:t>
+            </a:r>
+            <a:r>
+              <a:rPr lang="en-GB" sz="2600" dirty="0"/>
+              <a:t> </a:t>
+            </a:r>
+            <a:r>
+              <a:rPr lang="en-GB" sz="2600" dirty="0" err="1"/>
+              <a:t>vodljivosti</a:t>
+            </a:r>
+            <a:r>
+              <a:rPr lang="en-GB" sz="2600" dirty="0"/>
+              <a:t> </a:t>
+            </a:r>
+            <a:r>
+              <a:rPr lang="en-GB" sz="2600" dirty="0" err="1"/>
+              <a:t>kože</a:t>
+            </a:r>
+            <a:r>
+              <a:rPr lang="hr-HR" sz="2600" dirty="0"/>
+              <a:t> </a:t>
+            </a:r>
+            <a:r>
+              <a:rPr lang="en-GB" sz="2600" dirty="0" err="1"/>
+              <a:t>i</a:t>
+            </a:r>
+            <a:r>
+              <a:rPr lang="en-GB" sz="2600" dirty="0"/>
+              <a:t> </a:t>
+            </a:r>
+            <a:r>
+              <a:rPr lang="en-GB" sz="2600" dirty="0" err="1"/>
+              <a:t>disanja</a:t>
+            </a:r>
+            <a:endParaRPr lang="en-GB" sz="2600" dirty="0"/>
+          </a:p>
+        </p:txBody>
+      </p:sp>
+      <p:sp>
+        <p:nvSpPr>
+          <p:cNvPr id="4" name="Slide Number Placeholder 3">
+            <a:extLst>
+              <a:ext uri="{FF2B5EF4-FFF2-40B4-BE49-F238E27FC236}">
+                <a16:creationId xmlns:a16="http://schemas.microsoft.com/office/drawing/2014/main" id="{1B9264F2-78B4-EB3E-6A3B-A581D538961A}"/>
+              </a:ext>
+            </a:extLst>
+          </p:cNvPr>
+          <p:cNvSpPr>
+            <a:spLocks noGrp="1"/>
+          </p:cNvSpPr>
+          <p:nvPr>
+            <p:ph type="sldNum" sz="quarter" idx="10"/>
+          </p:nvPr>
+        </p:nvSpPr>
+        <p:spPr/>
+        <p:txBody>
+          <a:bodyPr/>
+          <a:lstStyle/>
+          <a:p>
+            <a:fld id="{C92FC937-38D6-4B8F-AEB3-E5F6C110AD7F}" type="slidenum">
+              <a:rPr lang="hr-HR" smtClean="0"/>
+              <a:t>22</a:t>
+            </a:fld>
+            <a:endParaRPr lang="hr-HR"/>
+          </a:p>
+        </p:txBody>
+      </p:sp>
+      <p:sp>
+        <p:nvSpPr>
+          <p:cNvPr id="8" name="Content Placeholder 7">
+            <a:extLst>
+              <a:ext uri="{FF2B5EF4-FFF2-40B4-BE49-F238E27FC236}">
+                <a16:creationId xmlns:a16="http://schemas.microsoft.com/office/drawing/2014/main" id="{378C5F97-2A27-6BE0-7D8A-3487301D8E82}"/>
+              </a:ext>
+            </a:extLst>
+          </p:cNvPr>
+          <p:cNvSpPr>
+            <a:spLocks noGrp="1"/>
+          </p:cNvSpPr>
+          <p:nvPr>
+            <p:ph idx="1"/>
+          </p:nvPr>
+        </p:nvSpPr>
+        <p:spPr>
+          <a:xfrm>
+            <a:off x="316536" y="1694642"/>
+            <a:ext cx="13980855" cy="394595"/>
+          </a:xfrm>
+        </p:spPr>
+        <p:txBody>
+          <a:bodyPr/>
+          <a:lstStyle/>
+          <a:p>
+            <a:pPr marL="0" indent="0">
+              <a:buNone/>
+            </a:pPr>
+            <a:r>
+              <a:rPr lang="hr-HR" b="1" dirty="0"/>
+              <a:t>Rezultati -&gt; Predikcija </a:t>
+            </a:r>
+            <a:r>
+              <a:rPr lang="hr-HR" b="1" dirty="0" err="1"/>
+              <a:t>startle</a:t>
+            </a:r>
+            <a:r>
+              <a:rPr lang="hr-HR" b="1" dirty="0"/>
+              <a:t> performansi na temelju pre-</a:t>
+            </a:r>
+            <a:r>
+              <a:rPr lang="hr-HR" b="1" dirty="0" err="1"/>
+              <a:t>startle</a:t>
+            </a:r>
+            <a:r>
+              <a:rPr lang="hr-HR" b="1" dirty="0"/>
+              <a:t> fizioloških značajki</a:t>
+            </a:r>
+            <a:endParaRPr lang="hr-HR" b="1" u="sng" dirty="0"/>
+          </a:p>
+        </p:txBody>
+      </p:sp>
+      <p:sp>
+        <p:nvSpPr>
+          <p:cNvPr id="13" name="TextBox 12">
+            <a:extLst>
+              <a:ext uri="{FF2B5EF4-FFF2-40B4-BE49-F238E27FC236}">
+                <a16:creationId xmlns:a16="http://schemas.microsoft.com/office/drawing/2014/main" id="{1D494749-E872-67FC-474B-BDBE6A218010}"/>
+              </a:ext>
+            </a:extLst>
+          </p:cNvPr>
+          <p:cNvSpPr txBox="1"/>
           <p:nvPr/>
         </p:nvSpPr>
         <p:spPr>
           <a:xfrm>
-            <a:off x="1749978" y="1568370"/>
-            <a:ext cx="12496800" cy="881004"/>
+            <a:off x="8458201" y="2746981"/>
+            <a:ext cx="5197733" cy="424732"/>
           </a:xfrm>
           <a:prstGeom prst="rect">
             <a:avLst/>
           </a:prstGeom>
           <a:solidFill>
-            <a:srgbClr val="C00000"/>
+            <a:srgbClr val="F9D448"/>
           </a:solidFill>
-          <a:ln>
-            <a:solidFill>
-              <a:srgbClr val="C00000"/>
-            </a:solidFill>
-          </a:ln>
         </p:spPr>
-        <p:style>
-          <a:lnRef idx="2">
-            <a:schemeClr val="accent1">
-              <a:shade val="15000"/>
-            </a:schemeClr>
-          </a:lnRef>
-          <a:fillRef idx="1">
-            <a:schemeClr val="accent1"/>
-          </a:fillRef>
-          <a:effectRef idx="0">
-            <a:schemeClr val="accent1"/>
-          </a:effectRef>
-          <a:fontRef idx="minor">
-            <a:schemeClr val="lt1"/>
-          </a:fontRef>
-        </p:style>
         <p:txBody>
-          <a:bodyPr rtlCol="0" anchor="ctr"/>
+          <a:bodyPr wrap="square">
+            <a:spAutoFit/>
+          </a:bodyPr>
           <a:lstStyle/>
           <a:p>
-            <a:pPr algn="just"/>
-            <a:r>
-              <a:rPr lang="hr-HR" sz="1600" dirty="0"/>
-              <a:t>Prethodni grafovi su prikazali model koji je treniran na cijelom skupu podataka. Kako bi ispitali generabilnost i robusnost modela primjenili smo Leave One Out Cross Validation (LOOCV), gdje se model trenira na 14 kandidata a testira na jednom, te je dana usporedba. </a:t>
-            </a:r>
-            <a:r>
-              <a:rPr lang="hr-HR" sz="1600" b="1" dirty="0"/>
-              <a:t>Isto se očekuje od vas, prilikom prezentacije vaših rezultata.</a:t>
-            </a:r>
-            <a:endParaRPr lang="en-GB" sz="1600" b="1" dirty="0"/>
+            <a:pPr algn="ctr" defTabSz="1097280" fontAlgn="auto">
+              <a:spcBef>
+                <a:spcPts val="0"/>
+              </a:spcBef>
+              <a:spcAft>
+                <a:spcPts val="0"/>
+              </a:spcAft>
+            </a:pPr>
+            <a:r>
+              <a:rPr lang="hr-HR" sz="2160" b="1" dirty="0">
+                <a:solidFill>
+                  <a:srgbClr val="000000"/>
+                </a:solidFill>
+                <a:latin typeface="Tahoma"/>
+              </a:rPr>
+              <a:t>Cross-</a:t>
+            </a:r>
+            <a:r>
+              <a:rPr lang="hr-HR" sz="2160" b="1" dirty="0" err="1">
+                <a:solidFill>
+                  <a:srgbClr val="000000"/>
+                </a:solidFill>
+                <a:latin typeface="Tahoma"/>
+              </a:rPr>
+              <a:t>validated</a:t>
+            </a:r>
+            <a:r>
+              <a:rPr lang="hr-HR" sz="2160" b="1" dirty="0">
+                <a:solidFill>
+                  <a:srgbClr val="000000"/>
+                </a:solidFill>
+                <a:latin typeface="Tahoma"/>
+              </a:rPr>
+              <a:t> MRA (LOOCV)</a:t>
+            </a:r>
+            <a:endParaRPr lang="en-GB" sz="2160" b="1" dirty="0">
+              <a:solidFill>
+                <a:srgbClr val="000000"/>
+              </a:solidFill>
+              <a:latin typeface="Tahoma"/>
+            </a:endParaRPr>
           </a:p>
         </p:txBody>
       </p:sp>
+      <p:sp>
+        <p:nvSpPr>
+          <p:cNvPr id="14" name="TextBox 13">
+            <a:extLst>
+              <a:ext uri="{FF2B5EF4-FFF2-40B4-BE49-F238E27FC236}">
+                <a16:creationId xmlns:a16="http://schemas.microsoft.com/office/drawing/2014/main" id="{84CFDC69-BB66-73DC-FB98-E88CFEE34FB6}"/>
+              </a:ext>
+            </a:extLst>
+          </p:cNvPr>
+          <p:cNvSpPr txBox="1"/>
+          <p:nvPr/>
+        </p:nvSpPr>
+        <p:spPr>
+          <a:xfrm>
+            <a:off x="822960" y="2750763"/>
+            <a:ext cx="5349240" cy="424732"/>
+          </a:xfrm>
+          <a:prstGeom prst="rect">
+            <a:avLst/>
+          </a:prstGeom>
+          <a:solidFill>
+            <a:srgbClr val="F9D448"/>
+          </a:solidFill>
+        </p:spPr>
+        <p:txBody>
+          <a:bodyPr wrap="square">
+            <a:spAutoFit/>
+          </a:bodyPr>
+          <a:lstStyle>
+            <a:defPPr>
+              <a:defRPr lang="en-US"/>
+            </a:defPPr>
+            <a:lvl1pPr algn="ctr" defTabSz="1097280" fontAlgn="auto">
+              <a:spcBef>
+                <a:spcPts val="0"/>
+              </a:spcBef>
+              <a:spcAft>
+                <a:spcPts val="0"/>
+              </a:spcAft>
+              <a:defRPr sz="2160" b="1">
+                <a:solidFill>
+                  <a:srgbClr val="000000"/>
+                </a:solidFill>
+                <a:latin typeface="Tahoma"/>
+              </a:defRPr>
+            </a:lvl1pPr>
+          </a:lstStyle>
+          <a:p>
+            <a:r>
+              <a:rPr lang="en-GB" dirty="0"/>
+              <a:t>MRA </a:t>
+            </a:r>
+            <a:r>
+              <a:rPr lang="hr-HR" dirty="0"/>
+              <a:t>fit to </a:t>
+            </a:r>
+            <a:r>
+              <a:rPr lang="hr-HR" dirty="0" err="1"/>
+              <a:t>the</a:t>
+            </a:r>
+            <a:r>
+              <a:rPr lang="hr-HR" dirty="0"/>
+              <a:t> </a:t>
+            </a:r>
+            <a:r>
+              <a:rPr lang="hr-HR" dirty="0" err="1"/>
+              <a:t>dataset</a:t>
+            </a:r>
+            <a:r>
+              <a:rPr lang="hr-HR" dirty="0"/>
+              <a:t> (no LOOCV)</a:t>
+            </a:r>
+            <a:endParaRPr lang="en-GB" dirty="0"/>
+          </a:p>
+        </p:txBody>
+      </p:sp>
+      <p:pic>
+        <p:nvPicPr>
+          <p:cNvPr id="6" name="Slika 5" descr="Slika na kojoj se prikazuje dijagram, snimka zaslona, crta, radnja&#10;&#10;Opis je automatski generiran">
+            <a:extLst>
+              <a:ext uri="{FF2B5EF4-FFF2-40B4-BE49-F238E27FC236}">
+                <a16:creationId xmlns:a16="http://schemas.microsoft.com/office/drawing/2014/main" id="{20AA9D6C-BF1F-6661-7E41-FD9499A5251F}"/>
+              </a:ext>
+            </a:extLst>
+          </p:cNvPr>
+          <p:cNvPicPr>
+            <a:picLocks noChangeAspect="1"/>
+          </p:cNvPicPr>
+          <p:nvPr/>
+        </p:nvPicPr>
+        <p:blipFill>
+          <a:blip r:embed="rId2">
+            <a:extLst>
+              <a:ext uri="{28A0092B-C50C-407E-A947-70E740481C1C}">
+                <a14:useLocalDpi xmlns:a14="http://schemas.microsoft.com/office/drawing/2010/main" val="0"/>
+              </a:ext>
+            </a:extLst>
+          </a:blip>
+          <a:stretch>
+            <a:fillRect/>
+          </a:stretch>
+        </p:blipFill>
+        <p:spPr>
+          <a:xfrm>
+            <a:off x="822960" y="3260774"/>
+            <a:ext cx="5120640" cy="3794760"/>
+          </a:xfrm>
+          <a:prstGeom prst="rect">
+            <a:avLst/>
+          </a:prstGeom>
+        </p:spPr>
+      </p:pic>
+      <p:pic>
+        <p:nvPicPr>
+          <p:cNvPr id="9" name="Slika 8">
+            <a:extLst>
+              <a:ext uri="{FF2B5EF4-FFF2-40B4-BE49-F238E27FC236}">
+                <a16:creationId xmlns:a16="http://schemas.microsoft.com/office/drawing/2014/main" id="{05D59EDD-3196-02FF-4158-532884053D8C}"/>
+              </a:ext>
+            </a:extLst>
+          </p:cNvPr>
+          <p:cNvPicPr>
+            <a:picLocks noChangeAspect="1"/>
+          </p:cNvPicPr>
+          <p:nvPr/>
+        </p:nvPicPr>
+        <p:blipFill>
+          <a:blip r:embed="rId3">
+            <a:extLst>
+              <a:ext uri="{28A0092B-C50C-407E-A947-70E740481C1C}">
+                <a14:useLocalDpi xmlns:a14="http://schemas.microsoft.com/office/drawing/2010/main" val="0"/>
+              </a:ext>
+            </a:extLst>
+          </a:blip>
+          <a:stretch>
+            <a:fillRect/>
+          </a:stretch>
+        </p:blipFill>
+        <p:spPr>
+          <a:xfrm>
+            <a:off x="1456912" y="7316155"/>
+            <a:ext cx="4151755" cy="424732"/>
+          </a:xfrm>
+          <a:prstGeom prst="rect">
+            <a:avLst/>
+          </a:prstGeom>
+        </p:spPr>
+      </p:pic>
+      <p:pic>
+        <p:nvPicPr>
+          <p:cNvPr id="11" name="Slika 10" descr="Slika na kojoj se prikazuje dijagram, snimka zaslona, crta, radnja&#10;&#10;Opis je automatski generiran">
+            <a:extLst>
+              <a:ext uri="{FF2B5EF4-FFF2-40B4-BE49-F238E27FC236}">
+                <a16:creationId xmlns:a16="http://schemas.microsoft.com/office/drawing/2014/main" id="{781EF4EB-5DCD-9193-55FB-C4F77A073A01}"/>
+              </a:ext>
+            </a:extLst>
+          </p:cNvPr>
+          <p:cNvPicPr>
+            <a:picLocks noChangeAspect="1"/>
+          </p:cNvPicPr>
+          <p:nvPr/>
+        </p:nvPicPr>
+        <p:blipFill>
+          <a:blip r:embed="rId4">
+            <a:extLst>
+              <a:ext uri="{28A0092B-C50C-407E-A947-70E740481C1C}">
+                <a14:useLocalDpi xmlns:a14="http://schemas.microsoft.com/office/drawing/2010/main" val="0"/>
+              </a:ext>
+            </a:extLst>
+          </a:blip>
+          <a:stretch>
+            <a:fillRect/>
+          </a:stretch>
+        </p:blipFill>
+        <p:spPr>
+          <a:xfrm>
+            <a:off x="8458201" y="3171713"/>
+            <a:ext cx="5105400" cy="3832860"/>
+          </a:xfrm>
+          <a:prstGeom prst="rect">
+            <a:avLst/>
+          </a:prstGeom>
+        </p:spPr>
+      </p:pic>
+      <p:pic>
+        <p:nvPicPr>
+          <p:cNvPr id="17" name="Slika 16" descr="Slika na kojoj se prikazuje tekst, Font, snimka zaslona&#10;&#10;Opis je automatski generiran">
+            <a:extLst>
+              <a:ext uri="{FF2B5EF4-FFF2-40B4-BE49-F238E27FC236}">
+                <a16:creationId xmlns:a16="http://schemas.microsoft.com/office/drawing/2014/main" id="{E697E25B-80E8-2882-DF08-E474F2562DF7}"/>
+              </a:ext>
+            </a:extLst>
+          </p:cNvPr>
+          <p:cNvPicPr>
+            <a:picLocks noChangeAspect="1"/>
+          </p:cNvPicPr>
+          <p:nvPr/>
+        </p:nvPicPr>
+        <p:blipFill>
+          <a:blip r:embed="rId5">
+            <a:extLst>
+              <a:ext uri="{28A0092B-C50C-407E-A947-70E740481C1C}">
+                <a14:useLocalDpi xmlns:a14="http://schemas.microsoft.com/office/drawing/2010/main" val="0"/>
+              </a:ext>
+            </a:extLst>
+          </a:blip>
+          <a:stretch>
+            <a:fillRect/>
+          </a:stretch>
+        </p:blipFill>
+        <p:spPr>
+          <a:xfrm>
+            <a:off x="9284099" y="7099189"/>
+            <a:ext cx="3545936" cy="741752"/>
+          </a:xfrm>
+          <a:prstGeom prst="rect">
+            <a:avLst/>
+          </a:prstGeom>
+        </p:spPr>
+      </p:pic>
     </p:spTree>
     <p:extLst>
       <p:ext uri="{BB962C8B-B14F-4D97-AF65-F5344CB8AC3E}">
-        <p14:creationId xmlns:p14="http://schemas.microsoft.com/office/powerpoint/2010/main" val="903207117"/>
+        <p14:creationId xmlns:p14="http://schemas.microsoft.com/office/powerpoint/2010/main" val="1995253445"/>
+      </p:ext>
+    </p:extLst>
+  </p:cSld>
+  <p:clrMapOvr>
+    <a:masterClrMapping/>
+  </p:clrMapOvr>
+</p:sld>
+</file>
+
+<file path=ppt/slides/slide23.xml><?xml version="1.0" encoding="utf-8"?>
+<p:sld xmlns:a="http://schemas.openxmlformats.org/drawingml/2006/main" xmlns:r="http://schemas.openxmlformats.org/officeDocument/2006/relationships" xmlns:p="http://schemas.openxmlformats.org/presentationml/2006/main">
+  <p:cSld>
+    <p:spTree>
+      <p:nvGrpSpPr>
+        <p:cNvPr id="1" name="">
+          <a:extLst>
+            <a:ext uri="{FF2B5EF4-FFF2-40B4-BE49-F238E27FC236}">
+              <a16:creationId xmlns:a16="http://schemas.microsoft.com/office/drawing/2014/main" id="{329077B1-EE54-81A9-6FEB-01573584F340}"/>
+            </a:ext>
+          </a:extLst>
+        </p:cNvPr>
+        <p:cNvGrpSpPr/>
+        <p:nvPr/>
+      </p:nvGrpSpPr>
+      <p:grpSpPr>
+        <a:xfrm>
+          <a:off x="0" y="0"/>
+          <a:ext cx="0" cy="0"/>
+          <a:chOff x="0" y="0"/>
+          <a:chExt cx="0" cy="0"/>
+        </a:xfrm>
+      </p:grpSpPr>
+      <p:sp>
+        <p:nvSpPr>
+          <p:cNvPr id="2" name="Title 1">
+            <a:extLst>
+              <a:ext uri="{FF2B5EF4-FFF2-40B4-BE49-F238E27FC236}">
+                <a16:creationId xmlns:a16="http://schemas.microsoft.com/office/drawing/2014/main" id="{EA0CB6E3-DA7E-9A2C-B734-2CFDF7BB871C}"/>
+              </a:ext>
+            </a:extLst>
+          </p:cNvPr>
+          <p:cNvSpPr>
+            <a:spLocks noGrp="1"/>
+          </p:cNvSpPr>
+          <p:nvPr>
+            <p:ph type="title"/>
+          </p:nvPr>
+        </p:nvSpPr>
+        <p:spPr>
+          <a:xfrm>
+            <a:off x="0" y="458576"/>
+            <a:ext cx="14630400" cy="892552"/>
+          </a:xfrm>
+        </p:spPr>
+        <p:txBody>
+          <a:bodyPr/>
+          <a:lstStyle/>
+          <a:p>
+            <a:r>
+              <a:rPr lang="en-GB" sz="2600" dirty="0" err="1"/>
+              <a:t>Razvoj</a:t>
+            </a:r>
+            <a:r>
+              <a:rPr lang="en-GB" sz="2600" dirty="0"/>
+              <a:t> </a:t>
+            </a:r>
+            <a:r>
+              <a:rPr lang="hr-HR" sz="2600" dirty="0"/>
+              <a:t>neuronske mreže</a:t>
+            </a:r>
+            <a:r>
+              <a:rPr lang="en-GB" sz="2600" dirty="0"/>
+              <a:t> za </a:t>
+            </a:r>
+            <a:r>
+              <a:rPr lang="en-GB" sz="2600" dirty="0" err="1"/>
+              <a:t>estimaciju</a:t>
+            </a:r>
+            <a:r>
+              <a:rPr lang="en-GB" sz="2600" dirty="0"/>
+              <a:t>/</a:t>
+            </a:r>
+            <a:r>
+              <a:rPr lang="en-GB" sz="2600" dirty="0" err="1"/>
+              <a:t>predikciju</a:t>
+            </a:r>
+            <a:r>
+              <a:rPr lang="en-GB" sz="2600" dirty="0"/>
+              <a:t> </a:t>
+            </a:r>
+            <a:r>
+              <a:rPr lang="en-GB" sz="2600" dirty="0" err="1"/>
+              <a:t>performansi</a:t>
+            </a:r>
+            <a:r>
+              <a:rPr lang="en-GB" sz="2600" dirty="0"/>
+              <a:t> </a:t>
+            </a:r>
+            <a:r>
+              <a:rPr lang="en-GB" sz="2600" dirty="0" err="1"/>
+              <a:t>na</a:t>
+            </a:r>
+            <a:r>
+              <a:rPr lang="en-GB" sz="2600" dirty="0"/>
+              <a:t> </a:t>
+            </a:r>
+            <a:r>
+              <a:rPr lang="en-GB" sz="2600" dirty="0" err="1"/>
+              <a:t>simulatoru</a:t>
+            </a:r>
+            <a:r>
+              <a:rPr lang="en-GB" sz="2600" dirty="0"/>
+              <a:t> </a:t>
+            </a:r>
+            <a:r>
+              <a:rPr lang="en-GB" sz="2600" dirty="0" err="1"/>
+              <a:t>leta</a:t>
+            </a:r>
+            <a:r>
+              <a:rPr lang="en-GB" sz="2600" dirty="0"/>
+              <a:t> u startle </a:t>
+            </a:r>
+            <a:r>
+              <a:rPr lang="en-GB" sz="2600" dirty="0" err="1"/>
+              <a:t>uvjetima</a:t>
+            </a:r>
+            <a:r>
+              <a:rPr lang="en-GB" sz="2600" dirty="0"/>
+              <a:t> </a:t>
+            </a:r>
+            <a:r>
+              <a:rPr lang="en-GB" sz="2600" dirty="0" err="1"/>
+              <a:t>na</a:t>
+            </a:r>
+            <a:r>
+              <a:rPr lang="en-GB" sz="2600" dirty="0"/>
+              <a:t> </a:t>
+            </a:r>
+            <a:r>
+              <a:rPr lang="en-GB" sz="2600" dirty="0" err="1"/>
+              <a:t>temelju</a:t>
+            </a:r>
+            <a:r>
+              <a:rPr lang="en-GB" sz="2600" dirty="0"/>
+              <a:t> </a:t>
+            </a:r>
+            <a:r>
+              <a:rPr lang="en-GB" sz="2600" dirty="0" err="1"/>
+              <a:t>signala</a:t>
+            </a:r>
+            <a:r>
+              <a:rPr lang="en-GB" sz="2600" dirty="0"/>
+              <a:t> </a:t>
+            </a:r>
+            <a:r>
+              <a:rPr lang="en-GB" sz="2600" dirty="0" err="1"/>
+              <a:t>vodljivosti</a:t>
+            </a:r>
+            <a:r>
+              <a:rPr lang="en-GB" sz="2600" dirty="0"/>
+              <a:t> </a:t>
+            </a:r>
+            <a:r>
+              <a:rPr lang="en-GB" sz="2600" dirty="0" err="1"/>
+              <a:t>kože</a:t>
+            </a:r>
+            <a:r>
+              <a:rPr lang="hr-HR" sz="2600" dirty="0"/>
+              <a:t> </a:t>
+            </a:r>
+            <a:r>
+              <a:rPr lang="en-GB" sz="2600" dirty="0" err="1"/>
+              <a:t>i</a:t>
+            </a:r>
+            <a:r>
+              <a:rPr lang="en-GB" sz="2600" dirty="0"/>
+              <a:t> </a:t>
+            </a:r>
+            <a:r>
+              <a:rPr lang="en-GB" sz="2600" dirty="0" err="1"/>
+              <a:t>disanja</a:t>
+            </a:r>
+            <a:endParaRPr lang="en-GB" sz="2600" dirty="0"/>
+          </a:p>
+        </p:txBody>
+      </p:sp>
+      <p:sp>
+        <p:nvSpPr>
+          <p:cNvPr id="4" name="Slide Number Placeholder 3">
+            <a:extLst>
+              <a:ext uri="{FF2B5EF4-FFF2-40B4-BE49-F238E27FC236}">
+                <a16:creationId xmlns:a16="http://schemas.microsoft.com/office/drawing/2014/main" id="{05C48178-EA8D-CE94-D651-28A530C0A8B9}"/>
+              </a:ext>
+            </a:extLst>
+          </p:cNvPr>
+          <p:cNvSpPr>
+            <a:spLocks noGrp="1"/>
+          </p:cNvSpPr>
+          <p:nvPr>
+            <p:ph type="sldNum" sz="quarter" idx="10"/>
+          </p:nvPr>
+        </p:nvSpPr>
+        <p:spPr/>
+        <p:txBody>
+          <a:bodyPr/>
+          <a:lstStyle/>
+          <a:p>
+            <a:fld id="{C92FC937-38D6-4B8F-AEB3-E5F6C110AD7F}" type="slidenum">
+              <a:rPr lang="hr-HR" smtClean="0"/>
+              <a:t>23</a:t>
+            </a:fld>
+            <a:endParaRPr lang="hr-HR"/>
+          </a:p>
+        </p:txBody>
+      </p:sp>
+      <p:sp>
+        <p:nvSpPr>
+          <p:cNvPr id="8" name="Content Placeholder 7">
+            <a:extLst>
+              <a:ext uri="{FF2B5EF4-FFF2-40B4-BE49-F238E27FC236}">
+                <a16:creationId xmlns:a16="http://schemas.microsoft.com/office/drawing/2014/main" id="{90510CE5-9BD8-C344-37DD-7482E116DCC7}"/>
+              </a:ext>
+            </a:extLst>
+          </p:cNvPr>
+          <p:cNvSpPr>
+            <a:spLocks noGrp="1"/>
+          </p:cNvSpPr>
+          <p:nvPr>
+            <p:ph idx="1"/>
+          </p:nvPr>
+        </p:nvSpPr>
+        <p:spPr>
+          <a:xfrm>
+            <a:off x="316536" y="1694642"/>
+            <a:ext cx="13980855" cy="696857"/>
+          </a:xfrm>
+        </p:spPr>
+        <p:txBody>
+          <a:bodyPr/>
+          <a:lstStyle/>
+          <a:p>
+            <a:pPr marL="0" indent="0">
+              <a:buNone/>
+            </a:pPr>
+            <a:r>
+              <a:rPr lang="hr-HR" b="1" dirty="0"/>
+              <a:t>Rezultati -&gt; Predikcija post-</a:t>
+            </a:r>
+            <a:r>
+              <a:rPr lang="hr-HR" b="1" dirty="0" err="1"/>
+              <a:t>startle</a:t>
+            </a:r>
+            <a:r>
+              <a:rPr lang="hr-HR" b="1" dirty="0"/>
+              <a:t> performansi na temelju pre-</a:t>
+            </a:r>
+            <a:r>
+              <a:rPr lang="hr-HR" b="1" dirty="0" err="1"/>
+              <a:t>startle</a:t>
+            </a:r>
+            <a:r>
+              <a:rPr lang="hr-HR" b="1" dirty="0"/>
+              <a:t> i </a:t>
+            </a:r>
+            <a:r>
+              <a:rPr lang="hr-HR" b="1" dirty="0" err="1"/>
+              <a:t>startle</a:t>
+            </a:r>
+            <a:r>
+              <a:rPr lang="hr-HR" b="1" dirty="0"/>
+              <a:t> fizioloških značajki te </a:t>
+            </a:r>
+            <a:r>
+              <a:rPr lang="hr-HR" b="1" dirty="0" err="1"/>
+              <a:t>startle</a:t>
+            </a:r>
+            <a:r>
+              <a:rPr lang="hr-HR" b="1" dirty="0"/>
+              <a:t> 		         performansi</a:t>
+            </a:r>
+            <a:endParaRPr lang="hr-HR" b="1" u="sng" dirty="0"/>
+          </a:p>
+        </p:txBody>
+      </p:sp>
+      <p:sp>
+        <p:nvSpPr>
+          <p:cNvPr id="13" name="TextBox 12">
+            <a:extLst>
+              <a:ext uri="{FF2B5EF4-FFF2-40B4-BE49-F238E27FC236}">
+                <a16:creationId xmlns:a16="http://schemas.microsoft.com/office/drawing/2014/main" id="{9570AA23-F2F2-14F4-3B39-15F03C12CFB3}"/>
+              </a:ext>
+            </a:extLst>
+          </p:cNvPr>
+          <p:cNvSpPr txBox="1"/>
+          <p:nvPr/>
+        </p:nvSpPr>
+        <p:spPr>
+          <a:xfrm>
+            <a:off x="8458201" y="2746981"/>
+            <a:ext cx="5197733" cy="424732"/>
+          </a:xfrm>
+          <a:prstGeom prst="rect">
+            <a:avLst/>
+          </a:prstGeom>
+          <a:solidFill>
+            <a:srgbClr val="F9D448"/>
+          </a:solidFill>
+        </p:spPr>
+        <p:txBody>
+          <a:bodyPr wrap="square">
+            <a:spAutoFit/>
+          </a:bodyPr>
+          <a:lstStyle/>
+          <a:p>
+            <a:pPr algn="ctr" defTabSz="1097280" fontAlgn="auto">
+              <a:spcBef>
+                <a:spcPts val="0"/>
+              </a:spcBef>
+              <a:spcAft>
+                <a:spcPts val="0"/>
+              </a:spcAft>
+            </a:pPr>
+            <a:r>
+              <a:rPr lang="hr-HR" sz="2160" b="1" dirty="0">
+                <a:solidFill>
+                  <a:srgbClr val="000000"/>
+                </a:solidFill>
+                <a:latin typeface="Tahoma"/>
+              </a:rPr>
+              <a:t>Cross-</a:t>
+            </a:r>
+            <a:r>
+              <a:rPr lang="hr-HR" sz="2160" b="1" dirty="0" err="1">
+                <a:solidFill>
+                  <a:srgbClr val="000000"/>
+                </a:solidFill>
+                <a:latin typeface="Tahoma"/>
+              </a:rPr>
+              <a:t>validated</a:t>
+            </a:r>
+            <a:r>
+              <a:rPr lang="hr-HR" sz="2160" b="1" dirty="0">
+                <a:solidFill>
+                  <a:srgbClr val="000000"/>
+                </a:solidFill>
+                <a:latin typeface="Tahoma"/>
+              </a:rPr>
+              <a:t> MRA (LOOCV)</a:t>
+            </a:r>
+            <a:endParaRPr lang="en-GB" sz="2160" b="1" dirty="0">
+              <a:solidFill>
+                <a:srgbClr val="000000"/>
+              </a:solidFill>
+              <a:latin typeface="Tahoma"/>
+            </a:endParaRPr>
+          </a:p>
+        </p:txBody>
+      </p:sp>
+      <p:sp>
+        <p:nvSpPr>
+          <p:cNvPr id="14" name="TextBox 13">
+            <a:extLst>
+              <a:ext uri="{FF2B5EF4-FFF2-40B4-BE49-F238E27FC236}">
+                <a16:creationId xmlns:a16="http://schemas.microsoft.com/office/drawing/2014/main" id="{AAF2C556-728A-15B7-E7A8-643E054FBF3E}"/>
+              </a:ext>
+            </a:extLst>
+          </p:cNvPr>
+          <p:cNvSpPr txBox="1"/>
+          <p:nvPr/>
+        </p:nvSpPr>
+        <p:spPr>
+          <a:xfrm>
+            <a:off x="822960" y="2750763"/>
+            <a:ext cx="5349240" cy="424732"/>
+          </a:xfrm>
+          <a:prstGeom prst="rect">
+            <a:avLst/>
+          </a:prstGeom>
+          <a:solidFill>
+            <a:srgbClr val="F9D448"/>
+          </a:solidFill>
+        </p:spPr>
+        <p:txBody>
+          <a:bodyPr wrap="square">
+            <a:spAutoFit/>
+          </a:bodyPr>
+          <a:lstStyle>
+            <a:defPPr>
+              <a:defRPr lang="en-US"/>
+            </a:defPPr>
+            <a:lvl1pPr algn="ctr" defTabSz="1097280" fontAlgn="auto">
+              <a:spcBef>
+                <a:spcPts val="0"/>
+              </a:spcBef>
+              <a:spcAft>
+                <a:spcPts val="0"/>
+              </a:spcAft>
+              <a:defRPr sz="2160" b="1">
+                <a:solidFill>
+                  <a:srgbClr val="000000"/>
+                </a:solidFill>
+                <a:latin typeface="Tahoma"/>
+              </a:defRPr>
+            </a:lvl1pPr>
+          </a:lstStyle>
+          <a:p>
+            <a:r>
+              <a:rPr lang="en-GB" dirty="0"/>
+              <a:t>MRA </a:t>
+            </a:r>
+            <a:r>
+              <a:rPr lang="hr-HR" dirty="0"/>
+              <a:t>fit to </a:t>
+            </a:r>
+            <a:r>
+              <a:rPr lang="hr-HR" dirty="0" err="1"/>
+              <a:t>the</a:t>
+            </a:r>
+            <a:r>
+              <a:rPr lang="hr-HR" dirty="0"/>
+              <a:t> </a:t>
+            </a:r>
+            <a:r>
+              <a:rPr lang="hr-HR" dirty="0" err="1"/>
+              <a:t>dataset</a:t>
+            </a:r>
+            <a:r>
+              <a:rPr lang="hr-HR" dirty="0"/>
+              <a:t> (no LOOCV)</a:t>
+            </a:r>
+            <a:endParaRPr lang="en-GB" dirty="0"/>
+          </a:p>
+        </p:txBody>
+      </p:sp>
+      <p:pic>
+        <p:nvPicPr>
+          <p:cNvPr id="6" name="Slika 5" descr="Slika na kojoj se prikazuje dijagram, crta, snimka zaslona, radnja&#10;&#10;Opis je automatski generiran">
+            <a:extLst>
+              <a:ext uri="{FF2B5EF4-FFF2-40B4-BE49-F238E27FC236}">
+                <a16:creationId xmlns:a16="http://schemas.microsoft.com/office/drawing/2014/main" id="{3F65F7A2-5E75-3E43-B6DD-BB65A1D39149}"/>
+              </a:ext>
+            </a:extLst>
+          </p:cNvPr>
+          <p:cNvPicPr>
+            <a:picLocks noChangeAspect="1"/>
+          </p:cNvPicPr>
+          <p:nvPr/>
+        </p:nvPicPr>
+        <p:blipFill>
+          <a:blip r:embed="rId2">
+            <a:extLst>
+              <a:ext uri="{28A0092B-C50C-407E-A947-70E740481C1C}">
+                <a14:useLocalDpi xmlns:a14="http://schemas.microsoft.com/office/drawing/2010/main" val="0"/>
+              </a:ext>
+            </a:extLst>
+          </a:blip>
+          <a:stretch>
+            <a:fillRect/>
+          </a:stretch>
+        </p:blipFill>
+        <p:spPr>
+          <a:xfrm>
+            <a:off x="822960" y="3277896"/>
+            <a:ext cx="5013960" cy="3794760"/>
+          </a:xfrm>
+          <a:prstGeom prst="rect">
+            <a:avLst/>
+          </a:prstGeom>
+        </p:spPr>
+      </p:pic>
+      <p:pic>
+        <p:nvPicPr>
+          <p:cNvPr id="9" name="Slika 8">
+            <a:extLst>
+              <a:ext uri="{FF2B5EF4-FFF2-40B4-BE49-F238E27FC236}">
+                <a16:creationId xmlns:a16="http://schemas.microsoft.com/office/drawing/2014/main" id="{6CA5A871-ADCB-7B9C-7907-808BE0672282}"/>
+              </a:ext>
+            </a:extLst>
+          </p:cNvPr>
+          <p:cNvPicPr>
+            <a:picLocks noChangeAspect="1"/>
+          </p:cNvPicPr>
+          <p:nvPr/>
+        </p:nvPicPr>
+        <p:blipFill>
+          <a:blip r:embed="rId3">
+            <a:extLst>
+              <a:ext uri="{28A0092B-C50C-407E-A947-70E740481C1C}">
+                <a14:useLocalDpi xmlns:a14="http://schemas.microsoft.com/office/drawing/2010/main" val="0"/>
+              </a:ext>
+            </a:extLst>
+          </a:blip>
+          <a:stretch>
+            <a:fillRect/>
+          </a:stretch>
+        </p:blipFill>
+        <p:spPr>
+          <a:xfrm>
+            <a:off x="1515497" y="7176942"/>
+            <a:ext cx="3964165" cy="424732"/>
+          </a:xfrm>
+          <a:prstGeom prst="rect">
+            <a:avLst/>
+          </a:prstGeom>
+        </p:spPr>
+      </p:pic>
+      <p:pic>
+        <p:nvPicPr>
+          <p:cNvPr id="11" name="Slika 10" descr="Slika na kojoj se prikazuje dijagram, crta, radnja, snimka zaslona&#10;&#10;Opis je automatski generiran">
+            <a:extLst>
+              <a:ext uri="{FF2B5EF4-FFF2-40B4-BE49-F238E27FC236}">
+                <a16:creationId xmlns:a16="http://schemas.microsoft.com/office/drawing/2014/main" id="{863D28D5-9FBA-F908-1632-5350ACFC30F8}"/>
+              </a:ext>
+            </a:extLst>
+          </p:cNvPr>
+          <p:cNvPicPr>
+            <a:picLocks noChangeAspect="1"/>
+          </p:cNvPicPr>
+          <p:nvPr/>
+        </p:nvPicPr>
+        <p:blipFill>
+          <a:blip r:embed="rId4">
+            <a:extLst>
+              <a:ext uri="{28A0092B-C50C-407E-A947-70E740481C1C}">
+                <a14:useLocalDpi xmlns:a14="http://schemas.microsoft.com/office/drawing/2010/main" val="0"/>
+              </a:ext>
+            </a:extLst>
+          </a:blip>
+          <a:stretch>
+            <a:fillRect/>
+          </a:stretch>
+        </p:blipFill>
+        <p:spPr>
+          <a:xfrm>
+            <a:off x="8434755" y="3277896"/>
+            <a:ext cx="4991100" cy="3779520"/>
+          </a:xfrm>
+          <a:prstGeom prst="rect">
+            <a:avLst/>
+          </a:prstGeom>
+        </p:spPr>
+      </p:pic>
+      <p:pic>
+        <p:nvPicPr>
+          <p:cNvPr id="15" name="Slika 14" descr="Slika na kojoj se prikazuje tekst, Font, snimka zaslona&#10;&#10;Opis je automatski generiran">
+            <a:extLst>
+              <a:ext uri="{FF2B5EF4-FFF2-40B4-BE49-F238E27FC236}">
+                <a16:creationId xmlns:a16="http://schemas.microsoft.com/office/drawing/2014/main" id="{95A12523-6BA9-3337-A849-EF1FF34B7793}"/>
+              </a:ext>
+            </a:extLst>
+          </p:cNvPr>
+          <p:cNvPicPr>
+            <a:picLocks noChangeAspect="1"/>
+          </p:cNvPicPr>
+          <p:nvPr/>
+        </p:nvPicPr>
+        <p:blipFill>
+          <a:blip r:embed="rId5">
+            <a:extLst>
+              <a:ext uri="{28A0092B-C50C-407E-A947-70E740481C1C}">
+                <a14:useLocalDpi xmlns:a14="http://schemas.microsoft.com/office/drawing/2010/main" val="0"/>
+              </a:ext>
+            </a:extLst>
+          </a:blip>
+          <a:stretch>
+            <a:fillRect/>
+          </a:stretch>
+        </p:blipFill>
+        <p:spPr>
+          <a:xfrm>
+            <a:off x="9391333" y="7123522"/>
+            <a:ext cx="3549013" cy="733342"/>
+          </a:xfrm>
+          <a:prstGeom prst="rect">
+            <a:avLst/>
+          </a:prstGeom>
+        </p:spPr>
+      </p:pic>
+    </p:spTree>
+    <p:extLst>
+      <p:ext uri="{BB962C8B-B14F-4D97-AF65-F5344CB8AC3E}">
+        <p14:creationId xmlns:p14="http://schemas.microsoft.com/office/powerpoint/2010/main" val="394208363"/>
       </p:ext>
     </p:extLst>
   </p:cSld>
@@ -26948,18 +27122,18 @@
 </file>
 
 <file path=customXml/item2.xml><?xml version="1.0" encoding="utf-8"?>
+<p:properties xmlns:p="http://schemas.microsoft.com/office/2006/metadata/properties" xmlns:xsi="http://www.w3.org/2001/XMLSchema-instance" xmlns:pc="http://schemas.microsoft.com/office/infopath/2007/PartnerControls">
+  <documentManagement/>
+</p:properties>
+</file>
+
+<file path=customXml/item3.xml><?xml version="1.0" encoding="utf-8"?>
 <?mso-contentType ?>
 <FormTemplates xmlns="http://schemas.microsoft.com/sharepoint/v3/contenttype/forms">
   <Display>DocumentLibraryForm</Display>
   <Edit>DocumentLibraryForm</Edit>
   <New>DocumentLibraryForm</New>
 </FormTemplates>
-</file>
-
-<file path=customXml/item3.xml><?xml version="1.0" encoding="utf-8"?>
-<p:properties xmlns:p="http://schemas.microsoft.com/office/2006/metadata/properties" xmlns:xsi="http://www.w3.org/2001/XMLSchema-instance" xmlns:pc="http://schemas.microsoft.com/office/infopath/2007/PartnerControls">
-  <documentManagement/>
-</p:properties>
 </file>
 
 <file path=customXml/itemProps1.xml><?xml version="1.0" encoding="utf-8"?>
@@ -26983,14 +27157,6 @@
 </file>
 
 <file path=customXml/itemProps2.xml><?xml version="1.0" encoding="utf-8"?>
-<ds:datastoreItem xmlns:ds="http://schemas.openxmlformats.org/officeDocument/2006/customXml" ds:itemID="{0C2C9D2D-4966-4033-83BF-B86269848EDC}">
-  <ds:schemaRefs>
-    <ds:schemaRef ds:uri="http://schemas.microsoft.com/sharepoint/v3/contenttype/forms"/>
-  </ds:schemaRefs>
-</ds:datastoreItem>
-</file>
-
-<file path=customXml/itemProps3.xml><?xml version="1.0" encoding="utf-8"?>
 <ds:datastoreItem xmlns:ds="http://schemas.openxmlformats.org/officeDocument/2006/customXml" ds:itemID="{BFC5E9DD-0FB8-4161-BEDC-BC91609E3813}">
   <ds:schemaRefs>
     <ds:schemaRef ds:uri="http://schemas.microsoft.com/office/2006/metadata/properties"/>
@@ -26998,4 +27164,12 @@
     <ds:schemaRef ds:uri="http://schemas.microsoft.com/office/infopath/2007/PartnerControls"/>
   </ds:schemaRefs>
 </ds:datastoreItem>
+</file>
+
+<file path=customXml/itemProps3.xml><?xml version="1.0" encoding="utf-8"?>
+<ds:datastoreItem xmlns:ds="http://schemas.openxmlformats.org/officeDocument/2006/customXml" ds:itemID="{0C2C9D2D-4966-4033-83BF-B86269848EDC}">
+  <ds:schemaRefs>
+    <ds:schemaRef ds:uri="http://schemas.microsoft.com/sharepoint/v3/contenttype/forms"/>
+  </ds:schemaRefs>
+</ds:datastoreItem>
 </file>
--- a/OST_2024-25_Predlozak za prakticni seminarski rad_Web (1).pptx
+++ b/OST_2024-25_Predlozak za prakticni seminarski rad_Web (1).pptx
@@ -6,10 +6,10 @@
     <p:sldMasterId id="2147484081" r:id="rId5"/>
   </p:sldMasterIdLst>
   <p:notesMasterIdLst>
-    <p:notesMasterId r:id="rId30"/>
+    <p:notesMasterId r:id="rId24"/>
   </p:notesMasterIdLst>
   <p:handoutMasterIdLst>
-    <p:handoutMasterId r:id="rId31"/>
+    <p:handoutMasterId r:id="rId25"/>
   </p:handoutMasterIdLst>
   <p:sldIdLst>
     <p:sldId id="4621" r:id="rId6"/>
@@ -18,24 +18,18 @@
     <p:sldId id="4264" r:id="rId9"/>
     <p:sldId id="4266" r:id="rId10"/>
     <p:sldId id="4267" r:id="rId11"/>
-    <p:sldId id="4268" r:id="rId12"/>
-    <p:sldId id="4270" r:id="rId13"/>
-    <p:sldId id="4611" r:id="rId14"/>
-    <p:sldId id="4613" r:id="rId15"/>
-    <p:sldId id="4614" r:id="rId16"/>
-    <p:sldId id="4269" r:id="rId17"/>
-    <p:sldId id="4615" r:id="rId18"/>
-    <p:sldId id="4272" r:id="rId19"/>
-    <p:sldId id="4273" r:id="rId20"/>
-    <p:sldId id="4271" r:id="rId21"/>
-    <p:sldId id="4274" r:id="rId22"/>
-    <p:sldId id="4277" r:id="rId23"/>
-    <p:sldId id="4276" r:id="rId24"/>
-    <p:sldId id="4618" r:id="rId25"/>
-    <p:sldId id="4609" r:id="rId26"/>
-    <p:sldId id="4622" r:id="rId27"/>
-    <p:sldId id="4623" r:id="rId28"/>
-    <p:sldId id="4617" r:id="rId29"/>
+    <p:sldId id="4611" r:id="rId12"/>
+    <p:sldId id="4613" r:id="rId13"/>
+    <p:sldId id="4614" r:id="rId14"/>
+    <p:sldId id="4615" r:id="rId15"/>
+    <p:sldId id="4272" r:id="rId16"/>
+    <p:sldId id="4273" r:id="rId17"/>
+    <p:sldId id="4271" r:id="rId18"/>
+    <p:sldId id="4274" r:id="rId19"/>
+    <p:sldId id="4618" r:id="rId20"/>
+    <p:sldId id="4609" r:id="rId21"/>
+    <p:sldId id="4622" r:id="rId22"/>
+    <p:sldId id="4623" r:id="rId23"/>
   </p:sldIdLst>
   <p:sldSz cx="14630400" cy="8229600"/>
   <p:notesSz cx="10233025" cy="7102475"/>
@@ -175,24 +169,18 @@
             <p14:sldId id="4264"/>
             <p14:sldId id="4266"/>
             <p14:sldId id="4267"/>
-            <p14:sldId id="4268"/>
-            <p14:sldId id="4270"/>
             <p14:sldId id="4611"/>
             <p14:sldId id="4613"/>
             <p14:sldId id="4614"/>
-            <p14:sldId id="4269"/>
             <p14:sldId id="4615"/>
             <p14:sldId id="4272"/>
             <p14:sldId id="4273"/>
             <p14:sldId id="4271"/>
             <p14:sldId id="4274"/>
-            <p14:sldId id="4277"/>
-            <p14:sldId id="4276"/>
             <p14:sldId id="4618"/>
             <p14:sldId id="4609"/>
             <p14:sldId id="4622"/>
             <p14:sldId id="4623"/>
-            <p14:sldId id="4617"/>
           </p14:sldIdLst>
         </p14:section>
       </p14:sectionLst>
@@ -237,7 +225,7 @@
 
 <file path=ppt/commentAuthors.xml><?xml version="1.0" encoding="utf-8"?>
 <p:cmAuthorLst xmlns:a="http://schemas.openxmlformats.org/drawingml/2006/main" xmlns:r="http://schemas.openxmlformats.org/officeDocument/2006/relationships" xmlns:p="http://schemas.openxmlformats.org/presentationml/2006/main">
-  <p:cmAuthor id="49" name="Autor" initials="A" lastIdx="0" clrIdx="46"/>
+  <p:cmAuthor id="50" name="Author" initials="A" lastIdx="0" clrIdx="47"/>
 </p:cmAuthorLst>
 </file>
 
@@ -7024,5104 +7012,6 @@
         <p:cNvPr id="1" name="">
           <a:extLst>
             <a:ext uri="{FF2B5EF4-FFF2-40B4-BE49-F238E27FC236}">
-              <a16:creationId xmlns:a16="http://schemas.microsoft.com/office/drawing/2014/main" id="{DBCD32E1-B1FA-46BA-573E-E87AFDD694E7}"/>
-            </a:ext>
-          </a:extLst>
-        </p:cNvPr>
-        <p:cNvGrpSpPr/>
-        <p:nvPr/>
-      </p:nvGrpSpPr>
-      <p:grpSpPr>
-        <a:xfrm>
-          <a:off x="0" y="0"/>
-          <a:ext cx="0" cy="0"/>
-          <a:chOff x="0" y="0"/>
-          <a:chExt cx="0" cy="0"/>
-        </a:xfrm>
-      </p:grpSpPr>
-      <p:sp>
-        <p:nvSpPr>
-          <p:cNvPr id="2" name="Title 1">
-            <a:extLst>
-              <a:ext uri="{FF2B5EF4-FFF2-40B4-BE49-F238E27FC236}">
-                <a16:creationId xmlns:a16="http://schemas.microsoft.com/office/drawing/2014/main" id="{555777D5-CFE8-87B3-EF64-55C516BEE49A}"/>
-              </a:ext>
-            </a:extLst>
-          </p:cNvPr>
-          <p:cNvSpPr>
-            <a:spLocks noGrp="1"/>
-          </p:cNvSpPr>
-          <p:nvPr>
-            <p:ph type="title"/>
-          </p:nvPr>
-        </p:nvSpPr>
-        <p:spPr>
-          <a:xfrm>
-            <a:off x="0" y="458576"/>
-            <a:ext cx="14630400" cy="892552"/>
-          </a:xfrm>
-        </p:spPr>
-        <p:txBody>
-          <a:bodyPr/>
-          <a:lstStyle/>
-          <a:p>
-            <a:r>
-              <a:rPr lang="en-GB" sz="2600" dirty="0" err="1"/>
-              <a:t>Razvoj</a:t>
-            </a:r>
-            <a:r>
-              <a:rPr lang="en-GB" sz="2600" dirty="0"/>
-              <a:t> </a:t>
-            </a:r>
-            <a:r>
-              <a:rPr lang="hr-HR" sz="2600" dirty="0"/>
-              <a:t>neuronske mreže</a:t>
-            </a:r>
-            <a:r>
-              <a:rPr lang="en-GB" sz="2600" dirty="0"/>
-              <a:t> za </a:t>
-            </a:r>
-            <a:r>
-              <a:rPr lang="en-GB" sz="2600" dirty="0" err="1"/>
-              <a:t>estimaciju</a:t>
-            </a:r>
-            <a:r>
-              <a:rPr lang="en-GB" sz="2600" dirty="0"/>
-              <a:t>/</a:t>
-            </a:r>
-            <a:r>
-              <a:rPr lang="en-GB" sz="2600" dirty="0" err="1"/>
-              <a:t>predikciju</a:t>
-            </a:r>
-            <a:r>
-              <a:rPr lang="en-GB" sz="2600" dirty="0"/>
-              <a:t> </a:t>
-            </a:r>
-            <a:r>
-              <a:rPr lang="en-GB" sz="2600" dirty="0" err="1"/>
-              <a:t>performansi</a:t>
-            </a:r>
-            <a:r>
-              <a:rPr lang="en-GB" sz="2600" dirty="0"/>
-              <a:t> </a:t>
-            </a:r>
-            <a:r>
-              <a:rPr lang="en-GB" sz="2600" dirty="0" err="1"/>
-              <a:t>na</a:t>
-            </a:r>
-            <a:r>
-              <a:rPr lang="en-GB" sz="2600" dirty="0"/>
-              <a:t> </a:t>
-            </a:r>
-            <a:r>
-              <a:rPr lang="en-GB" sz="2600" dirty="0" err="1"/>
-              <a:t>simulatoru</a:t>
-            </a:r>
-            <a:r>
-              <a:rPr lang="en-GB" sz="2600" dirty="0"/>
-              <a:t> </a:t>
-            </a:r>
-            <a:r>
-              <a:rPr lang="en-GB" sz="2600" dirty="0" err="1"/>
-              <a:t>leta</a:t>
-            </a:r>
-            <a:r>
-              <a:rPr lang="en-GB" sz="2600" dirty="0"/>
-              <a:t> u startle </a:t>
-            </a:r>
-            <a:r>
-              <a:rPr lang="en-GB" sz="2600" dirty="0" err="1"/>
-              <a:t>uvjetima</a:t>
-            </a:r>
-            <a:r>
-              <a:rPr lang="en-GB" sz="2600" dirty="0"/>
-              <a:t> </a:t>
-            </a:r>
-            <a:r>
-              <a:rPr lang="en-GB" sz="2600" dirty="0" err="1"/>
-              <a:t>na</a:t>
-            </a:r>
-            <a:r>
-              <a:rPr lang="en-GB" sz="2600" dirty="0"/>
-              <a:t> </a:t>
-            </a:r>
-            <a:r>
-              <a:rPr lang="en-GB" sz="2600" dirty="0" err="1"/>
-              <a:t>temelju</a:t>
-            </a:r>
-            <a:r>
-              <a:rPr lang="en-GB" sz="2600" dirty="0"/>
-              <a:t> </a:t>
-            </a:r>
-            <a:r>
-              <a:rPr lang="en-GB" sz="2600" dirty="0" err="1"/>
-              <a:t>signala</a:t>
-            </a:r>
-            <a:r>
-              <a:rPr lang="en-GB" sz="2600" dirty="0"/>
-              <a:t> </a:t>
-            </a:r>
-            <a:r>
-              <a:rPr lang="en-GB" sz="2600" dirty="0" err="1"/>
-              <a:t>vodljivosti</a:t>
-            </a:r>
-            <a:r>
-              <a:rPr lang="en-GB" sz="2600" dirty="0"/>
-              <a:t> </a:t>
-            </a:r>
-            <a:r>
-              <a:rPr lang="en-GB" sz="2600" dirty="0" err="1"/>
-              <a:t>kože</a:t>
-            </a:r>
-            <a:r>
-              <a:rPr lang="hr-HR" sz="2600" dirty="0"/>
-              <a:t> </a:t>
-            </a:r>
-            <a:r>
-              <a:rPr lang="en-GB" sz="2600" dirty="0" err="1"/>
-              <a:t>i</a:t>
-            </a:r>
-            <a:r>
-              <a:rPr lang="en-GB" sz="2600" dirty="0"/>
-              <a:t> </a:t>
-            </a:r>
-            <a:r>
-              <a:rPr lang="en-GB" sz="2600" dirty="0" err="1"/>
-              <a:t>disanja</a:t>
-            </a:r>
-            <a:endParaRPr lang="en-GB" sz="2600" dirty="0"/>
-          </a:p>
-        </p:txBody>
-      </p:sp>
-      <p:sp>
-        <p:nvSpPr>
-          <p:cNvPr id="4" name="Slide Number Placeholder 3">
-            <a:extLst>
-              <a:ext uri="{FF2B5EF4-FFF2-40B4-BE49-F238E27FC236}">
-                <a16:creationId xmlns:a16="http://schemas.microsoft.com/office/drawing/2014/main" id="{1C15D2EE-D005-7729-BC8D-C4E00A7D9FCD}"/>
-              </a:ext>
-            </a:extLst>
-          </p:cNvPr>
-          <p:cNvSpPr>
-            <a:spLocks noGrp="1"/>
-          </p:cNvSpPr>
-          <p:nvPr>
-            <p:ph type="sldNum" sz="quarter" idx="10"/>
-          </p:nvPr>
-        </p:nvSpPr>
-        <p:spPr/>
-        <p:txBody>
-          <a:bodyPr/>
-          <a:lstStyle/>
-          <a:p>
-            <a:fld id="{C92FC937-38D6-4B8F-AEB3-E5F6C110AD7F}" type="slidenum">
-              <a:rPr lang="hr-HR" smtClean="0"/>
-              <a:t>10</a:t>
-            </a:fld>
-            <a:endParaRPr lang="hr-HR"/>
-          </a:p>
-        </p:txBody>
-      </p:sp>
-      <p:sp>
-        <p:nvSpPr>
-          <p:cNvPr id="8" name="Content Placeholder 7">
-            <a:extLst>
-              <a:ext uri="{FF2B5EF4-FFF2-40B4-BE49-F238E27FC236}">
-                <a16:creationId xmlns:a16="http://schemas.microsoft.com/office/drawing/2014/main" id="{1BD3A77E-8654-BFBC-D881-8C705EB9C746}"/>
-              </a:ext>
-            </a:extLst>
-          </p:cNvPr>
-          <p:cNvSpPr>
-            <a:spLocks noGrp="1"/>
-          </p:cNvSpPr>
-          <p:nvPr>
-            <p:ph idx="1"/>
-          </p:nvPr>
-        </p:nvSpPr>
-        <p:spPr>
-          <a:xfrm>
-            <a:off x="316536" y="1694642"/>
-            <a:ext cx="13980855" cy="394595"/>
-          </a:xfrm>
-        </p:spPr>
-        <p:txBody>
-          <a:bodyPr/>
-          <a:lstStyle/>
-          <a:p>
-            <a:pPr marL="0" indent="0">
-              <a:buNone/>
-            </a:pPr>
-            <a:r>
-              <a:rPr lang="hr-HR" b="1" dirty="0"/>
-              <a:t>Vizualizacija izabranih signala – </a:t>
-            </a:r>
-            <a:r>
-              <a:rPr lang="hr-HR" b="1" dirty="0">
-                <a:solidFill>
-                  <a:srgbClr val="FF0000"/>
-                </a:solidFill>
-              </a:rPr>
-              <a:t>SEMINARSKI RADOVI</a:t>
-            </a:r>
-          </a:p>
-        </p:txBody>
-      </p:sp>
-      <p:sp>
-        <p:nvSpPr>
-          <p:cNvPr id="5" name="Content Placeholder 7">
-            <a:extLst>
-              <a:ext uri="{FF2B5EF4-FFF2-40B4-BE49-F238E27FC236}">
-                <a16:creationId xmlns:a16="http://schemas.microsoft.com/office/drawing/2014/main" id="{5AEC63BB-4DC7-F922-31A3-656D09D8AEA7}"/>
-              </a:ext>
-            </a:extLst>
-          </p:cNvPr>
-          <p:cNvSpPr txBox="1">
-            <a:spLocks/>
-          </p:cNvSpPr>
-          <p:nvPr/>
-        </p:nvSpPr>
-        <p:spPr bwMode="auto">
-          <a:xfrm>
-            <a:off x="11165840" y="3018456"/>
-            <a:ext cx="3084394" cy="1905906"/>
-          </a:xfrm>
-          <a:prstGeom prst="rect">
-            <a:avLst/>
-          </a:prstGeom>
-          <a:solidFill>
-            <a:srgbClr val="C00000"/>
-          </a:solidFill>
-          <a:ln w="9525">
-            <a:noFill/>
-            <a:miter lim="800000"/>
-            <a:headEnd/>
-            <a:tailEnd/>
-          </a:ln>
-        </p:spPr>
-        <p:txBody>
-          <a:bodyPr vert="horz" wrap="square" lIns="91440" tIns="45720" rIns="91440" bIns="45720" numCol="1" anchor="t" anchorCtr="0" compatLnSpc="1">
-            <a:prstTxWarp prst="textNoShape">
-              <a:avLst/>
-            </a:prstTxWarp>
-            <a:spAutoFit/>
-          </a:bodyPr>
-          <a:lstStyle>
-            <a:lvl1pPr marL="455786" indent="-455786" algn="l" rtl="0" eaLnBrk="0" fontAlgn="base" hangingPunct="0">
-              <a:spcBef>
-                <a:spcPct val="20000"/>
-              </a:spcBef>
-              <a:spcAft>
-                <a:spcPct val="0"/>
-              </a:spcAft>
-              <a:buChar char="•"/>
-              <a:defRPr sz="1964">
-                <a:solidFill>
-                  <a:schemeClr val="tx1"/>
-                </a:solidFill>
-                <a:latin typeface="+mn-lt"/>
-                <a:ea typeface="+mn-ea"/>
-                <a:cs typeface="+mn-cs"/>
-              </a:defRPr>
-            </a:lvl1pPr>
-            <a:lvl2pPr marL="987536" indent="-379822" algn="l" rtl="0" eaLnBrk="0" fontAlgn="base" hangingPunct="0">
-              <a:spcBef>
-                <a:spcPct val="20000"/>
-              </a:spcBef>
-              <a:spcAft>
-                <a:spcPct val="0"/>
-              </a:spcAft>
-              <a:buChar char="–"/>
-              <a:defRPr sz="1745">
-                <a:solidFill>
-                  <a:srgbClr val="0070C0"/>
-                </a:solidFill>
-                <a:latin typeface="+mn-lt"/>
-              </a:defRPr>
-            </a:lvl2pPr>
-            <a:lvl3pPr marL="1519287" indent="-303858" algn="l" rtl="0" eaLnBrk="0" fontAlgn="base" hangingPunct="0">
-              <a:spcBef>
-                <a:spcPct val="20000"/>
-              </a:spcBef>
-              <a:spcAft>
-                <a:spcPct val="0"/>
-              </a:spcAft>
-              <a:buChar char="•"/>
-              <a:defRPr sz="1745">
-                <a:solidFill>
-                  <a:schemeClr val="tx1"/>
-                </a:solidFill>
-                <a:latin typeface="+mn-lt"/>
-              </a:defRPr>
-            </a:lvl3pPr>
-            <a:lvl4pPr marL="2127002" indent="-303858" algn="l" rtl="0" eaLnBrk="0" fontAlgn="base" hangingPunct="0">
-              <a:spcBef>
-                <a:spcPct val="20000"/>
-              </a:spcBef>
-              <a:spcAft>
-                <a:spcPct val="0"/>
-              </a:spcAft>
-              <a:buChar char="–"/>
-              <a:defRPr sz="1745">
-                <a:solidFill>
-                  <a:srgbClr val="0070C0"/>
-                </a:solidFill>
-                <a:latin typeface="+mn-lt"/>
-              </a:defRPr>
-            </a:lvl4pPr>
-            <a:lvl5pPr marL="2734716" indent="-303858" algn="l" rtl="0" eaLnBrk="0" fontAlgn="base" hangingPunct="0">
-              <a:spcBef>
-                <a:spcPct val="20000"/>
-              </a:spcBef>
-              <a:spcAft>
-                <a:spcPct val="0"/>
-              </a:spcAft>
-              <a:buChar char="»"/>
-              <a:defRPr sz="1745">
-                <a:solidFill>
-                  <a:schemeClr val="tx1"/>
-                </a:solidFill>
-                <a:latin typeface="+mn-lt"/>
-              </a:defRPr>
-            </a:lvl5pPr>
-            <a:lvl6pPr marL="3342430" indent="-303858" algn="l" rtl="0" fontAlgn="base">
-              <a:spcBef>
-                <a:spcPct val="20000"/>
-              </a:spcBef>
-              <a:spcAft>
-                <a:spcPct val="0"/>
-              </a:spcAft>
-              <a:buChar char="»"/>
-              <a:defRPr>
-                <a:solidFill>
-                  <a:srgbClr val="5F5F5F"/>
-                </a:solidFill>
-                <a:latin typeface="+mn-lt"/>
-              </a:defRPr>
-            </a:lvl6pPr>
-            <a:lvl7pPr marL="3950144" indent="-303858" algn="l" rtl="0" fontAlgn="base">
-              <a:spcBef>
-                <a:spcPct val="20000"/>
-              </a:spcBef>
-              <a:spcAft>
-                <a:spcPct val="0"/>
-              </a:spcAft>
-              <a:buChar char="»"/>
-              <a:defRPr>
-                <a:solidFill>
-                  <a:srgbClr val="5F5F5F"/>
-                </a:solidFill>
-                <a:latin typeface="+mn-lt"/>
-              </a:defRPr>
-            </a:lvl7pPr>
-            <a:lvl8pPr marL="4557859" indent="-303858" algn="l" rtl="0" fontAlgn="base">
-              <a:spcBef>
-                <a:spcPct val="20000"/>
-              </a:spcBef>
-              <a:spcAft>
-                <a:spcPct val="0"/>
-              </a:spcAft>
-              <a:buChar char="»"/>
-              <a:defRPr>
-                <a:solidFill>
-                  <a:srgbClr val="5F5F5F"/>
-                </a:solidFill>
-                <a:latin typeface="+mn-lt"/>
-              </a:defRPr>
-            </a:lvl8pPr>
-            <a:lvl9pPr marL="5165573" indent="-303858" algn="l" rtl="0" fontAlgn="base">
-              <a:spcBef>
-                <a:spcPct val="20000"/>
-              </a:spcBef>
-              <a:spcAft>
-                <a:spcPct val="0"/>
-              </a:spcAft>
-              <a:buChar char="»"/>
-              <a:defRPr>
-                <a:solidFill>
-                  <a:srgbClr val="5F5F5F"/>
-                </a:solidFill>
-                <a:latin typeface="+mn-lt"/>
-              </a:defRPr>
-            </a:lvl9pPr>
-          </a:lstStyle>
-          <a:p>
-            <a:pPr marL="0" indent="0">
-              <a:spcBef>
-                <a:spcPts val="1800"/>
-              </a:spcBef>
-              <a:buNone/>
-            </a:pPr>
-            <a:r>
-              <a:rPr lang="hr-HR" kern="0" dirty="0">
-                <a:solidFill>
-                  <a:schemeClr val="bg1"/>
-                </a:solidFill>
-              </a:rPr>
-              <a:t>U fokusu je trenutak u kojem se dogodio startle, te nam je važan period koji je tome prethodio jednako kao i onaj koji je uslijedio nakon.</a:t>
-            </a:r>
-          </a:p>
-        </p:txBody>
-      </p:sp>
-      <p:pic>
-        <p:nvPicPr>
-          <p:cNvPr id="7" name="Picture 6">
-            <a:extLst>
-              <a:ext uri="{FF2B5EF4-FFF2-40B4-BE49-F238E27FC236}">
-                <a16:creationId xmlns:a16="http://schemas.microsoft.com/office/drawing/2014/main" id="{4FBE19CC-6D04-5F9D-41AC-F9463F88534E}"/>
-              </a:ext>
-            </a:extLst>
-          </p:cNvPr>
-          <p:cNvPicPr>
-            <a:picLocks noChangeAspect="1"/>
-          </p:cNvPicPr>
-          <p:nvPr/>
-        </p:nvPicPr>
-        <p:blipFill>
-          <a:blip r:embed="rId3">
-            <a:extLst>
-              <a:ext uri="{28A0092B-C50C-407E-A947-70E740481C1C}">
-                <a14:useLocalDpi xmlns:a14="http://schemas.microsoft.com/office/drawing/2010/main" val="0"/>
-              </a:ext>
-            </a:extLst>
-          </a:blip>
-          <a:srcRect t="77962"/>
-          <a:stretch/>
-        </p:blipFill>
-        <p:spPr>
-          <a:xfrm>
-            <a:off x="312821" y="4541520"/>
-            <a:ext cx="10655166" cy="1200204"/>
-          </a:xfrm>
-          <a:prstGeom prst="rect">
-            <a:avLst/>
-          </a:prstGeom>
-        </p:spPr>
-      </p:pic>
-      <p:pic>
-        <p:nvPicPr>
-          <p:cNvPr id="10" name="Picture 9">
-            <a:extLst>
-              <a:ext uri="{FF2B5EF4-FFF2-40B4-BE49-F238E27FC236}">
-                <a16:creationId xmlns:a16="http://schemas.microsoft.com/office/drawing/2014/main" id="{12DAA2DA-7EA8-15AB-76BB-EC3351BF56E9}"/>
-              </a:ext>
-            </a:extLst>
-          </p:cNvPr>
-          <p:cNvPicPr>
-            <a:picLocks noChangeAspect="1"/>
-          </p:cNvPicPr>
-          <p:nvPr/>
-        </p:nvPicPr>
-        <p:blipFill>
-          <a:blip r:embed="rId3">
-            <a:extLst>
-              <a:ext uri="{28A0092B-C50C-407E-A947-70E740481C1C}">
-                <a14:useLocalDpi xmlns:a14="http://schemas.microsoft.com/office/drawing/2010/main" val="0"/>
-              </a:ext>
-            </a:extLst>
-          </a:blip>
-          <a:srcRect b="60655"/>
-          <a:stretch/>
-        </p:blipFill>
-        <p:spPr>
-          <a:xfrm>
-            <a:off x="312821" y="2317445"/>
-            <a:ext cx="10655166" cy="2142795"/>
-          </a:xfrm>
-          <a:prstGeom prst="rect">
-            <a:avLst/>
-          </a:prstGeom>
-        </p:spPr>
-      </p:pic>
-      <p:sp>
-        <p:nvSpPr>
-          <p:cNvPr id="6" name="Rectangle 5">
-            <a:extLst>
-              <a:ext uri="{FF2B5EF4-FFF2-40B4-BE49-F238E27FC236}">
-                <a16:creationId xmlns:a16="http://schemas.microsoft.com/office/drawing/2014/main" id="{E7167266-E4B9-09DF-7401-D55C5DFE9559}"/>
-              </a:ext>
-            </a:extLst>
-          </p:cNvPr>
-          <p:cNvSpPr/>
-          <p:nvPr/>
-        </p:nvSpPr>
-        <p:spPr>
-          <a:xfrm>
-            <a:off x="5080000" y="2089237"/>
-            <a:ext cx="1229360" cy="3764344"/>
-          </a:xfrm>
-          <a:prstGeom prst="rect">
-            <a:avLst/>
-          </a:prstGeom>
-          <a:noFill/>
-          <a:ln w="25400" cap="flat" cmpd="sng" algn="ctr">
-            <a:solidFill>
-              <a:srgbClr val="FFC000"/>
-            </a:solidFill>
-            <a:prstDash val="solid"/>
-          </a:ln>
-          <a:effectLst/>
-        </p:spPr>
-        <p:txBody>
-          <a:bodyPr rtlCol="0" anchor="ctr"/>
-          <a:lstStyle/>
-          <a:p>
-            <a:pPr algn="ctr" defTabSz="1097280" eaLnBrk="0" hangingPunct="0">
-              <a:defRPr/>
-            </a:pPr>
-            <a:endParaRPr lang="en-GB" sz="2160" kern="0">
-              <a:solidFill>
-                <a:prstClr val="white"/>
-              </a:solidFill>
-              <a:latin typeface="Arial"/>
-            </a:endParaRPr>
-          </a:p>
-        </p:txBody>
-      </p:sp>
-      <p:sp>
-        <p:nvSpPr>
-          <p:cNvPr id="11" name="Rectangle 10">
-            <a:extLst>
-              <a:ext uri="{FF2B5EF4-FFF2-40B4-BE49-F238E27FC236}">
-                <a16:creationId xmlns:a16="http://schemas.microsoft.com/office/drawing/2014/main" id="{CE598C7F-F20B-DBBB-84DB-3212110AF3E9}"/>
-              </a:ext>
-            </a:extLst>
-          </p:cNvPr>
-          <p:cNvSpPr/>
-          <p:nvPr/>
-        </p:nvSpPr>
-        <p:spPr>
-          <a:xfrm>
-            <a:off x="7077501" y="2089237"/>
-            <a:ext cx="1229360" cy="3764344"/>
-          </a:xfrm>
-          <a:prstGeom prst="rect">
-            <a:avLst/>
-          </a:prstGeom>
-          <a:noFill/>
-          <a:ln w="25400" cap="flat" cmpd="sng" algn="ctr">
-            <a:solidFill>
-              <a:srgbClr val="FFC000"/>
-            </a:solidFill>
-            <a:prstDash val="solid"/>
-          </a:ln>
-          <a:effectLst/>
-        </p:spPr>
-        <p:txBody>
-          <a:bodyPr rtlCol="0" anchor="ctr"/>
-          <a:lstStyle/>
-          <a:p>
-            <a:pPr algn="ctr" defTabSz="1097280" eaLnBrk="0" hangingPunct="0">
-              <a:defRPr/>
-            </a:pPr>
-            <a:endParaRPr lang="en-GB" sz="2160" kern="0">
-              <a:solidFill>
-                <a:prstClr val="white"/>
-              </a:solidFill>
-              <a:latin typeface="Arial"/>
-            </a:endParaRPr>
-          </a:p>
-        </p:txBody>
-      </p:sp>
-      <p:sp>
-        <p:nvSpPr>
-          <p:cNvPr id="12" name="Rectangle 11">
-            <a:extLst>
-              <a:ext uri="{FF2B5EF4-FFF2-40B4-BE49-F238E27FC236}">
-                <a16:creationId xmlns:a16="http://schemas.microsoft.com/office/drawing/2014/main" id="{54CC38CA-18B5-A7EF-9F8B-5D2512FD182C}"/>
-              </a:ext>
-            </a:extLst>
-          </p:cNvPr>
-          <p:cNvSpPr/>
-          <p:nvPr/>
-        </p:nvSpPr>
-        <p:spPr>
-          <a:xfrm>
-            <a:off x="8631981" y="2089237"/>
-            <a:ext cx="1229360" cy="3764344"/>
-          </a:xfrm>
-          <a:prstGeom prst="rect">
-            <a:avLst/>
-          </a:prstGeom>
-          <a:noFill/>
-          <a:ln w="25400" cap="flat" cmpd="sng" algn="ctr">
-            <a:solidFill>
-              <a:srgbClr val="FFC000"/>
-            </a:solidFill>
-            <a:prstDash val="solid"/>
-          </a:ln>
-          <a:effectLst/>
-        </p:spPr>
-        <p:txBody>
-          <a:bodyPr rtlCol="0" anchor="ctr"/>
-          <a:lstStyle/>
-          <a:p>
-            <a:pPr algn="ctr" defTabSz="1097280" eaLnBrk="0" hangingPunct="0">
-              <a:defRPr/>
-            </a:pPr>
-            <a:endParaRPr lang="en-GB" sz="2160" kern="0">
-              <a:solidFill>
-                <a:prstClr val="white"/>
-              </a:solidFill>
-              <a:latin typeface="Arial"/>
-            </a:endParaRPr>
-          </a:p>
-        </p:txBody>
-      </p:sp>
-    </p:spTree>
-    <p:extLst>
-      <p:ext uri="{BB962C8B-B14F-4D97-AF65-F5344CB8AC3E}">
-        <p14:creationId xmlns:p14="http://schemas.microsoft.com/office/powerpoint/2010/main" val="2656972624"/>
-      </p:ext>
-    </p:extLst>
-  </p:cSld>
-  <p:clrMapOvr>
-    <a:masterClrMapping/>
-  </p:clrMapOvr>
-</p:sld>
-</file>
-
-<file path=ppt/slides/slide11.xml><?xml version="1.0" encoding="utf-8"?>
-<p:sld xmlns:a="http://schemas.openxmlformats.org/drawingml/2006/main" xmlns:r="http://schemas.openxmlformats.org/officeDocument/2006/relationships" xmlns:p="http://schemas.openxmlformats.org/presentationml/2006/main">
-  <p:cSld>
-    <p:spTree>
-      <p:nvGrpSpPr>
-        <p:cNvPr id="1" name="">
-          <a:extLst>
-            <a:ext uri="{FF2B5EF4-FFF2-40B4-BE49-F238E27FC236}">
-              <a16:creationId xmlns:a16="http://schemas.microsoft.com/office/drawing/2014/main" id="{DBCD32E1-B1FA-46BA-573E-E87AFDD694E7}"/>
-            </a:ext>
-          </a:extLst>
-        </p:cNvPr>
-        <p:cNvGrpSpPr/>
-        <p:nvPr/>
-      </p:nvGrpSpPr>
-      <p:grpSpPr>
-        <a:xfrm>
-          <a:off x="0" y="0"/>
-          <a:ext cx="0" cy="0"/>
-          <a:chOff x="0" y="0"/>
-          <a:chExt cx="0" cy="0"/>
-        </a:xfrm>
-      </p:grpSpPr>
-      <p:sp>
-        <p:nvSpPr>
-          <p:cNvPr id="2" name="Title 1">
-            <a:extLst>
-              <a:ext uri="{FF2B5EF4-FFF2-40B4-BE49-F238E27FC236}">
-                <a16:creationId xmlns:a16="http://schemas.microsoft.com/office/drawing/2014/main" id="{555777D5-CFE8-87B3-EF64-55C516BEE49A}"/>
-              </a:ext>
-            </a:extLst>
-          </p:cNvPr>
-          <p:cNvSpPr>
-            <a:spLocks noGrp="1"/>
-          </p:cNvSpPr>
-          <p:nvPr>
-            <p:ph type="title"/>
-          </p:nvPr>
-        </p:nvSpPr>
-        <p:spPr>
-          <a:xfrm>
-            <a:off x="0" y="458576"/>
-            <a:ext cx="14630400" cy="892552"/>
-          </a:xfrm>
-        </p:spPr>
-        <p:txBody>
-          <a:bodyPr/>
-          <a:lstStyle/>
-          <a:p>
-            <a:r>
-              <a:rPr lang="en-GB" sz="2600" dirty="0" err="1"/>
-              <a:t>Razvoj</a:t>
-            </a:r>
-            <a:r>
-              <a:rPr lang="en-GB" sz="2600" dirty="0"/>
-              <a:t> </a:t>
-            </a:r>
-            <a:r>
-              <a:rPr lang="hr-HR" sz="2600" dirty="0"/>
-              <a:t>neuronske mreže</a:t>
-            </a:r>
-            <a:r>
-              <a:rPr lang="en-GB" sz="2600" dirty="0"/>
-              <a:t> za </a:t>
-            </a:r>
-            <a:r>
-              <a:rPr lang="en-GB" sz="2600" dirty="0" err="1"/>
-              <a:t>estimaciju</a:t>
-            </a:r>
-            <a:r>
-              <a:rPr lang="en-GB" sz="2600" dirty="0"/>
-              <a:t>/</a:t>
-            </a:r>
-            <a:r>
-              <a:rPr lang="en-GB" sz="2600" dirty="0" err="1"/>
-              <a:t>predikciju</a:t>
-            </a:r>
-            <a:r>
-              <a:rPr lang="en-GB" sz="2600" dirty="0"/>
-              <a:t> </a:t>
-            </a:r>
-            <a:r>
-              <a:rPr lang="en-GB" sz="2600" dirty="0" err="1"/>
-              <a:t>performansi</a:t>
-            </a:r>
-            <a:r>
-              <a:rPr lang="en-GB" sz="2600" dirty="0"/>
-              <a:t> </a:t>
-            </a:r>
-            <a:r>
-              <a:rPr lang="en-GB" sz="2600" dirty="0" err="1"/>
-              <a:t>na</a:t>
-            </a:r>
-            <a:r>
-              <a:rPr lang="en-GB" sz="2600" dirty="0"/>
-              <a:t> </a:t>
-            </a:r>
-            <a:r>
-              <a:rPr lang="en-GB" sz="2600" dirty="0" err="1"/>
-              <a:t>simulatoru</a:t>
-            </a:r>
-            <a:r>
-              <a:rPr lang="en-GB" sz="2600" dirty="0"/>
-              <a:t> </a:t>
-            </a:r>
-            <a:r>
-              <a:rPr lang="en-GB" sz="2600" dirty="0" err="1"/>
-              <a:t>leta</a:t>
-            </a:r>
-            <a:r>
-              <a:rPr lang="en-GB" sz="2600" dirty="0"/>
-              <a:t> u startle </a:t>
-            </a:r>
-            <a:r>
-              <a:rPr lang="en-GB" sz="2600" dirty="0" err="1"/>
-              <a:t>uvjetima</a:t>
-            </a:r>
-            <a:r>
-              <a:rPr lang="en-GB" sz="2600" dirty="0"/>
-              <a:t> </a:t>
-            </a:r>
-            <a:r>
-              <a:rPr lang="en-GB" sz="2600" dirty="0" err="1"/>
-              <a:t>na</a:t>
-            </a:r>
-            <a:r>
-              <a:rPr lang="en-GB" sz="2600" dirty="0"/>
-              <a:t> </a:t>
-            </a:r>
-            <a:r>
-              <a:rPr lang="en-GB" sz="2600" dirty="0" err="1"/>
-              <a:t>temelju</a:t>
-            </a:r>
-            <a:r>
-              <a:rPr lang="en-GB" sz="2600" dirty="0"/>
-              <a:t> </a:t>
-            </a:r>
-            <a:r>
-              <a:rPr lang="en-GB" sz="2600" dirty="0" err="1"/>
-              <a:t>signala</a:t>
-            </a:r>
-            <a:r>
-              <a:rPr lang="en-GB" sz="2600" dirty="0"/>
-              <a:t> </a:t>
-            </a:r>
-            <a:r>
-              <a:rPr lang="en-GB" sz="2600" dirty="0" err="1"/>
-              <a:t>vodljivosti</a:t>
-            </a:r>
-            <a:r>
-              <a:rPr lang="en-GB" sz="2600" dirty="0"/>
-              <a:t> </a:t>
-            </a:r>
-            <a:r>
-              <a:rPr lang="en-GB" sz="2600" dirty="0" err="1"/>
-              <a:t>kože</a:t>
-            </a:r>
-            <a:r>
-              <a:rPr lang="hr-HR" sz="2600" dirty="0"/>
-              <a:t> </a:t>
-            </a:r>
-            <a:r>
-              <a:rPr lang="en-GB" sz="2600" dirty="0" err="1"/>
-              <a:t>i</a:t>
-            </a:r>
-            <a:r>
-              <a:rPr lang="en-GB" sz="2600" dirty="0"/>
-              <a:t> </a:t>
-            </a:r>
-            <a:r>
-              <a:rPr lang="en-GB" sz="2600" dirty="0" err="1"/>
-              <a:t>disanja</a:t>
-            </a:r>
-            <a:endParaRPr lang="en-GB" sz="2600" dirty="0"/>
-          </a:p>
-        </p:txBody>
-      </p:sp>
-      <p:sp>
-        <p:nvSpPr>
-          <p:cNvPr id="4" name="Slide Number Placeholder 3">
-            <a:extLst>
-              <a:ext uri="{FF2B5EF4-FFF2-40B4-BE49-F238E27FC236}">
-                <a16:creationId xmlns:a16="http://schemas.microsoft.com/office/drawing/2014/main" id="{1C15D2EE-D005-7729-BC8D-C4E00A7D9FCD}"/>
-              </a:ext>
-            </a:extLst>
-          </p:cNvPr>
-          <p:cNvSpPr>
-            <a:spLocks noGrp="1"/>
-          </p:cNvSpPr>
-          <p:nvPr>
-            <p:ph type="sldNum" sz="quarter" idx="10"/>
-          </p:nvPr>
-        </p:nvSpPr>
-        <p:spPr/>
-        <p:txBody>
-          <a:bodyPr/>
-          <a:lstStyle/>
-          <a:p>
-            <a:fld id="{C92FC937-38D6-4B8F-AEB3-E5F6C110AD7F}" type="slidenum">
-              <a:rPr lang="hr-HR" smtClean="0"/>
-              <a:t>11</a:t>
-            </a:fld>
-            <a:endParaRPr lang="hr-HR"/>
-          </a:p>
-        </p:txBody>
-      </p:sp>
-      <p:sp>
-        <p:nvSpPr>
-          <p:cNvPr id="8" name="Content Placeholder 7">
-            <a:extLst>
-              <a:ext uri="{FF2B5EF4-FFF2-40B4-BE49-F238E27FC236}">
-                <a16:creationId xmlns:a16="http://schemas.microsoft.com/office/drawing/2014/main" id="{1BD3A77E-8654-BFBC-D881-8C705EB9C746}"/>
-              </a:ext>
-            </a:extLst>
-          </p:cNvPr>
-          <p:cNvSpPr>
-            <a:spLocks noGrp="1"/>
-          </p:cNvSpPr>
-          <p:nvPr>
-            <p:ph idx="1"/>
-          </p:nvPr>
-        </p:nvSpPr>
-        <p:spPr>
-          <a:xfrm>
-            <a:off x="316536" y="1694642"/>
-            <a:ext cx="13980855" cy="394595"/>
-          </a:xfrm>
-        </p:spPr>
-        <p:txBody>
-          <a:bodyPr/>
-          <a:lstStyle/>
-          <a:p>
-            <a:pPr marL="0" indent="0">
-              <a:buNone/>
-            </a:pPr>
-            <a:r>
-              <a:rPr lang="hr-HR" b="1" dirty="0"/>
-              <a:t>Vizualizacija izabranih signala – </a:t>
-            </a:r>
-            <a:r>
-              <a:rPr lang="hr-HR" b="1" dirty="0">
-                <a:solidFill>
-                  <a:srgbClr val="FF0000"/>
-                </a:solidFill>
-              </a:rPr>
-              <a:t>SEMINARSKI RADOVI</a:t>
-            </a:r>
-          </a:p>
-        </p:txBody>
-      </p:sp>
-      <p:pic>
-        <p:nvPicPr>
-          <p:cNvPr id="3" name="Picture 2">
-            <a:extLst>
-              <a:ext uri="{FF2B5EF4-FFF2-40B4-BE49-F238E27FC236}">
-                <a16:creationId xmlns:a16="http://schemas.microsoft.com/office/drawing/2014/main" id="{3106FE3E-44FC-CAA1-B984-F93728DAF9FB}"/>
-              </a:ext>
-            </a:extLst>
-          </p:cNvPr>
-          <p:cNvPicPr>
-            <a:picLocks noChangeAspect="1"/>
-          </p:cNvPicPr>
-          <p:nvPr/>
-        </p:nvPicPr>
-        <p:blipFill>
-          <a:blip r:embed="rId3"/>
-          <a:srcRect l="22773" t="79238" r="54475"/>
-          <a:stretch/>
-        </p:blipFill>
-        <p:spPr>
-          <a:xfrm>
-            <a:off x="2967675" y="4594213"/>
-            <a:ext cx="2512321" cy="1291590"/>
-          </a:xfrm>
-          <a:prstGeom prst="rect">
-            <a:avLst/>
-          </a:prstGeom>
-        </p:spPr>
-      </p:pic>
-      <p:pic>
-        <p:nvPicPr>
-          <p:cNvPr id="9" name="Picture 8">
-            <a:extLst>
-              <a:ext uri="{FF2B5EF4-FFF2-40B4-BE49-F238E27FC236}">
-                <a16:creationId xmlns:a16="http://schemas.microsoft.com/office/drawing/2014/main" id="{19E01B75-719C-63B7-0900-1AF8AE2A6BB3}"/>
-              </a:ext>
-            </a:extLst>
-          </p:cNvPr>
-          <p:cNvPicPr>
-            <a:picLocks noChangeAspect="1"/>
-          </p:cNvPicPr>
-          <p:nvPr/>
-        </p:nvPicPr>
-        <p:blipFill>
-          <a:blip r:embed="rId3"/>
-          <a:srcRect l="22773" r="54475" b="56283"/>
-          <a:stretch/>
-        </p:blipFill>
-        <p:spPr>
-          <a:xfrm>
-            <a:off x="2967675" y="1874617"/>
-            <a:ext cx="2512321" cy="2719596"/>
-          </a:xfrm>
-          <a:prstGeom prst="rect">
-            <a:avLst/>
-          </a:prstGeom>
-        </p:spPr>
-      </p:pic>
-      <p:sp>
-        <p:nvSpPr>
-          <p:cNvPr id="10" name="TextBox 9">
-            <a:extLst>
-              <a:ext uri="{FF2B5EF4-FFF2-40B4-BE49-F238E27FC236}">
-                <a16:creationId xmlns:a16="http://schemas.microsoft.com/office/drawing/2014/main" id="{6F1A15BD-B5F0-D960-7472-0B08557E4759}"/>
-              </a:ext>
-            </a:extLst>
-          </p:cNvPr>
-          <p:cNvSpPr txBox="1"/>
-          <p:nvPr/>
-        </p:nvSpPr>
-        <p:spPr>
-          <a:xfrm>
-            <a:off x="2701623" y="5940309"/>
-            <a:ext cx="3044423" cy="400110"/>
-          </a:xfrm>
-          <a:prstGeom prst="rect">
-            <a:avLst/>
-          </a:prstGeom>
-          <a:solidFill>
-            <a:schemeClr val="tx1">
-              <a:lumMod val="95000"/>
-              <a:lumOff val="5000"/>
-            </a:schemeClr>
-          </a:solidFill>
-        </p:spPr>
-        <p:txBody>
-          <a:bodyPr wrap="none" rtlCol="0">
-            <a:spAutoFit/>
-          </a:bodyPr>
-          <a:lstStyle/>
-          <a:p>
-            <a:r>
-              <a:rPr lang="en-GB" dirty="0">
-                <a:solidFill>
-                  <a:srgbClr val="CCEFDC"/>
-                </a:solidFill>
-              </a:rPr>
-              <a:t>(-10, 0</a:t>
-            </a:r>
-            <a:r>
-              <a:rPr lang="hr-HR" dirty="0">
-                <a:solidFill>
-                  <a:srgbClr val="CCEFDC"/>
-                </a:solidFill>
-              </a:rPr>
-              <a:t>)</a:t>
-            </a:r>
-            <a:r>
-              <a:rPr lang="en-GB" dirty="0">
-                <a:solidFill>
-                  <a:schemeClr val="bg1"/>
-                </a:solidFill>
-              </a:rPr>
-              <a:t>, </a:t>
-            </a:r>
-            <a:r>
-              <a:rPr lang="en-GB" dirty="0">
-                <a:solidFill>
-                  <a:srgbClr val="FFEBD6"/>
-                </a:solidFill>
-              </a:rPr>
-              <a:t>[0, 10]</a:t>
-            </a:r>
-            <a:r>
-              <a:rPr lang="en-GB" dirty="0">
-                <a:solidFill>
-                  <a:schemeClr val="bg1"/>
-                </a:solidFill>
-              </a:rPr>
-              <a:t>, </a:t>
-            </a:r>
-            <a:r>
-              <a:rPr lang="en-GB" dirty="0">
-                <a:solidFill>
-                  <a:srgbClr val="CCE0F5"/>
-                </a:solidFill>
-              </a:rPr>
-              <a:t>(10, 20)</a:t>
-            </a:r>
-          </a:p>
-        </p:txBody>
-      </p:sp>
-      <p:sp>
-        <p:nvSpPr>
-          <p:cNvPr id="6" name="Content Placeholder 7">
-            <a:extLst>
-              <a:ext uri="{FF2B5EF4-FFF2-40B4-BE49-F238E27FC236}">
-                <a16:creationId xmlns:a16="http://schemas.microsoft.com/office/drawing/2014/main" id="{E28A4035-20E1-6A8F-D76C-3F4800569A66}"/>
-              </a:ext>
-            </a:extLst>
-          </p:cNvPr>
-          <p:cNvSpPr txBox="1">
-            <a:spLocks/>
-          </p:cNvSpPr>
-          <p:nvPr/>
-        </p:nvSpPr>
-        <p:spPr bwMode="auto">
-          <a:xfrm>
-            <a:off x="6193957" y="2551096"/>
-            <a:ext cx="8133914" cy="3433761"/>
-          </a:xfrm>
-          <a:prstGeom prst="rect">
-            <a:avLst/>
-          </a:prstGeom>
-          <a:solidFill>
-            <a:srgbClr val="C00000"/>
-          </a:solidFill>
-          <a:ln w="9525">
-            <a:noFill/>
-            <a:miter lim="800000"/>
-            <a:headEnd/>
-            <a:tailEnd/>
-          </a:ln>
-        </p:spPr>
-        <p:txBody>
-          <a:bodyPr vert="horz" wrap="square" lIns="91440" tIns="45720" rIns="91440" bIns="45720" numCol="1" anchor="t" anchorCtr="0" compatLnSpc="1">
-            <a:prstTxWarp prst="textNoShape">
-              <a:avLst/>
-            </a:prstTxWarp>
-            <a:spAutoFit/>
-          </a:bodyPr>
-          <a:lstStyle>
-            <a:lvl1pPr marL="455786" indent="-455786" algn="l" rtl="0" eaLnBrk="0" fontAlgn="base" hangingPunct="0">
-              <a:spcBef>
-                <a:spcPct val="20000"/>
-              </a:spcBef>
-              <a:spcAft>
-                <a:spcPct val="0"/>
-              </a:spcAft>
-              <a:buChar char="•"/>
-              <a:defRPr sz="1964">
-                <a:solidFill>
-                  <a:schemeClr val="tx1"/>
-                </a:solidFill>
-                <a:latin typeface="+mn-lt"/>
-                <a:ea typeface="+mn-ea"/>
-                <a:cs typeface="+mn-cs"/>
-              </a:defRPr>
-            </a:lvl1pPr>
-            <a:lvl2pPr marL="987536" indent="-379822" algn="l" rtl="0" eaLnBrk="0" fontAlgn="base" hangingPunct="0">
-              <a:spcBef>
-                <a:spcPct val="20000"/>
-              </a:spcBef>
-              <a:spcAft>
-                <a:spcPct val="0"/>
-              </a:spcAft>
-              <a:buChar char="–"/>
-              <a:defRPr sz="1745">
-                <a:solidFill>
-                  <a:srgbClr val="0070C0"/>
-                </a:solidFill>
-                <a:latin typeface="+mn-lt"/>
-              </a:defRPr>
-            </a:lvl2pPr>
-            <a:lvl3pPr marL="1519287" indent="-303858" algn="l" rtl="0" eaLnBrk="0" fontAlgn="base" hangingPunct="0">
-              <a:spcBef>
-                <a:spcPct val="20000"/>
-              </a:spcBef>
-              <a:spcAft>
-                <a:spcPct val="0"/>
-              </a:spcAft>
-              <a:buChar char="•"/>
-              <a:defRPr sz="1745">
-                <a:solidFill>
-                  <a:schemeClr val="tx1"/>
-                </a:solidFill>
-                <a:latin typeface="+mn-lt"/>
-              </a:defRPr>
-            </a:lvl3pPr>
-            <a:lvl4pPr marL="2127002" indent="-303858" algn="l" rtl="0" eaLnBrk="0" fontAlgn="base" hangingPunct="0">
-              <a:spcBef>
-                <a:spcPct val="20000"/>
-              </a:spcBef>
-              <a:spcAft>
-                <a:spcPct val="0"/>
-              </a:spcAft>
-              <a:buChar char="–"/>
-              <a:defRPr sz="1745">
-                <a:solidFill>
-                  <a:srgbClr val="0070C0"/>
-                </a:solidFill>
-                <a:latin typeface="+mn-lt"/>
-              </a:defRPr>
-            </a:lvl4pPr>
-            <a:lvl5pPr marL="2734716" indent="-303858" algn="l" rtl="0" eaLnBrk="0" fontAlgn="base" hangingPunct="0">
-              <a:spcBef>
-                <a:spcPct val="20000"/>
-              </a:spcBef>
-              <a:spcAft>
-                <a:spcPct val="0"/>
-              </a:spcAft>
-              <a:buChar char="»"/>
-              <a:defRPr sz="1745">
-                <a:solidFill>
-                  <a:schemeClr val="tx1"/>
-                </a:solidFill>
-                <a:latin typeface="+mn-lt"/>
-              </a:defRPr>
-            </a:lvl5pPr>
-            <a:lvl6pPr marL="3342430" indent="-303858" algn="l" rtl="0" fontAlgn="base">
-              <a:spcBef>
-                <a:spcPct val="20000"/>
-              </a:spcBef>
-              <a:spcAft>
-                <a:spcPct val="0"/>
-              </a:spcAft>
-              <a:buChar char="»"/>
-              <a:defRPr>
-                <a:solidFill>
-                  <a:srgbClr val="5F5F5F"/>
-                </a:solidFill>
-                <a:latin typeface="+mn-lt"/>
-              </a:defRPr>
-            </a:lvl6pPr>
-            <a:lvl7pPr marL="3950144" indent="-303858" algn="l" rtl="0" fontAlgn="base">
-              <a:spcBef>
-                <a:spcPct val="20000"/>
-              </a:spcBef>
-              <a:spcAft>
-                <a:spcPct val="0"/>
-              </a:spcAft>
-              <a:buChar char="»"/>
-              <a:defRPr>
-                <a:solidFill>
-                  <a:srgbClr val="5F5F5F"/>
-                </a:solidFill>
-                <a:latin typeface="+mn-lt"/>
-              </a:defRPr>
-            </a:lvl7pPr>
-            <a:lvl8pPr marL="4557859" indent="-303858" algn="l" rtl="0" fontAlgn="base">
-              <a:spcBef>
-                <a:spcPct val="20000"/>
-              </a:spcBef>
-              <a:spcAft>
-                <a:spcPct val="0"/>
-              </a:spcAft>
-              <a:buChar char="»"/>
-              <a:defRPr>
-                <a:solidFill>
-                  <a:srgbClr val="5F5F5F"/>
-                </a:solidFill>
-                <a:latin typeface="+mn-lt"/>
-              </a:defRPr>
-            </a:lvl8pPr>
-            <a:lvl9pPr marL="5165573" indent="-303858" algn="l" rtl="0" fontAlgn="base">
-              <a:spcBef>
-                <a:spcPct val="20000"/>
-              </a:spcBef>
-              <a:spcAft>
-                <a:spcPct val="0"/>
-              </a:spcAft>
-              <a:buChar char="»"/>
-              <a:defRPr>
-                <a:solidFill>
-                  <a:srgbClr val="5F5F5F"/>
-                </a:solidFill>
-                <a:latin typeface="+mn-lt"/>
-              </a:defRPr>
-            </a:lvl9pPr>
-          </a:lstStyle>
-          <a:p>
-            <a:pPr marL="0" indent="0">
-              <a:spcBef>
-                <a:spcPts val="1800"/>
-              </a:spcBef>
-              <a:buNone/>
-            </a:pPr>
-            <a:r>
-              <a:rPr lang="hr-HR" kern="0" dirty="0">
-                <a:solidFill>
-                  <a:schemeClr val="bg1"/>
-                </a:solidFill>
-              </a:rPr>
-              <a:t>U fokusu je trenutak u kojem se dogodio startle, te nam je važan period koji je tome prethodio jednako kao i onaj koji je uslijedio nakon. Intervali koji su nam od interesa su: </a:t>
-            </a:r>
-          </a:p>
-          <a:p>
-            <a:pPr>
-              <a:spcBef>
-                <a:spcPts val="1800"/>
-              </a:spcBef>
-            </a:pPr>
-            <a:r>
-              <a:rPr lang="hr-HR" b="1" kern="0" dirty="0">
-                <a:solidFill>
-                  <a:schemeClr val="bg1"/>
-                </a:solidFill>
-              </a:rPr>
-              <a:t>Pre-startle:</a:t>
-            </a:r>
-            <a:r>
-              <a:rPr lang="hr-HR" kern="0" dirty="0">
-                <a:solidFill>
-                  <a:schemeClr val="bg1"/>
-                </a:solidFill>
-              </a:rPr>
-              <a:t> 10s prije početka startle do pojave startle podražaja</a:t>
-            </a:r>
-          </a:p>
-          <a:p>
-            <a:pPr>
-              <a:spcBef>
-                <a:spcPts val="1800"/>
-              </a:spcBef>
-            </a:pPr>
-            <a:r>
-              <a:rPr lang="hr-HR" b="1" kern="0" dirty="0">
-                <a:solidFill>
-                  <a:schemeClr val="bg1"/>
-                </a:solidFill>
-              </a:rPr>
-              <a:t>Startle:</a:t>
-            </a:r>
-            <a:r>
-              <a:rPr lang="hr-HR" kern="0" dirty="0">
-                <a:solidFill>
-                  <a:schemeClr val="bg1"/>
-                </a:solidFill>
-              </a:rPr>
-              <a:t> 10s od trenutka pojave startle podražaja</a:t>
-            </a:r>
-          </a:p>
-          <a:p>
-            <a:pPr>
-              <a:spcBef>
-                <a:spcPts val="1800"/>
-              </a:spcBef>
-            </a:pPr>
-            <a:r>
-              <a:rPr lang="hr-HR" b="1" kern="0" dirty="0">
-                <a:solidFill>
-                  <a:schemeClr val="bg1"/>
-                </a:solidFill>
-              </a:rPr>
-              <a:t>Post-startle:</a:t>
-            </a:r>
-            <a:r>
-              <a:rPr lang="hr-HR" kern="0" dirty="0">
-                <a:solidFill>
-                  <a:schemeClr val="bg1"/>
-                </a:solidFill>
-              </a:rPr>
-              <a:t> </a:t>
-            </a:r>
-            <a:r>
-              <a:rPr lang="en-GB" kern="0" dirty="0">
-                <a:solidFill>
-                  <a:schemeClr val="bg1"/>
-                </a:solidFill>
-              </a:rPr>
-              <a:t>od</a:t>
-            </a:r>
-            <a:r>
-              <a:rPr lang="hr-HR" kern="0" dirty="0">
-                <a:solidFill>
-                  <a:schemeClr val="bg1"/>
-                </a:solidFill>
-              </a:rPr>
-              <a:t> 10s do 20s nakon pojave startle podražaja</a:t>
-            </a:r>
-          </a:p>
-          <a:p>
-            <a:pPr marL="0" indent="0">
-              <a:spcBef>
-                <a:spcPts val="1800"/>
-              </a:spcBef>
-              <a:buNone/>
-            </a:pPr>
-            <a:r>
-              <a:rPr lang="hr-HR" kern="0" dirty="0">
-                <a:solidFill>
-                  <a:schemeClr val="bg1"/>
-                </a:solidFill>
-              </a:rPr>
-              <a:t>Ovaj pristup se radi za sva 3 startle podražaja te se na ovim intervalima računaju značajke koje se kasnije koriste za razvoj modela!</a:t>
-            </a:r>
-          </a:p>
-        </p:txBody>
-      </p:sp>
-    </p:spTree>
-    <p:extLst>
-      <p:ext uri="{BB962C8B-B14F-4D97-AF65-F5344CB8AC3E}">
-        <p14:creationId xmlns:p14="http://schemas.microsoft.com/office/powerpoint/2010/main" val="4082696009"/>
-      </p:ext>
-    </p:extLst>
-  </p:cSld>
-  <p:clrMapOvr>
-    <a:masterClrMapping/>
-  </p:clrMapOvr>
-</p:sld>
-</file>
-
-<file path=ppt/slides/slide12.xml><?xml version="1.0" encoding="utf-8"?>
-<p:sld xmlns:a="http://schemas.openxmlformats.org/drawingml/2006/main" xmlns:r="http://schemas.openxmlformats.org/officeDocument/2006/relationships" xmlns:p="http://schemas.openxmlformats.org/presentationml/2006/main">
-  <p:cSld>
-    <p:spTree>
-      <p:nvGrpSpPr>
-        <p:cNvPr id="1" name="">
-          <a:extLst>
-            <a:ext uri="{FF2B5EF4-FFF2-40B4-BE49-F238E27FC236}">
-              <a16:creationId xmlns:a16="http://schemas.microsoft.com/office/drawing/2014/main" id="{822B4F77-9EC9-00EA-C20D-1A6E8226C02F}"/>
-            </a:ext>
-          </a:extLst>
-        </p:cNvPr>
-        <p:cNvGrpSpPr/>
-        <p:nvPr/>
-      </p:nvGrpSpPr>
-      <p:grpSpPr>
-        <a:xfrm>
-          <a:off x="0" y="0"/>
-          <a:ext cx="0" cy="0"/>
-          <a:chOff x="0" y="0"/>
-          <a:chExt cx="0" cy="0"/>
-        </a:xfrm>
-      </p:grpSpPr>
-      <p:sp>
-        <p:nvSpPr>
-          <p:cNvPr id="2" name="Title 1">
-            <a:extLst>
-              <a:ext uri="{FF2B5EF4-FFF2-40B4-BE49-F238E27FC236}">
-                <a16:creationId xmlns:a16="http://schemas.microsoft.com/office/drawing/2014/main" id="{F760A881-3E44-7A43-0A08-B4365122AE71}"/>
-              </a:ext>
-            </a:extLst>
-          </p:cNvPr>
-          <p:cNvSpPr>
-            <a:spLocks noGrp="1"/>
-          </p:cNvSpPr>
-          <p:nvPr>
-            <p:ph type="title"/>
-          </p:nvPr>
-        </p:nvSpPr>
-        <p:spPr>
-          <a:xfrm>
-            <a:off x="0" y="458576"/>
-            <a:ext cx="14630400" cy="892552"/>
-          </a:xfrm>
-        </p:spPr>
-        <p:txBody>
-          <a:bodyPr/>
-          <a:lstStyle/>
-          <a:p>
-            <a:r>
-              <a:rPr lang="en-GB" sz="2600" dirty="0" err="1"/>
-              <a:t>Razvoj</a:t>
-            </a:r>
-            <a:r>
-              <a:rPr lang="en-GB" sz="2600" dirty="0"/>
-              <a:t> </a:t>
-            </a:r>
-            <a:r>
-              <a:rPr lang="hr-HR" sz="2600" dirty="0"/>
-              <a:t>neuronske mreže</a:t>
-            </a:r>
-            <a:r>
-              <a:rPr lang="en-GB" sz="2600" dirty="0"/>
-              <a:t> za </a:t>
-            </a:r>
-            <a:r>
-              <a:rPr lang="en-GB" sz="2600" dirty="0" err="1"/>
-              <a:t>estimaciju</a:t>
-            </a:r>
-            <a:r>
-              <a:rPr lang="en-GB" sz="2600" dirty="0"/>
-              <a:t>/</a:t>
-            </a:r>
-            <a:r>
-              <a:rPr lang="en-GB" sz="2600" dirty="0" err="1"/>
-              <a:t>predikciju</a:t>
-            </a:r>
-            <a:r>
-              <a:rPr lang="en-GB" sz="2600" dirty="0"/>
-              <a:t> </a:t>
-            </a:r>
-            <a:r>
-              <a:rPr lang="en-GB" sz="2600" dirty="0" err="1"/>
-              <a:t>performansi</a:t>
-            </a:r>
-            <a:r>
-              <a:rPr lang="en-GB" sz="2600" dirty="0"/>
-              <a:t> </a:t>
-            </a:r>
-            <a:r>
-              <a:rPr lang="en-GB" sz="2600" dirty="0" err="1"/>
-              <a:t>na</a:t>
-            </a:r>
-            <a:r>
-              <a:rPr lang="en-GB" sz="2600" dirty="0"/>
-              <a:t> </a:t>
-            </a:r>
-            <a:r>
-              <a:rPr lang="en-GB" sz="2600" dirty="0" err="1"/>
-              <a:t>simulatoru</a:t>
-            </a:r>
-            <a:r>
-              <a:rPr lang="en-GB" sz="2600" dirty="0"/>
-              <a:t> </a:t>
-            </a:r>
-            <a:r>
-              <a:rPr lang="en-GB" sz="2600" dirty="0" err="1"/>
-              <a:t>leta</a:t>
-            </a:r>
-            <a:r>
-              <a:rPr lang="en-GB" sz="2600" dirty="0"/>
-              <a:t> u startle </a:t>
-            </a:r>
-            <a:r>
-              <a:rPr lang="en-GB" sz="2600" dirty="0" err="1"/>
-              <a:t>uvjetima</a:t>
-            </a:r>
-            <a:r>
-              <a:rPr lang="en-GB" sz="2600" dirty="0"/>
-              <a:t> </a:t>
-            </a:r>
-            <a:r>
-              <a:rPr lang="en-GB" sz="2600" dirty="0" err="1"/>
-              <a:t>na</a:t>
-            </a:r>
-            <a:r>
-              <a:rPr lang="en-GB" sz="2600" dirty="0"/>
-              <a:t> </a:t>
-            </a:r>
-            <a:r>
-              <a:rPr lang="en-GB" sz="2600" dirty="0" err="1"/>
-              <a:t>temelju</a:t>
-            </a:r>
-            <a:r>
-              <a:rPr lang="en-GB" sz="2600" dirty="0"/>
-              <a:t> </a:t>
-            </a:r>
-            <a:r>
-              <a:rPr lang="en-GB" sz="2600" dirty="0" err="1"/>
-              <a:t>signala</a:t>
-            </a:r>
-            <a:r>
-              <a:rPr lang="en-GB" sz="2600" dirty="0"/>
-              <a:t> </a:t>
-            </a:r>
-            <a:r>
-              <a:rPr lang="en-GB" sz="2600" dirty="0" err="1"/>
-              <a:t>vodljivosti</a:t>
-            </a:r>
-            <a:r>
-              <a:rPr lang="en-GB" sz="2600" dirty="0"/>
-              <a:t> </a:t>
-            </a:r>
-            <a:r>
-              <a:rPr lang="en-GB" sz="2600" dirty="0" err="1"/>
-              <a:t>kože</a:t>
-            </a:r>
-            <a:r>
-              <a:rPr lang="hr-HR" sz="2600" dirty="0"/>
-              <a:t> </a:t>
-            </a:r>
-            <a:r>
-              <a:rPr lang="en-GB" sz="2600" dirty="0" err="1"/>
-              <a:t>i</a:t>
-            </a:r>
-            <a:r>
-              <a:rPr lang="en-GB" sz="2600" dirty="0"/>
-              <a:t> </a:t>
-            </a:r>
-            <a:r>
-              <a:rPr lang="en-GB" sz="2600" dirty="0" err="1"/>
-              <a:t>disanja</a:t>
-            </a:r>
-            <a:endParaRPr lang="en-GB" sz="2600" dirty="0"/>
-          </a:p>
-        </p:txBody>
-      </p:sp>
-      <p:sp>
-        <p:nvSpPr>
-          <p:cNvPr id="4" name="Slide Number Placeholder 3">
-            <a:extLst>
-              <a:ext uri="{FF2B5EF4-FFF2-40B4-BE49-F238E27FC236}">
-                <a16:creationId xmlns:a16="http://schemas.microsoft.com/office/drawing/2014/main" id="{0B2E7DC6-E815-D7B6-7E2C-732136973DBA}"/>
-              </a:ext>
-            </a:extLst>
-          </p:cNvPr>
-          <p:cNvSpPr>
-            <a:spLocks noGrp="1"/>
-          </p:cNvSpPr>
-          <p:nvPr>
-            <p:ph type="sldNum" sz="quarter" idx="10"/>
-          </p:nvPr>
-        </p:nvSpPr>
-        <p:spPr/>
-        <p:txBody>
-          <a:bodyPr/>
-          <a:lstStyle/>
-          <a:p>
-            <a:fld id="{C92FC937-38D6-4B8F-AEB3-E5F6C110AD7F}" type="slidenum">
-              <a:rPr lang="hr-HR" smtClean="0"/>
-              <a:t>12</a:t>
-            </a:fld>
-            <a:endParaRPr lang="hr-HR"/>
-          </a:p>
-        </p:txBody>
-      </p:sp>
-      <p:sp>
-        <p:nvSpPr>
-          <p:cNvPr id="8" name="Content Placeholder 7">
-            <a:extLst>
-              <a:ext uri="{FF2B5EF4-FFF2-40B4-BE49-F238E27FC236}">
-                <a16:creationId xmlns:a16="http://schemas.microsoft.com/office/drawing/2014/main" id="{6BF7B43E-AA0A-2359-CFD6-4840A6284FDE}"/>
-              </a:ext>
-            </a:extLst>
-          </p:cNvPr>
-          <p:cNvSpPr>
-            <a:spLocks noGrp="1"/>
-          </p:cNvSpPr>
-          <p:nvPr>
-            <p:ph idx="1"/>
-          </p:nvPr>
-        </p:nvSpPr>
-        <p:spPr>
-          <a:xfrm>
-            <a:off x="316536" y="1694642"/>
-            <a:ext cx="13980855" cy="394595"/>
-          </a:xfrm>
-        </p:spPr>
-        <p:txBody>
-          <a:bodyPr/>
-          <a:lstStyle/>
-          <a:p>
-            <a:pPr marL="0" indent="0">
-              <a:buNone/>
-            </a:pPr>
-            <a:r>
-              <a:rPr lang="hr-HR" b="1" dirty="0"/>
-              <a:t>Odabir i izračun značajki (kako smo mi radili)</a:t>
-            </a:r>
-          </a:p>
-        </p:txBody>
-      </p:sp>
-      <p:graphicFrame>
-        <p:nvGraphicFramePr>
-          <p:cNvPr id="12" name="Table 11">
-            <a:extLst>
-              <a:ext uri="{FF2B5EF4-FFF2-40B4-BE49-F238E27FC236}">
-                <a16:creationId xmlns:a16="http://schemas.microsoft.com/office/drawing/2014/main" id="{A1D8BDB1-34D2-3DBA-72E8-B426FEC539B6}"/>
-              </a:ext>
-            </a:extLst>
-          </p:cNvPr>
-          <p:cNvGraphicFramePr>
-            <a:graphicFrameLocks noGrp="1"/>
-          </p:cNvGraphicFramePr>
-          <p:nvPr>
-            <p:extLst>
-              <p:ext uri="{D42A27DB-BD31-4B8C-83A1-F6EECF244321}">
-                <p14:modId xmlns:p14="http://schemas.microsoft.com/office/powerpoint/2010/main" val="3594195637"/>
-              </p:ext>
-            </p:extLst>
-          </p:nvPr>
-        </p:nvGraphicFramePr>
-        <p:xfrm>
-          <a:off x="333009" y="2049144"/>
-          <a:ext cx="13980856" cy="5593601"/>
-        </p:xfrm>
-        <a:graphic>
-          <a:graphicData uri="http://schemas.openxmlformats.org/drawingml/2006/table">
-            <a:tbl>
-              <a:tblPr firstRow="1" bandRow="1"/>
-              <a:tblGrid>
-                <a:gridCol w="1546730">
-                  <a:extLst>
-                    <a:ext uri="{9D8B030D-6E8A-4147-A177-3AD203B41FA5}">
-                      <a16:colId xmlns:a16="http://schemas.microsoft.com/office/drawing/2014/main" val="2795778505"/>
-                    </a:ext>
-                  </a:extLst>
-                </a:gridCol>
-                <a:gridCol w="2197009">
-                  <a:extLst>
-                    <a:ext uri="{9D8B030D-6E8A-4147-A177-3AD203B41FA5}">
-                      <a16:colId xmlns:a16="http://schemas.microsoft.com/office/drawing/2014/main" val="1355444731"/>
-                    </a:ext>
-                  </a:extLst>
-                </a:gridCol>
-                <a:gridCol w="1967123">
-                  <a:extLst>
-                    <a:ext uri="{9D8B030D-6E8A-4147-A177-3AD203B41FA5}">
-                      <a16:colId xmlns:a16="http://schemas.microsoft.com/office/drawing/2014/main" val="1388669013"/>
-                    </a:ext>
-                  </a:extLst>
-                </a:gridCol>
-                <a:gridCol w="1026446">
-                  <a:extLst>
-                    <a:ext uri="{9D8B030D-6E8A-4147-A177-3AD203B41FA5}">
-                      <a16:colId xmlns:a16="http://schemas.microsoft.com/office/drawing/2014/main" val="1032979636"/>
-                    </a:ext>
-                  </a:extLst>
-                </a:gridCol>
-                <a:gridCol w="1276799">
-                  <a:extLst>
-                    <a:ext uri="{9D8B030D-6E8A-4147-A177-3AD203B41FA5}">
-                      <a16:colId xmlns:a16="http://schemas.microsoft.com/office/drawing/2014/main" val="1902016282"/>
-                    </a:ext>
-                  </a:extLst>
-                </a:gridCol>
-                <a:gridCol w="1339388">
-                  <a:extLst>
-                    <a:ext uri="{9D8B030D-6E8A-4147-A177-3AD203B41FA5}">
-                      <a16:colId xmlns:a16="http://schemas.microsoft.com/office/drawing/2014/main" val="4006029602"/>
-                    </a:ext>
-                  </a:extLst>
-                </a:gridCol>
-                <a:gridCol w="1452048">
-                  <a:extLst>
-                    <a:ext uri="{9D8B030D-6E8A-4147-A177-3AD203B41FA5}">
-                      <a16:colId xmlns:a16="http://schemas.microsoft.com/office/drawing/2014/main" val="4013478604"/>
-                    </a:ext>
-                  </a:extLst>
-                </a:gridCol>
-                <a:gridCol w="1405499">
-                  <a:extLst>
-                    <a:ext uri="{9D8B030D-6E8A-4147-A177-3AD203B41FA5}">
-                      <a16:colId xmlns:a16="http://schemas.microsoft.com/office/drawing/2014/main" val="2349276180"/>
-                    </a:ext>
-                  </a:extLst>
-                </a:gridCol>
-                <a:gridCol w="1769814">
-                  <a:extLst>
-                    <a:ext uri="{9D8B030D-6E8A-4147-A177-3AD203B41FA5}">
-                      <a16:colId xmlns:a16="http://schemas.microsoft.com/office/drawing/2014/main" val="1308461237"/>
-                    </a:ext>
-                  </a:extLst>
-                </a:gridCol>
-              </a:tblGrid>
-              <a:tr h="727866">
-                <a:tc gridSpan="8">
-                  <a:txBody>
-                    <a:bodyPr/>
-                    <a:lstStyle>
-                      <a:lvl1pPr marL="0" algn="l" defTabSz="1215429" rtl="0" eaLnBrk="1" latinLnBrk="0" hangingPunct="1">
-                        <a:defRPr sz="2393" b="1" kern="1200">
-                          <a:solidFill>
-                            <a:schemeClr val="lt1"/>
-                          </a:solidFill>
-                          <a:latin typeface="Arial"/>
-                        </a:defRPr>
-                      </a:lvl1pPr>
-                      <a:lvl2pPr marL="607715" algn="l" defTabSz="1215429" rtl="0" eaLnBrk="1" latinLnBrk="0" hangingPunct="1">
-                        <a:defRPr sz="2393" b="1" kern="1200">
-                          <a:solidFill>
-                            <a:schemeClr val="lt1"/>
-                          </a:solidFill>
-                          <a:latin typeface="Arial"/>
-                        </a:defRPr>
-                      </a:lvl2pPr>
-                      <a:lvl3pPr marL="1215429" algn="l" defTabSz="1215429" rtl="0" eaLnBrk="1" latinLnBrk="0" hangingPunct="1">
-                        <a:defRPr sz="2393" b="1" kern="1200">
-                          <a:solidFill>
-                            <a:schemeClr val="lt1"/>
-                          </a:solidFill>
-                          <a:latin typeface="Arial"/>
-                        </a:defRPr>
-                      </a:lvl3pPr>
-                      <a:lvl4pPr marL="1823144" algn="l" defTabSz="1215429" rtl="0" eaLnBrk="1" latinLnBrk="0" hangingPunct="1">
-                        <a:defRPr sz="2393" b="1" kern="1200">
-                          <a:solidFill>
-                            <a:schemeClr val="lt1"/>
-                          </a:solidFill>
-                          <a:latin typeface="Arial"/>
-                        </a:defRPr>
-                      </a:lvl4pPr>
-                      <a:lvl5pPr marL="2430858" algn="l" defTabSz="1215429" rtl="0" eaLnBrk="1" latinLnBrk="0" hangingPunct="1">
-                        <a:defRPr sz="2393" b="1" kern="1200">
-                          <a:solidFill>
-                            <a:schemeClr val="lt1"/>
-                          </a:solidFill>
-                          <a:latin typeface="Arial"/>
-                        </a:defRPr>
-                      </a:lvl5pPr>
-                      <a:lvl6pPr marL="3038573" algn="l" defTabSz="1215429" rtl="0" eaLnBrk="1" latinLnBrk="0" hangingPunct="1">
-                        <a:defRPr sz="2393" b="1" kern="1200">
-                          <a:solidFill>
-                            <a:schemeClr val="lt1"/>
-                          </a:solidFill>
-                          <a:latin typeface="Arial"/>
-                        </a:defRPr>
-                      </a:lvl6pPr>
-                      <a:lvl7pPr marL="3646287" algn="l" defTabSz="1215429" rtl="0" eaLnBrk="1" latinLnBrk="0" hangingPunct="1">
-                        <a:defRPr sz="2393" b="1" kern="1200">
-                          <a:solidFill>
-                            <a:schemeClr val="lt1"/>
-                          </a:solidFill>
-                          <a:latin typeface="Arial"/>
-                        </a:defRPr>
-                      </a:lvl7pPr>
-                      <a:lvl8pPr marL="4254002" algn="l" defTabSz="1215429" rtl="0" eaLnBrk="1" latinLnBrk="0" hangingPunct="1">
-                        <a:defRPr sz="2393" b="1" kern="1200">
-                          <a:solidFill>
-                            <a:schemeClr val="lt1"/>
-                          </a:solidFill>
-                          <a:latin typeface="Arial"/>
-                        </a:defRPr>
-                      </a:lvl8pPr>
-                      <a:lvl9pPr marL="4861716" algn="l" defTabSz="1215429" rtl="0" eaLnBrk="1" latinLnBrk="0" hangingPunct="1">
-                        <a:defRPr sz="2393" b="1" kern="1200">
-                          <a:solidFill>
-                            <a:schemeClr val="lt1"/>
-                          </a:solidFill>
-                          <a:latin typeface="Arial"/>
-                        </a:defRPr>
-                      </a:lvl9pPr>
-                    </a:lstStyle>
-                    <a:p>
-                      <a:pPr algn="ctr"/>
-                      <a:r>
-                        <a:rPr lang="hr-HR" sz="2000" dirty="0"/>
-                        <a:t>WEEK 1</a:t>
-                      </a:r>
-                      <a:endParaRPr lang="en-GB" sz="2000" dirty="0"/>
-                    </a:p>
-                  </a:txBody>
-                  <a:tcPr anchor="ctr">
-                    <a:lnL w="12700" cmpd="sng">
-                      <a:solidFill>
-                        <a:sysClr val="window" lastClr="FFFFFF"/>
-                      </a:solidFill>
-                    </a:lnL>
-                    <a:lnR w="12700" cmpd="sng">
-                      <a:solidFill>
-                        <a:sysClr val="window" lastClr="FFFFFF"/>
-                      </a:solidFill>
-                    </a:lnR>
-                    <a:lnT w="12700" cmpd="sng">
-                      <a:solidFill>
-                        <a:sysClr val="window" lastClr="FFFFFF"/>
-                      </a:solidFill>
-                    </a:lnT>
-                    <a:lnB w="38100" cmpd="sng">
-                      <a:solidFill>
-                        <a:sysClr val="window" lastClr="FFFFFF"/>
-                      </a:solidFill>
-                    </a:lnB>
-                    <a:lnTlToBr w="12700" cmpd="sng">
-                      <a:noFill/>
-                      <a:prstDash val="solid"/>
-                    </a:lnTlToBr>
-                    <a:lnBlToTr w="12700" cmpd="sng">
-                      <a:noFill/>
-                      <a:prstDash val="solid"/>
-                    </a:lnBlToTr>
-                    <a:solidFill>
-                      <a:srgbClr val="1F497D"/>
-                    </a:solidFill>
-                  </a:tcPr>
-                </a:tc>
-                <a:tc hMerge="1">
-                  <a:txBody>
-                    <a:bodyPr/>
-                    <a:lstStyle/>
-                    <a:p>
-                      <a:endParaRPr lang="en-GB"/>
-                    </a:p>
-                  </a:txBody>
-                  <a:tcPr/>
-                </a:tc>
-                <a:tc hMerge="1">
-                  <a:txBody>
-                    <a:bodyPr/>
-                    <a:lstStyle/>
-                    <a:p>
-                      <a:endParaRPr lang="en-GB"/>
-                    </a:p>
-                  </a:txBody>
-                  <a:tcPr/>
-                </a:tc>
-                <a:tc hMerge="1">
-                  <a:txBody>
-                    <a:bodyPr/>
-                    <a:lstStyle/>
-                    <a:p>
-                      <a:pPr algn="ctr"/>
-                      <a:endParaRPr lang="en-GB" sz="1600"/>
-                    </a:p>
-                  </a:txBody>
-                  <a:tcPr anchor="ctr"/>
-                </a:tc>
-                <a:tc hMerge="1">
-                  <a:txBody>
-                    <a:bodyPr/>
-                    <a:lstStyle/>
-                    <a:p>
-                      <a:pPr algn="ctr"/>
-                      <a:endParaRPr lang="en-GB" sz="1600"/>
-                    </a:p>
-                  </a:txBody>
-                  <a:tcPr anchor="ctr"/>
-                </a:tc>
-                <a:tc hMerge="1">
-                  <a:txBody>
-                    <a:bodyPr/>
-                    <a:lstStyle/>
-                    <a:p>
-                      <a:pPr algn="ctr"/>
-                      <a:endParaRPr lang="en-GB" sz="1600"/>
-                    </a:p>
-                  </a:txBody>
-                  <a:tcPr anchor="ctr"/>
-                </a:tc>
-                <a:tc hMerge="1">
-                  <a:txBody>
-                    <a:bodyPr/>
-                    <a:lstStyle/>
-                    <a:p>
-                      <a:endParaRPr lang="en-GB"/>
-                    </a:p>
-                  </a:txBody>
-                  <a:tcPr/>
-                </a:tc>
-                <a:tc hMerge="1">
-                  <a:txBody>
-                    <a:bodyPr/>
-                    <a:lstStyle/>
-                    <a:p>
-                      <a:pPr algn="ctr"/>
-                      <a:endParaRPr lang="en-GB" sz="1600"/>
-                    </a:p>
-                  </a:txBody>
-                  <a:tcPr anchor="ctr"/>
-                </a:tc>
-                <a:tc>
-                  <a:txBody>
-                    <a:bodyPr/>
-                    <a:lstStyle>
-                      <a:lvl1pPr marL="0" algn="l" defTabSz="1215429" rtl="0" eaLnBrk="1" latinLnBrk="0" hangingPunct="1">
-                        <a:defRPr sz="2393" b="1" kern="1200">
-                          <a:solidFill>
-                            <a:schemeClr val="lt1"/>
-                          </a:solidFill>
-                          <a:latin typeface="Arial"/>
-                        </a:defRPr>
-                      </a:lvl1pPr>
-                      <a:lvl2pPr marL="607715" algn="l" defTabSz="1215429" rtl="0" eaLnBrk="1" latinLnBrk="0" hangingPunct="1">
-                        <a:defRPr sz="2393" b="1" kern="1200">
-                          <a:solidFill>
-                            <a:schemeClr val="lt1"/>
-                          </a:solidFill>
-                          <a:latin typeface="Arial"/>
-                        </a:defRPr>
-                      </a:lvl2pPr>
-                      <a:lvl3pPr marL="1215429" algn="l" defTabSz="1215429" rtl="0" eaLnBrk="1" latinLnBrk="0" hangingPunct="1">
-                        <a:defRPr sz="2393" b="1" kern="1200">
-                          <a:solidFill>
-                            <a:schemeClr val="lt1"/>
-                          </a:solidFill>
-                          <a:latin typeface="Arial"/>
-                        </a:defRPr>
-                      </a:lvl3pPr>
-                      <a:lvl4pPr marL="1823144" algn="l" defTabSz="1215429" rtl="0" eaLnBrk="1" latinLnBrk="0" hangingPunct="1">
-                        <a:defRPr sz="2393" b="1" kern="1200">
-                          <a:solidFill>
-                            <a:schemeClr val="lt1"/>
-                          </a:solidFill>
-                          <a:latin typeface="Arial"/>
-                        </a:defRPr>
-                      </a:lvl4pPr>
-                      <a:lvl5pPr marL="2430858" algn="l" defTabSz="1215429" rtl="0" eaLnBrk="1" latinLnBrk="0" hangingPunct="1">
-                        <a:defRPr sz="2393" b="1" kern="1200">
-                          <a:solidFill>
-                            <a:schemeClr val="lt1"/>
-                          </a:solidFill>
-                          <a:latin typeface="Arial"/>
-                        </a:defRPr>
-                      </a:lvl5pPr>
-                      <a:lvl6pPr marL="3038573" algn="l" defTabSz="1215429" rtl="0" eaLnBrk="1" latinLnBrk="0" hangingPunct="1">
-                        <a:defRPr sz="2393" b="1" kern="1200">
-                          <a:solidFill>
-                            <a:schemeClr val="lt1"/>
-                          </a:solidFill>
-                          <a:latin typeface="Arial"/>
-                        </a:defRPr>
-                      </a:lvl6pPr>
-                      <a:lvl7pPr marL="3646287" algn="l" defTabSz="1215429" rtl="0" eaLnBrk="1" latinLnBrk="0" hangingPunct="1">
-                        <a:defRPr sz="2393" b="1" kern="1200">
-                          <a:solidFill>
-                            <a:schemeClr val="lt1"/>
-                          </a:solidFill>
-                          <a:latin typeface="Arial"/>
-                        </a:defRPr>
-                      </a:lvl7pPr>
-                      <a:lvl8pPr marL="4254002" algn="l" defTabSz="1215429" rtl="0" eaLnBrk="1" latinLnBrk="0" hangingPunct="1">
-                        <a:defRPr sz="2393" b="1" kern="1200">
-                          <a:solidFill>
-                            <a:schemeClr val="lt1"/>
-                          </a:solidFill>
-                          <a:latin typeface="Arial"/>
-                        </a:defRPr>
-                      </a:lvl8pPr>
-                      <a:lvl9pPr marL="4861716" algn="l" defTabSz="1215429" rtl="0" eaLnBrk="1" latinLnBrk="0" hangingPunct="1">
-                        <a:defRPr sz="2393" b="1" kern="1200">
-                          <a:solidFill>
-                            <a:schemeClr val="lt1"/>
-                          </a:solidFill>
-                          <a:latin typeface="Arial"/>
-                        </a:defRPr>
-                      </a:lvl9pPr>
-                    </a:lstStyle>
-                    <a:p>
-                      <a:pPr algn="ctr"/>
-                      <a:r>
-                        <a:rPr lang="hr-HR" sz="2000" dirty="0"/>
-                        <a:t>WEEK 2</a:t>
-                      </a:r>
-                      <a:endParaRPr lang="en-GB" sz="2000" dirty="0"/>
-                    </a:p>
-                  </a:txBody>
-                  <a:tcPr anchor="ctr">
-                    <a:lnL w="12700" cmpd="sng">
-                      <a:solidFill>
-                        <a:sysClr val="window" lastClr="FFFFFF"/>
-                      </a:solidFill>
-                    </a:lnL>
-                    <a:lnR w="12700" cmpd="sng">
-                      <a:solidFill>
-                        <a:sysClr val="window" lastClr="FFFFFF"/>
-                      </a:solidFill>
-                    </a:lnR>
-                    <a:lnT w="12700" cmpd="sng">
-                      <a:solidFill>
-                        <a:sysClr val="window" lastClr="FFFFFF"/>
-                      </a:solidFill>
-                    </a:lnT>
-                    <a:lnB w="38100" cmpd="sng">
-                      <a:solidFill>
-                        <a:sysClr val="window" lastClr="FFFFFF"/>
-                      </a:solidFill>
-                    </a:lnB>
-                    <a:lnTlToBr w="12700" cmpd="sng">
-                      <a:noFill/>
-                      <a:prstDash val="solid"/>
-                    </a:lnTlToBr>
-                    <a:lnBlToTr w="12700" cmpd="sng">
-                      <a:noFill/>
-                      <a:prstDash val="solid"/>
-                    </a:lnBlToTr>
-                    <a:solidFill>
-                      <a:srgbClr val="C0504D">
-                        <a:lumMod val="50000"/>
-                      </a:srgbClr>
-                    </a:solidFill>
-                  </a:tcPr>
-                </a:tc>
-                <a:extLst>
-                  <a:ext uri="{0D108BD9-81ED-4DB2-BD59-A6C34878D82A}">
-                    <a16:rowId xmlns:a16="http://schemas.microsoft.com/office/drawing/2014/main" val="1403242174"/>
-                  </a:ext>
-                </a:extLst>
-              </a:tr>
-              <a:tr h="727866">
-                <a:tc gridSpan="3">
-                  <a:txBody>
-                    <a:bodyPr/>
-                    <a:lstStyle>
-                      <a:lvl1pPr marL="0" algn="l" defTabSz="1215429" rtl="0" eaLnBrk="1" latinLnBrk="0" hangingPunct="1">
-                        <a:defRPr sz="2393" kern="1200">
-                          <a:solidFill>
-                            <a:schemeClr val="dk1"/>
-                          </a:solidFill>
-                          <a:latin typeface="Arial"/>
-                        </a:defRPr>
-                      </a:lvl1pPr>
-                      <a:lvl2pPr marL="607715" algn="l" defTabSz="1215429" rtl="0" eaLnBrk="1" latinLnBrk="0" hangingPunct="1">
-                        <a:defRPr sz="2393" kern="1200">
-                          <a:solidFill>
-                            <a:schemeClr val="dk1"/>
-                          </a:solidFill>
-                          <a:latin typeface="Arial"/>
-                        </a:defRPr>
-                      </a:lvl2pPr>
-                      <a:lvl3pPr marL="1215429" algn="l" defTabSz="1215429" rtl="0" eaLnBrk="1" latinLnBrk="0" hangingPunct="1">
-                        <a:defRPr sz="2393" kern="1200">
-                          <a:solidFill>
-                            <a:schemeClr val="dk1"/>
-                          </a:solidFill>
-                          <a:latin typeface="Arial"/>
-                        </a:defRPr>
-                      </a:lvl3pPr>
-                      <a:lvl4pPr marL="1823144" algn="l" defTabSz="1215429" rtl="0" eaLnBrk="1" latinLnBrk="0" hangingPunct="1">
-                        <a:defRPr sz="2393" kern="1200">
-                          <a:solidFill>
-                            <a:schemeClr val="dk1"/>
-                          </a:solidFill>
-                          <a:latin typeface="Arial"/>
-                        </a:defRPr>
-                      </a:lvl4pPr>
-                      <a:lvl5pPr marL="2430858" algn="l" defTabSz="1215429" rtl="0" eaLnBrk="1" latinLnBrk="0" hangingPunct="1">
-                        <a:defRPr sz="2393" kern="1200">
-                          <a:solidFill>
-                            <a:schemeClr val="dk1"/>
-                          </a:solidFill>
-                          <a:latin typeface="Arial"/>
-                        </a:defRPr>
-                      </a:lvl5pPr>
-                      <a:lvl6pPr marL="3038573" algn="l" defTabSz="1215429" rtl="0" eaLnBrk="1" latinLnBrk="0" hangingPunct="1">
-                        <a:defRPr sz="2393" kern="1200">
-                          <a:solidFill>
-                            <a:schemeClr val="dk1"/>
-                          </a:solidFill>
-                          <a:latin typeface="Arial"/>
-                        </a:defRPr>
-                      </a:lvl6pPr>
-                      <a:lvl7pPr marL="3646287" algn="l" defTabSz="1215429" rtl="0" eaLnBrk="1" latinLnBrk="0" hangingPunct="1">
-                        <a:defRPr sz="2393" kern="1200">
-                          <a:solidFill>
-                            <a:schemeClr val="dk1"/>
-                          </a:solidFill>
-                          <a:latin typeface="Arial"/>
-                        </a:defRPr>
-                      </a:lvl7pPr>
-                      <a:lvl8pPr marL="4254002" algn="l" defTabSz="1215429" rtl="0" eaLnBrk="1" latinLnBrk="0" hangingPunct="1">
-                        <a:defRPr sz="2393" kern="1200">
-                          <a:solidFill>
-                            <a:schemeClr val="dk1"/>
-                          </a:solidFill>
-                          <a:latin typeface="Arial"/>
-                        </a:defRPr>
-                      </a:lvl8pPr>
-                      <a:lvl9pPr marL="4861716" algn="l" defTabSz="1215429" rtl="0" eaLnBrk="1" latinLnBrk="0" hangingPunct="1">
-                        <a:defRPr sz="2393" kern="1200">
-                          <a:solidFill>
-                            <a:schemeClr val="dk1"/>
-                          </a:solidFill>
-                          <a:latin typeface="Arial"/>
-                        </a:defRPr>
-                      </a:lvl9pPr>
-                    </a:lstStyle>
-                    <a:p>
-                      <a:pPr algn="ctr"/>
-                      <a:r>
-                        <a:rPr lang="hr-HR" sz="2000" b="1">
-                          <a:solidFill>
-                            <a:schemeClr val="bg1"/>
-                          </a:solidFill>
-                        </a:rPr>
-                        <a:t>STARTLE ELICITING PARADIGM</a:t>
-                      </a:r>
-                      <a:endParaRPr lang="en-GB" sz="2000" b="1">
-                        <a:solidFill>
-                          <a:schemeClr val="bg1"/>
-                        </a:solidFill>
-                      </a:endParaRPr>
-                    </a:p>
-                  </a:txBody>
-                  <a:tcPr anchor="ctr">
-                    <a:lnL w="12700" cmpd="sng">
-                      <a:solidFill>
-                        <a:sysClr val="window" lastClr="FFFFFF"/>
-                      </a:solidFill>
-                    </a:lnL>
-                    <a:lnR w="12700" cmpd="sng">
-                      <a:solidFill>
-                        <a:sysClr val="window" lastClr="FFFFFF"/>
-                      </a:solidFill>
-                    </a:lnR>
-                    <a:lnT w="38100" cmpd="sng">
-                      <a:solidFill>
-                        <a:sysClr val="window" lastClr="FFFFFF"/>
-                      </a:solidFill>
-                    </a:lnT>
-                    <a:lnB w="12700" cmpd="sng">
-                      <a:solidFill>
-                        <a:sysClr val="window" lastClr="FFFFFF"/>
-                      </a:solidFill>
-                    </a:lnB>
-                    <a:lnTlToBr w="12700" cmpd="sng">
-                      <a:noFill/>
-                      <a:prstDash val="solid"/>
-                    </a:lnTlToBr>
-                    <a:lnBlToTr w="12700" cmpd="sng">
-                      <a:noFill/>
-                      <a:prstDash val="solid"/>
-                    </a:lnBlToTr>
-                    <a:solidFill>
-                      <a:srgbClr val="4F81BD"/>
-                    </a:solidFill>
-                  </a:tcPr>
-                </a:tc>
-                <a:tc hMerge="1">
-                  <a:txBody>
-                    <a:bodyPr/>
-                    <a:lstStyle/>
-                    <a:p>
-                      <a:endParaRPr lang="en-GB"/>
-                    </a:p>
-                  </a:txBody>
-                  <a:tcPr/>
-                </a:tc>
-                <a:tc hMerge="1">
-                  <a:txBody>
-                    <a:bodyPr/>
-                    <a:lstStyle/>
-                    <a:p>
-                      <a:endParaRPr lang="en-GB"/>
-                    </a:p>
-                  </a:txBody>
-                  <a:tcPr/>
-                </a:tc>
-                <a:tc>
-                  <a:txBody>
-                    <a:bodyPr/>
-                    <a:lstStyle>
-                      <a:lvl1pPr marL="0" algn="l" defTabSz="1215429" rtl="0" eaLnBrk="1" latinLnBrk="0" hangingPunct="1">
-                        <a:defRPr sz="2393" kern="1200">
-                          <a:solidFill>
-                            <a:schemeClr val="dk1"/>
-                          </a:solidFill>
-                          <a:latin typeface="Arial"/>
-                        </a:defRPr>
-                      </a:lvl1pPr>
-                      <a:lvl2pPr marL="607715" algn="l" defTabSz="1215429" rtl="0" eaLnBrk="1" latinLnBrk="0" hangingPunct="1">
-                        <a:defRPr sz="2393" kern="1200">
-                          <a:solidFill>
-                            <a:schemeClr val="dk1"/>
-                          </a:solidFill>
-                          <a:latin typeface="Arial"/>
-                        </a:defRPr>
-                      </a:lvl2pPr>
-                      <a:lvl3pPr marL="1215429" algn="l" defTabSz="1215429" rtl="0" eaLnBrk="1" latinLnBrk="0" hangingPunct="1">
-                        <a:defRPr sz="2393" kern="1200">
-                          <a:solidFill>
-                            <a:schemeClr val="dk1"/>
-                          </a:solidFill>
-                          <a:latin typeface="Arial"/>
-                        </a:defRPr>
-                      </a:lvl3pPr>
-                      <a:lvl4pPr marL="1823144" algn="l" defTabSz="1215429" rtl="0" eaLnBrk="1" latinLnBrk="0" hangingPunct="1">
-                        <a:defRPr sz="2393" kern="1200">
-                          <a:solidFill>
-                            <a:schemeClr val="dk1"/>
-                          </a:solidFill>
-                          <a:latin typeface="Arial"/>
-                        </a:defRPr>
-                      </a:lvl4pPr>
-                      <a:lvl5pPr marL="2430858" algn="l" defTabSz="1215429" rtl="0" eaLnBrk="1" latinLnBrk="0" hangingPunct="1">
-                        <a:defRPr sz="2393" kern="1200">
-                          <a:solidFill>
-                            <a:schemeClr val="dk1"/>
-                          </a:solidFill>
-                          <a:latin typeface="Arial"/>
-                        </a:defRPr>
-                      </a:lvl5pPr>
-                      <a:lvl6pPr marL="3038573" algn="l" defTabSz="1215429" rtl="0" eaLnBrk="1" latinLnBrk="0" hangingPunct="1">
-                        <a:defRPr sz="2393" kern="1200">
-                          <a:solidFill>
-                            <a:schemeClr val="dk1"/>
-                          </a:solidFill>
-                          <a:latin typeface="Arial"/>
-                        </a:defRPr>
-                      </a:lvl6pPr>
-                      <a:lvl7pPr marL="3646287" algn="l" defTabSz="1215429" rtl="0" eaLnBrk="1" latinLnBrk="0" hangingPunct="1">
-                        <a:defRPr sz="2393" kern="1200">
-                          <a:solidFill>
-                            <a:schemeClr val="dk1"/>
-                          </a:solidFill>
-                          <a:latin typeface="Arial"/>
-                        </a:defRPr>
-                      </a:lvl7pPr>
-                      <a:lvl8pPr marL="4254002" algn="l" defTabSz="1215429" rtl="0" eaLnBrk="1" latinLnBrk="0" hangingPunct="1">
-                        <a:defRPr sz="2393" kern="1200">
-                          <a:solidFill>
-                            <a:schemeClr val="dk1"/>
-                          </a:solidFill>
-                          <a:latin typeface="Arial"/>
-                        </a:defRPr>
-                      </a:lvl8pPr>
-                      <a:lvl9pPr marL="4861716" algn="l" defTabSz="1215429" rtl="0" eaLnBrk="1" latinLnBrk="0" hangingPunct="1">
-                        <a:defRPr sz="2393" kern="1200">
-                          <a:solidFill>
-                            <a:schemeClr val="dk1"/>
-                          </a:solidFill>
-                          <a:latin typeface="Arial"/>
-                        </a:defRPr>
-                      </a:lvl9pPr>
-                    </a:lstStyle>
-                    <a:p>
-                      <a:pPr algn="ctr"/>
-                      <a:r>
-                        <a:rPr lang="hr-HR" sz="2000" b="1">
-                          <a:solidFill>
-                            <a:schemeClr val="bg1"/>
-                          </a:solidFill>
-                        </a:rPr>
-                        <a:t>MOT</a:t>
-                      </a:r>
-                      <a:endParaRPr lang="en-GB" sz="2000" b="1">
-                        <a:solidFill>
-                          <a:schemeClr val="bg1"/>
-                        </a:solidFill>
-                      </a:endParaRPr>
-                    </a:p>
-                  </a:txBody>
-                  <a:tcPr anchor="ctr">
-                    <a:lnL w="12700" cmpd="sng">
-                      <a:solidFill>
-                        <a:sysClr val="window" lastClr="FFFFFF"/>
-                      </a:solidFill>
-                    </a:lnL>
-                    <a:lnR w="12700" cmpd="sng">
-                      <a:solidFill>
-                        <a:sysClr val="window" lastClr="FFFFFF"/>
-                      </a:solidFill>
-                    </a:lnR>
-                    <a:lnT w="38100" cmpd="sng">
-                      <a:solidFill>
-                        <a:sysClr val="window" lastClr="FFFFFF"/>
-                      </a:solidFill>
-                    </a:lnT>
-                    <a:lnB w="12700" cmpd="sng">
-                      <a:solidFill>
-                        <a:sysClr val="window" lastClr="FFFFFF"/>
-                      </a:solidFill>
-                    </a:lnB>
-                    <a:lnTlToBr w="12700" cmpd="sng">
-                      <a:noFill/>
-                      <a:prstDash val="solid"/>
-                    </a:lnTlToBr>
-                    <a:lnBlToTr w="12700" cmpd="sng">
-                      <a:noFill/>
-                      <a:prstDash val="solid"/>
-                    </a:lnBlToTr>
-                    <a:solidFill>
-                      <a:srgbClr val="4F81BD"/>
-                    </a:solidFill>
-                  </a:tcPr>
-                </a:tc>
-                <a:tc>
-                  <a:txBody>
-                    <a:bodyPr/>
-                    <a:lstStyle>
-                      <a:lvl1pPr marL="0" algn="l" defTabSz="1215429" rtl="0" eaLnBrk="1" latinLnBrk="0" hangingPunct="1">
-                        <a:defRPr sz="2393" kern="1200">
-                          <a:solidFill>
-                            <a:schemeClr val="dk1"/>
-                          </a:solidFill>
-                          <a:latin typeface="Arial"/>
-                        </a:defRPr>
-                      </a:lvl1pPr>
-                      <a:lvl2pPr marL="607715" algn="l" defTabSz="1215429" rtl="0" eaLnBrk="1" latinLnBrk="0" hangingPunct="1">
-                        <a:defRPr sz="2393" kern="1200">
-                          <a:solidFill>
-                            <a:schemeClr val="dk1"/>
-                          </a:solidFill>
-                          <a:latin typeface="Arial"/>
-                        </a:defRPr>
-                      </a:lvl2pPr>
-                      <a:lvl3pPr marL="1215429" algn="l" defTabSz="1215429" rtl="0" eaLnBrk="1" latinLnBrk="0" hangingPunct="1">
-                        <a:defRPr sz="2393" kern="1200">
-                          <a:solidFill>
-                            <a:schemeClr val="dk1"/>
-                          </a:solidFill>
-                          <a:latin typeface="Arial"/>
-                        </a:defRPr>
-                      </a:lvl3pPr>
-                      <a:lvl4pPr marL="1823144" algn="l" defTabSz="1215429" rtl="0" eaLnBrk="1" latinLnBrk="0" hangingPunct="1">
-                        <a:defRPr sz="2393" kern="1200">
-                          <a:solidFill>
-                            <a:schemeClr val="dk1"/>
-                          </a:solidFill>
-                          <a:latin typeface="Arial"/>
-                        </a:defRPr>
-                      </a:lvl4pPr>
-                      <a:lvl5pPr marL="2430858" algn="l" defTabSz="1215429" rtl="0" eaLnBrk="1" latinLnBrk="0" hangingPunct="1">
-                        <a:defRPr sz="2393" kern="1200">
-                          <a:solidFill>
-                            <a:schemeClr val="dk1"/>
-                          </a:solidFill>
-                          <a:latin typeface="Arial"/>
-                        </a:defRPr>
-                      </a:lvl5pPr>
-                      <a:lvl6pPr marL="3038573" algn="l" defTabSz="1215429" rtl="0" eaLnBrk="1" latinLnBrk="0" hangingPunct="1">
-                        <a:defRPr sz="2393" kern="1200">
-                          <a:solidFill>
-                            <a:schemeClr val="dk1"/>
-                          </a:solidFill>
-                          <a:latin typeface="Arial"/>
-                        </a:defRPr>
-                      </a:lvl6pPr>
-                      <a:lvl7pPr marL="3646287" algn="l" defTabSz="1215429" rtl="0" eaLnBrk="1" latinLnBrk="0" hangingPunct="1">
-                        <a:defRPr sz="2393" kern="1200">
-                          <a:solidFill>
-                            <a:schemeClr val="dk1"/>
-                          </a:solidFill>
-                          <a:latin typeface="Arial"/>
-                        </a:defRPr>
-                      </a:lvl7pPr>
-                      <a:lvl8pPr marL="4254002" algn="l" defTabSz="1215429" rtl="0" eaLnBrk="1" latinLnBrk="0" hangingPunct="1">
-                        <a:defRPr sz="2393" kern="1200">
-                          <a:solidFill>
-                            <a:schemeClr val="dk1"/>
-                          </a:solidFill>
-                          <a:latin typeface="Arial"/>
-                        </a:defRPr>
-                      </a:lvl8pPr>
-                      <a:lvl9pPr marL="4861716" algn="l" defTabSz="1215429" rtl="0" eaLnBrk="1" latinLnBrk="0" hangingPunct="1">
-                        <a:defRPr sz="2393" kern="1200">
-                          <a:solidFill>
-                            <a:schemeClr val="dk1"/>
-                          </a:solidFill>
-                          <a:latin typeface="Arial"/>
-                        </a:defRPr>
-                      </a:lvl9pPr>
-                    </a:lstStyle>
-                    <a:p>
-                      <a:pPr algn="ctr"/>
-                      <a:r>
-                        <a:rPr lang="hr-HR" sz="2000" b="1" dirty="0">
-                          <a:solidFill>
-                            <a:schemeClr val="bg1"/>
-                          </a:solidFill>
-                        </a:rPr>
-                        <a:t>PVSAT</a:t>
-                      </a:r>
-                      <a:endParaRPr lang="en-GB" sz="2000" b="1" dirty="0">
-                        <a:solidFill>
-                          <a:schemeClr val="bg1"/>
-                        </a:solidFill>
-                      </a:endParaRPr>
-                    </a:p>
-                  </a:txBody>
-                  <a:tcPr anchor="ctr">
-                    <a:lnL w="12700" cmpd="sng">
-                      <a:solidFill>
-                        <a:sysClr val="window" lastClr="FFFFFF"/>
-                      </a:solidFill>
-                    </a:lnL>
-                    <a:lnR w="12700" cmpd="sng">
-                      <a:solidFill>
-                        <a:sysClr val="window" lastClr="FFFFFF"/>
-                      </a:solidFill>
-                    </a:lnR>
-                    <a:lnT w="38100" cmpd="sng">
-                      <a:solidFill>
-                        <a:sysClr val="window" lastClr="FFFFFF"/>
-                      </a:solidFill>
-                    </a:lnT>
-                    <a:lnB w="12700" cmpd="sng">
-                      <a:solidFill>
-                        <a:sysClr val="window" lastClr="FFFFFF"/>
-                      </a:solidFill>
-                    </a:lnB>
-                    <a:lnTlToBr w="12700" cmpd="sng">
-                      <a:noFill/>
-                      <a:prstDash val="solid"/>
-                    </a:lnTlToBr>
-                    <a:lnBlToTr w="12700" cmpd="sng">
-                      <a:noFill/>
-                      <a:prstDash val="solid"/>
-                    </a:lnBlToTr>
-                    <a:solidFill>
-                      <a:srgbClr val="4F81BD"/>
-                    </a:solidFill>
-                  </a:tcPr>
-                </a:tc>
-                <a:tc gridSpan="2">
-                  <a:txBody>
-                    <a:bodyPr/>
-                    <a:lstStyle>
-                      <a:lvl1pPr marL="0" algn="l" defTabSz="1215429" rtl="0" eaLnBrk="1" latinLnBrk="0" hangingPunct="1">
-                        <a:defRPr sz="2393" kern="1200">
-                          <a:solidFill>
-                            <a:schemeClr val="dk1"/>
-                          </a:solidFill>
-                          <a:latin typeface="Arial"/>
-                        </a:defRPr>
-                      </a:lvl1pPr>
-                      <a:lvl2pPr marL="607715" algn="l" defTabSz="1215429" rtl="0" eaLnBrk="1" latinLnBrk="0" hangingPunct="1">
-                        <a:defRPr sz="2393" kern="1200">
-                          <a:solidFill>
-                            <a:schemeClr val="dk1"/>
-                          </a:solidFill>
-                          <a:latin typeface="Arial"/>
-                        </a:defRPr>
-                      </a:lvl2pPr>
-                      <a:lvl3pPr marL="1215429" algn="l" defTabSz="1215429" rtl="0" eaLnBrk="1" latinLnBrk="0" hangingPunct="1">
-                        <a:defRPr sz="2393" kern="1200">
-                          <a:solidFill>
-                            <a:schemeClr val="dk1"/>
-                          </a:solidFill>
-                          <a:latin typeface="Arial"/>
-                        </a:defRPr>
-                      </a:lvl3pPr>
-                      <a:lvl4pPr marL="1823144" algn="l" defTabSz="1215429" rtl="0" eaLnBrk="1" latinLnBrk="0" hangingPunct="1">
-                        <a:defRPr sz="2393" kern="1200">
-                          <a:solidFill>
-                            <a:schemeClr val="dk1"/>
-                          </a:solidFill>
-                          <a:latin typeface="Arial"/>
-                        </a:defRPr>
-                      </a:lvl4pPr>
-                      <a:lvl5pPr marL="2430858" algn="l" defTabSz="1215429" rtl="0" eaLnBrk="1" latinLnBrk="0" hangingPunct="1">
-                        <a:defRPr sz="2393" kern="1200">
-                          <a:solidFill>
-                            <a:schemeClr val="dk1"/>
-                          </a:solidFill>
-                          <a:latin typeface="Arial"/>
-                        </a:defRPr>
-                      </a:lvl5pPr>
-                      <a:lvl6pPr marL="3038573" algn="l" defTabSz="1215429" rtl="0" eaLnBrk="1" latinLnBrk="0" hangingPunct="1">
-                        <a:defRPr sz="2393" kern="1200">
-                          <a:solidFill>
-                            <a:schemeClr val="dk1"/>
-                          </a:solidFill>
-                          <a:latin typeface="Arial"/>
-                        </a:defRPr>
-                      </a:lvl6pPr>
-                      <a:lvl7pPr marL="3646287" algn="l" defTabSz="1215429" rtl="0" eaLnBrk="1" latinLnBrk="0" hangingPunct="1">
-                        <a:defRPr sz="2393" kern="1200">
-                          <a:solidFill>
-                            <a:schemeClr val="dk1"/>
-                          </a:solidFill>
-                          <a:latin typeface="Arial"/>
-                        </a:defRPr>
-                      </a:lvl7pPr>
-                      <a:lvl8pPr marL="4254002" algn="l" defTabSz="1215429" rtl="0" eaLnBrk="1" latinLnBrk="0" hangingPunct="1">
-                        <a:defRPr sz="2393" kern="1200">
-                          <a:solidFill>
-                            <a:schemeClr val="dk1"/>
-                          </a:solidFill>
-                          <a:latin typeface="Arial"/>
-                        </a:defRPr>
-                      </a:lvl8pPr>
-                      <a:lvl9pPr marL="4861716" algn="l" defTabSz="1215429" rtl="0" eaLnBrk="1" latinLnBrk="0" hangingPunct="1">
-                        <a:defRPr sz="2393" kern="1200">
-                          <a:solidFill>
-                            <a:schemeClr val="dk1"/>
-                          </a:solidFill>
-                          <a:latin typeface="Arial"/>
-                        </a:defRPr>
-                      </a:lvl9pPr>
-                    </a:lstStyle>
-                    <a:p>
-                      <a:pPr algn="ctr"/>
-                      <a:r>
-                        <a:rPr lang="hr-HR" sz="2000" b="1" dirty="0">
-                          <a:solidFill>
-                            <a:schemeClr val="bg1"/>
-                          </a:solidFill>
-                        </a:rPr>
-                        <a:t>DUAL TASK</a:t>
-                      </a:r>
-                      <a:endParaRPr lang="en-GB" sz="2000" b="1" dirty="0">
-                        <a:solidFill>
-                          <a:schemeClr val="bg1"/>
-                        </a:solidFill>
-                      </a:endParaRPr>
-                    </a:p>
-                  </a:txBody>
-                  <a:tcPr anchor="ctr">
-                    <a:lnL w="12700" cmpd="sng">
-                      <a:solidFill>
-                        <a:sysClr val="window" lastClr="FFFFFF"/>
-                      </a:solidFill>
-                    </a:lnL>
-                    <a:lnR w="12700" cmpd="sng">
-                      <a:solidFill>
-                        <a:sysClr val="window" lastClr="FFFFFF"/>
-                      </a:solidFill>
-                    </a:lnR>
-                    <a:lnT w="38100" cmpd="sng">
-                      <a:solidFill>
-                        <a:sysClr val="window" lastClr="FFFFFF"/>
-                      </a:solidFill>
-                    </a:lnT>
-                    <a:lnB w="12700" cmpd="sng">
-                      <a:solidFill>
-                        <a:sysClr val="window" lastClr="FFFFFF"/>
-                      </a:solidFill>
-                    </a:lnB>
-                    <a:lnTlToBr w="12700" cmpd="sng">
-                      <a:noFill/>
-                      <a:prstDash val="solid"/>
-                    </a:lnTlToBr>
-                    <a:lnBlToTr w="12700" cmpd="sng">
-                      <a:noFill/>
-                      <a:prstDash val="solid"/>
-                    </a:lnBlToTr>
-                    <a:solidFill>
-                      <a:srgbClr val="4F81BD"/>
-                    </a:solidFill>
-                  </a:tcPr>
-                </a:tc>
-                <a:tc hMerge="1">
-                  <a:txBody>
-                    <a:bodyPr/>
-                    <a:lstStyle/>
-                    <a:p>
-                      <a:endParaRPr lang="en-GB"/>
-                    </a:p>
-                  </a:txBody>
-                  <a:tcPr/>
-                </a:tc>
-                <a:tc>
-                  <a:txBody>
-                    <a:bodyPr/>
-                    <a:lstStyle>
-                      <a:lvl1pPr marL="0" algn="l" defTabSz="1215429" rtl="0" eaLnBrk="1" latinLnBrk="0" hangingPunct="1">
-                        <a:defRPr sz="2393" kern="1200">
-                          <a:solidFill>
-                            <a:schemeClr val="dk1"/>
-                          </a:solidFill>
-                          <a:latin typeface="Arial"/>
-                        </a:defRPr>
-                      </a:lvl1pPr>
-                      <a:lvl2pPr marL="607715" algn="l" defTabSz="1215429" rtl="0" eaLnBrk="1" latinLnBrk="0" hangingPunct="1">
-                        <a:defRPr sz="2393" kern="1200">
-                          <a:solidFill>
-                            <a:schemeClr val="dk1"/>
-                          </a:solidFill>
-                          <a:latin typeface="Arial"/>
-                        </a:defRPr>
-                      </a:lvl2pPr>
-                      <a:lvl3pPr marL="1215429" algn="l" defTabSz="1215429" rtl="0" eaLnBrk="1" latinLnBrk="0" hangingPunct="1">
-                        <a:defRPr sz="2393" kern="1200">
-                          <a:solidFill>
-                            <a:schemeClr val="dk1"/>
-                          </a:solidFill>
-                          <a:latin typeface="Arial"/>
-                        </a:defRPr>
-                      </a:lvl3pPr>
-                      <a:lvl4pPr marL="1823144" algn="l" defTabSz="1215429" rtl="0" eaLnBrk="1" latinLnBrk="0" hangingPunct="1">
-                        <a:defRPr sz="2393" kern="1200">
-                          <a:solidFill>
-                            <a:schemeClr val="dk1"/>
-                          </a:solidFill>
-                          <a:latin typeface="Arial"/>
-                        </a:defRPr>
-                      </a:lvl4pPr>
-                      <a:lvl5pPr marL="2430858" algn="l" defTabSz="1215429" rtl="0" eaLnBrk="1" latinLnBrk="0" hangingPunct="1">
-                        <a:defRPr sz="2393" kern="1200">
-                          <a:solidFill>
-                            <a:schemeClr val="dk1"/>
-                          </a:solidFill>
-                          <a:latin typeface="Arial"/>
-                        </a:defRPr>
-                      </a:lvl5pPr>
-                      <a:lvl6pPr marL="3038573" algn="l" defTabSz="1215429" rtl="0" eaLnBrk="1" latinLnBrk="0" hangingPunct="1">
-                        <a:defRPr sz="2393" kern="1200">
-                          <a:solidFill>
-                            <a:schemeClr val="dk1"/>
-                          </a:solidFill>
-                          <a:latin typeface="Arial"/>
-                        </a:defRPr>
-                      </a:lvl6pPr>
-                      <a:lvl7pPr marL="3646287" algn="l" defTabSz="1215429" rtl="0" eaLnBrk="1" latinLnBrk="0" hangingPunct="1">
-                        <a:defRPr sz="2393" kern="1200">
-                          <a:solidFill>
-                            <a:schemeClr val="dk1"/>
-                          </a:solidFill>
-                          <a:latin typeface="Arial"/>
-                        </a:defRPr>
-                      </a:lvl7pPr>
-                      <a:lvl8pPr marL="4254002" algn="l" defTabSz="1215429" rtl="0" eaLnBrk="1" latinLnBrk="0" hangingPunct="1">
-                        <a:defRPr sz="2393" kern="1200">
-                          <a:solidFill>
-                            <a:schemeClr val="dk1"/>
-                          </a:solidFill>
-                          <a:latin typeface="Arial"/>
-                        </a:defRPr>
-                      </a:lvl8pPr>
-                      <a:lvl9pPr marL="4861716" algn="l" defTabSz="1215429" rtl="0" eaLnBrk="1" latinLnBrk="0" hangingPunct="1">
-                        <a:defRPr sz="2393" kern="1200">
-                          <a:solidFill>
-                            <a:schemeClr val="dk1"/>
-                          </a:solidFill>
-                          <a:latin typeface="Arial"/>
-                        </a:defRPr>
-                      </a:lvl9pPr>
-                    </a:lstStyle>
-                    <a:p>
-                      <a:pPr algn="ctr"/>
-                      <a:r>
-                        <a:rPr lang="hr-HR" sz="2000" b="1" dirty="0">
-                          <a:solidFill>
-                            <a:schemeClr val="bg1"/>
-                          </a:solidFill>
-                        </a:rPr>
-                        <a:t>N-BACK</a:t>
-                      </a:r>
-                      <a:endParaRPr lang="en-GB" sz="2000" b="1" dirty="0">
-                        <a:solidFill>
-                          <a:schemeClr val="bg1"/>
-                        </a:solidFill>
-                      </a:endParaRPr>
-                    </a:p>
-                  </a:txBody>
-                  <a:tcPr anchor="ctr">
-                    <a:lnL w="12700" cmpd="sng">
-                      <a:solidFill>
-                        <a:sysClr val="window" lastClr="FFFFFF"/>
-                      </a:solidFill>
-                    </a:lnL>
-                    <a:lnR w="12700" cmpd="sng">
-                      <a:solidFill>
-                        <a:sysClr val="window" lastClr="FFFFFF"/>
-                      </a:solidFill>
-                    </a:lnR>
-                    <a:lnT w="38100" cmpd="sng">
-                      <a:solidFill>
-                        <a:sysClr val="window" lastClr="FFFFFF"/>
-                      </a:solidFill>
-                    </a:lnT>
-                    <a:lnB w="12700" cmpd="sng">
-                      <a:solidFill>
-                        <a:sysClr val="window" lastClr="FFFFFF"/>
-                      </a:solidFill>
-                    </a:lnB>
-                    <a:lnTlToBr w="12700" cmpd="sng">
-                      <a:noFill/>
-                      <a:prstDash val="solid"/>
-                    </a:lnTlToBr>
-                    <a:lnBlToTr w="12700" cmpd="sng">
-                      <a:noFill/>
-                      <a:prstDash val="solid"/>
-                    </a:lnBlToTr>
-                    <a:solidFill>
-                      <a:srgbClr val="4F81BD"/>
-                    </a:solidFill>
-                  </a:tcPr>
-                </a:tc>
-                <a:tc>
-                  <a:txBody>
-                    <a:bodyPr/>
-                    <a:lstStyle>
-                      <a:lvl1pPr marL="0" algn="l" defTabSz="1215429" rtl="0" eaLnBrk="1" latinLnBrk="0" hangingPunct="1">
-                        <a:defRPr sz="2393" kern="1200">
-                          <a:solidFill>
-                            <a:schemeClr val="dk1"/>
-                          </a:solidFill>
-                          <a:latin typeface="Arial"/>
-                        </a:defRPr>
-                      </a:lvl1pPr>
-                      <a:lvl2pPr marL="607715" algn="l" defTabSz="1215429" rtl="0" eaLnBrk="1" latinLnBrk="0" hangingPunct="1">
-                        <a:defRPr sz="2393" kern="1200">
-                          <a:solidFill>
-                            <a:schemeClr val="dk1"/>
-                          </a:solidFill>
-                          <a:latin typeface="Arial"/>
-                        </a:defRPr>
-                      </a:lvl2pPr>
-                      <a:lvl3pPr marL="1215429" algn="l" defTabSz="1215429" rtl="0" eaLnBrk="1" latinLnBrk="0" hangingPunct="1">
-                        <a:defRPr sz="2393" kern="1200">
-                          <a:solidFill>
-                            <a:schemeClr val="dk1"/>
-                          </a:solidFill>
-                          <a:latin typeface="Arial"/>
-                        </a:defRPr>
-                      </a:lvl3pPr>
-                      <a:lvl4pPr marL="1823144" algn="l" defTabSz="1215429" rtl="0" eaLnBrk="1" latinLnBrk="0" hangingPunct="1">
-                        <a:defRPr sz="2393" kern="1200">
-                          <a:solidFill>
-                            <a:schemeClr val="dk1"/>
-                          </a:solidFill>
-                          <a:latin typeface="Arial"/>
-                        </a:defRPr>
-                      </a:lvl4pPr>
-                      <a:lvl5pPr marL="2430858" algn="l" defTabSz="1215429" rtl="0" eaLnBrk="1" latinLnBrk="0" hangingPunct="1">
-                        <a:defRPr sz="2393" kern="1200">
-                          <a:solidFill>
-                            <a:schemeClr val="dk1"/>
-                          </a:solidFill>
-                          <a:latin typeface="Arial"/>
-                        </a:defRPr>
-                      </a:lvl5pPr>
-                      <a:lvl6pPr marL="3038573" algn="l" defTabSz="1215429" rtl="0" eaLnBrk="1" latinLnBrk="0" hangingPunct="1">
-                        <a:defRPr sz="2393" kern="1200">
-                          <a:solidFill>
-                            <a:schemeClr val="dk1"/>
-                          </a:solidFill>
-                          <a:latin typeface="Arial"/>
-                        </a:defRPr>
-                      </a:lvl6pPr>
-                      <a:lvl7pPr marL="3646287" algn="l" defTabSz="1215429" rtl="0" eaLnBrk="1" latinLnBrk="0" hangingPunct="1">
-                        <a:defRPr sz="2393" kern="1200">
-                          <a:solidFill>
-                            <a:schemeClr val="dk1"/>
-                          </a:solidFill>
-                          <a:latin typeface="Arial"/>
-                        </a:defRPr>
-                      </a:lvl7pPr>
-                      <a:lvl8pPr marL="4254002" algn="l" defTabSz="1215429" rtl="0" eaLnBrk="1" latinLnBrk="0" hangingPunct="1">
-                        <a:defRPr sz="2393" kern="1200">
-                          <a:solidFill>
-                            <a:schemeClr val="dk1"/>
-                          </a:solidFill>
-                          <a:latin typeface="Arial"/>
-                        </a:defRPr>
-                      </a:lvl8pPr>
-                      <a:lvl9pPr marL="4861716" algn="l" defTabSz="1215429" rtl="0" eaLnBrk="1" latinLnBrk="0" hangingPunct="1">
-                        <a:defRPr sz="2393" kern="1200">
-                          <a:solidFill>
-                            <a:schemeClr val="dk1"/>
-                          </a:solidFill>
-                          <a:latin typeface="Arial"/>
-                        </a:defRPr>
-                      </a:lvl9pPr>
-                    </a:lstStyle>
-                    <a:p>
-                      <a:pPr algn="ctr"/>
-                      <a:r>
-                        <a:rPr lang="hr-HR" sz="2000" b="1" dirty="0">
-                          <a:solidFill>
-                            <a:schemeClr val="bg1"/>
-                          </a:solidFill>
-                        </a:rPr>
-                        <a:t>SIMULATOR</a:t>
-                      </a:r>
-                      <a:endParaRPr lang="en-GB" sz="2000" b="1" dirty="0">
-                        <a:solidFill>
-                          <a:schemeClr val="bg1"/>
-                        </a:solidFill>
-                      </a:endParaRPr>
-                    </a:p>
-                  </a:txBody>
-                  <a:tcPr anchor="ctr">
-                    <a:lnL w="12700" cmpd="sng">
-                      <a:solidFill>
-                        <a:sysClr val="window" lastClr="FFFFFF"/>
-                      </a:solidFill>
-                    </a:lnL>
-                    <a:lnR w="12700" cmpd="sng">
-                      <a:solidFill>
-                        <a:sysClr val="window" lastClr="FFFFFF"/>
-                      </a:solidFill>
-                    </a:lnR>
-                    <a:lnT w="38100" cmpd="sng">
-                      <a:solidFill>
-                        <a:sysClr val="window" lastClr="FFFFFF"/>
-                      </a:solidFill>
-                    </a:lnT>
-                    <a:lnB w="12700" cmpd="sng">
-                      <a:solidFill>
-                        <a:sysClr val="window" lastClr="FFFFFF"/>
-                      </a:solidFill>
-                    </a:lnB>
-                    <a:lnTlToBr w="12700" cmpd="sng">
-                      <a:noFill/>
-                      <a:prstDash val="solid"/>
-                    </a:lnTlToBr>
-                    <a:lnBlToTr w="12700" cmpd="sng">
-                      <a:noFill/>
-                      <a:prstDash val="solid"/>
-                    </a:lnBlToTr>
-                    <a:solidFill>
-                      <a:srgbClr val="C0504D">
-                        <a:lumMod val="75000"/>
-                      </a:srgbClr>
-                    </a:solidFill>
-                  </a:tcPr>
-                </a:tc>
-                <a:extLst>
-                  <a:ext uri="{0D108BD9-81ED-4DB2-BD59-A6C34878D82A}">
-                    <a16:rowId xmlns:a16="http://schemas.microsoft.com/office/drawing/2014/main" val="351173888"/>
-                  </a:ext>
-                </a:extLst>
-              </a:tr>
-              <a:tr h="1256317">
-                <a:tc>
-                  <a:txBody>
-                    <a:bodyPr/>
-                    <a:lstStyle>
-                      <a:lvl1pPr marL="0" algn="l" defTabSz="1215429" rtl="0" eaLnBrk="1" latinLnBrk="0" hangingPunct="1">
-                        <a:defRPr sz="2393" kern="1200">
-                          <a:solidFill>
-                            <a:schemeClr val="dk1"/>
-                          </a:solidFill>
-                          <a:latin typeface="Arial"/>
-                        </a:defRPr>
-                      </a:lvl1pPr>
-                      <a:lvl2pPr marL="607715" algn="l" defTabSz="1215429" rtl="0" eaLnBrk="1" latinLnBrk="0" hangingPunct="1">
-                        <a:defRPr sz="2393" kern="1200">
-                          <a:solidFill>
-                            <a:schemeClr val="dk1"/>
-                          </a:solidFill>
-                          <a:latin typeface="Arial"/>
-                        </a:defRPr>
-                      </a:lvl2pPr>
-                      <a:lvl3pPr marL="1215429" algn="l" defTabSz="1215429" rtl="0" eaLnBrk="1" latinLnBrk="0" hangingPunct="1">
-                        <a:defRPr sz="2393" kern="1200">
-                          <a:solidFill>
-                            <a:schemeClr val="dk1"/>
-                          </a:solidFill>
-                          <a:latin typeface="Arial"/>
-                        </a:defRPr>
-                      </a:lvl3pPr>
-                      <a:lvl4pPr marL="1823144" algn="l" defTabSz="1215429" rtl="0" eaLnBrk="1" latinLnBrk="0" hangingPunct="1">
-                        <a:defRPr sz="2393" kern="1200">
-                          <a:solidFill>
-                            <a:schemeClr val="dk1"/>
-                          </a:solidFill>
-                          <a:latin typeface="Arial"/>
-                        </a:defRPr>
-                      </a:lvl4pPr>
-                      <a:lvl5pPr marL="2430858" algn="l" defTabSz="1215429" rtl="0" eaLnBrk="1" latinLnBrk="0" hangingPunct="1">
-                        <a:defRPr sz="2393" kern="1200">
-                          <a:solidFill>
-                            <a:schemeClr val="dk1"/>
-                          </a:solidFill>
-                          <a:latin typeface="Arial"/>
-                        </a:defRPr>
-                      </a:lvl5pPr>
-                      <a:lvl6pPr marL="3038573" algn="l" defTabSz="1215429" rtl="0" eaLnBrk="1" latinLnBrk="0" hangingPunct="1">
-                        <a:defRPr sz="2393" kern="1200">
-                          <a:solidFill>
-                            <a:schemeClr val="dk1"/>
-                          </a:solidFill>
-                          <a:latin typeface="Arial"/>
-                        </a:defRPr>
-                      </a:lvl6pPr>
-                      <a:lvl7pPr marL="3646287" algn="l" defTabSz="1215429" rtl="0" eaLnBrk="1" latinLnBrk="0" hangingPunct="1">
-                        <a:defRPr sz="2393" kern="1200">
-                          <a:solidFill>
-                            <a:schemeClr val="dk1"/>
-                          </a:solidFill>
-                          <a:latin typeface="Arial"/>
-                        </a:defRPr>
-                      </a:lvl7pPr>
-                      <a:lvl8pPr marL="4254002" algn="l" defTabSz="1215429" rtl="0" eaLnBrk="1" latinLnBrk="0" hangingPunct="1">
-                        <a:defRPr sz="2393" kern="1200">
-                          <a:solidFill>
-                            <a:schemeClr val="dk1"/>
-                          </a:solidFill>
-                          <a:latin typeface="Arial"/>
-                        </a:defRPr>
-                      </a:lvl8pPr>
-                      <a:lvl9pPr marL="4861716" algn="l" defTabSz="1215429" rtl="0" eaLnBrk="1" latinLnBrk="0" hangingPunct="1">
-                        <a:defRPr sz="2393" kern="1200">
-                          <a:solidFill>
-                            <a:schemeClr val="dk1"/>
-                          </a:solidFill>
-                          <a:latin typeface="Arial"/>
-                        </a:defRPr>
-                      </a:lvl9pPr>
-                    </a:lstStyle>
-                    <a:p>
-                      <a:pPr algn="ctr"/>
-                      <a:r>
-                        <a:rPr lang="en-GB" sz="1600" b="1" noProof="0"/>
-                        <a:t>RESTING FEATURES</a:t>
-                      </a:r>
-                    </a:p>
-                  </a:txBody>
-                  <a:tcPr anchor="ctr">
-                    <a:lnL w="12700" cmpd="sng">
-                      <a:solidFill>
-                        <a:sysClr val="window" lastClr="FFFFFF"/>
-                      </a:solidFill>
-                    </a:lnL>
-                    <a:lnR w="12700" cap="flat" cmpd="sng" algn="ctr">
-                      <a:solidFill>
-                        <a:sysClr val="window" lastClr="FFFFFF"/>
-                      </a:solidFill>
-                      <a:prstDash val="solid"/>
-                      <a:round/>
-                      <a:headEnd type="none" w="med" len="med"/>
-                      <a:tailEnd type="none" w="med" len="med"/>
-                    </a:lnR>
-                    <a:lnT w="12700" cmpd="sng">
-                      <a:solidFill>
-                        <a:sysClr val="window" lastClr="FFFFFF"/>
-                      </a:solidFill>
-                    </a:lnT>
-                    <a:lnB w="12700" cmpd="sng">
-                      <a:solidFill>
-                        <a:sysClr val="window" lastClr="FFFFFF"/>
-                      </a:solidFill>
-                    </a:lnB>
-                    <a:lnTlToBr w="12700" cmpd="sng">
-                      <a:noFill/>
-                      <a:prstDash val="solid"/>
-                    </a:lnTlToBr>
-                    <a:lnBlToTr w="12700" cmpd="sng">
-                      <a:noFill/>
-                      <a:prstDash val="solid"/>
-                    </a:lnBlToTr>
-                    <a:solidFill>
-                      <a:sysClr val="window" lastClr="FFFFFF">
-                        <a:lumMod val="85000"/>
-                      </a:sysClr>
-                    </a:solidFill>
-                  </a:tcPr>
-                </a:tc>
-                <a:tc>
-                  <a:txBody>
-                    <a:bodyPr/>
-                    <a:lstStyle>
-                      <a:lvl1pPr marL="0" algn="l" defTabSz="1215429" rtl="0" eaLnBrk="1" latinLnBrk="0" hangingPunct="1">
-                        <a:defRPr sz="2393" kern="1200">
-                          <a:solidFill>
-                            <a:schemeClr val="dk1"/>
-                          </a:solidFill>
-                          <a:latin typeface="Arial"/>
-                        </a:defRPr>
-                      </a:lvl1pPr>
-                      <a:lvl2pPr marL="607715" algn="l" defTabSz="1215429" rtl="0" eaLnBrk="1" latinLnBrk="0" hangingPunct="1">
-                        <a:defRPr sz="2393" kern="1200">
-                          <a:solidFill>
-                            <a:schemeClr val="dk1"/>
-                          </a:solidFill>
-                          <a:latin typeface="Arial"/>
-                        </a:defRPr>
-                      </a:lvl2pPr>
-                      <a:lvl3pPr marL="1215429" algn="l" defTabSz="1215429" rtl="0" eaLnBrk="1" latinLnBrk="0" hangingPunct="1">
-                        <a:defRPr sz="2393" kern="1200">
-                          <a:solidFill>
-                            <a:schemeClr val="dk1"/>
-                          </a:solidFill>
-                          <a:latin typeface="Arial"/>
-                        </a:defRPr>
-                      </a:lvl3pPr>
-                      <a:lvl4pPr marL="1823144" algn="l" defTabSz="1215429" rtl="0" eaLnBrk="1" latinLnBrk="0" hangingPunct="1">
-                        <a:defRPr sz="2393" kern="1200">
-                          <a:solidFill>
-                            <a:schemeClr val="dk1"/>
-                          </a:solidFill>
-                          <a:latin typeface="Arial"/>
-                        </a:defRPr>
-                      </a:lvl4pPr>
-                      <a:lvl5pPr marL="2430858" algn="l" defTabSz="1215429" rtl="0" eaLnBrk="1" latinLnBrk="0" hangingPunct="1">
-                        <a:defRPr sz="2393" kern="1200">
-                          <a:solidFill>
-                            <a:schemeClr val="dk1"/>
-                          </a:solidFill>
-                          <a:latin typeface="Arial"/>
-                        </a:defRPr>
-                      </a:lvl5pPr>
-                      <a:lvl6pPr marL="3038573" algn="l" defTabSz="1215429" rtl="0" eaLnBrk="1" latinLnBrk="0" hangingPunct="1">
-                        <a:defRPr sz="2393" kern="1200">
-                          <a:solidFill>
-                            <a:schemeClr val="dk1"/>
-                          </a:solidFill>
-                          <a:latin typeface="Arial"/>
-                        </a:defRPr>
-                      </a:lvl6pPr>
-                      <a:lvl7pPr marL="3646287" algn="l" defTabSz="1215429" rtl="0" eaLnBrk="1" latinLnBrk="0" hangingPunct="1">
-                        <a:defRPr sz="2393" kern="1200">
-                          <a:solidFill>
-                            <a:schemeClr val="dk1"/>
-                          </a:solidFill>
-                          <a:latin typeface="Arial"/>
-                        </a:defRPr>
-                      </a:lvl7pPr>
-                      <a:lvl8pPr marL="4254002" algn="l" defTabSz="1215429" rtl="0" eaLnBrk="1" latinLnBrk="0" hangingPunct="1">
-                        <a:defRPr sz="2393" kern="1200">
-                          <a:solidFill>
-                            <a:schemeClr val="dk1"/>
-                          </a:solidFill>
-                          <a:latin typeface="Arial"/>
-                        </a:defRPr>
-                      </a:lvl8pPr>
-                      <a:lvl9pPr marL="4861716" algn="l" defTabSz="1215429" rtl="0" eaLnBrk="1" latinLnBrk="0" hangingPunct="1">
-                        <a:defRPr sz="2393" kern="1200">
-                          <a:solidFill>
-                            <a:schemeClr val="dk1"/>
-                          </a:solidFill>
-                          <a:latin typeface="Arial"/>
-                        </a:defRPr>
-                      </a:lvl9pPr>
-                    </a:lstStyle>
-                    <a:p>
-                      <a:pPr algn="ctr"/>
-                      <a:r>
-                        <a:rPr lang="en-GB" sz="1600" b="1" noProof="0"/>
-                        <a:t>STARTLE RESPONSE FEATURES</a:t>
-                      </a:r>
-                    </a:p>
-                  </a:txBody>
-                  <a:tcPr anchor="ctr">
-                    <a:lnL w="12700" cap="flat" cmpd="sng" algn="ctr">
-                      <a:solidFill>
-                        <a:sysClr val="window" lastClr="FFFFFF"/>
-                      </a:solidFill>
-                      <a:prstDash val="solid"/>
-                      <a:round/>
-                      <a:headEnd type="none" w="med" len="med"/>
-                      <a:tailEnd type="none" w="med" len="med"/>
-                    </a:lnL>
-                    <a:lnR w="12700" cap="flat" cmpd="sng" algn="ctr">
-                      <a:solidFill>
-                        <a:sysClr val="window" lastClr="FFFFFF"/>
-                      </a:solidFill>
-                      <a:prstDash val="solid"/>
-                      <a:round/>
-                      <a:headEnd type="none" w="med" len="med"/>
-                      <a:tailEnd type="none" w="med" len="med"/>
-                    </a:lnR>
-                    <a:lnT w="12700" cmpd="sng">
-                      <a:solidFill>
-                        <a:sysClr val="window" lastClr="FFFFFF"/>
-                      </a:solidFill>
-                    </a:lnT>
-                    <a:lnB w="12700" cmpd="sng">
-                      <a:solidFill>
-                        <a:sysClr val="window" lastClr="FFFFFF"/>
-                      </a:solidFill>
-                    </a:lnB>
-                    <a:lnTlToBr w="12700" cmpd="sng">
-                      <a:noFill/>
-                      <a:prstDash val="solid"/>
-                    </a:lnTlToBr>
-                    <a:lnBlToTr w="12700" cmpd="sng">
-                      <a:noFill/>
-                      <a:prstDash val="solid"/>
-                    </a:lnBlToTr>
-                    <a:solidFill>
-                      <a:sysClr val="window" lastClr="FFFFFF">
-                        <a:lumMod val="85000"/>
-                      </a:sysClr>
-                    </a:solidFill>
-                  </a:tcPr>
-                </a:tc>
-                <a:tc>
-                  <a:txBody>
-                    <a:bodyPr/>
-                    <a:lstStyle>
-                      <a:lvl1pPr marL="0" algn="l" defTabSz="1215429" rtl="0" eaLnBrk="1" latinLnBrk="0" hangingPunct="1">
-                        <a:defRPr sz="2393" kern="1200">
-                          <a:solidFill>
-                            <a:schemeClr val="dk1"/>
-                          </a:solidFill>
-                          <a:latin typeface="Arial"/>
-                        </a:defRPr>
-                      </a:lvl1pPr>
-                      <a:lvl2pPr marL="607715" algn="l" defTabSz="1215429" rtl="0" eaLnBrk="1" latinLnBrk="0" hangingPunct="1">
-                        <a:defRPr sz="2393" kern="1200">
-                          <a:solidFill>
-                            <a:schemeClr val="dk1"/>
-                          </a:solidFill>
-                          <a:latin typeface="Arial"/>
-                        </a:defRPr>
-                      </a:lvl2pPr>
-                      <a:lvl3pPr marL="1215429" algn="l" defTabSz="1215429" rtl="0" eaLnBrk="1" latinLnBrk="0" hangingPunct="1">
-                        <a:defRPr sz="2393" kern="1200">
-                          <a:solidFill>
-                            <a:schemeClr val="dk1"/>
-                          </a:solidFill>
-                          <a:latin typeface="Arial"/>
-                        </a:defRPr>
-                      </a:lvl3pPr>
-                      <a:lvl4pPr marL="1823144" algn="l" defTabSz="1215429" rtl="0" eaLnBrk="1" latinLnBrk="0" hangingPunct="1">
-                        <a:defRPr sz="2393" kern="1200">
-                          <a:solidFill>
-                            <a:schemeClr val="dk1"/>
-                          </a:solidFill>
-                          <a:latin typeface="Arial"/>
-                        </a:defRPr>
-                      </a:lvl4pPr>
-                      <a:lvl5pPr marL="2430858" algn="l" defTabSz="1215429" rtl="0" eaLnBrk="1" latinLnBrk="0" hangingPunct="1">
-                        <a:defRPr sz="2393" kern="1200">
-                          <a:solidFill>
-                            <a:schemeClr val="dk1"/>
-                          </a:solidFill>
-                          <a:latin typeface="Arial"/>
-                        </a:defRPr>
-                      </a:lvl5pPr>
-                      <a:lvl6pPr marL="3038573" algn="l" defTabSz="1215429" rtl="0" eaLnBrk="1" latinLnBrk="0" hangingPunct="1">
-                        <a:defRPr sz="2393" kern="1200">
-                          <a:solidFill>
-                            <a:schemeClr val="dk1"/>
-                          </a:solidFill>
-                          <a:latin typeface="Arial"/>
-                        </a:defRPr>
-                      </a:lvl6pPr>
-                      <a:lvl7pPr marL="3646287" algn="l" defTabSz="1215429" rtl="0" eaLnBrk="1" latinLnBrk="0" hangingPunct="1">
-                        <a:defRPr sz="2393" kern="1200">
-                          <a:solidFill>
-                            <a:schemeClr val="dk1"/>
-                          </a:solidFill>
-                          <a:latin typeface="Arial"/>
-                        </a:defRPr>
-                      </a:lvl7pPr>
-                      <a:lvl8pPr marL="4254002" algn="l" defTabSz="1215429" rtl="0" eaLnBrk="1" latinLnBrk="0" hangingPunct="1">
-                        <a:defRPr sz="2393" kern="1200">
-                          <a:solidFill>
-                            <a:schemeClr val="dk1"/>
-                          </a:solidFill>
-                          <a:latin typeface="Arial"/>
-                        </a:defRPr>
-                      </a:lvl8pPr>
-                      <a:lvl9pPr marL="4861716" algn="l" defTabSz="1215429" rtl="0" eaLnBrk="1" latinLnBrk="0" hangingPunct="1">
-                        <a:defRPr sz="2393" kern="1200">
-                          <a:solidFill>
-                            <a:schemeClr val="dk1"/>
-                          </a:solidFill>
-                          <a:latin typeface="Arial"/>
-                        </a:defRPr>
-                      </a:lvl9pPr>
-                    </a:lstStyle>
-                    <a:p>
-                      <a:pPr algn="ctr"/>
-                      <a:r>
-                        <a:rPr lang="en-GB" sz="1600" b="1" noProof="0"/>
-                        <a:t>ALLOSTATIC FEATURES</a:t>
-                      </a:r>
-                    </a:p>
-                  </a:txBody>
-                  <a:tcPr anchor="ctr">
-                    <a:lnL w="12700" cap="flat" cmpd="sng" algn="ctr">
-                      <a:solidFill>
-                        <a:sysClr val="window" lastClr="FFFFFF"/>
-                      </a:solidFill>
-                      <a:prstDash val="solid"/>
-                      <a:round/>
-                      <a:headEnd type="none" w="med" len="med"/>
-                      <a:tailEnd type="none" w="med" len="med"/>
-                    </a:lnL>
-                    <a:lnR w="12700" cap="flat" cmpd="sng" algn="ctr">
-                      <a:solidFill>
-                        <a:sysClr val="window" lastClr="FFFFFF"/>
-                      </a:solidFill>
-                      <a:prstDash val="solid"/>
-                      <a:round/>
-                      <a:headEnd type="none" w="med" len="med"/>
-                      <a:tailEnd type="none" w="med" len="med"/>
-                    </a:lnR>
-                    <a:lnT w="12700" cmpd="sng">
-                      <a:solidFill>
-                        <a:sysClr val="window" lastClr="FFFFFF"/>
-                      </a:solidFill>
-                    </a:lnT>
-                    <a:lnB w="12700" cmpd="sng">
-                      <a:solidFill>
-                        <a:sysClr val="window" lastClr="FFFFFF"/>
-                      </a:solidFill>
-                    </a:lnB>
-                    <a:lnTlToBr w="12700" cmpd="sng">
-                      <a:noFill/>
-                      <a:prstDash val="solid"/>
-                    </a:lnTlToBr>
-                    <a:lnBlToTr w="12700" cmpd="sng">
-                      <a:noFill/>
-                      <a:prstDash val="solid"/>
-                    </a:lnBlToTr>
-                    <a:solidFill>
-                      <a:sysClr val="window" lastClr="FFFFFF">
-                        <a:lumMod val="85000"/>
-                      </a:sysClr>
-                    </a:solidFill>
-                  </a:tcPr>
-                </a:tc>
-                <a:tc gridSpan="6">
-                  <a:txBody>
-                    <a:bodyPr/>
-                    <a:lstStyle>
-                      <a:lvl1pPr marL="0" algn="l" defTabSz="1215429" rtl="0" eaLnBrk="1" latinLnBrk="0" hangingPunct="1">
-                        <a:defRPr sz="2393" kern="1200">
-                          <a:solidFill>
-                            <a:schemeClr val="dk1"/>
-                          </a:solidFill>
-                          <a:latin typeface="Arial"/>
-                        </a:defRPr>
-                      </a:lvl1pPr>
-                      <a:lvl2pPr marL="607715" algn="l" defTabSz="1215429" rtl="0" eaLnBrk="1" latinLnBrk="0" hangingPunct="1">
-                        <a:defRPr sz="2393" kern="1200">
-                          <a:solidFill>
-                            <a:schemeClr val="dk1"/>
-                          </a:solidFill>
-                          <a:latin typeface="Arial"/>
-                        </a:defRPr>
-                      </a:lvl2pPr>
-                      <a:lvl3pPr marL="1215429" algn="l" defTabSz="1215429" rtl="0" eaLnBrk="1" latinLnBrk="0" hangingPunct="1">
-                        <a:defRPr sz="2393" kern="1200">
-                          <a:solidFill>
-                            <a:schemeClr val="dk1"/>
-                          </a:solidFill>
-                          <a:latin typeface="Arial"/>
-                        </a:defRPr>
-                      </a:lvl3pPr>
-                      <a:lvl4pPr marL="1823144" algn="l" defTabSz="1215429" rtl="0" eaLnBrk="1" latinLnBrk="0" hangingPunct="1">
-                        <a:defRPr sz="2393" kern="1200">
-                          <a:solidFill>
-                            <a:schemeClr val="dk1"/>
-                          </a:solidFill>
-                          <a:latin typeface="Arial"/>
-                        </a:defRPr>
-                      </a:lvl4pPr>
-                      <a:lvl5pPr marL="2430858" algn="l" defTabSz="1215429" rtl="0" eaLnBrk="1" latinLnBrk="0" hangingPunct="1">
-                        <a:defRPr sz="2393" kern="1200">
-                          <a:solidFill>
-                            <a:schemeClr val="dk1"/>
-                          </a:solidFill>
-                          <a:latin typeface="Arial"/>
-                        </a:defRPr>
-                      </a:lvl5pPr>
-                      <a:lvl6pPr marL="3038573" algn="l" defTabSz="1215429" rtl="0" eaLnBrk="1" latinLnBrk="0" hangingPunct="1">
-                        <a:defRPr sz="2393" kern="1200">
-                          <a:solidFill>
-                            <a:schemeClr val="dk1"/>
-                          </a:solidFill>
-                          <a:latin typeface="Arial"/>
-                        </a:defRPr>
-                      </a:lvl6pPr>
-                      <a:lvl7pPr marL="3646287" algn="l" defTabSz="1215429" rtl="0" eaLnBrk="1" latinLnBrk="0" hangingPunct="1">
-                        <a:defRPr sz="2393" kern="1200">
-                          <a:solidFill>
-                            <a:schemeClr val="dk1"/>
-                          </a:solidFill>
-                          <a:latin typeface="Arial"/>
-                        </a:defRPr>
-                      </a:lvl7pPr>
-                      <a:lvl8pPr marL="4254002" algn="l" defTabSz="1215429" rtl="0" eaLnBrk="1" latinLnBrk="0" hangingPunct="1">
-                        <a:defRPr sz="2393" kern="1200">
-                          <a:solidFill>
-                            <a:schemeClr val="dk1"/>
-                          </a:solidFill>
-                          <a:latin typeface="Arial"/>
-                        </a:defRPr>
-                      </a:lvl8pPr>
-                      <a:lvl9pPr marL="4861716" algn="l" defTabSz="1215429" rtl="0" eaLnBrk="1" latinLnBrk="0" hangingPunct="1">
-                        <a:defRPr sz="2393" kern="1200">
-                          <a:solidFill>
-                            <a:schemeClr val="dk1"/>
-                          </a:solidFill>
-                          <a:latin typeface="Arial"/>
-                        </a:defRPr>
-                      </a:lvl9pPr>
-                    </a:lstStyle>
-                    <a:p>
-                      <a:pPr algn="ctr"/>
-                      <a:r>
-                        <a:rPr lang="en-GB" sz="1600" b="1" noProof="0" dirty="0"/>
-                        <a:t>PERFORMANCE FEATURES</a:t>
-                      </a:r>
-                    </a:p>
-                  </a:txBody>
-                  <a:tcPr anchor="ctr">
-                    <a:lnL w="12700" cap="flat" cmpd="sng" algn="ctr">
-                      <a:solidFill>
-                        <a:sysClr val="window" lastClr="FFFFFF"/>
-                      </a:solidFill>
-                      <a:prstDash val="solid"/>
-                      <a:round/>
-                      <a:headEnd type="none" w="med" len="med"/>
-                      <a:tailEnd type="none" w="med" len="med"/>
-                    </a:lnL>
-                    <a:lnR w="12700" cmpd="sng">
-                      <a:solidFill>
-                        <a:sysClr val="window" lastClr="FFFFFF"/>
-                      </a:solidFill>
-                    </a:lnR>
-                    <a:lnT w="12700" cmpd="sng">
-                      <a:solidFill>
-                        <a:sysClr val="window" lastClr="FFFFFF"/>
-                      </a:solidFill>
-                    </a:lnT>
-                    <a:lnB w="12700" cmpd="sng">
-                      <a:solidFill>
-                        <a:sysClr val="window" lastClr="FFFFFF"/>
-                      </a:solidFill>
-                    </a:lnB>
-                    <a:lnTlToBr w="12700" cmpd="sng">
-                      <a:noFill/>
-                      <a:prstDash val="solid"/>
-                    </a:lnTlToBr>
-                    <a:lnBlToTr w="12700" cmpd="sng">
-                      <a:noFill/>
-                      <a:prstDash val="solid"/>
-                    </a:lnBlToTr>
-                    <a:solidFill>
-                      <a:sysClr val="window" lastClr="FFFFFF">
-                        <a:lumMod val="85000"/>
-                      </a:sysClr>
-                    </a:solidFill>
-                  </a:tcPr>
-                </a:tc>
-                <a:tc hMerge="1">
-                  <a:txBody>
-                    <a:bodyPr/>
-                    <a:lstStyle/>
-                    <a:p>
-                      <a:endParaRPr lang="en-GB"/>
-                    </a:p>
-                  </a:txBody>
-                  <a:tcPr/>
-                </a:tc>
-                <a:tc hMerge="1">
-                  <a:txBody>
-                    <a:bodyPr/>
-                    <a:lstStyle/>
-                    <a:p>
-                      <a:endParaRPr lang="en-GB"/>
-                    </a:p>
-                  </a:txBody>
-                  <a:tcPr/>
-                </a:tc>
-                <a:tc hMerge="1">
-                  <a:txBody>
-                    <a:bodyPr/>
-                    <a:lstStyle/>
-                    <a:p>
-                      <a:endParaRPr lang="en-GB"/>
-                    </a:p>
-                  </a:txBody>
-                  <a:tcPr/>
-                </a:tc>
-                <a:tc hMerge="1">
-                  <a:txBody>
-                    <a:bodyPr/>
-                    <a:lstStyle/>
-                    <a:p>
-                      <a:endParaRPr lang="en-GB"/>
-                    </a:p>
-                  </a:txBody>
-                  <a:tcPr/>
-                </a:tc>
-                <a:tc hMerge="1">
-                  <a:txBody>
-                    <a:bodyPr/>
-                    <a:lstStyle/>
-                    <a:p>
-                      <a:pPr algn="ctr"/>
-                      <a:endParaRPr lang="en-GB" sz="1400"/>
-                    </a:p>
-                  </a:txBody>
-                  <a:tcPr anchor="ctr"/>
-                </a:tc>
-                <a:extLst>
-                  <a:ext uri="{0D108BD9-81ED-4DB2-BD59-A6C34878D82A}">
-                    <a16:rowId xmlns:a16="http://schemas.microsoft.com/office/drawing/2014/main" val="52195617"/>
-                  </a:ext>
-                </a:extLst>
-              </a:tr>
-              <a:tr h="2153686">
-                <a:tc>
-                  <a:txBody>
-                    <a:bodyPr/>
-                    <a:lstStyle>
-                      <a:lvl1pPr marL="0" algn="l" defTabSz="1215429" rtl="0" eaLnBrk="1" latinLnBrk="0" hangingPunct="1">
-                        <a:defRPr sz="2393" kern="1200">
-                          <a:solidFill>
-                            <a:schemeClr val="dk1"/>
-                          </a:solidFill>
-                          <a:latin typeface="Arial"/>
-                        </a:defRPr>
-                      </a:lvl1pPr>
-                      <a:lvl2pPr marL="607715" algn="l" defTabSz="1215429" rtl="0" eaLnBrk="1" latinLnBrk="0" hangingPunct="1">
-                        <a:defRPr sz="2393" kern="1200">
-                          <a:solidFill>
-                            <a:schemeClr val="dk1"/>
-                          </a:solidFill>
-                          <a:latin typeface="Arial"/>
-                        </a:defRPr>
-                      </a:lvl2pPr>
-                      <a:lvl3pPr marL="1215429" algn="l" defTabSz="1215429" rtl="0" eaLnBrk="1" latinLnBrk="0" hangingPunct="1">
-                        <a:defRPr sz="2393" kern="1200">
-                          <a:solidFill>
-                            <a:schemeClr val="dk1"/>
-                          </a:solidFill>
-                          <a:latin typeface="Arial"/>
-                        </a:defRPr>
-                      </a:lvl3pPr>
-                      <a:lvl4pPr marL="1823144" algn="l" defTabSz="1215429" rtl="0" eaLnBrk="1" latinLnBrk="0" hangingPunct="1">
-                        <a:defRPr sz="2393" kern="1200">
-                          <a:solidFill>
-                            <a:schemeClr val="dk1"/>
-                          </a:solidFill>
-                          <a:latin typeface="Arial"/>
-                        </a:defRPr>
-                      </a:lvl4pPr>
-                      <a:lvl5pPr marL="2430858" algn="l" defTabSz="1215429" rtl="0" eaLnBrk="1" latinLnBrk="0" hangingPunct="1">
-                        <a:defRPr sz="2393" kern="1200">
-                          <a:solidFill>
-                            <a:schemeClr val="dk1"/>
-                          </a:solidFill>
-                          <a:latin typeface="Arial"/>
-                        </a:defRPr>
-                      </a:lvl5pPr>
-                      <a:lvl6pPr marL="3038573" algn="l" defTabSz="1215429" rtl="0" eaLnBrk="1" latinLnBrk="0" hangingPunct="1">
-                        <a:defRPr sz="2393" kern="1200">
-                          <a:solidFill>
-                            <a:schemeClr val="dk1"/>
-                          </a:solidFill>
-                          <a:latin typeface="Arial"/>
-                        </a:defRPr>
-                      </a:lvl6pPr>
-                      <a:lvl7pPr marL="3646287" algn="l" defTabSz="1215429" rtl="0" eaLnBrk="1" latinLnBrk="0" hangingPunct="1">
-                        <a:defRPr sz="2393" kern="1200">
-                          <a:solidFill>
-                            <a:schemeClr val="dk1"/>
-                          </a:solidFill>
-                          <a:latin typeface="Arial"/>
-                        </a:defRPr>
-                      </a:lvl7pPr>
-                      <a:lvl8pPr marL="4254002" algn="l" defTabSz="1215429" rtl="0" eaLnBrk="1" latinLnBrk="0" hangingPunct="1">
-                        <a:defRPr sz="2393" kern="1200">
-                          <a:solidFill>
-                            <a:schemeClr val="dk1"/>
-                          </a:solidFill>
-                          <a:latin typeface="Arial"/>
-                        </a:defRPr>
-                      </a:lvl8pPr>
-                      <a:lvl9pPr marL="4861716" algn="l" defTabSz="1215429" rtl="0" eaLnBrk="1" latinLnBrk="0" hangingPunct="1">
-                        <a:defRPr sz="2393" kern="1200">
-                          <a:solidFill>
-                            <a:schemeClr val="dk1"/>
-                          </a:solidFill>
-                          <a:latin typeface="Arial"/>
-                        </a:defRPr>
-                      </a:lvl9pPr>
-                    </a:lstStyle>
-                    <a:p>
-                      <a:r>
-                        <a:rPr lang="hr-HR" sz="1600"/>
-                        <a:t>HR, IBI, RMSSD, RMSnSD, RSA, BR, BA</a:t>
-                      </a:r>
-                      <a:endParaRPr lang="en-GB" sz="1600"/>
-                    </a:p>
-                  </a:txBody>
-                  <a:tcPr>
-                    <a:lnL w="12700" cmpd="sng">
-                      <a:solidFill>
-                        <a:sysClr val="window" lastClr="FFFFFF"/>
-                      </a:solidFill>
-                    </a:lnL>
-                    <a:lnR w="12700" cmpd="sng">
-                      <a:solidFill>
-                        <a:sysClr val="window" lastClr="FFFFFF"/>
-                      </a:solidFill>
-                    </a:lnR>
-                    <a:lnT w="12700" cmpd="sng">
-                      <a:solidFill>
-                        <a:sysClr val="window" lastClr="FFFFFF"/>
-                      </a:solidFill>
-                    </a:lnT>
-                    <a:lnB w="12700" cmpd="sng">
-                      <a:solidFill>
-                        <a:sysClr val="window" lastClr="FFFFFF"/>
-                      </a:solidFill>
-                    </a:lnB>
-                    <a:lnTlToBr w="12700" cmpd="sng">
-                      <a:noFill/>
-                      <a:prstDash val="solid"/>
-                    </a:lnTlToBr>
-                    <a:lnBlToTr w="12700" cmpd="sng">
-                      <a:noFill/>
-                      <a:prstDash val="solid"/>
-                    </a:lnBlToTr>
-                    <a:solidFill>
-                      <a:srgbClr val="4F81BD">
-                        <a:tint val="40000"/>
-                      </a:srgbClr>
-                    </a:solidFill>
-                  </a:tcPr>
-                </a:tc>
-                <a:tc>
-                  <a:txBody>
-                    <a:bodyPr/>
-                    <a:lstStyle>
-                      <a:lvl1pPr marL="0" algn="l" defTabSz="1215429" rtl="0" eaLnBrk="1" latinLnBrk="0" hangingPunct="1">
-                        <a:defRPr sz="2393" kern="1200">
-                          <a:solidFill>
-                            <a:schemeClr val="dk1"/>
-                          </a:solidFill>
-                          <a:latin typeface="Arial"/>
-                        </a:defRPr>
-                      </a:lvl1pPr>
-                      <a:lvl2pPr marL="607715" algn="l" defTabSz="1215429" rtl="0" eaLnBrk="1" latinLnBrk="0" hangingPunct="1">
-                        <a:defRPr sz="2393" kern="1200">
-                          <a:solidFill>
-                            <a:schemeClr val="dk1"/>
-                          </a:solidFill>
-                          <a:latin typeface="Arial"/>
-                        </a:defRPr>
-                      </a:lvl2pPr>
-                      <a:lvl3pPr marL="1215429" algn="l" defTabSz="1215429" rtl="0" eaLnBrk="1" latinLnBrk="0" hangingPunct="1">
-                        <a:defRPr sz="2393" kern="1200">
-                          <a:solidFill>
-                            <a:schemeClr val="dk1"/>
-                          </a:solidFill>
-                          <a:latin typeface="Arial"/>
-                        </a:defRPr>
-                      </a:lvl3pPr>
-                      <a:lvl4pPr marL="1823144" algn="l" defTabSz="1215429" rtl="0" eaLnBrk="1" latinLnBrk="0" hangingPunct="1">
-                        <a:defRPr sz="2393" kern="1200">
-                          <a:solidFill>
-                            <a:schemeClr val="dk1"/>
-                          </a:solidFill>
-                          <a:latin typeface="Arial"/>
-                        </a:defRPr>
-                      </a:lvl4pPr>
-                      <a:lvl5pPr marL="2430858" algn="l" defTabSz="1215429" rtl="0" eaLnBrk="1" latinLnBrk="0" hangingPunct="1">
-                        <a:defRPr sz="2393" kern="1200">
-                          <a:solidFill>
-                            <a:schemeClr val="dk1"/>
-                          </a:solidFill>
-                          <a:latin typeface="Arial"/>
-                        </a:defRPr>
-                      </a:lvl5pPr>
-                      <a:lvl6pPr marL="3038573" algn="l" defTabSz="1215429" rtl="0" eaLnBrk="1" latinLnBrk="0" hangingPunct="1">
-                        <a:defRPr sz="2393" kern="1200">
-                          <a:solidFill>
-                            <a:schemeClr val="dk1"/>
-                          </a:solidFill>
-                          <a:latin typeface="Arial"/>
-                        </a:defRPr>
-                      </a:lvl6pPr>
-                      <a:lvl7pPr marL="3646287" algn="l" defTabSz="1215429" rtl="0" eaLnBrk="1" latinLnBrk="0" hangingPunct="1">
-                        <a:defRPr sz="2393" kern="1200">
-                          <a:solidFill>
-                            <a:schemeClr val="dk1"/>
-                          </a:solidFill>
-                          <a:latin typeface="Arial"/>
-                        </a:defRPr>
-                      </a:lvl7pPr>
-                      <a:lvl8pPr marL="4254002" algn="l" defTabSz="1215429" rtl="0" eaLnBrk="1" latinLnBrk="0" hangingPunct="1">
-                        <a:defRPr sz="2393" kern="1200">
-                          <a:solidFill>
-                            <a:schemeClr val="dk1"/>
-                          </a:solidFill>
-                          <a:latin typeface="Arial"/>
-                        </a:defRPr>
-                      </a:lvl8pPr>
-                      <a:lvl9pPr marL="4861716" algn="l" defTabSz="1215429" rtl="0" eaLnBrk="1" latinLnBrk="0" hangingPunct="1">
-                        <a:defRPr sz="2393" kern="1200">
-                          <a:solidFill>
-                            <a:schemeClr val="dk1"/>
-                          </a:solidFill>
-                          <a:latin typeface="Arial"/>
-                        </a:defRPr>
-                      </a:lvl9pPr>
-                    </a:lstStyle>
-                    <a:p>
-                      <a:r>
-                        <a:rPr lang="hr-HR" sz="1600" dirty="0" err="1"/>
-                        <a:t>SRemg</a:t>
-                      </a:r>
-                      <a:r>
-                        <a:rPr lang="hr-HR" sz="1600" dirty="0"/>
-                        <a:t>, </a:t>
-                      </a:r>
-                      <a:r>
-                        <a:rPr lang="hr-HR" sz="1600" dirty="0" err="1"/>
-                        <a:t>SReda</a:t>
-                      </a:r>
-                      <a:r>
-                        <a:rPr lang="hr-HR" sz="1600" dirty="0"/>
-                        <a:t>, </a:t>
-                      </a:r>
-                      <a:r>
-                        <a:rPr lang="hr-HR" sz="1600" dirty="0" err="1"/>
-                        <a:t>SHemg</a:t>
-                      </a:r>
-                      <a:r>
-                        <a:rPr lang="hr-HR" sz="1600" dirty="0"/>
-                        <a:t>, </a:t>
-                      </a:r>
-                      <a:r>
-                        <a:rPr lang="hr-HR" sz="1600" dirty="0" err="1"/>
-                        <a:t>SHeda</a:t>
-                      </a:r>
-                      <a:r>
-                        <a:rPr lang="hr-HR" sz="1600" dirty="0"/>
-                        <a:t>, </a:t>
-                      </a:r>
-                      <a:r>
-                        <a:rPr lang="hr-HR" sz="1600" dirty="0" err="1"/>
-                        <a:t>PPIemg</a:t>
-                      </a:r>
-                      <a:r>
-                        <a:rPr lang="hr-HR" sz="1600" dirty="0"/>
-                        <a:t>, </a:t>
-                      </a:r>
-                      <a:r>
-                        <a:rPr lang="hr-HR" sz="1600" dirty="0" err="1"/>
-                        <a:t>PPIeda</a:t>
-                      </a:r>
-                      <a:r>
-                        <a:rPr lang="hr-HR" sz="1600" dirty="0"/>
-                        <a:t>, </a:t>
-                      </a:r>
-                    </a:p>
-                    <a:p>
-                      <a:r>
-                        <a:rPr lang="hr-HR" sz="1600" dirty="0" err="1"/>
-                        <a:t>FPSemg</a:t>
-                      </a:r>
-                      <a:r>
-                        <a:rPr lang="hr-HR" sz="1600" dirty="0"/>
-                        <a:t>, </a:t>
-                      </a:r>
-                      <a:r>
-                        <a:rPr lang="hr-HR" sz="1600" dirty="0" err="1"/>
-                        <a:t>FPSeda</a:t>
-                      </a:r>
-                      <a:endParaRPr lang="en-GB" sz="1600" dirty="0"/>
-                    </a:p>
-                  </a:txBody>
-                  <a:tcPr>
-                    <a:lnL w="12700" cmpd="sng">
-                      <a:solidFill>
-                        <a:sysClr val="window" lastClr="FFFFFF"/>
-                      </a:solidFill>
-                    </a:lnL>
-                    <a:lnR w="12700" cmpd="sng">
-                      <a:solidFill>
-                        <a:sysClr val="window" lastClr="FFFFFF"/>
-                      </a:solidFill>
-                    </a:lnR>
-                    <a:lnT w="12700" cmpd="sng">
-                      <a:solidFill>
-                        <a:sysClr val="window" lastClr="FFFFFF"/>
-                      </a:solidFill>
-                    </a:lnT>
-                    <a:lnB w="12700" cmpd="sng">
-                      <a:solidFill>
-                        <a:sysClr val="window" lastClr="FFFFFF"/>
-                      </a:solidFill>
-                    </a:lnB>
-                    <a:lnTlToBr w="12700" cmpd="sng">
-                      <a:noFill/>
-                      <a:prstDash val="solid"/>
-                    </a:lnTlToBr>
-                    <a:lnBlToTr w="12700" cmpd="sng">
-                      <a:noFill/>
-                      <a:prstDash val="solid"/>
-                    </a:lnBlToTr>
-                    <a:solidFill>
-                      <a:srgbClr val="4F81BD">
-                        <a:tint val="40000"/>
-                      </a:srgbClr>
-                    </a:solidFill>
-                  </a:tcPr>
-                </a:tc>
-                <a:tc>
-                  <a:txBody>
-                    <a:bodyPr/>
-                    <a:lstStyle>
-                      <a:lvl1pPr marL="0" algn="l" defTabSz="1215429" rtl="0" eaLnBrk="1" latinLnBrk="0" hangingPunct="1">
-                        <a:defRPr sz="2393" kern="1200">
-                          <a:solidFill>
-                            <a:schemeClr val="dk1"/>
-                          </a:solidFill>
-                          <a:latin typeface="Arial"/>
-                        </a:defRPr>
-                      </a:lvl1pPr>
-                      <a:lvl2pPr marL="607715" algn="l" defTabSz="1215429" rtl="0" eaLnBrk="1" latinLnBrk="0" hangingPunct="1">
-                        <a:defRPr sz="2393" kern="1200">
-                          <a:solidFill>
-                            <a:schemeClr val="dk1"/>
-                          </a:solidFill>
-                          <a:latin typeface="Arial"/>
-                        </a:defRPr>
-                      </a:lvl2pPr>
-                      <a:lvl3pPr marL="1215429" algn="l" defTabSz="1215429" rtl="0" eaLnBrk="1" latinLnBrk="0" hangingPunct="1">
-                        <a:defRPr sz="2393" kern="1200">
-                          <a:solidFill>
-                            <a:schemeClr val="dk1"/>
-                          </a:solidFill>
-                          <a:latin typeface="Arial"/>
-                        </a:defRPr>
-                      </a:lvl3pPr>
-                      <a:lvl4pPr marL="1823144" algn="l" defTabSz="1215429" rtl="0" eaLnBrk="1" latinLnBrk="0" hangingPunct="1">
-                        <a:defRPr sz="2393" kern="1200">
-                          <a:solidFill>
-                            <a:schemeClr val="dk1"/>
-                          </a:solidFill>
-                          <a:latin typeface="Arial"/>
-                        </a:defRPr>
-                      </a:lvl4pPr>
-                      <a:lvl5pPr marL="2430858" algn="l" defTabSz="1215429" rtl="0" eaLnBrk="1" latinLnBrk="0" hangingPunct="1">
-                        <a:defRPr sz="2393" kern="1200">
-                          <a:solidFill>
-                            <a:schemeClr val="dk1"/>
-                          </a:solidFill>
-                          <a:latin typeface="Arial"/>
-                        </a:defRPr>
-                      </a:lvl5pPr>
-                      <a:lvl6pPr marL="3038573" algn="l" defTabSz="1215429" rtl="0" eaLnBrk="1" latinLnBrk="0" hangingPunct="1">
-                        <a:defRPr sz="2393" kern="1200">
-                          <a:solidFill>
-                            <a:schemeClr val="dk1"/>
-                          </a:solidFill>
-                          <a:latin typeface="Arial"/>
-                        </a:defRPr>
-                      </a:lvl6pPr>
-                      <a:lvl7pPr marL="3646287" algn="l" defTabSz="1215429" rtl="0" eaLnBrk="1" latinLnBrk="0" hangingPunct="1">
-                        <a:defRPr sz="2393" kern="1200">
-                          <a:solidFill>
-                            <a:schemeClr val="dk1"/>
-                          </a:solidFill>
-                          <a:latin typeface="Arial"/>
-                        </a:defRPr>
-                      </a:lvl7pPr>
-                      <a:lvl8pPr marL="4254002" algn="l" defTabSz="1215429" rtl="0" eaLnBrk="1" latinLnBrk="0" hangingPunct="1">
-                        <a:defRPr sz="2393" kern="1200">
-                          <a:solidFill>
-                            <a:schemeClr val="dk1"/>
-                          </a:solidFill>
-                          <a:latin typeface="Arial"/>
-                        </a:defRPr>
-                      </a:lvl8pPr>
-                      <a:lvl9pPr marL="4861716" algn="l" defTabSz="1215429" rtl="0" eaLnBrk="1" latinLnBrk="0" hangingPunct="1">
-                        <a:defRPr sz="2393" kern="1200">
-                          <a:solidFill>
-                            <a:schemeClr val="dk1"/>
-                          </a:solidFill>
-                          <a:latin typeface="Arial"/>
-                        </a:defRPr>
-                      </a:lvl9pPr>
-                    </a:lstStyle>
-                    <a:p>
-                      <a:r>
-                        <a:rPr lang="hr-HR" sz="1600"/>
-                        <a:t>IBIreact, IBIrecov, </a:t>
-                      </a:r>
-                    </a:p>
-                    <a:p>
-                      <a:r>
-                        <a:rPr lang="hr-HR" sz="1600"/>
-                        <a:t>RSAreact, RSArecov,</a:t>
-                      </a:r>
-                    </a:p>
-                    <a:p>
-                      <a:r>
-                        <a:rPr lang="hr-HR" sz="1600"/>
-                        <a:t>SMNA react, SMNArecov, BRreact, BRrecov, BRVreact, BRVrecov</a:t>
-                      </a:r>
-                      <a:endParaRPr lang="en-GB" sz="1600"/>
-                    </a:p>
-                  </a:txBody>
-                  <a:tcPr>
-                    <a:lnL w="12700" cmpd="sng">
-                      <a:solidFill>
-                        <a:sysClr val="window" lastClr="FFFFFF"/>
-                      </a:solidFill>
-                    </a:lnL>
-                    <a:lnR w="12700" cmpd="sng">
-                      <a:solidFill>
-                        <a:sysClr val="window" lastClr="FFFFFF"/>
-                      </a:solidFill>
-                    </a:lnR>
-                    <a:lnT w="12700" cmpd="sng">
-                      <a:solidFill>
-                        <a:sysClr val="window" lastClr="FFFFFF"/>
-                      </a:solidFill>
-                    </a:lnT>
-                    <a:lnB w="12700" cmpd="sng">
-                      <a:solidFill>
-                        <a:sysClr val="window" lastClr="FFFFFF"/>
-                      </a:solidFill>
-                    </a:lnB>
-                    <a:lnTlToBr w="12700" cmpd="sng">
-                      <a:noFill/>
-                      <a:prstDash val="solid"/>
-                    </a:lnTlToBr>
-                    <a:lnBlToTr w="12700" cmpd="sng">
-                      <a:noFill/>
-                      <a:prstDash val="solid"/>
-                    </a:lnBlToTr>
-                    <a:solidFill>
-                      <a:srgbClr val="4F81BD">
-                        <a:tint val="40000"/>
-                      </a:srgbClr>
-                    </a:solidFill>
-                  </a:tcPr>
-                </a:tc>
-                <a:tc>
-                  <a:txBody>
-                    <a:bodyPr/>
-                    <a:lstStyle>
-                      <a:lvl1pPr marL="0" algn="l" defTabSz="1215429" rtl="0" eaLnBrk="1" latinLnBrk="0" hangingPunct="1">
-                        <a:defRPr sz="2393" kern="1200">
-                          <a:solidFill>
-                            <a:schemeClr val="dk1"/>
-                          </a:solidFill>
-                          <a:latin typeface="Arial"/>
-                        </a:defRPr>
-                      </a:lvl1pPr>
-                      <a:lvl2pPr marL="607715" algn="l" defTabSz="1215429" rtl="0" eaLnBrk="1" latinLnBrk="0" hangingPunct="1">
-                        <a:defRPr sz="2393" kern="1200">
-                          <a:solidFill>
-                            <a:schemeClr val="dk1"/>
-                          </a:solidFill>
-                          <a:latin typeface="Arial"/>
-                        </a:defRPr>
-                      </a:lvl2pPr>
-                      <a:lvl3pPr marL="1215429" algn="l" defTabSz="1215429" rtl="0" eaLnBrk="1" latinLnBrk="0" hangingPunct="1">
-                        <a:defRPr sz="2393" kern="1200">
-                          <a:solidFill>
-                            <a:schemeClr val="dk1"/>
-                          </a:solidFill>
-                          <a:latin typeface="Arial"/>
-                        </a:defRPr>
-                      </a:lvl3pPr>
-                      <a:lvl4pPr marL="1823144" algn="l" defTabSz="1215429" rtl="0" eaLnBrk="1" latinLnBrk="0" hangingPunct="1">
-                        <a:defRPr sz="2393" kern="1200">
-                          <a:solidFill>
-                            <a:schemeClr val="dk1"/>
-                          </a:solidFill>
-                          <a:latin typeface="Arial"/>
-                        </a:defRPr>
-                      </a:lvl4pPr>
-                      <a:lvl5pPr marL="2430858" algn="l" defTabSz="1215429" rtl="0" eaLnBrk="1" latinLnBrk="0" hangingPunct="1">
-                        <a:defRPr sz="2393" kern="1200">
-                          <a:solidFill>
-                            <a:schemeClr val="dk1"/>
-                          </a:solidFill>
-                          <a:latin typeface="Arial"/>
-                        </a:defRPr>
-                      </a:lvl5pPr>
-                      <a:lvl6pPr marL="3038573" algn="l" defTabSz="1215429" rtl="0" eaLnBrk="1" latinLnBrk="0" hangingPunct="1">
-                        <a:defRPr sz="2393" kern="1200">
-                          <a:solidFill>
-                            <a:schemeClr val="dk1"/>
-                          </a:solidFill>
-                          <a:latin typeface="Arial"/>
-                        </a:defRPr>
-                      </a:lvl6pPr>
-                      <a:lvl7pPr marL="3646287" algn="l" defTabSz="1215429" rtl="0" eaLnBrk="1" latinLnBrk="0" hangingPunct="1">
-                        <a:defRPr sz="2393" kern="1200">
-                          <a:solidFill>
-                            <a:schemeClr val="dk1"/>
-                          </a:solidFill>
-                          <a:latin typeface="Arial"/>
-                        </a:defRPr>
-                      </a:lvl7pPr>
-                      <a:lvl8pPr marL="4254002" algn="l" defTabSz="1215429" rtl="0" eaLnBrk="1" latinLnBrk="0" hangingPunct="1">
-                        <a:defRPr sz="2393" kern="1200">
-                          <a:solidFill>
-                            <a:schemeClr val="dk1"/>
-                          </a:solidFill>
-                          <a:latin typeface="Arial"/>
-                        </a:defRPr>
-                      </a:lvl8pPr>
-                      <a:lvl9pPr marL="4861716" algn="l" defTabSz="1215429" rtl="0" eaLnBrk="1" latinLnBrk="0" hangingPunct="1">
-                        <a:defRPr sz="2393" kern="1200">
-                          <a:solidFill>
-                            <a:schemeClr val="dk1"/>
-                          </a:solidFill>
-                          <a:latin typeface="Arial"/>
-                        </a:defRPr>
-                      </a:lvl9pPr>
-                    </a:lstStyle>
-                    <a:p>
-                      <a:r>
-                        <a:rPr lang="hr-HR" sz="1600"/>
-                        <a:t>% of correctly detected object</a:t>
-                      </a:r>
-                      <a:endParaRPr lang="en-GB" sz="1600"/>
-                    </a:p>
-                  </a:txBody>
-                  <a:tcPr>
-                    <a:lnL w="12700" cmpd="sng">
-                      <a:solidFill>
-                        <a:sysClr val="window" lastClr="FFFFFF"/>
-                      </a:solidFill>
-                    </a:lnL>
-                    <a:lnR w="12700" cmpd="sng">
-                      <a:solidFill>
-                        <a:sysClr val="window" lastClr="FFFFFF"/>
-                      </a:solidFill>
-                    </a:lnR>
-                    <a:lnT w="12700" cmpd="sng">
-                      <a:solidFill>
-                        <a:sysClr val="window" lastClr="FFFFFF"/>
-                      </a:solidFill>
-                    </a:lnT>
-                    <a:lnB w="12700" cmpd="sng">
-                      <a:solidFill>
-                        <a:sysClr val="window" lastClr="FFFFFF"/>
-                      </a:solidFill>
-                    </a:lnB>
-                    <a:lnTlToBr w="12700" cmpd="sng">
-                      <a:noFill/>
-                      <a:prstDash val="solid"/>
-                    </a:lnTlToBr>
-                    <a:lnBlToTr w="12700" cmpd="sng">
-                      <a:noFill/>
-                      <a:prstDash val="solid"/>
-                    </a:lnBlToTr>
-                    <a:solidFill>
-                      <a:srgbClr val="4F81BD">
-                        <a:tint val="40000"/>
-                      </a:srgbClr>
-                    </a:solidFill>
-                  </a:tcPr>
-                </a:tc>
-                <a:tc>
-                  <a:txBody>
-                    <a:bodyPr/>
-                    <a:lstStyle>
-                      <a:lvl1pPr marL="0" algn="l" defTabSz="1215429" rtl="0" eaLnBrk="1" latinLnBrk="0" hangingPunct="1">
-                        <a:defRPr sz="2393" kern="1200">
-                          <a:solidFill>
-                            <a:schemeClr val="dk1"/>
-                          </a:solidFill>
-                          <a:latin typeface="Arial"/>
-                        </a:defRPr>
-                      </a:lvl1pPr>
-                      <a:lvl2pPr marL="607715" algn="l" defTabSz="1215429" rtl="0" eaLnBrk="1" latinLnBrk="0" hangingPunct="1">
-                        <a:defRPr sz="2393" kern="1200">
-                          <a:solidFill>
-                            <a:schemeClr val="dk1"/>
-                          </a:solidFill>
-                          <a:latin typeface="Arial"/>
-                        </a:defRPr>
-                      </a:lvl2pPr>
-                      <a:lvl3pPr marL="1215429" algn="l" defTabSz="1215429" rtl="0" eaLnBrk="1" latinLnBrk="0" hangingPunct="1">
-                        <a:defRPr sz="2393" kern="1200">
-                          <a:solidFill>
-                            <a:schemeClr val="dk1"/>
-                          </a:solidFill>
-                          <a:latin typeface="Arial"/>
-                        </a:defRPr>
-                      </a:lvl3pPr>
-                      <a:lvl4pPr marL="1823144" algn="l" defTabSz="1215429" rtl="0" eaLnBrk="1" latinLnBrk="0" hangingPunct="1">
-                        <a:defRPr sz="2393" kern="1200">
-                          <a:solidFill>
-                            <a:schemeClr val="dk1"/>
-                          </a:solidFill>
-                          <a:latin typeface="Arial"/>
-                        </a:defRPr>
-                      </a:lvl4pPr>
-                      <a:lvl5pPr marL="2430858" algn="l" defTabSz="1215429" rtl="0" eaLnBrk="1" latinLnBrk="0" hangingPunct="1">
-                        <a:defRPr sz="2393" kern="1200">
-                          <a:solidFill>
-                            <a:schemeClr val="dk1"/>
-                          </a:solidFill>
-                          <a:latin typeface="Arial"/>
-                        </a:defRPr>
-                      </a:lvl5pPr>
-                      <a:lvl6pPr marL="3038573" algn="l" defTabSz="1215429" rtl="0" eaLnBrk="1" latinLnBrk="0" hangingPunct="1">
-                        <a:defRPr sz="2393" kern="1200">
-                          <a:solidFill>
-                            <a:schemeClr val="dk1"/>
-                          </a:solidFill>
-                          <a:latin typeface="Arial"/>
-                        </a:defRPr>
-                      </a:lvl6pPr>
-                      <a:lvl7pPr marL="3646287" algn="l" defTabSz="1215429" rtl="0" eaLnBrk="1" latinLnBrk="0" hangingPunct="1">
-                        <a:defRPr sz="2393" kern="1200">
-                          <a:solidFill>
-                            <a:schemeClr val="dk1"/>
-                          </a:solidFill>
-                          <a:latin typeface="Arial"/>
-                        </a:defRPr>
-                      </a:lvl7pPr>
-                      <a:lvl8pPr marL="4254002" algn="l" defTabSz="1215429" rtl="0" eaLnBrk="1" latinLnBrk="0" hangingPunct="1">
-                        <a:defRPr sz="2393" kern="1200">
-                          <a:solidFill>
-                            <a:schemeClr val="dk1"/>
-                          </a:solidFill>
-                          <a:latin typeface="Arial"/>
-                        </a:defRPr>
-                      </a:lvl8pPr>
-                      <a:lvl9pPr marL="4861716" algn="l" defTabSz="1215429" rtl="0" eaLnBrk="1" latinLnBrk="0" hangingPunct="1">
-                        <a:defRPr sz="2393" kern="1200">
-                          <a:solidFill>
-                            <a:schemeClr val="dk1"/>
-                          </a:solidFill>
-                          <a:latin typeface="Arial"/>
-                        </a:defRPr>
-                      </a:lvl9pPr>
-                    </a:lstStyle>
-                    <a:p>
-                      <a:r>
-                        <a:rPr lang="hr-HR" sz="1600"/>
-                        <a:t>% of correct answers</a:t>
-                      </a:r>
-                      <a:endParaRPr lang="en-GB" sz="1600"/>
-                    </a:p>
-                  </a:txBody>
-                  <a:tcPr>
-                    <a:lnL w="12700" cmpd="sng">
-                      <a:solidFill>
-                        <a:sysClr val="window" lastClr="FFFFFF"/>
-                      </a:solidFill>
-                    </a:lnL>
-                    <a:lnR w="12700" cmpd="sng">
-                      <a:solidFill>
-                        <a:sysClr val="window" lastClr="FFFFFF"/>
-                      </a:solidFill>
-                    </a:lnR>
-                    <a:lnT w="12700" cmpd="sng">
-                      <a:solidFill>
-                        <a:sysClr val="window" lastClr="FFFFFF"/>
-                      </a:solidFill>
-                    </a:lnT>
-                    <a:lnB w="12700" cmpd="sng">
-                      <a:solidFill>
-                        <a:sysClr val="window" lastClr="FFFFFF"/>
-                      </a:solidFill>
-                    </a:lnB>
-                    <a:lnTlToBr w="12700" cmpd="sng">
-                      <a:noFill/>
-                      <a:prstDash val="solid"/>
-                    </a:lnTlToBr>
-                    <a:lnBlToTr w="12700" cmpd="sng">
-                      <a:noFill/>
-                      <a:prstDash val="solid"/>
-                    </a:lnBlToTr>
-                    <a:solidFill>
-                      <a:srgbClr val="4F81BD">
-                        <a:tint val="40000"/>
-                      </a:srgbClr>
-                    </a:solidFill>
-                  </a:tcPr>
-                </a:tc>
-                <a:tc>
-                  <a:txBody>
-                    <a:bodyPr/>
-                    <a:lstStyle>
-                      <a:lvl1pPr marL="0" algn="l" defTabSz="1215429" rtl="0" eaLnBrk="1" latinLnBrk="0" hangingPunct="1">
-                        <a:defRPr sz="2393" kern="1200">
-                          <a:solidFill>
-                            <a:schemeClr val="dk1"/>
-                          </a:solidFill>
-                          <a:latin typeface="Arial"/>
-                        </a:defRPr>
-                      </a:lvl1pPr>
-                      <a:lvl2pPr marL="607715" algn="l" defTabSz="1215429" rtl="0" eaLnBrk="1" latinLnBrk="0" hangingPunct="1">
-                        <a:defRPr sz="2393" kern="1200">
-                          <a:solidFill>
-                            <a:schemeClr val="dk1"/>
-                          </a:solidFill>
-                          <a:latin typeface="Arial"/>
-                        </a:defRPr>
-                      </a:lvl2pPr>
-                      <a:lvl3pPr marL="1215429" algn="l" defTabSz="1215429" rtl="0" eaLnBrk="1" latinLnBrk="0" hangingPunct="1">
-                        <a:defRPr sz="2393" kern="1200">
-                          <a:solidFill>
-                            <a:schemeClr val="dk1"/>
-                          </a:solidFill>
-                          <a:latin typeface="Arial"/>
-                        </a:defRPr>
-                      </a:lvl3pPr>
-                      <a:lvl4pPr marL="1823144" algn="l" defTabSz="1215429" rtl="0" eaLnBrk="1" latinLnBrk="0" hangingPunct="1">
-                        <a:defRPr sz="2393" kern="1200">
-                          <a:solidFill>
-                            <a:schemeClr val="dk1"/>
-                          </a:solidFill>
-                          <a:latin typeface="Arial"/>
-                        </a:defRPr>
-                      </a:lvl4pPr>
-                      <a:lvl5pPr marL="2430858" algn="l" defTabSz="1215429" rtl="0" eaLnBrk="1" latinLnBrk="0" hangingPunct="1">
-                        <a:defRPr sz="2393" kern="1200">
-                          <a:solidFill>
-                            <a:schemeClr val="dk1"/>
-                          </a:solidFill>
-                          <a:latin typeface="Arial"/>
-                        </a:defRPr>
-                      </a:lvl5pPr>
-                      <a:lvl6pPr marL="3038573" algn="l" defTabSz="1215429" rtl="0" eaLnBrk="1" latinLnBrk="0" hangingPunct="1">
-                        <a:defRPr sz="2393" kern="1200">
-                          <a:solidFill>
-                            <a:schemeClr val="dk1"/>
-                          </a:solidFill>
-                          <a:latin typeface="Arial"/>
-                        </a:defRPr>
-                      </a:lvl6pPr>
-                      <a:lvl7pPr marL="3646287" algn="l" defTabSz="1215429" rtl="0" eaLnBrk="1" latinLnBrk="0" hangingPunct="1">
-                        <a:defRPr sz="2393" kern="1200">
-                          <a:solidFill>
-                            <a:schemeClr val="dk1"/>
-                          </a:solidFill>
-                          <a:latin typeface="Arial"/>
-                        </a:defRPr>
-                      </a:lvl7pPr>
-                      <a:lvl8pPr marL="4254002" algn="l" defTabSz="1215429" rtl="0" eaLnBrk="1" latinLnBrk="0" hangingPunct="1">
-                        <a:defRPr sz="2393" kern="1200">
-                          <a:solidFill>
-                            <a:schemeClr val="dk1"/>
-                          </a:solidFill>
-                          <a:latin typeface="Arial"/>
-                        </a:defRPr>
-                      </a:lvl8pPr>
-                      <a:lvl9pPr marL="4861716" algn="l" defTabSz="1215429" rtl="0" eaLnBrk="1" latinLnBrk="0" hangingPunct="1">
-                        <a:defRPr sz="2393" kern="1200">
-                          <a:solidFill>
-                            <a:schemeClr val="dk1"/>
-                          </a:solidFill>
-                          <a:latin typeface="Arial"/>
-                        </a:defRPr>
-                      </a:lvl9pPr>
-                    </a:lstStyle>
-                    <a:p>
-                      <a:r>
-                        <a:rPr lang="en-GB" sz="1600"/>
-                        <a:t>sum of differences between given answers and correct ones</a:t>
-                      </a:r>
-                    </a:p>
-                  </a:txBody>
-                  <a:tcPr>
-                    <a:lnL w="12700" cmpd="sng">
-                      <a:solidFill>
-                        <a:sysClr val="window" lastClr="FFFFFF"/>
-                      </a:solidFill>
-                    </a:lnL>
-                    <a:lnR w="12700" cmpd="sng">
-                      <a:solidFill>
-                        <a:sysClr val="window" lastClr="FFFFFF"/>
-                      </a:solidFill>
-                    </a:lnR>
-                    <a:lnT w="12700" cmpd="sng">
-                      <a:solidFill>
-                        <a:sysClr val="window" lastClr="FFFFFF"/>
-                      </a:solidFill>
-                    </a:lnT>
-                    <a:lnB w="12700" cmpd="sng">
-                      <a:solidFill>
-                        <a:sysClr val="window" lastClr="FFFFFF"/>
-                      </a:solidFill>
-                    </a:lnB>
-                    <a:lnTlToBr w="12700" cmpd="sng">
-                      <a:noFill/>
-                      <a:prstDash val="solid"/>
-                    </a:lnTlToBr>
-                    <a:lnBlToTr w="12700" cmpd="sng">
-                      <a:noFill/>
-                      <a:prstDash val="solid"/>
-                    </a:lnBlToTr>
-                    <a:solidFill>
-                      <a:srgbClr val="4F81BD">
-                        <a:tint val="40000"/>
-                      </a:srgbClr>
-                    </a:solidFill>
-                  </a:tcPr>
-                </a:tc>
-                <a:tc>
-                  <a:txBody>
-                    <a:bodyPr/>
-                    <a:lstStyle>
-                      <a:lvl1pPr marL="0" algn="l" defTabSz="1215429" rtl="0" eaLnBrk="1" latinLnBrk="0" hangingPunct="1">
-                        <a:defRPr sz="2393" kern="1200">
-                          <a:solidFill>
-                            <a:schemeClr val="dk1"/>
-                          </a:solidFill>
-                          <a:latin typeface="Arial"/>
-                        </a:defRPr>
-                      </a:lvl1pPr>
-                      <a:lvl2pPr marL="607715" algn="l" defTabSz="1215429" rtl="0" eaLnBrk="1" latinLnBrk="0" hangingPunct="1">
-                        <a:defRPr sz="2393" kern="1200">
-                          <a:solidFill>
-                            <a:schemeClr val="dk1"/>
-                          </a:solidFill>
-                          <a:latin typeface="Arial"/>
-                        </a:defRPr>
-                      </a:lvl2pPr>
-                      <a:lvl3pPr marL="1215429" algn="l" defTabSz="1215429" rtl="0" eaLnBrk="1" latinLnBrk="0" hangingPunct="1">
-                        <a:defRPr sz="2393" kern="1200">
-                          <a:solidFill>
-                            <a:schemeClr val="dk1"/>
-                          </a:solidFill>
-                          <a:latin typeface="Arial"/>
-                        </a:defRPr>
-                      </a:lvl3pPr>
-                      <a:lvl4pPr marL="1823144" algn="l" defTabSz="1215429" rtl="0" eaLnBrk="1" latinLnBrk="0" hangingPunct="1">
-                        <a:defRPr sz="2393" kern="1200">
-                          <a:solidFill>
-                            <a:schemeClr val="dk1"/>
-                          </a:solidFill>
-                          <a:latin typeface="Arial"/>
-                        </a:defRPr>
-                      </a:lvl4pPr>
-                      <a:lvl5pPr marL="2430858" algn="l" defTabSz="1215429" rtl="0" eaLnBrk="1" latinLnBrk="0" hangingPunct="1">
-                        <a:defRPr sz="2393" kern="1200">
-                          <a:solidFill>
-                            <a:schemeClr val="dk1"/>
-                          </a:solidFill>
-                          <a:latin typeface="Arial"/>
-                        </a:defRPr>
-                      </a:lvl5pPr>
-                      <a:lvl6pPr marL="3038573" algn="l" defTabSz="1215429" rtl="0" eaLnBrk="1" latinLnBrk="0" hangingPunct="1">
-                        <a:defRPr sz="2393" kern="1200">
-                          <a:solidFill>
-                            <a:schemeClr val="dk1"/>
-                          </a:solidFill>
-                          <a:latin typeface="Arial"/>
-                        </a:defRPr>
-                      </a:lvl6pPr>
-                      <a:lvl7pPr marL="3646287" algn="l" defTabSz="1215429" rtl="0" eaLnBrk="1" latinLnBrk="0" hangingPunct="1">
-                        <a:defRPr sz="2393" kern="1200">
-                          <a:solidFill>
-                            <a:schemeClr val="dk1"/>
-                          </a:solidFill>
-                          <a:latin typeface="Arial"/>
-                        </a:defRPr>
-                      </a:lvl7pPr>
-                      <a:lvl8pPr marL="4254002" algn="l" defTabSz="1215429" rtl="0" eaLnBrk="1" latinLnBrk="0" hangingPunct="1">
-                        <a:defRPr sz="2393" kern="1200">
-                          <a:solidFill>
-                            <a:schemeClr val="dk1"/>
-                          </a:solidFill>
-                          <a:latin typeface="Arial"/>
-                        </a:defRPr>
-                      </a:lvl8pPr>
-                      <a:lvl9pPr marL="4861716" algn="l" defTabSz="1215429" rtl="0" eaLnBrk="1" latinLnBrk="0" hangingPunct="1">
-                        <a:defRPr sz="2393" kern="1200">
-                          <a:solidFill>
-                            <a:schemeClr val="dk1"/>
-                          </a:solidFill>
-                          <a:latin typeface="Arial"/>
-                        </a:defRPr>
-                      </a:lvl9pPr>
-                    </a:lstStyle>
-                    <a:p>
-                      <a:r>
-                        <a:rPr lang="en-GB" sz="1600"/>
-                        <a:t>answer response time</a:t>
-                      </a:r>
-                    </a:p>
-                  </a:txBody>
-                  <a:tcPr>
-                    <a:lnL w="12700" cmpd="sng">
-                      <a:solidFill>
-                        <a:sysClr val="window" lastClr="FFFFFF"/>
-                      </a:solidFill>
-                    </a:lnL>
-                    <a:lnR w="12700" cmpd="sng">
-                      <a:solidFill>
-                        <a:sysClr val="window" lastClr="FFFFFF"/>
-                      </a:solidFill>
-                    </a:lnR>
-                    <a:lnT w="12700" cmpd="sng">
-                      <a:solidFill>
-                        <a:sysClr val="window" lastClr="FFFFFF"/>
-                      </a:solidFill>
-                    </a:lnT>
-                    <a:lnB w="12700" cmpd="sng">
-                      <a:solidFill>
-                        <a:sysClr val="window" lastClr="FFFFFF"/>
-                      </a:solidFill>
-                    </a:lnB>
-                    <a:lnTlToBr w="12700" cmpd="sng">
-                      <a:noFill/>
-                      <a:prstDash val="solid"/>
-                    </a:lnTlToBr>
-                    <a:lnBlToTr w="12700" cmpd="sng">
-                      <a:noFill/>
-                      <a:prstDash val="solid"/>
-                    </a:lnBlToTr>
-                    <a:solidFill>
-                      <a:srgbClr val="4F81BD">
-                        <a:tint val="40000"/>
-                      </a:srgbClr>
-                    </a:solidFill>
-                  </a:tcPr>
-                </a:tc>
-                <a:tc>
-                  <a:txBody>
-                    <a:bodyPr/>
-                    <a:lstStyle>
-                      <a:lvl1pPr marL="0" algn="l" defTabSz="1215429" rtl="0" eaLnBrk="1" latinLnBrk="0" hangingPunct="1">
-                        <a:defRPr sz="2393" kern="1200">
-                          <a:solidFill>
-                            <a:schemeClr val="dk1"/>
-                          </a:solidFill>
-                          <a:latin typeface="Arial"/>
-                        </a:defRPr>
-                      </a:lvl1pPr>
-                      <a:lvl2pPr marL="607715" algn="l" defTabSz="1215429" rtl="0" eaLnBrk="1" latinLnBrk="0" hangingPunct="1">
-                        <a:defRPr sz="2393" kern="1200">
-                          <a:solidFill>
-                            <a:schemeClr val="dk1"/>
-                          </a:solidFill>
-                          <a:latin typeface="Arial"/>
-                        </a:defRPr>
-                      </a:lvl2pPr>
-                      <a:lvl3pPr marL="1215429" algn="l" defTabSz="1215429" rtl="0" eaLnBrk="1" latinLnBrk="0" hangingPunct="1">
-                        <a:defRPr sz="2393" kern="1200">
-                          <a:solidFill>
-                            <a:schemeClr val="dk1"/>
-                          </a:solidFill>
-                          <a:latin typeface="Arial"/>
-                        </a:defRPr>
-                      </a:lvl3pPr>
-                      <a:lvl4pPr marL="1823144" algn="l" defTabSz="1215429" rtl="0" eaLnBrk="1" latinLnBrk="0" hangingPunct="1">
-                        <a:defRPr sz="2393" kern="1200">
-                          <a:solidFill>
-                            <a:schemeClr val="dk1"/>
-                          </a:solidFill>
-                          <a:latin typeface="Arial"/>
-                        </a:defRPr>
-                      </a:lvl4pPr>
-                      <a:lvl5pPr marL="2430858" algn="l" defTabSz="1215429" rtl="0" eaLnBrk="1" latinLnBrk="0" hangingPunct="1">
-                        <a:defRPr sz="2393" kern="1200">
-                          <a:solidFill>
-                            <a:schemeClr val="dk1"/>
-                          </a:solidFill>
-                          <a:latin typeface="Arial"/>
-                        </a:defRPr>
-                      </a:lvl5pPr>
-                      <a:lvl6pPr marL="3038573" algn="l" defTabSz="1215429" rtl="0" eaLnBrk="1" latinLnBrk="0" hangingPunct="1">
-                        <a:defRPr sz="2393" kern="1200">
-                          <a:solidFill>
-                            <a:schemeClr val="dk1"/>
-                          </a:solidFill>
-                          <a:latin typeface="Arial"/>
-                        </a:defRPr>
-                      </a:lvl6pPr>
-                      <a:lvl7pPr marL="3646287" algn="l" defTabSz="1215429" rtl="0" eaLnBrk="1" latinLnBrk="0" hangingPunct="1">
-                        <a:defRPr sz="2393" kern="1200">
-                          <a:solidFill>
-                            <a:schemeClr val="dk1"/>
-                          </a:solidFill>
-                          <a:latin typeface="Arial"/>
-                        </a:defRPr>
-                      </a:lvl7pPr>
-                      <a:lvl8pPr marL="4254002" algn="l" defTabSz="1215429" rtl="0" eaLnBrk="1" latinLnBrk="0" hangingPunct="1">
-                        <a:defRPr sz="2393" kern="1200">
-                          <a:solidFill>
-                            <a:schemeClr val="dk1"/>
-                          </a:solidFill>
-                          <a:latin typeface="Arial"/>
-                        </a:defRPr>
-                      </a:lvl8pPr>
-                      <a:lvl9pPr marL="4861716" algn="l" defTabSz="1215429" rtl="0" eaLnBrk="1" latinLnBrk="0" hangingPunct="1">
-                        <a:defRPr sz="2393" kern="1200">
-                          <a:solidFill>
-                            <a:schemeClr val="dk1"/>
-                          </a:solidFill>
-                          <a:latin typeface="Arial"/>
-                        </a:defRPr>
-                      </a:lvl9pPr>
-                    </a:lstStyle>
-                    <a:p>
-                      <a:r>
-                        <a:rPr lang="en-GB" sz="1600"/>
-                        <a:t>% of correct answers</a:t>
-                      </a:r>
-                    </a:p>
-                  </a:txBody>
-                  <a:tcPr>
-                    <a:lnL w="12700" cmpd="sng">
-                      <a:solidFill>
-                        <a:sysClr val="window" lastClr="FFFFFF"/>
-                      </a:solidFill>
-                    </a:lnL>
-                    <a:lnR w="12700" cmpd="sng">
-                      <a:solidFill>
-                        <a:sysClr val="window" lastClr="FFFFFF"/>
-                      </a:solidFill>
-                    </a:lnR>
-                    <a:lnT w="12700" cmpd="sng">
-                      <a:solidFill>
-                        <a:sysClr val="window" lastClr="FFFFFF"/>
-                      </a:solidFill>
-                    </a:lnT>
-                    <a:lnB w="12700" cmpd="sng">
-                      <a:solidFill>
-                        <a:sysClr val="window" lastClr="FFFFFF"/>
-                      </a:solidFill>
-                    </a:lnB>
-                    <a:lnTlToBr w="12700" cmpd="sng">
-                      <a:noFill/>
-                      <a:prstDash val="solid"/>
-                    </a:lnTlToBr>
-                    <a:lnBlToTr w="12700" cmpd="sng">
-                      <a:noFill/>
-                      <a:prstDash val="solid"/>
-                    </a:lnBlToTr>
-                    <a:solidFill>
-                      <a:srgbClr val="4F81BD">
-                        <a:tint val="40000"/>
-                      </a:srgbClr>
-                    </a:solidFill>
-                  </a:tcPr>
-                </a:tc>
-                <a:tc>
-                  <a:txBody>
-                    <a:bodyPr/>
-                    <a:lstStyle>
-                      <a:lvl1pPr marL="0" algn="l" defTabSz="1215429" rtl="0" eaLnBrk="1" latinLnBrk="0" hangingPunct="1">
-                        <a:defRPr sz="2393" kern="1200">
-                          <a:solidFill>
-                            <a:schemeClr val="dk1"/>
-                          </a:solidFill>
-                          <a:latin typeface="Arial"/>
-                        </a:defRPr>
-                      </a:lvl1pPr>
-                      <a:lvl2pPr marL="607715" algn="l" defTabSz="1215429" rtl="0" eaLnBrk="1" latinLnBrk="0" hangingPunct="1">
-                        <a:defRPr sz="2393" kern="1200">
-                          <a:solidFill>
-                            <a:schemeClr val="dk1"/>
-                          </a:solidFill>
-                          <a:latin typeface="Arial"/>
-                        </a:defRPr>
-                      </a:lvl2pPr>
-                      <a:lvl3pPr marL="1215429" algn="l" defTabSz="1215429" rtl="0" eaLnBrk="1" latinLnBrk="0" hangingPunct="1">
-                        <a:defRPr sz="2393" kern="1200">
-                          <a:solidFill>
-                            <a:schemeClr val="dk1"/>
-                          </a:solidFill>
-                          <a:latin typeface="Arial"/>
-                        </a:defRPr>
-                      </a:lvl3pPr>
-                      <a:lvl4pPr marL="1823144" algn="l" defTabSz="1215429" rtl="0" eaLnBrk="1" latinLnBrk="0" hangingPunct="1">
-                        <a:defRPr sz="2393" kern="1200">
-                          <a:solidFill>
-                            <a:schemeClr val="dk1"/>
-                          </a:solidFill>
-                          <a:latin typeface="Arial"/>
-                        </a:defRPr>
-                      </a:lvl4pPr>
-                      <a:lvl5pPr marL="2430858" algn="l" defTabSz="1215429" rtl="0" eaLnBrk="1" latinLnBrk="0" hangingPunct="1">
-                        <a:defRPr sz="2393" kern="1200">
-                          <a:solidFill>
-                            <a:schemeClr val="dk1"/>
-                          </a:solidFill>
-                          <a:latin typeface="Arial"/>
-                        </a:defRPr>
-                      </a:lvl5pPr>
-                      <a:lvl6pPr marL="3038573" algn="l" defTabSz="1215429" rtl="0" eaLnBrk="1" latinLnBrk="0" hangingPunct="1">
-                        <a:defRPr sz="2393" kern="1200">
-                          <a:solidFill>
-                            <a:schemeClr val="dk1"/>
-                          </a:solidFill>
-                          <a:latin typeface="Arial"/>
-                        </a:defRPr>
-                      </a:lvl6pPr>
-                      <a:lvl7pPr marL="3646287" algn="l" defTabSz="1215429" rtl="0" eaLnBrk="1" latinLnBrk="0" hangingPunct="1">
-                        <a:defRPr sz="2393" kern="1200">
-                          <a:solidFill>
-                            <a:schemeClr val="dk1"/>
-                          </a:solidFill>
-                          <a:latin typeface="Arial"/>
-                        </a:defRPr>
-                      </a:lvl7pPr>
-                      <a:lvl8pPr marL="4254002" algn="l" defTabSz="1215429" rtl="0" eaLnBrk="1" latinLnBrk="0" hangingPunct="1">
-                        <a:defRPr sz="2393" kern="1200">
-                          <a:solidFill>
-                            <a:schemeClr val="dk1"/>
-                          </a:solidFill>
-                          <a:latin typeface="Arial"/>
-                        </a:defRPr>
-                      </a:lvl8pPr>
-                      <a:lvl9pPr marL="4861716" algn="l" defTabSz="1215429" rtl="0" eaLnBrk="1" latinLnBrk="0" hangingPunct="1">
-                        <a:defRPr sz="2393" kern="1200">
-                          <a:solidFill>
-                            <a:schemeClr val="dk1"/>
-                          </a:solidFill>
-                          <a:latin typeface="Arial"/>
-                        </a:defRPr>
-                      </a:lvl9pPr>
-                    </a:lstStyle>
-                    <a:p>
-                      <a:r>
-                        <a:rPr lang="en-GB" sz="1600" dirty="0"/>
-                        <a:t>error between the dynamic reference input pitch and the real airframe pitch resulting from the pilot’s handling</a:t>
-                      </a:r>
-                    </a:p>
-                  </a:txBody>
-                  <a:tcPr>
-                    <a:lnL w="12700" cmpd="sng">
-                      <a:solidFill>
-                        <a:sysClr val="window" lastClr="FFFFFF"/>
-                      </a:solidFill>
-                    </a:lnL>
-                    <a:lnR w="12700" cmpd="sng">
-                      <a:solidFill>
-                        <a:sysClr val="window" lastClr="FFFFFF"/>
-                      </a:solidFill>
-                    </a:lnR>
-                    <a:lnT w="12700" cmpd="sng">
-                      <a:solidFill>
-                        <a:sysClr val="window" lastClr="FFFFFF"/>
-                      </a:solidFill>
-                    </a:lnT>
-                    <a:lnB w="12700" cmpd="sng">
-                      <a:solidFill>
-                        <a:sysClr val="window" lastClr="FFFFFF"/>
-                      </a:solidFill>
-                    </a:lnB>
-                    <a:lnTlToBr w="12700" cmpd="sng">
-                      <a:noFill/>
-                      <a:prstDash val="solid"/>
-                    </a:lnTlToBr>
-                    <a:lnBlToTr w="12700" cmpd="sng">
-                      <a:noFill/>
-                      <a:prstDash val="solid"/>
-                    </a:lnBlToTr>
-                    <a:solidFill>
-                      <a:srgbClr val="C0504D">
-                        <a:lumMod val="60000"/>
-                        <a:lumOff val="40000"/>
-                      </a:srgbClr>
-                    </a:solidFill>
-                  </a:tcPr>
-                </a:tc>
-                <a:extLst>
-                  <a:ext uri="{0D108BD9-81ED-4DB2-BD59-A6C34878D82A}">
-                    <a16:rowId xmlns:a16="http://schemas.microsoft.com/office/drawing/2014/main" val="1211673076"/>
-                  </a:ext>
-                </a:extLst>
-              </a:tr>
-              <a:tr h="727866">
-                <a:tc gridSpan="3">
-                  <a:txBody>
-                    <a:bodyPr/>
-                    <a:lstStyle>
-                      <a:lvl1pPr marL="0" algn="l" defTabSz="1215429" rtl="0" eaLnBrk="1" latinLnBrk="0" hangingPunct="1">
-                        <a:defRPr sz="2393" kern="1200">
-                          <a:solidFill>
-                            <a:schemeClr val="dk1"/>
-                          </a:solidFill>
-                          <a:latin typeface="Arial"/>
-                        </a:defRPr>
-                      </a:lvl1pPr>
-                      <a:lvl2pPr marL="607715" algn="l" defTabSz="1215429" rtl="0" eaLnBrk="1" latinLnBrk="0" hangingPunct="1">
-                        <a:defRPr sz="2393" kern="1200">
-                          <a:solidFill>
-                            <a:schemeClr val="dk1"/>
-                          </a:solidFill>
-                          <a:latin typeface="Arial"/>
-                        </a:defRPr>
-                      </a:lvl2pPr>
-                      <a:lvl3pPr marL="1215429" algn="l" defTabSz="1215429" rtl="0" eaLnBrk="1" latinLnBrk="0" hangingPunct="1">
-                        <a:defRPr sz="2393" kern="1200">
-                          <a:solidFill>
-                            <a:schemeClr val="dk1"/>
-                          </a:solidFill>
-                          <a:latin typeface="Arial"/>
-                        </a:defRPr>
-                      </a:lvl3pPr>
-                      <a:lvl4pPr marL="1823144" algn="l" defTabSz="1215429" rtl="0" eaLnBrk="1" latinLnBrk="0" hangingPunct="1">
-                        <a:defRPr sz="2393" kern="1200">
-                          <a:solidFill>
-                            <a:schemeClr val="dk1"/>
-                          </a:solidFill>
-                          <a:latin typeface="Arial"/>
-                        </a:defRPr>
-                      </a:lvl4pPr>
-                      <a:lvl5pPr marL="2430858" algn="l" defTabSz="1215429" rtl="0" eaLnBrk="1" latinLnBrk="0" hangingPunct="1">
-                        <a:defRPr sz="2393" kern="1200">
-                          <a:solidFill>
-                            <a:schemeClr val="dk1"/>
-                          </a:solidFill>
-                          <a:latin typeface="Arial"/>
-                        </a:defRPr>
-                      </a:lvl5pPr>
-                      <a:lvl6pPr marL="3038573" algn="l" defTabSz="1215429" rtl="0" eaLnBrk="1" latinLnBrk="0" hangingPunct="1">
-                        <a:defRPr sz="2393" kern="1200">
-                          <a:solidFill>
-                            <a:schemeClr val="dk1"/>
-                          </a:solidFill>
-                          <a:latin typeface="Arial"/>
-                        </a:defRPr>
-                      </a:lvl6pPr>
-                      <a:lvl7pPr marL="3646287" algn="l" defTabSz="1215429" rtl="0" eaLnBrk="1" latinLnBrk="0" hangingPunct="1">
-                        <a:defRPr sz="2393" kern="1200">
-                          <a:solidFill>
-                            <a:schemeClr val="dk1"/>
-                          </a:solidFill>
-                          <a:latin typeface="Arial"/>
-                        </a:defRPr>
-                      </a:lvl7pPr>
-                      <a:lvl8pPr marL="4254002" algn="l" defTabSz="1215429" rtl="0" eaLnBrk="1" latinLnBrk="0" hangingPunct="1">
-                        <a:defRPr sz="2393" kern="1200">
-                          <a:solidFill>
-                            <a:schemeClr val="dk1"/>
-                          </a:solidFill>
-                          <a:latin typeface="Arial"/>
-                        </a:defRPr>
-                      </a:lvl8pPr>
-                      <a:lvl9pPr marL="4861716" algn="l" defTabSz="1215429" rtl="0" eaLnBrk="1" latinLnBrk="0" hangingPunct="1">
-                        <a:defRPr sz="2393" kern="1200">
-                          <a:solidFill>
-                            <a:schemeClr val="dk1"/>
-                          </a:solidFill>
-                          <a:latin typeface="Arial"/>
-                        </a:defRPr>
-                      </a:lvl9pPr>
-                    </a:lstStyle>
-                    <a:p>
-                      <a:pPr algn="ctr"/>
-                      <a:r>
-                        <a:rPr lang="hr-HR" sz="1600" dirty="0"/>
-                        <a:t>Ćosić </a:t>
-                      </a:r>
-                      <a:r>
-                        <a:rPr lang="hr-HR" sz="1600" dirty="0" err="1"/>
-                        <a:t>et</a:t>
-                      </a:r>
-                      <a:r>
-                        <a:rPr lang="hr-HR" sz="1600" dirty="0"/>
-                        <a:t> </a:t>
-                      </a:r>
-                      <a:r>
-                        <a:rPr lang="hr-HR" sz="1600" dirty="0" err="1"/>
-                        <a:t>al</a:t>
-                      </a:r>
-                      <a:r>
-                        <a:rPr lang="hr-HR" sz="1600" dirty="0"/>
-                        <a:t>., 2019; Šarlija </a:t>
-                      </a:r>
-                      <a:r>
-                        <a:rPr lang="hr-HR" sz="1600" dirty="0" err="1"/>
-                        <a:t>et</a:t>
-                      </a:r>
-                      <a:r>
-                        <a:rPr lang="hr-HR" sz="1600" dirty="0"/>
-                        <a:t> </a:t>
-                      </a:r>
-                      <a:r>
-                        <a:rPr lang="hr-HR" sz="1600" dirty="0" err="1"/>
-                        <a:t>al</a:t>
-                      </a:r>
-                      <a:r>
-                        <a:rPr lang="hr-HR" sz="1600" dirty="0"/>
-                        <a:t>., 2020</a:t>
-                      </a:r>
-                      <a:endParaRPr lang="en-GB" sz="1600" dirty="0"/>
-                    </a:p>
-                  </a:txBody>
-                  <a:tcPr anchor="ctr">
-                    <a:lnL w="12700" cmpd="sng">
-                      <a:solidFill>
-                        <a:sysClr val="window" lastClr="FFFFFF"/>
-                      </a:solidFill>
-                    </a:lnL>
-                    <a:lnR w="12700" cmpd="sng">
-                      <a:solidFill>
-                        <a:sysClr val="window" lastClr="FFFFFF"/>
-                      </a:solidFill>
-                    </a:lnR>
-                    <a:lnT w="12700" cmpd="sng">
-                      <a:solidFill>
-                        <a:sysClr val="window" lastClr="FFFFFF"/>
-                      </a:solidFill>
-                    </a:lnT>
-                    <a:lnB w="12700" cmpd="sng">
-                      <a:solidFill>
-                        <a:sysClr val="window" lastClr="FFFFFF"/>
-                      </a:solidFill>
-                    </a:lnB>
-                    <a:lnTlToBr w="12700" cmpd="sng">
-                      <a:noFill/>
-                      <a:prstDash val="solid"/>
-                    </a:lnTlToBr>
-                    <a:lnBlToTr w="12700" cmpd="sng">
-                      <a:noFill/>
-                      <a:prstDash val="solid"/>
-                    </a:lnBlToTr>
-                    <a:solidFill>
-                      <a:srgbClr val="4F81BD">
-                        <a:tint val="20000"/>
-                      </a:srgbClr>
-                    </a:solidFill>
-                  </a:tcPr>
-                </a:tc>
-                <a:tc hMerge="1">
-                  <a:txBody>
-                    <a:bodyPr/>
-                    <a:lstStyle/>
-                    <a:p>
-                      <a:endParaRPr lang="en-GB"/>
-                    </a:p>
-                  </a:txBody>
-                  <a:tcPr/>
-                </a:tc>
-                <a:tc hMerge="1">
-                  <a:txBody>
-                    <a:bodyPr/>
-                    <a:lstStyle/>
-                    <a:p>
-                      <a:endParaRPr lang="en-GB"/>
-                    </a:p>
-                  </a:txBody>
-                  <a:tcPr/>
-                </a:tc>
-                <a:tc gridSpan="5">
-                  <a:txBody>
-                    <a:bodyPr/>
-                    <a:lstStyle>
-                      <a:lvl1pPr marL="0" algn="l" defTabSz="1215429" rtl="0" eaLnBrk="1" latinLnBrk="0" hangingPunct="1">
-                        <a:defRPr sz="2393" kern="1200">
-                          <a:solidFill>
-                            <a:schemeClr val="dk1"/>
-                          </a:solidFill>
-                          <a:latin typeface="Arial"/>
-                        </a:defRPr>
-                      </a:lvl1pPr>
-                      <a:lvl2pPr marL="607715" algn="l" defTabSz="1215429" rtl="0" eaLnBrk="1" latinLnBrk="0" hangingPunct="1">
-                        <a:defRPr sz="2393" kern="1200">
-                          <a:solidFill>
-                            <a:schemeClr val="dk1"/>
-                          </a:solidFill>
-                          <a:latin typeface="Arial"/>
-                        </a:defRPr>
-                      </a:lvl2pPr>
-                      <a:lvl3pPr marL="1215429" algn="l" defTabSz="1215429" rtl="0" eaLnBrk="1" latinLnBrk="0" hangingPunct="1">
-                        <a:defRPr sz="2393" kern="1200">
-                          <a:solidFill>
-                            <a:schemeClr val="dk1"/>
-                          </a:solidFill>
-                          <a:latin typeface="Arial"/>
-                        </a:defRPr>
-                      </a:lvl3pPr>
-                      <a:lvl4pPr marL="1823144" algn="l" defTabSz="1215429" rtl="0" eaLnBrk="1" latinLnBrk="0" hangingPunct="1">
-                        <a:defRPr sz="2393" kern="1200">
-                          <a:solidFill>
-                            <a:schemeClr val="dk1"/>
-                          </a:solidFill>
-                          <a:latin typeface="Arial"/>
-                        </a:defRPr>
-                      </a:lvl4pPr>
-                      <a:lvl5pPr marL="2430858" algn="l" defTabSz="1215429" rtl="0" eaLnBrk="1" latinLnBrk="0" hangingPunct="1">
-                        <a:defRPr sz="2393" kern="1200">
-                          <a:solidFill>
-                            <a:schemeClr val="dk1"/>
-                          </a:solidFill>
-                          <a:latin typeface="Arial"/>
-                        </a:defRPr>
-                      </a:lvl5pPr>
-                      <a:lvl6pPr marL="3038573" algn="l" defTabSz="1215429" rtl="0" eaLnBrk="1" latinLnBrk="0" hangingPunct="1">
-                        <a:defRPr sz="2393" kern="1200">
-                          <a:solidFill>
-                            <a:schemeClr val="dk1"/>
-                          </a:solidFill>
-                          <a:latin typeface="Arial"/>
-                        </a:defRPr>
-                      </a:lvl6pPr>
-                      <a:lvl7pPr marL="3646287" algn="l" defTabSz="1215429" rtl="0" eaLnBrk="1" latinLnBrk="0" hangingPunct="1">
-                        <a:defRPr sz="2393" kern="1200">
-                          <a:solidFill>
-                            <a:schemeClr val="dk1"/>
-                          </a:solidFill>
-                          <a:latin typeface="Arial"/>
-                        </a:defRPr>
-                      </a:lvl7pPr>
-                      <a:lvl8pPr marL="4254002" algn="l" defTabSz="1215429" rtl="0" eaLnBrk="1" latinLnBrk="0" hangingPunct="1">
-                        <a:defRPr sz="2393" kern="1200">
-                          <a:solidFill>
-                            <a:schemeClr val="dk1"/>
-                          </a:solidFill>
-                          <a:latin typeface="Arial"/>
-                        </a:defRPr>
-                      </a:lvl8pPr>
-                      <a:lvl9pPr marL="4861716" algn="l" defTabSz="1215429" rtl="0" eaLnBrk="1" latinLnBrk="0" hangingPunct="1">
-                        <a:defRPr sz="2393" kern="1200">
-                          <a:solidFill>
-                            <a:schemeClr val="dk1"/>
-                          </a:solidFill>
-                          <a:latin typeface="Arial"/>
-                        </a:defRPr>
-                      </a:lvl9pPr>
-                    </a:lstStyle>
-                    <a:p>
-                      <a:pPr algn="ctr"/>
-                      <a:r>
-                        <a:rPr lang="hr-HR" sz="1600" dirty="0"/>
-                        <a:t>Ćosić </a:t>
-                      </a:r>
-                      <a:r>
-                        <a:rPr lang="hr-HR" sz="1600" dirty="0" err="1"/>
-                        <a:t>et</a:t>
-                      </a:r>
-                      <a:r>
-                        <a:rPr lang="hr-HR" sz="1600" dirty="0"/>
-                        <a:t> </a:t>
-                      </a:r>
-                      <a:r>
-                        <a:rPr lang="hr-HR" sz="1600" dirty="0" err="1"/>
-                        <a:t>al</a:t>
-                      </a:r>
-                      <a:r>
-                        <a:rPr lang="hr-HR" sz="1600" dirty="0"/>
-                        <a:t>., 2019</a:t>
-                      </a:r>
-                      <a:endParaRPr lang="en-GB" sz="1600" dirty="0"/>
-                    </a:p>
-                  </a:txBody>
-                  <a:tcPr anchor="ctr">
-                    <a:lnL w="12700" cmpd="sng">
-                      <a:solidFill>
-                        <a:sysClr val="window" lastClr="FFFFFF"/>
-                      </a:solidFill>
-                    </a:lnL>
-                    <a:lnR w="12700" cmpd="sng">
-                      <a:solidFill>
-                        <a:sysClr val="window" lastClr="FFFFFF"/>
-                      </a:solidFill>
-                    </a:lnR>
-                    <a:lnT w="12700" cmpd="sng">
-                      <a:solidFill>
-                        <a:sysClr val="window" lastClr="FFFFFF"/>
-                      </a:solidFill>
-                    </a:lnT>
-                    <a:lnB w="12700" cmpd="sng">
-                      <a:solidFill>
-                        <a:sysClr val="window" lastClr="FFFFFF"/>
-                      </a:solidFill>
-                    </a:lnB>
-                    <a:lnTlToBr w="12700" cmpd="sng">
-                      <a:noFill/>
-                      <a:prstDash val="solid"/>
-                    </a:lnTlToBr>
-                    <a:lnBlToTr w="12700" cmpd="sng">
-                      <a:noFill/>
-                      <a:prstDash val="solid"/>
-                    </a:lnBlToTr>
-                    <a:solidFill>
-                      <a:srgbClr val="4F81BD">
-                        <a:tint val="20000"/>
-                      </a:srgbClr>
-                    </a:solidFill>
-                  </a:tcPr>
-                </a:tc>
-                <a:tc hMerge="1">
-                  <a:txBody>
-                    <a:bodyPr/>
-                    <a:lstStyle/>
-                    <a:p>
-                      <a:endParaRPr lang="en-GB"/>
-                    </a:p>
-                  </a:txBody>
-                  <a:tcPr/>
-                </a:tc>
-                <a:tc hMerge="1">
-                  <a:txBody>
-                    <a:bodyPr/>
-                    <a:lstStyle/>
-                    <a:p>
-                      <a:endParaRPr lang="en-GB"/>
-                    </a:p>
-                  </a:txBody>
-                  <a:tcPr/>
-                </a:tc>
-                <a:tc hMerge="1">
-                  <a:txBody>
-                    <a:bodyPr/>
-                    <a:lstStyle/>
-                    <a:p>
-                      <a:endParaRPr lang="en-GB"/>
-                    </a:p>
-                  </a:txBody>
-                  <a:tcPr/>
-                </a:tc>
-                <a:tc hMerge="1">
-                  <a:txBody>
-                    <a:bodyPr/>
-                    <a:lstStyle/>
-                    <a:p>
-                      <a:endParaRPr lang="en-GB"/>
-                    </a:p>
-                  </a:txBody>
-                  <a:tcPr/>
-                </a:tc>
-                <a:tc>
-                  <a:txBody>
-                    <a:bodyPr/>
-                    <a:lstStyle>
-                      <a:lvl1pPr marL="0" algn="l" defTabSz="1215429" rtl="0" eaLnBrk="1" latinLnBrk="0" hangingPunct="1">
-                        <a:defRPr sz="2393" kern="1200">
-                          <a:solidFill>
-                            <a:schemeClr val="dk1"/>
-                          </a:solidFill>
-                          <a:latin typeface="Arial"/>
-                        </a:defRPr>
-                      </a:lvl1pPr>
-                      <a:lvl2pPr marL="607715" algn="l" defTabSz="1215429" rtl="0" eaLnBrk="1" latinLnBrk="0" hangingPunct="1">
-                        <a:defRPr sz="2393" kern="1200">
-                          <a:solidFill>
-                            <a:schemeClr val="dk1"/>
-                          </a:solidFill>
-                          <a:latin typeface="Arial"/>
-                        </a:defRPr>
-                      </a:lvl2pPr>
-                      <a:lvl3pPr marL="1215429" algn="l" defTabSz="1215429" rtl="0" eaLnBrk="1" latinLnBrk="0" hangingPunct="1">
-                        <a:defRPr sz="2393" kern="1200">
-                          <a:solidFill>
-                            <a:schemeClr val="dk1"/>
-                          </a:solidFill>
-                          <a:latin typeface="Arial"/>
-                        </a:defRPr>
-                      </a:lvl3pPr>
-                      <a:lvl4pPr marL="1823144" algn="l" defTabSz="1215429" rtl="0" eaLnBrk="1" latinLnBrk="0" hangingPunct="1">
-                        <a:defRPr sz="2393" kern="1200">
-                          <a:solidFill>
-                            <a:schemeClr val="dk1"/>
-                          </a:solidFill>
-                          <a:latin typeface="Arial"/>
-                        </a:defRPr>
-                      </a:lvl4pPr>
-                      <a:lvl5pPr marL="2430858" algn="l" defTabSz="1215429" rtl="0" eaLnBrk="1" latinLnBrk="0" hangingPunct="1">
-                        <a:defRPr sz="2393" kern="1200">
-                          <a:solidFill>
-                            <a:schemeClr val="dk1"/>
-                          </a:solidFill>
-                          <a:latin typeface="Arial"/>
-                        </a:defRPr>
-                      </a:lvl5pPr>
-                      <a:lvl6pPr marL="3038573" algn="l" defTabSz="1215429" rtl="0" eaLnBrk="1" latinLnBrk="0" hangingPunct="1">
-                        <a:defRPr sz="2393" kern="1200">
-                          <a:solidFill>
-                            <a:schemeClr val="dk1"/>
-                          </a:solidFill>
-                          <a:latin typeface="Arial"/>
-                        </a:defRPr>
-                      </a:lvl6pPr>
-                      <a:lvl7pPr marL="3646287" algn="l" defTabSz="1215429" rtl="0" eaLnBrk="1" latinLnBrk="0" hangingPunct="1">
-                        <a:defRPr sz="2393" kern="1200">
-                          <a:solidFill>
-                            <a:schemeClr val="dk1"/>
-                          </a:solidFill>
-                          <a:latin typeface="Arial"/>
-                        </a:defRPr>
-                      </a:lvl7pPr>
-                      <a:lvl8pPr marL="4254002" algn="l" defTabSz="1215429" rtl="0" eaLnBrk="1" latinLnBrk="0" hangingPunct="1">
-                        <a:defRPr sz="2393" kern="1200">
-                          <a:solidFill>
-                            <a:schemeClr val="dk1"/>
-                          </a:solidFill>
-                          <a:latin typeface="Arial"/>
-                        </a:defRPr>
-                      </a:lvl8pPr>
-                      <a:lvl9pPr marL="4861716" algn="l" defTabSz="1215429" rtl="0" eaLnBrk="1" latinLnBrk="0" hangingPunct="1">
-                        <a:defRPr sz="2393" kern="1200">
-                          <a:solidFill>
-                            <a:schemeClr val="dk1"/>
-                          </a:solidFill>
-                          <a:latin typeface="Arial"/>
-                        </a:defRPr>
-                      </a:lvl9pPr>
-                    </a:lstStyle>
-                    <a:p>
-                      <a:r>
-                        <a:rPr lang="hr-HR" sz="1600" dirty="0">
-                          <a:solidFill>
-                            <a:schemeClr val="tx1"/>
-                          </a:solidFill>
-                        </a:rPr>
-                        <a:t>Kurtak </a:t>
-                      </a:r>
-                      <a:r>
-                        <a:rPr lang="hr-HR" sz="1600" dirty="0" err="1">
-                          <a:solidFill>
-                            <a:schemeClr val="tx1"/>
-                          </a:solidFill>
-                        </a:rPr>
-                        <a:t>et</a:t>
-                      </a:r>
-                      <a:r>
-                        <a:rPr lang="hr-HR" sz="1600" dirty="0">
-                          <a:solidFill>
-                            <a:schemeClr val="tx1"/>
-                          </a:solidFill>
-                        </a:rPr>
-                        <a:t> </a:t>
-                      </a:r>
-                      <a:r>
-                        <a:rPr lang="hr-HR" sz="1600" dirty="0" err="1">
-                          <a:solidFill>
-                            <a:schemeClr val="tx1"/>
-                          </a:solidFill>
-                        </a:rPr>
-                        <a:t>al</a:t>
-                      </a:r>
-                      <a:r>
-                        <a:rPr lang="hr-HR" sz="1600" dirty="0">
-                          <a:solidFill>
-                            <a:schemeClr val="tx1"/>
-                          </a:solidFill>
-                        </a:rPr>
-                        <a:t>., 2024</a:t>
-                      </a:r>
-                      <a:endParaRPr lang="en-GB" sz="1600" dirty="0">
-                        <a:solidFill>
-                          <a:schemeClr val="tx1"/>
-                        </a:solidFill>
-                      </a:endParaRPr>
-                    </a:p>
-                  </a:txBody>
-                  <a:tcPr anchor="ctr">
-                    <a:lnL w="12700" cmpd="sng">
-                      <a:solidFill>
-                        <a:sysClr val="window" lastClr="FFFFFF"/>
-                      </a:solidFill>
-                    </a:lnL>
-                    <a:lnR w="12700" cmpd="sng">
-                      <a:solidFill>
-                        <a:sysClr val="window" lastClr="FFFFFF"/>
-                      </a:solidFill>
-                    </a:lnR>
-                    <a:lnT w="12700" cmpd="sng">
-                      <a:solidFill>
-                        <a:sysClr val="window" lastClr="FFFFFF"/>
-                      </a:solidFill>
-                    </a:lnT>
-                    <a:lnB w="12700" cmpd="sng">
-                      <a:solidFill>
-                        <a:sysClr val="window" lastClr="FFFFFF"/>
-                      </a:solidFill>
-                    </a:lnB>
-                    <a:lnTlToBr w="12700" cmpd="sng">
-                      <a:noFill/>
-                      <a:prstDash val="solid"/>
-                    </a:lnTlToBr>
-                    <a:lnBlToTr w="12700" cmpd="sng">
-                      <a:noFill/>
-                      <a:prstDash val="solid"/>
-                    </a:lnBlToTr>
-                    <a:solidFill>
-                      <a:srgbClr val="C0504D">
-                        <a:lumMod val="40000"/>
-                        <a:lumOff val="60000"/>
-                      </a:srgbClr>
-                    </a:solidFill>
-                  </a:tcPr>
-                </a:tc>
-                <a:extLst>
-                  <a:ext uri="{0D108BD9-81ED-4DB2-BD59-A6C34878D82A}">
-                    <a16:rowId xmlns:a16="http://schemas.microsoft.com/office/drawing/2014/main" val="2809907827"/>
-                  </a:ext>
-                </a:extLst>
-              </a:tr>
-            </a:tbl>
-          </a:graphicData>
-        </a:graphic>
-      </p:graphicFrame>
-    </p:spTree>
-    <p:extLst>
-      <p:ext uri="{BB962C8B-B14F-4D97-AF65-F5344CB8AC3E}">
-        <p14:creationId xmlns:p14="http://schemas.microsoft.com/office/powerpoint/2010/main" val="4034564498"/>
-      </p:ext>
-    </p:extLst>
-  </p:cSld>
-  <p:clrMapOvr>
-    <a:masterClrMapping/>
-  </p:clrMapOvr>
-</p:sld>
-</file>
-
-<file path=ppt/slides/slide13.xml><?xml version="1.0" encoding="utf-8"?>
-<p:sld xmlns:a="http://schemas.openxmlformats.org/drawingml/2006/main" xmlns:r="http://schemas.openxmlformats.org/officeDocument/2006/relationships" xmlns:p="http://schemas.openxmlformats.org/presentationml/2006/main">
-  <p:cSld>
-    <p:spTree>
-      <p:nvGrpSpPr>
-        <p:cNvPr id="1" name="">
-          <a:extLst>
-            <a:ext uri="{FF2B5EF4-FFF2-40B4-BE49-F238E27FC236}">
               <a16:creationId xmlns:a16="http://schemas.microsoft.com/office/drawing/2014/main" id="{036A5384-C242-C505-747E-524CD6C3761F}"/>
             </a:ext>
           </a:extLst>
@@ -12314,7 +7204,7 @@
           <a:p>
             <a:fld id="{C92FC937-38D6-4B8F-AEB3-E5F6C110AD7F}" type="slidenum">
               <a:rPr lang="hr-HR" smtClean="0"/>
-              <a:t>13</a:t>
+              <a:t>10</a:t>
             </a:fld>
             <a:endParaRPr lang="hr-HR"/>
           </a:p>
@@ -13755,88 +8645,6 @@
           </a:graphicData>
         </a:graphic>
       </p:graphicFrame>
-      <p:sp>
-        <p:nvSpPr>
-          <p:cNvPr id="3" name="Rectangle 2">
-            <a:extLst>
-              <a:ext uri="{FF2B5EF4-FFF2-40B4-BE49-F238E27FC236}">
-                <a16:creationId xmlns:a16="http://schemas.microsoft.com/office/drawing/2014/main" id="{6F4E8B60-D2A7-646D-0AEC-7B420A46ACAA}"/>
-              </a:ext>
-            </a:extLst>
-          </p:cNvPr>
-          <p:cNvSpPr/>
-          <p:nvPr/>
-        </p:nvSpPr>
-        <p:spPr>
-          <a:xfrm>
-            <a:off x="4386553" y="6449674"/>
-            <a:ext cx="5857294" cy="1301383"/>
-          </a:xfrm>
-          <a:prstGeom prst="rect">
-            <a:avLst/>
-          </a:prstGeom>
-          <a:solidFill>
-            <a:srgbClr val="C00000"/>
-          </a:solidFill>
-          <a:ln>
-            <a:solidFill>
-              <a:srgbClr val="C00000"/>
-            </a:solidFill>
-          </a:ln>
-        </p:spPr>
-        <p:style>
-          <a:lnRef idx="2">
-            <a:schemeClr val="accent1">
-              <a:shade val="15000"/>
-            </a:schemeClr>
-          </a:lnRef>
-          <a:fillRef idx="1">
-            <a:schemeClr val="accent1"/>
-          </a:fillRef>
-          <a:effectRef idx="0">
-            <a:schemeClr val="accent1"/>
-          </a:effectRef>
-          <a:fontRef idx="minor">
-            <a:schemeClr val="lt1"/>
-          </a:fontRef>
-        </p:style>
-        <p:txBody>
-          <a:bodyPr rtlCol="0" anchor="ctr"/>
-          <a:lstStyle/>
-          <a:p>
-            <a:pPr algn="just"/>
-            <a:r>
-              <a:rPr lang="hr-HR" sz="1600" dirty="0"/>
-              <a:t>Potencijalno dodati još neku značajku, ovisno o alatima koji se koriste (npr. </a:t>
-            </a:r>
-            <a:r>
-              <a:rPr lang="hr-HR" sz="1600" dirty="0" err="1"/>
-              <a:t>Neurokit</a:t>
-            </a:r>
-            <a:r>
-              <a:rPr lang="en-GB" sz="1600" dirty="0"/>
-              <a:t> u </a:t>
-            </a:r>
-            <a:r>
-              <a:rPr lang="en-GB" sz="1600" dirty="0" err="1"/>
-              <a:t>okviru</a:t>
-            </a:r>
-            <a:r>
-              <a:rPr lang="en-GB" sz="1600" dirty="0"/>
-              <a:t> </a:t>
-            </a:r>
-            <a:r>
-              <a:rPr lang="en-GB" sz="1600" dirty="0" err="1"/>
-              <a:t>Pythona</a:t>
-            </a:r>
-            <a:r>
-              <a:rPr lang="hr-HR" sz="1600" dirty="0"/>
-              <a:t>). Primjer takvih značajki može biti driver komponenta znojenja za koju se računa mean, std, ...</a:t>
-            </a:r>
-            <a:endParaRPr lang="en-GB" sz="1600" b="1" dirty="0"/>
-          </a:p>
-        </p:txBody>
-      </p:sp>
     </p:spTree>
     <p:extLst>
       <p:ext uri="{BB962C8B-B14F-4D97-AF65-F5344CB8AC3E}">
@@ -13850,7 +8658,7 @@
 </p:sld>
 </file>
 
-<file path=ppt/slides/slide14.xml><?xml version="1.0" encoding="utf-8"?>
+<file path=ppt/slides/slide11.xml><?xml version="1.0" encoding="utf-8"?>
 <p:sld xmlns:a="http://schemas.openxmlformats.org/drawingml/2006/main" xmlns:r="http://schemas.openxmlformats.org/officeDocument/2006/relationships" xmlns:p="http://schemas.openxmlformats.org/presentationml/2006/main">
   <p:cSld>
     <p:spTree>
@@ -14050,7 +8858,7 @@
           <a:p>
             <a:fld id="{C92FC937-38D6-4B8F-AEB3-E5F6C110AD7F}" type="slidenum">
               <a:rPr lang="hr-HR" smtClean="0"/>
-              <a:t>14</a:t>
+              <a:t>11</a:t>
             </a:fld>
             <a:endParaRPr lang="hr-HR"/>
           </a:p>
@@ -14313,180 +9121,12 @@
           </a:p>
         </p:txBody>
       </p:sp>
-      <p:sp>
-        <p:nvSpPr>
-          <p:cNvPr id="6" name="Rectangle 5">
+      <p:pic>
+        <p:nvPicPr>
+          <p:cNvPr id="7" name="Picture 6">
             <a:extLst>
               <a:ext uri="{FF2B5EF4-FFF2-40B4-BE49-F238E27FC236}">
-                <a16:creationId xmlns:a16="http://schemas.microsoft.com/office/drawing/2014/main" id="{6EA8D7A3-45B6-6288-33CE-B1967DF3DB00}"/>
-              </a:ext>
-            </a:extLst>
-          </p:cNvPr>
-          <p:cNvSpPr/>
-          <p:nvPr/>
-        </p:nvSpPr>
-        <p:spPr>
-          <a:xfrm>
-            <a:off x="12011606" y="5029200"/>
-            <a:ext cx="2423214" cy="2948940"/>
-          </a:xfrm>
-          <a:prstGeom prst="rect">
-            <a:avLst/>
-          </a:prstGeom>
-          <a:solidFill>
-            <a:srgbClr val="C00000"/>
-          </a:solidFill>
-          <a:ln>
-            <a:solidFill>
-              <a:srgbClr val="C00000"/>
-            </a:solidFill>
-          </a:ln>
-        </p:spPr>
-        <p:style>
-          <a:lnRef idx="2">
-            <a:schemeClr val="accent1">
-              <a:shade val="15000"/>
-            </a:schemeClr>
-          </a:lnRef>
-          <a:fillRef idx="1">
-            <a:schemeClr val="accent1"/>
-          </a:fillRef>
-          <a:effectRef idx="0">
-            <a:schemeClr val="accent1"/>
-          </a:effectRef>
-          <a:fontRef idx="minor">
-            <a:schemeClr val="lt1"/>
-          </a:fontRef>
-        </p:style>
-        <p:txBody>
-          <a:bodyPr rtlCol="0" anchor="ctr"/>
-          <a:lstStyle/>
-          <a:p>
-            <a:pPr algn="just"/>
-            <a:r>
-              <a:rPr lang="hr-HR" sz="1600" dirty="0"/>
-              <a:t>U seminarskim radovima tu prikazati promjenu </a:t>
-            </a:r>
-            <a:r>
-              <a:rPr lang="en-GB" sz="1600" dirty="0" err="1"/>
-              <a:t>fiziolo</a:t>
-            </a:r>
-            <a:r>
-              <a:rPr lang="hr-HR" sz="1600" dirty="0" err="1"/>
-              <a:t>ških</a:t>
-            </a:r>
-            <a:r>
-              <a:rPr lang="hr-HR" sz="1600" dirty="0"/>
-              <a:t> značajki</a:t>
-            </a:r>
-            <a:r>
-              <a:rPr lang="en-GB" sz="1600" dirty="0"/>
-              <a:t> </a:t>
-            </a:r>
-            <a:r>
-              <a:rPr lang="en-GB" sz="1600" dirty="0" err="1"/>
-              <a:t>i</a:t>
-            </a:r>
-            <a:r>
-              <a:rPr lang="en-GB" sz="1600" dirty="0"/>
-              <a:t> </a:t>
-            </a:r>
-            <a:r>
-              <a:rPr lang="en-GB" sz="1600" dirty="0" err="1"/>
-              <a:t>metrike</a:t>
-            </a:r>
-            <a:r>
-              <a:rPr lang="en-GB" sz="1600" dirty="0"/>
-              <a:t> </a:t>
-            </a:r>
-            <a:r>
-              <a:rPr lang="en-GB" sz="1600" dirty="0" err="1"/>
-              <a:t>performansi</a:t>
-            </a:r>
-            <a:r>
-              <a:rPr lang="en-GB" sz="1600" dirty="0"/>
-              <a:t> </a:t>
-            </a:r>
-            <a:r>
-              <a:rPr lang="en-GB" sz="1600" dirty="0" err="1"/>
-              <a:t>na</a:t>
-            </a:r>
-            <a:r>
-              <a:rPr lang="en-GB" sz="1600" dirty="0"/>
-              <a:t> </a:t>
-            </a:r>
-            <a:r>
-              <a:rPr lang="en-GB" sz="1600" dirty="0" err="1"/>
-              <a:t>simulatoru</a:t>
-            </a:r>
-            <a:r>
-              <a:rPr lang="hr-HR" sz="1600" dirty="0"/>
-              <a:t>: </a:t>
-            </a:r>
-            <a:r>
-              <a:rPr lang="hr-HR" sz="1600" b="1" dirty="0"/>
-              <a:t>pre-</a:t>
-            </a:r>
-            <a:r>
-              <a:rPr lang="hr-HR" sz="1600" b="1" dirty="0" err="1"/>
-              <a:t>startle</a:t>
-            </a:r>
-            <a:r>
-              <a:rPr lang="hr-HR" sz="1600" b="1" dirty="0"/>
-              <a:t> </a:t>
-            </a:r>
-            <a:r>
-              <a:rPr lang="hr-HR" sz="1600" b="1" dirty="0">
-                <a:sym typeface="Wingdings" panose="05000000000000000000" pitchFamily="2" charset="2"/>
-              </a:rPr>
-              <a:t> </a:t>
-            </a:r>
-            <a:r>
-              <a:rPr lang="hr-HR" sz="1600" b="1" dirty="0" err="1">
-                <a:sym typeface="Wingdings" panose="05000000000000000000" pitchFamily="2" charset="2"/>
-              </a:rPr>
-              <a:t>startle</a:t>
-            </a:r>
-            <a:r>
-              <a:rPr lang="hr-HR" sz="1600" b="1" dirty="0">
-                <a:sym typeface="Wingdings" panose="05000000000000000000" pitchFamily="2" charset="2"/>
-              </a:rPr>
-              <a:t>  post-</a:t>
-            </a:r>
-            <a:r>
-              <a:rPr lang="hr-HR" sz="1600" b="1" dirty="0" err="1">
-                <a:sym typeface="Wingdings" panose="05000000000000000000" pitchFamily="2" charset="2"/>
-              </a:rPr>
-              <a:t>startle</a:t>
-            </a:r>
-            <a:endParaRPr lang="hr-HR" sz="1600" b="1" dirty="0">
-              <a:sym typeface="Wingdings" panose="05000000000000000000" pitchFamily="2" charset="2"/>
-            </a:endParaRPr>
-          </a:p>
-          <a:p>
-            <a:pPr algn="just"/>
-            <a:endParaRPr lang="hr-HR" sz="1600" b="1" dirty="0">
-              <a:sym typeface="Wingdings" panose="05000000000000000000" pitchFamily="2" charset="2"/>
-            </a:endParaRPr>
-          </a:p>
-          <a:p>
-            <a:pPr algn="just"/>
-            <a:r>
-              <a:rPr lang="hr-HR" sz="1600" dirty="0">
-                <a:sym typeface="Wingdings" panose="05000000000000000000" pitchFamily="2" charset="2"/>
-              </a:rPr>
-              <a:t>Koristiti samo jednu boju linija, nama su iz nekih razloga trebale dvije.</a:t>
-            </a:r>
-            <a:endParaRPr lang="en-GB" sz="1600" dirty="0"/>
-          </a:p>
-        </p:txBody>
-      </p:sp>
-      <p:pic>
-        <p:nvPicPr>
-          <p:cNvPr id="9" name="Picture 8" descr="A diagram of a graph&#10;&#10;Description automatically generated with medium confidence">
-            <a:extLst>
-              <a:ext uri="{FF2B5EF4-FFF2-40B4-BE49-F238E27FC236}">
-                <a16:creationId xmlns:a16="http://schemas.microsoft.com/office/drawing/2014/main" id="{82029DCE-7A00-214A-0E8F-FE107664DDEF}"/>
+                <a16:creationId xmlns:a16="http://schemas.microsoft.com/office/drawing/2014/main" id="{5039BE1B-52F7-2AF8-11E7-7B0A2D7D5D64}"/>
               </a:ext>
             </a:extLst>
           </p:cNvPr>
@@ -14496,21 +9136,15 @@
           <p:nvPr/>
         </p:nvPicPr>
         <p:blipFill>
-          <a:blip r:embed="rId2">
-            <a:extLst>
-              <a:ext uri="{28A0092B-C50C-407E-A947-70E740481C1C}">
-                <a14:useLocalDpi xmlns:a14="http://schemas.microsoft.com/office/drawing/2010/main" val="0"/>
-              </a:ext>
-            </a:extLst>
-          </a:blip>
+          <a:blip r:embed="rId2"/>
           <a:stretch>
             <a:fillRect/>
           </a:stretch>
         </p:blipFill>
         <p:spPr>
           <a:xfrm>
-            <a:off x="676910" y="2198966"/>
-            <a:ext cx="9787890" cy="5660467"/>
+            <a:off x="1227571" y="2327263"/>
+            <a:ext cx="9003549" cy="5392960"/>
           </a:xfrm>
           <a:prstGeom prst="rect">
             <a:avLst/>
@@ -14530,7 +9164,7 @@
 </p:sld>
 </file>
 
-<file path=ppt/slides/slide15.xml><?xml version="1.0" encoding="utf-8"?>
+<file path=ppt/slides/slide12.xml><?xml version="1.0" encoding="utf-8"?>
 <p:sld xmlns:a="http://schemas.openxmlformats.org/drawingml/2006/main" xmlns:r="http://schemas.openxmlformats.org/officeDocument/2006/relationships" xmlns:p="http://schemas.openxmlformats.org/presentationml/2006/main">
   <p:cSld>
     <p:spTree>
@@ -14730,7 +9364,7 @@
           <a:p>
             <a:fld id="{C92FC937-38D6-4B8F-AEB3-E5F6C110AD7F}" type="slidenum">
               <a:rPr lang="hr-HR" smtClean="0"/>
-              <a:t>15</a:t>
+              <a:t>12</a:t>
             </a:fld>
             <a:endParaRPr lang="hr-HR"/>
           </a:p>
@@ -15117,7 +9751,7 @@
 </p:sld>
 </file>
 
-<file path=ppt/slides/slide16.xml><?xml version="1.0" encoding="utf-8"?>
+<file path=ppt/slides/slide13.xml><?xml version="1.0" encoding="utf-8"?>
 <p:sld xmlns:a="http://schemas.openxmlformats.org/drawingml/2006/main" xmlns:r="http://schemas.openxmlformats.org/officeDocument/2006/relationships" xmlns:p="http://schemas.openxmlformats.org/presentationml/2006/main">
   <p:cSld>
     <p:spTree>
@@ -15317,7 +9951,7 @@
           <a:p>
             <a:fld id="{C92FC937-38D6-4B8F-AEB3-E5F6C110AD7F}" type="slidenum">
               <a:rPr lang="hr-HR" smtClean="0"/>
-              <a:t>16</a:t>
+              <a:t>13</a:t>
             </a:fld>
             <a:endParaRPr lang="hr-HR"/>
           </a:p>
@@ -15558,7 +10192,7 @@
             </a:pPr>
             <a:r>
               <a:rPr lang="hr-HR" kern="0" dirty="0"/>
-              <a:t>Prikazan je dio korelacijske matrice (gore), sa odgovarajućim p-vrijednostima (dolje)</a:t>
+              <a:t>Prikazana je korelacijska matrica (gore), sa odgovarajućim p-vrijednostima (dolje)</a:t>
             </a:r>
           </a:p>
           <a:p>
@@ -15576,80 +10210,6 @@
               <a:t>nekorelirane</a:t>
             </a:r>
             <a:endParaRPr lang="hr-HR" kern="0" dirty="0"/>
-          </a:p>
-        </p:txBody>
-      </p:sp>
-      <p:sp>
-        <p:nvSpPr>
-          <p:cNvPr id="7" name="Rectangle 6">
-            <a:extLst>
-              <a:ext uri="{FF2B5EF4-FFF2-40B4-BE49-F238E27FC236}">
-                <a16:creationId xmlns:a16="http://schemas.microsoft.com/office/drawing/2014/main" id="{377F2DA2-FCBC-2D3E-CC8A-4C66BE17E6FF}"/>
-              </a:ext>
-            </a:extLst>
-          </p:cNvPr>
-          <p:cNvSpPr/>
-          <p:nvPr/>
-        </p:nvSpPr>
-        <p:spPr>
-          <a:xfrm>
-            <a:off x="9714361" y="6663690"/>
-            <a:ext cx="4651610" cy="1318260"/>
-          </a:xfrm>
-          <a:prstGeom prst="rect">
-            <a:avLst/>
-          </a:prstGeom>
-          <a:solidFill>
-            <a:srgbClr val="C00000"/>
-          </a:solidFill>
-          <a:ln>
-            <a:solidFill>
-              <a:srgbClr val="C00000"/>
-            </a:solidFill>
-          </a:ln>
-        </p:spPr>
-        <p:style>
-          <a:lnRef idx="2">
-            <a:schemeClr val="accent1">
-              <a:shade val="15000"/>
-            </a:schemeClr>
-          </a:lnRef>
-          <a:fillRef idx="1">
-            <a:schemeClr val="accent1"/>
-          </a:fillRef>
-          <a:effectRef idx="0">
-            <a:schemeClr val="accent1"/>
-          </a:effectRef>
-          <a:fontRef idx="minor">
-            <a:schemeClr val="lt1"/>
-          </a:fontRef>
-        </p:style>
-        <p:txBody>
-          <a:bodyPr rtlCol="0" anchor="ctr"/>
-          <a:lstStyle/>
-          <a:p>
-            <a:pPr algn="just"/>
-            <a:r>
-              <a:rPr lang="hr-HR" sz="1600" dirty="0"/>
-              <a:t>Cijela korelacijska matrica u ovom slučaju nije stala, ali prikazani dio jasno pokazuje odnos značajki i performansi na </a:t>
-            </a:r>
-            <a:r>
-              <a:rPr lang="hr-HR" sz="1600" dirty="0" err="1"/>
-              <a:t>sim</a:t>
-            </a:r>
-            <a:r>
-              <a:rPr lang="en-GB" sz="1600" dirty="0"/>
-              <a:t>u</a:t>
-            </a:r>
-            <a:r>
-              <a:rPr lang="hr-HR" sz="1600" dirty="0" err="1"/>
-              <a:t>latoru</a:t>
-            </a:r>
-            <a:r>
-              <a:rPr lang="hr-HR" sz="1600" dirty="0"/>
-              <a:t> (SIMULATOR) što treba biti prikazano u seminarskim radovima. </a:t>
-            </a:r>
-            <a:endParaRPr lang="en-GB" sz="1600" b="1" dirty="0"/>
           </a:p>
         </p:txBody>
       </p:sp>
@@ -15738,7 +10298,7 @@
 </p:sld>
 </file>
 
-<file path=ppt/slides/slide17.xml><?xml version="1.0" encoding="utf-8"?>
+<file path=ppt/slides/slide14.xml><?xml version="1.0" encoding="utf-8"?>
 <p:sld xmlns:a="http://schemas.openxmlformats.org/drawingml/2006/main" xmlns:r="http://schemas.openxmlformats.org/officeDocument/2006/relationships" xmlns:p="http://schemas.openxmlformats.org/presentationml/2006/main">
   <p:cSld>
     <p:spTree>
@@ -15938,7 +10498,7 @@
           <a:p>
             <a:fld id="{C92FC937-38D6-4B8F-AEB3-E5F6C110AD7F}" type="slidenum">
               <a:rPr lang="hr-HR" smtClean="0"/>
-              <a:t>17</a:t>
+              <a:t>14</a:t>
             </a:fld>
             <a:endParaRPr lang="hr-HR"/>
           </a:p>
@@ -16174,84 +10734,6 @@
               <a:rPr lang="hr-HR" kern="0" dirty="0"/>
               <a:t> plotovi za relevantne značajke</a:t>
             </a:r>
-          </a:p>
-        </p:txBody>
-      </p:sp>
-      <p:sp>
-        <p:nvSpPr>
-          <p:cNvPr id="3" name="Rectangle 2">
-            <a:extLst>
-              <a:ext uri="{FF2B5EF4-FFF2-40B4-BE49-F238E27FC236}">
-                <a16:creationId xmlns:a16="http://schemas.microsoft.com/office/drawing/2014/main" id="{792BC561-1045-30CC-56FC-C6D20058B4D9}"/>
-              </a:ext>
-            </a:extLst>
-          </p:cNvPr>
-          <p:cNvSpPr/>
-          <p:nvPr/>
-        </p:nvSpPr>
-        <p:spPr>
-          <a:xfrm>
-            <a:off x="11807190" y="4457700"/>
-            <a:ext cx="2709635" cy="3379598"/>
-          </a:xfrm>
-          <a:prstGeom prst="rect">
-            <a:avLst/>
-          </a:prstGeom>
-          <a:solidFill>
-            <a:srgbClr val="C00000"/>
-          </a:solidFill>
-          <a:ln>
-            <a:solidFill>
-              <a:srgbClr val="C00000"/>
-            </a:solidFill>
-          </a:ln>
-        </p:spPr>
-        <p:style>
-          <a:lnRef idx="2">
-            <a:schemeClr val="accent1">
-              <a:shade val="15000"/>
-            </a:schemeClr>
-          </a:lnRef>
-          <a:fillRef idx="1">
-            <a:schemeClr val="accent1"/>
-          </a:fillRef>
-          <a:effectRef idx="0">
-            <a:schemeClr val="accent1"/>
-          </a:effectRef>
-          <a:fontRef idx="minor">
-            <a:schemeClr val="lt1"/>
-          </a:fontRef>
-        </p:style>
-        <p:txBody>
-          <a:bodyPr rtlCol="0" anchor="ctr"/>
-          <a:lstStyle/>
-          <a:p>
-            <a:pPr algn="just"/>
-            <a:r>
-              <a:rPr lang="hr-HR" sz="1600" dirty="0"/>
-              <a:t>Zbog većeg broja značajki u našem istraživanju, na ovom </a:t>
-            </a:r>
-            <a:r>
-              <a:rPr lang="hr-HR" sz="1600" dirty="0" err="1"/>
-              <a:t>slide</a:t>
-            </a:r>
-            <a:r>
-              <a:rPr lang="hr-HR" sz="1600" dirty="0"/>
-              <a:t>-u izdvojene su samo relevantne značajke za daljnji razvoj našeg modela. </a:t>
-            </a:r>
-            <a:r>
-              <a:rPr lang="hr-HR" sz="1600" b="1" dirty="0"/>
-              <a:t>Kod vaših seminarskih radova očekujemo ukupno do 10 fizioloških značajki pa se mogu komotno prikazati </a:t>
-            </a:r>
-            <a:r>
-              <a:rPr lang="hr-HR" sz="1600" b="1" dirty="0" err="1"/>
-              <a:t>scatter</a:t>
-            </a:r>
-            <a:r>
-              <a:rPr lang="hr-HR" sz="1600" b="1" dirty="0"/>
-              <a:t> plotovi za sve te značajke.</a:t>
-            </a:r>
-            <a:endParaRPr lang="en-GB" sz="1600" b="1" dirty="0"/>
           </a:p>
         </p:txBody>
       </p:sp>
@@ -16304,1598 +10786,7 @@
 </p:sld>
 </file>
 
-<file path=ppt/slides/slide18.xml><?xml version="1.0" encoding="utf-8"?>
-<p:sld xmlns:a="http://schemas.openxmlformats.org/drawingml/2006/main" xmlns:r="http://schemas.openxmlformats.org/officeDocument/2006/relationships" xmlns:p="http://schemas.openxmlformats.org/presentationml/2006/main">
-  <p:cSld>
-    <p:spTree>
-      <p:nvGrpSpPr>
-        <p:cNvPr id="1" name="">
-          <a:extLst>
-            <a:ext uri="{FF2B5EF4-FFF2-40B4-BE49-F238E27FC236}">
-              <a16:creationId xmlns:a16="http://schemas.microsoft.com/office/drawing/2014/main" id="{85C85141-14E0-7103-EC6F-03422F91C5D3}"/>
-            </a:ext>
-          </a:extLst>
-        </p:cNvPr>
-        <p:cNvGrpSpPr/>
-        <p:nvPr/>
-      </p:nvGrpSpPr>
-      <p:grpSpPr>
-        <a:xfrm>
-          <a:off x="0" y="0"/>
-          <a:ext cx="0" cy="0"/>
-          <a:chOff x="0" y="0"/>
-          <a:chExt cx="0" cy="0"/>
-        </a:xfrm>
-      </p:grpSpPr>
-      <p:sp>
-        <p:nvSpPr>
-          <p:cNvPr id="2" name="Title 1">
-            <a:extLst>
-              <a:ext uri="{FF2B5EF4-FFF2-40B4-BE49-F238E27FC236}">
-                <a16:creationId xmlns:a16="http://schemas.microsoft.com/office/drawing/2014/main" id="{962D3576-D8BB-EC7B-CF74-B04A61A77539}"/>
-              </a:ext>
-            </a:extLst>
-          </p:cNvPr>
-          <p:cNvSpPr>
-            <a:spLocks noGrp="1"/>
-          </p:cNvSpPr>
-          <p:nvPr>
-            <p:ph type="title"/>
-          </p:nvPr>
-        </p:nvSpPr>
-        <p:spPr>
-          <a:xfrm>
-            <a:off x="0" y="458576"/>
-            <a:ext cx="14630400" cy="892552"/>
-          </a:xfrm>
-        </p:spPr>
-        <p:txBody>
-          <a:bodyPr/>
-          <a:lstStyle/>
-          <a:p>
-            <a:r>
-              <a:rPr lang="en-GB" sz="2600" dirty="0" err="1"/>
-              <a:t>Razvoj</a:t>
-            </a:r>
-            <a:r>
-              <a:rPr lang="en-GB" sz="2600" dirty="0"/>
-              <a:t> </a:t>
-            </a:r>
-            <a:r>
-              <a:rPr lang="hr-HR" sz="2600" dirty="0"/>
-              <a:t>neuronske mreže</a:t>
-            </a:r>
-            <a:r>
-              <a:rPr lang="en-GB" sz="2600" dirty="0"/>
-              <a:t> za </a:t>
-            </a:r>
-            <a:r>
-              <a:rPr lang="en-GB" sz="2600" dirty="0" err="1"/>
-              <a:t>estimaciju</a:t>
-            </a:r>
-            <a:r>
-              <a:rPr lang="en-GB" sz="2600" dirty="0"/>
-              <a:t>/</a:t>
-            </a:r>
-            <a:r>
-              <a:rPr lang="en-GB" sz="2600" dirty="0" err="1"/>
-              <a:t>predikciju</a:t>
-            </a:r>
-            <a:r>
-              <a:rPr lang="en-GB" sz="2600" dirty="0"/>
-              <a:t> </a:t>
-            </a:r>
-            <a:r>
-              <a:rPr lang="en-GB" sz="2600" dirty="0" err="1"/>
-              <a:t>performansi</a:t>
-            </a:r>
-            <a:r>
-              <a:rPr lang="en-GB" sz="2600" dirty="0"/>
-              <a:t> </a:t>
-            </a:r>
-            <a:r>
-              <a:rPr lang="en-GB" sz="2600" dirty="0" err="1"/>
-              <a:t>na</a:t>
-            </a:r>
-            <a:r>
-              <a:rPr lang="en-GB" sz="2600" dirty="0"/>
-              <a:t> </a:t>
-            </a:r>
-            <a:r>
-              <a:rPr lang="en-GB" sz="2600" dirty="0" err="1"/>
-              <a:t>simulatoru</a:t>
-            </a:r>
-            <a:r>
-              <a:rPr lang="en-GB" sz="2600" dirty="0"/>
-              <a:t> </a:t>
-            </a:r>
-            <a:r>
-              <a:rPr lang="en-GB" sz="2600" dirty="0" err="1"/>
-              <a:t>leta</a:t>
-            </a:r>
-            <a:r>
-              <a:rPr lang="en-GB" sz="2600" dirty="0"/>
-              <a:t> u startle </a:t>
-            </a:r>
-            <a:r>
-              <a:rPr lang="en-GB" sz="2600" dirty="0" err="1"/>
-              <a:t>uvjetima</a:t>
-            </a:r>
-            <a:r>
-              <a:rPr lang="en-GB" sz="2600" dirty="0"/>
-              <a:t> </a:t>
-            </a:r>
-            <a:r>
-              <a:rPr lang="en-GB" sz="2600" dirty="0" err="1"/>
-              <a:t>na</a:t>
-            </a:r>
-            <a:r>
-              <a:rPr lang="en-GB" sz="2600" dirty="0"/>
-              <a:t> </a:t>
-            </a:r>
-            <a:r>
-              <a:rPr lang="en-GB" sz="2600" dirty="0" err="1"/>
-              <a:t>temelju</a:t>
-            </a:r>
-            <a:r>
-              <a:rPr lang="en-GB" sz="2600" dirty="0"/>
-              <a:t> </a:t>
-            </a:r>
-            <a:r>
-              <a:rPr lang="en-GB" sz="2600" dirty="0" err="1"/>
-              <a:t>signala</a:t>
-            </a:r>
-            <a:r>
-              <a:rPr lang="en-GB" sz="2600" dirty="0"/>
-              <a:t> </a:t>
-            </a:r>
-            <a:r>
-              <a:rPr lang="en-GB" sz="2600" dirty="0" err="1"/>
-              <a:t>vodljivosti</a:t>
-            </a:r>
-            <a:r>
-              <a:rPr lang="en-GB" sz="2600" dirty="0"/>
-              <a:t> </a:t>
-            </a:r>
-            <a:r>
-              <a:rPr lang="en-GB" sz="2600" dirty="0" err="1"/>
-              <a:t>kože</a:t>
-            </a:r>
-            <a:r>
-              <a:rPr lang="hr-HR" sz="2600" dirty="0"/>
-              <a:t> </a:t>
-            </a:r>
-            <a:r>
-              <a:rPr lang="en-GB" sz="2600" dirty="0" err="1"/>
-              <a:t>i</a:t>
-            </a:r>
-            <a:r>
-              <a:rPr lang="en-GB" sz="2600" dirty="0"/>
-              <a:t> </a:t>
-            </a:r>
-            <a:r>
-              <a:rPr lang="en-GB" sz="2600" dirty="0" err="1"/>
-              <a:t>disanja</a:t>
-            </a:r>
-            <a:endParaRPr lang="en-GB" sz="2600" dirty="0"/>
-          </a:p>
-        </p:txBody>
-      </p:sp>
-      <p:sp>
-        <p:nvSpPr>
-          <p:cNvPr id="4" name="Slide Number Placeholder 3">
-            <a:extLst>
-              <a:ext uri="{FF2B5EF4-FFF2-40B4-BE49-F238E27FC236}">
-                <a16:creationId xmlns:a16="http://schemas.microsoft.com/office/drawing/2014/main" id="{FAB234E9-B62A-84F1-2EF1-CE1CDCE96625}"/>
-              </a:ext>
-            </a:extLst>
-          </p:cNvPr>
-          <p:cNvSpPr>
-            <a:spLocks noGrp="1"/>
-          </p:cNvSpPr>
-          <p:nvPr>
-            <p:ph type="sldNum" sz="quarter" idx="10"/>
-          </p:nvPr>
-        </p:nvSpPr>
-        <p:spPr/>
-        <p:txBody>
-          <a:bodyPr/>
-          <a:lstStyle/>
-          <a:p>
-            <a:fld id="{C92FC937-38D6-4B8F-AEB3-E5F6C110AD7F}" type="slidenum">
-              <a:rPr lang="hr-HR" smtClean="0"/>
-              <a:t>18</a:t>
-            </a:fld>
-            <a:endParaRPr lang="hr-HR"/>
-          </a:p>
-        </p:txBody>
-      </p:sp>
-      <p:sp>
-        <p:nvSpPr>
-          <p:cNvPr id="8" name="Content Placeholder 7">
-            <a:extLst>
-              <a:ext uri="{FF2B5EF4-FFF2-40B4-BE49-F238E27FC236}">
-                <a16:creationId xmlns:a16="http://schemas.microsoft.com/office/drawing/2014/main" id="{47AE3211-D919-7862-6531-F497F708F492}"/>
-              </a:ext>
-            </a:extLst>
-          </p:cNvPr>
-          <p:cNvSpPr>
-            <a:spLocks noGrp="1"/>
-          </p:cNvSpPr>
-          <p:nvPr>
-            <p:ph idx="1"/>
-          </p:nvPr>
-        </p:nvSpPr>
-        <p:spPr>
-          <a:xfrm>
-            <a:off x="316536" y="1694642"/>
-            <a:ext cx="13980855" cy="394595"/>
-          </a:xfrm>
-        </p:spPr>
-        <p:txBody>
-          <a:bodyPr/>
-          <a:lstStyle/>
-          <a:p>
-            <a:pPr marL="0" indent="0">
-              <a:buNone/>
-            </a:pPr>
-            <a:r>
-              <a:rPr lang="hr-HR" b="1" dirty="0"/>
-              <a:t>Razvoj modela - prikaz naše izabrane metode (MRA)</a:t>
-            </a:r>
-            <a:endParaRPr lang="hr-HR" b="1" u="sng" dirty="0"/>
-          </a:p>
-        </p:txBody>
-      </p:sp>
-      <p:sp>
-        <p:nvSpPr>
-          <p:cNvPr id="5" name="Content Placeholder 7">
-            <a:extLst>
-              <a:ext uri="{FF2B5EF4-FFF2-40B4-BE49-F238E27FC236}">
-                <a16:creationId xmlns:a16="http://schemas.microsoft.com/office/drawing/2014/main" id="{C59C8611-76AC-7BA6-69C1-81CC002044E0}"/>
-              </a:ext>
-            </a:extLst>
-          </p:cNvPr>
-          <p:cNvSpPr txBox="1">
-            <a:spLocks/>
-          </p:cNvSpPr>
-          <p:nvPr/>
-        </p:nvSpPr>
-        <p:spPr bwMode="auto">
-          <a:xfrm>
-            <a:off x="316536" y="2089237"/>
-            <a:ext cx="7954007" cy="5058436"/>
-          </a:xfrm>
-          <a:prstGeom prst="rect">
-            <a:avLst/>
-          </a:prstGeom>
-          <a:noFill/>
-          <a:ln w="9525">
-            <a:noFill/>
-            <a:miter lim="800000"/>
-            <a:headEnd/>
-            <a:tailEnd/>
-          </a:ln>
-        </p:spPr>
-        <p:txBody>
-          <a:bodyPr vert="horz" wrap="square" lIns="91440" tIns="45720" rIns="91440" bIns="45720" numCol="1" anchor="t" anchorCtr="0" compatLnSpc="1">
-            <a:prstTxWarp prst="textNoShape">
-              <a:avLst/>
-            </a:prstTxWarp>
-            <a:spAutoFit/>
-          </a:bodyPr>
-          <a:lstStyle>
-            <a:lvl1pPr marL="455786" indent="-455786" algn="l" rtl="0" eaLnBrk="0" fontAlgn="base" hangingPunct="0">
-              <a:spcBef>
-                <a:spcPct val="20000"/>
-              </a:spcBef>
-              <a:spcAft>
-                <a:spcPct val="0"/>
-              </a:spcAft>
-              <a:buChar char="•"/>
-              <a:defRPr sz="1964">
-                <a:solidFill>
-                  <a:schemeClr val="tx1"/>
-                </a:solidFill>
-                <a:latin typeface="+mn-lt"/>
-                <a:ea typeface="+mn-ea"/>
-                <a:cs typeface="+mn-cs"/>
-              </a:defRPr>
-            </a:lvl1pPr>
-            <a:lvl2pPr marL="987536" indent="-379822" algn="l" rtl="0" eaLnBrk="0" fontAlgn="base" hangingPunct="0">
-              <a:spcBef>
-                <a:spcPct val="20000"/>
-              </a:spcBef>
-              <a:spcAft>
-                <a:spcPct val="0"/>
-              </a:spcAft>
-              <a:buChar char="–"/>
-              <a:defRPr sz="1745">
-                <a:solidFill>
-                  <a:srgbClr val="0070C0"/>
-                </a:solidFill>
-                <a:latin typeface="+mn-lt"/>
-              </a:defRPr>
-            </a:lvl2pPr>
-            <a:lvl3pPr marL="1519287" indent="-303858" algn="l" rtl="0" eaLnBrk="0" fontAlgn="base" hangingPunct="0">
-              <a:spcBef>
-                <a:spcPct val="20000"/>
-              </a:spcBef>
-              <a:spcAft>
-                <a:spcPct val="0"/>
-              </a:spcAft>
-              <a:buChar char="•"/>
-              <a:defRPr sz="1745">
-                <a:solidFill>
-                  <a:schemeClr val="tx1"/>
-                </a:solidFill>
-                <a:latin typeface="+mn-lt"/>
-              </a:defRPr>
-            </a:lvl3pPr>
-            <a:lvl4pPr marL="2127002" indent="-303858" algn="l" rtl="0" eaLnBrk="0" fontAlgn="base" hangingPunct="0">
-              <a:spcBef>
-                <a:spcPct val="20000"/>
-              </a:spcBef>
-              <a:spcAft>
-                <a:spcPct val="0"/>
-              </a:spcAft>
-              <a:buChar char="–"/>
-              <a:defRPr sz="1745">
-                <a:solidFill>
-                  <a:srgbClr val="0070C0"/>
-                </a:solidFill>
-                <a:latin typeface="+mn-lt"/>
-              </a:defRPr>
-            </a:lvl4pPr>
-            <a:lvl5pPr marL="2734716" indent="-303858" algn="l" rtl="0" eaLnBrk="0" fontAlgn="base" hangingPunct="0">
-              <a:spcBef>
-                <a:spcPct val="20000"/>
-              </a:spcBef>
-              <a:spcAft>
-                <a:spcPct val="0"/>
-              </a:spcAft>
-              <a:buChar char="»"/>
-              <a:defRPr sz="1745">
-                <a:solidFill>
-                  <a:schemeClr val="tx1"/>
-                </a:solidFill>
-                <a:latin typeface="+mn-lt"/>
-              </a:defRPr>
-            </a:lvl5pPr>
-            <a:lvl6pPr marL="3342430" indent="-303858" algn="l" rtl="0" fontAlgn="base">
-              <a:spcBef>
-                <a:spcPct val="20000"/>
-              </a:spcBef>
-              <a:spcAft>
-                <a:spcPct val="0"/>
-              </a:spcAft>
-              <a:buChar char="»"/>
-              <a:defRPr>
-                <a:solidFill>
-                  <a:srgbClr val="5F5F5F"/>
-                </a:solidFill>
-                <a:latin typeface="+mn-lt"/>
-              </a:defRPr>
-            </a:lvl6pPr>
-            <a:lvl7pPr marL="3950144" indent="-303858" algn="l" rtl="0" fontAlgn="base">
-              <a:spcBef>
-                <a:spcPct val="20000"/>
-              </a:spcBef>
-              <a:spcAft>
-                <a:spcPct val="0"/>
-              </a:spcAft>
-              <a:buChar char="»"/>
-              <a:defRPr>
-                <a:solidFill>
-                  <a:srgbClr val="5F5F5F"/>
-                </a:solidFill>
-                <a:latin typeface="+mn-lt"/>
-              </a:defRPr>
-            </a:lvl7pPr>
-            <a:lvl8pPr marL="4557859" indent="-303858" algn="l" rtl="0" fontAlgn="base">
-              <a:spcBef>
-                <a:spcPct val="20000"/>
-              </a:spcBef>
-              <a:spcAft>
-                <a:spcPct val="0"/>
-              </a:spcAft>
-              <a:buChar char="»"/>
-              <a:defRPr>
-                <a:solidFill>
-                  <a:srgbClr val="5F5F5F"/>
-                </a:solidFill>
-                <a:latin typeface="+mn-lt"/>
-              </a:defRPr>
-            </a:lvl8pPr>
-            <a:lvl9pPr marL="5165573" indent="-303858" algn="l" rtl="0" fontAlgn="base">
-              <a:spcBef>
-                <a:spcPct val="20000"/>
-              </a:spcBef>
-              <a:spcAft>
-                <a:spcPct val="0"/>
-              </a:spcAft>
-              <a:buChar char="»"/>
-              <a:defRPr>
-                <a:solidFill>
-                  <a:srgbClr val="5F5F5F"/>
-                </a:solidFill>
-                <a:latin typeface="+mn-lt"/>
-              </a:defRPr>
-            </a:lvl9pPr>
-          </a:lstStyle>
-          <a:p>
-            <a:pPr>
-              <a:spcBef>
-                <a:spcPts val="600"/>
-              </a:spcBef>
-            </a:pPr>
-            <a:r>
-              <a:rPr lang="hr-HR" kern="0" dirty="0"/>
-              <a:t>MRA objašnjava ili predviđa jednu Y varijablu iz dvije ili više X varijabli. Ciljevi višestruke regresije su:</a:t>
-            </a:r>
-          </a:p>
-          <a:p>
-            <a:pPr marL="607714" lvl="1" indent="0">
-              <a:spcBef>
-                <a:spcPts val="600"/>
-              </a:spcBef>
-              <a:buNone/>
-            </a:pPr>
-            <a:r>
-              <a:rPr lang="hr-HR" kern="0" dirty="0"/>
-              <a:t>(1) opisati i razumjeti odnos, </a:t>
-            </a:r>
-          </a:p>
-          <a:p>
-            <a:pPr marL="607714" lvl="1" indent="0">
-              <a:spcBef>
-                <a:spcPts val="600"/>
-              </a:spcBef>
-              <a:buNone/>
-            </a:pPr>
-            <a:r>
-              <a:rPr lang="hr-HR" kern="0" dirty="0"/>
-              <a:t>(2) prognozirati (predvidjeti) novo opažanje </a:t>
-            </a:r>
-          </a:p>
-          <a:p>
-            <a:pPr marL="607714" lvl="1" indent="0">
-              <a:spcBef>
-                <a:spcPts val="600"/>
-              </a:spcBef>
-              <a:buNone/>
-            </a:pPr>
-            <a:r>
-              <a:rPr lang="hr-HR" kern="0" dirty="0"/>
-              <a:t>(3) prilagoditi i kontrolirati proces</a:t>
-            </a:r>
-          </a:p>
-          <a:p>
-            <a:pPr marL="607714" lvl="1" indent="0">
-              <a:spcBef>
-                <a:spcPts val="600"/>
-              </a:spcBef>
-              <a:buNone/>
-            </a:pPr>
-            <a:endParaRPr lang="hr-HR" kern="0" dirty="0"/>
-          </a:p>
-          <a:p>
-            <a:pPr>
-              <a:spcBef>
-                <a:spcPts val="600"/>
-              </a:spcBef>
-            </a:pPr>
-            <a:r>
-              <a:rPr lang="hr-HR" kern="0" dirty="0"/>
-              <a:t>MRA pomaže u procjeni doprinosa svakog prediktora ishodu</a:t>
-            </a:r>
-          </a:p>
-          <a:p>
-            <a:pPr lvl="1">
-              <a:spcBef>
-                <a:spcPts val="600"/>
-              </a:spcBef>
-            </a:pPr>
-            <a:r>
-              <a:rPr lang="hr-HR" kern="0" dirty="0"/>
-              <a:t>Pretpostavlja linearnost između prediktora i ishoda</a:t>
-            </a:r>
-          </a:p>
-          <a:p>
-            <a:pPr>
-              <a:spcBef>
-                <a:spcPts val="600"/>
-              </a:spcBef>
-            </a:pPr>
-            <a:endParaRPr lang="hr-HR" kern="0" dirty="0"/>
-          </a:p>
-          <a:p>
-            <a:pPr>
-              <a:spcBef>
-                <a:spcPts val="600"/>
-              </a:spcBef>
-            </a:pPr>
-            <a:r>
-              <a:rPr lang="hr-HR" kern="0" dirty="0"/>
-              <a:t>Osigurana je jasna </a:t>
-            </a:r>
-            <a:r>
-              <a:rPr lang="hr-HR" kern="0" dirty="0" err="1"/>
-              <a:t>interpretabilnost</a:t>
-            </a:r>
-            <a:endParaRPr lang="hr-HR" kern="0" dirty="0"/>
-          </a:p>
-          <a:p>
-            <a:pPr lvl="1">
-              <a:spcBef>
-                <a:spcPts val="600"/>
-              </a:spcBef>
-            </a:pPr>
-            <a:r>
-              <a:rPr lang="hr-HR" kern="0" dirty="0"/>
-              <a:t>Prikazana je važnost svakog prediktora i njegov učinak na ishod, s koeficijentima koji su izravno povezani s varijablama iz stvarnog svijeta</a:t>
-            </a:r>
-          </a:p>
-          <a:p>
-            <a:pPr lvl="1">
-              <a:spcBef>
-                <a:spcPts val="600"/>
-              </a:spcBef>
-            </a:pPr>
-            <a:r>
-              <a:rPr lang="hr-HR" kern="0" dirty="0"/>
-              <a:t>Ova transparentnost često nedostaje u modelima crne kutije poput dubokog učenja</a:t>
-            </a:r>
-          </a:p>
-        </p:txBody>
-      </p:sp>
-      <p:pic>
-        <p:nvPicPr>
-          <p:cNvPr id="3074" name="Picture 2" descr="What Is Multiple Linear Regression (MLR)?">
-            <a:extLst>
-              <a:ext uri="{FF2B5EF4-FFF2-40B4-BE49-F238E27FC236}">
-                <a16:creationId xmlns:a16="http://schemas.microsoft.com/office/drawing/2014/main" id="{1581EF6A-B3B4-EB32-45A9-76C123859CFF}"/>
-              </a:ext>
-            </a:extLst>
-          </p:cNvPr>
-          <p:cNvPicPr>
-            <a:picLocks noChangeAspect="1" noChangeArrowheads="1"/>
-          </p:cNvPicPr>
-          <p:nvPr/>
-        </p:nvPicPr>
-        <p:blipFill>
-          <a:blip r:embed="rId2">
-            <a:clrChange>
-              <a:clrFrom>
-                <a:srgbClr val="FFFFFF"/>
-              </a:clrFrom>
-              <a:clrTo>
-                <a:srgbClr val="FFFFFF">
-                  <a:alpha val="0"/>
-                </a:srgbClr>
-              </a:clrTo>
-            </a:clrChange>
-            <a:extLst>
-              <a:ext uri="{28A0092B-C50C-407E-A947-70E740481C1C}">
-                <a14:useLocalDpi xmlns:a14="http://schemas.microsoft.com/office/drawing/2010/main" val="0"/>
-              </a:ext>
-            </a:extLst>
-          </a:blip>
-          <a:srcRect/>
-          <a:stretch>
-            <a:fillRect/>
-          </a:stretch>
-        </p:blipFill>
-        <p:spPr bwMode="auto">
-          <a:xfrm>
-            <a:off x="7934321" y="2988860"/>
-            <a:ext cx="6700783" cy="2833474"/>
-          </a:xfrm>
-          <a:prstGeom prst="rect">
-            <a:avLst/>
-          </a:prstGeom>
-          <a:noFill/>
-          <a:extLst>
-            <a:ext uri="{909E8E84-426E-40DD-AFC4-6F175D3DCCD1}">
-              <a14:hiddenFill xmlns:a14="http://schemas.microsoft.com/office/drawing/2010/main">
-                <a:solidFill>
-                  <a:srgbClr val="FFFFFF"/>
-                </a:solidFill>
-              </a14:hiddenFill>
-            </a:ext>
-          </a:extLst>
-        </p:spPr>
-      </p:pic>
-    </p:spTree>
-    <p:extLst>
-      <p:ext uri="{BB962C8B-B14F-4D97-AF65-F5344CB8AC3E}">
-        <p14:creationId xmlns:p14="http://schemas.microsoft.com/office/powerpoint/2010/main" val="481223076"/>
-      </p:ext>
-    </p:extLst>
-  </p:cSld>
-  <p:clrMapOvr>
-    <a:masterClrMapping/>
-  </p:clrMapOvr>
-</p:sld>
-</file>
-
-<file path=ppt/slides/slide19.xml><?xml version="1.0" encoding="utf-8"?>
-<p:sld xmlns:a="http://schemas.openxmlformats.org/drawingml/2006/main" xmlns:r="http://schemas.openxmlformats.org/officeDocument/2006/relationships" xmlns:p="http://schemas.openxmlformats.org/presentationml/2006/main">
-  <p:cSld>
-    <p:spTree>
-      <p:nvGrpSpPr>
-        <p:cNvPr id="1" name="">
-          <a:extLst>
-            <a:ext uri="{FF2B5EF4-FFF2-40B4-BE49-F238E27FC236}">
-              <a16:creationId xmlns:a16="http://schemas.microsoft.com/office/drawing/2014/main" id="{2FAB6A2A-7538-62D8-1984-E716A7997C0F}"/>
-            </a:ext>
-          </a:extLst>
-        </p:cNvPr>
-        <p:cNvGrpSpPr/>
-        <p:nvPr/>
-      </p:nvGrpSpPr>
-      <p:grpSpPr>
-        <a:xfrm>
-          <a:off x="0" y="0"/>
-          <a:ext cx="0" cy="0"/>
-          <a:chOff x="0" y="0"/>
-          <a:chExt cx="0" cy="0"/>
-        </a:xfrm>
-      </p:grpSpPr>
-      <p:sp>
-        <p:nvSpPr>
-          <p:cNvPr id="2" name="Title 1">
-            <a:extLst>
-              <a:ext uri="{FF2B5EF4-FFF2-40B4-BE49-F238E27FC236}">
-                <a16:creationId xmlns:a16="http://schemas.microsoft.com/office/drawing/2014/main" id="{BC1B016A-E2CA-8C6E-1767-24844514955B}"/>
-              </a:ext>
-            </a:extLst>
-          </p:cNvPr>
-          <p:cNvSpPr>
-            <a:spLocks noGrp="1"/>
-          </p:cNvSpPr>
-          <p:nvPr>
-            <p:ph type="title"/>
-          </p:nvPr>
-        </p:nvSpPr>
-        <p:spPr>
-          <a:xfrm>
-            <a:off x="0" y="458576"/>
-            <a:ext cx="14630400" cy="892552"/>
-          </a:xfrm>
-        </p:spPr>
-        <p:txBody>
-          <a:bodyPr/>
-          <a:lstStyle/>
-          <a:p>
-            <a:r>
-              <a:rPr lang="en-GB" sz="2600" dirty="0" err="1"/>
-              <a:t>Razvoj</a:t>
-            </a:r>
-            <a:r>
-              <a:rPr lang="en-GB" sz="2600" dirty="0"/>
-              <a:t> </a:t>
-            </a:r>
-            <a:r>
-              <a:rPr lang="hr-HR" sz="2600" dirty="0"/>
-              <a:t>neuronske mreže</a:t>
-            </a:r>
-            <a:r>
-              <a:rPr lang="en-GB" sz="2600" dirty="0"/>
-              <a:t> za </a:t>
-            </a:r>
-            <a:r>
-              <a:rPr lang="en-GB" sz="2600" dirty="0" err="1"/>
-              <a:t>estimaciju</a:t>
-            </a:r>
-            <a:r>
-              <a:rPr lang="en-GB" sz="2600" dirty="0"/>
-              <a:t>/</a:t>
-            </a:r>
-            <a:r>
-              <a:rPr lang="en-GB" sz="2600" dirty="0" err="1"/>
-              <a:t>predikciju</a:t>
-            </a:r>
-            <a:r>
-              <a:rPr lang="en-GB" sz="2600" dirty="0"/>
-              <a:t> </a:t>
-            </a:r>
-            <a:r>
-              <a:rPr lang="en-GB" sz="2600" dirty="0" err="1"/>
-              <a:t>performansi</a:t>
-            </a:r>
-            <a:r>
-              <a:rPr lang="en-GB" sz="2600" dirty="0"/>
-              <a:t> </a:t>
-            </a:r>
-            <a:r>
-              <a:rPr lang="en-GB" sz="2600" dirty="0" err="1"/>
-              <a:t>na</a:t>
-            </a:r>
-            <a:r>
-              <a:rPr lang="en-GB" sz="2600" dirty="0"/>
-              <a:t> </a:t>
-            </a:r>
-            <a:r>
-              <a:rPr lang="en-GB" sz="2600" dirty="0" err="1"/>
-              <a:t>simulatoru</a:t>
-            </a:r>
-            <a:r>
-              <a:rPr lang="en-GB" sz="2600" dirty="0"/>
-              <a:t> </a:t>
-            </a:r>
-            <a:r>
-              <a:rPr lang="en-GB" sz="2600" dirty="0" err="1"/>
-              <a:t>leta</a:t>
-            </a:r>
-            <a:r>
-              <a:rPr lang="en-GB" sz="2600" dirty="0"/>
-              <a:t> u startle </a:t>
-            </a:r>
-            <a:r>
-              <a:rPr lang="en-GB" sz="2600" dirty="0" err="1"/>
-              <a:t>uvjetima</a:t>
-            </a:r>
-            <a:r>
-              <a:rPr lang="en-GB" sz="2600" dirty="0"/>
-              <a:t> </a:t>
-            </a:r>
-            <a:r>
-              <a:rPr lang="en-GB" sz="2600" dirty="0" err="1"/>
-              <a:t>na</a:t>
-            </a:r>
-            <a:r>
-              <a:rPr lang="en-GB" sz="2600" dirty="0"/>
-              <a:t> </a:t>
-            </a:r>
-            <a:r>
-              <a:rPr lang="en-GB" sz="2600" dirty="0" err="1"/>
-              <a:t>temelju</a:t>
-            </a:r>
-            <a:r>
-              <a:rPr lang="en-GB" sz="2600" dirty="0"/>
-              <a:t> </a:t>
-            </a:r>
-            <a:r>
-              <a:rPr lang="en-GB" sz="2600" dirty="0" err="1"/>
-              <a:t>signala</a:t>
-            </a:r>
-            <a:r>
-              <a:rPr lang="en-GB" sz="2600" dirty="0"/>
-              <a:t> </a:t>
-            </a:r>
-            <a:r>
-              <a:rPr lang="en-GB" sz="2600" dirty="0" err="1"/>
-              <a:t>vodljivosti</a:t>
-            </a:r>
-            <a:r>
-              <a:rPr lang="en-GB" sz="2600" dirty="0"/>
-              <a:t> </a:t>
-            </a:r>
-            <a:r>
-              <a:rPr lang="en-GB" sz="2600" dirty="0" err="1"/>
-              <a:t>kože</a:t>
-            </a:r>
-            <a:r>
-              <a:rPr lang="hr-HR" sz="2600" dirty="0"/>
-              <a:t> </a:t>
-            </a:r>
-            <a:r>
-              <a:rPr lang="en-GB" sz="2600" dirty="0" err="1"/>
-              <a:t>i</a:t>
-            </a:r>
-            <a:r>
-              <a:rPr lang="en-GB" sz="2600" dirty="0"/>
-              <a:t> </a:t>
-            </a:r>
-            <a:r>
-              <a:rPr lang="en-GB" sz="2600" dirty="0" err="1"/>
-              <a:t>disanja</a:t>
-            </a:r>
-            <a:endParaRPr lang="en-GB" sz="2600" dirty="0"/>
-          </a:p>
-        </p:txBody>
-      </p:sp>
-      <p:sp>
-        <p:nvSpPr>
-          <p:cNvPr id="4" name="Slide Number Placeholder 3">
-            <a:extLst>
-              <a:ext uri="{FF2B5EF4-FFF2-40B4-BE49-F238E27FC236}">
-                <a16:creationId xmlns:a16="http://schemas.microsoft.com/office/drawing/2014/main" id="{52AFEBBE-D0EA-1F8E-724B-1608D6B25A07}"/>
-              </a:ext>
-            </a:extLst>
-          </p:cNvPr>
-          <p:cNvSpPr>
-            <a:spLocks noGrp="1"/>
-          </p:cNvSpPr>
-          <p:nvPr>
-            <p:ph type="sldNum" sz="quarter" idx="10"/>
-          </p:nvPr>
-        </p:nvSpPr>
-        <p:spPr/>
-        <p:txBody>
-          <a:bodyPr/>
-          <a:lstStyle/>
-          <a:p>
-            <a:fld id="{C92FC937-38D6-4B8F-AEB3-E5F6C110AD7F}" type="slidenum">
-              <a:rPr lang="hr-HR" smtClean="0"/>
-              <a:t>19</a:t>
-            </a:fld>
-            <a:endParaRPr lang="hr-HR"/>
-          </a:p>
-        </p:txBody>
-      </p:sp>
-      <p:sp>
-        <p:nvSpPr>
-          <p:cNvPr id="8" name="Content Placeholder 7">
-            <a:extLst>
-              <a:ext uri="{FF2B5EF4-FFF2-40B4-BE49-F238E27FC236}">
-                <a16:creationId xmlns:a16="http://schemas.microsoft.com/office/drawing/2014/main" id="{A2F7DF1A-A400-1E6B-11EB-67B5D1EE96DF}"/>
-              </a:ext>
-            </a:extLst>
-          </p:cNvPr>
-          <p:cNvSpPr>
-            <a:spLocks noGrp="1"/>
-          </p:cNvSpPr>
-          <p:nvPr>
-            <p:ph idx="1"/>
-          </p:nvPr>
-        </p:nvSpPr>
-        <p:spPr>
-          <a:xfrm>
-            <a:off x="316536" y="1694642"/>
-            <a:ext cx="13980855" cy="394595"/>
-          </a:xfrm>
-        </p:spPr>
-        <p:txBody>
-          <a:bodyPr/>
-          <a:lstStyle/>
-          <a:p>
-            <a:pPr marL="0" indent="0">
-              <a:buNone/>
-            </a:pPr>
-            <a:r>
-              <a:rPr lang="hr-HR" b="1" dirty="0"/>
-              <a:t>Razvoj modela – selekcija značajki</a:t>
-            </a:r>
-            <a:endParaRPr lang="hr-HR" b="1" u="sng" dirty="0"/>
-          </a:p>
-        </p:txBody>
-      </p:sp>
-      <p:pic>
-        <p:nvPicPr>
-          <p:cNvPr id="3" name="Picture 2">
-            <a:extLst>
-              <a:ext uri="{FF2B5EF4-FFF2-40B4-BE49-F238E27FC236}">
-                <a16:creationId xmlns:a16="http://schemas.microsoft.com/office/drawing/2014/main" id="{A888EC03-C310-5D99-A584-77D500E2AAAF}"/>
-              </a:ext>
-            </a:extLst>
-          </p:cNvPr>
-          <p:cNvPicPr>
-            <a:picLocks noChangeAspect="1"/>
-          </p:cNvPicPr>
-          <p:nvPr/>
-        </p:nvPicPr>
-        <p:blipFill>
-          <a:blip r:embed="rId2"/>
-          <a:stretch>
-            <a:fillRect/>
-          </a:stretch>
-        </p:blipFill>
-        <p:spPr>
-          <a:xfrm>
-            <a:off x="442659" y="2089237"/>
-            <a:ext cx="5357639" cy="5950686"/>
-          </a:xfrm>
-          <a:prstGeom prst="rect">
-            <a:avLst/>
-          </a:prstGeom>
-        </p:spPr>
-      </p:pic>
-      <p:sp>
-        <p:nvSpPr>
-          <p:cNvPr id="10" name="TextBox 9">
-            <a:extLst>
-              <a:ext uri="{FF2B5EF4-FFF2-40B4-BE49-F238E27FC236}">
-                <a16:creationId xmlns:a16="http://schemas.microsoft.com/office/drawing/2014/main" id="{F67EA8FB-05E7-0611-8CB8-1C088A9D6310}"/>
-              </a:ext>
-            </a:extLst>
-          </p:cNvPr>
-          <p:cNvSpPr txBox="1"/>
-          <p:nvPr/>
-        </p:nvSpPr>
-        <p:spPr>
-          <a:xfrm>
-            <a:off x="3678072" y="3935216"/>
-            <a:ext cx="7356142" cy="400110"/>
-          </a:xfrm>
-          <a:prstGeom prst="rect">
-            <a:avLst/>
-          </a:prstGeom>
-          <a:noFill/>
-        </p:spPr>
-        <p:txBody>
-          <a:bodyPr wrap="square">
-            <a:spAutoFit/>
-          </a:bodyPr>
-          <a:lstStyle/>
-          <a:p>
-            <a:r>
-              <a:rPr lang="en-GB" b="0" i="0" dirty="0">
-                <a:solidFill>
-                  <a:srgbClr val="000000"/>
-                </a:solidFill>
-                <a:effectLst/>
-                <a:latin typeface="Times New Roman" panose="02020603050405020304" pitchFamily="18" charset="0"/>
-              </a:rPr>
-              <a:t> </a:t>
-            </a:r>
-            <a:endParaRPr lang="en-GB" dirty="0"/>
-          </a:p>
-        </p:txBody>
-      </p:sp>
-      <mc:AlternateContent xmlns:mc="http://schemas.openxmlformats.org/markup-compatibility/2006" xmlns:a14="http://schemas.microsoft.com/office/drawing/2010/main">
-        <mc:Choice Requires="a14">
-          <p:sp>
-            <p:nvSpPr>
-              <p:cNvPr id="15" name="Content Placeholder 1">
-                <a:extLst>
-                  <a:ext uri="{FF2B5EF4-FFF2-40B4-BE49-F238E27FC236}">
-                    <a16:creationId xmlns:a16="http://schemas.microsoft.com/office/drawing/2014/main" id="{0B6E0BCB-A87D-2F5C-5D19-894221A76F94}"/>
-                  </a:ext>
-                </a:extLst>
-              </p:cNvPr>
-              <p:cNvSpPr txBox="1">
-                <a:spLocks/>
-              </p:cNvSpPr>
-              <p:nvPr/>
-            </p:nvSpPr>
-            <p:spPr bwMode="auto">
-              <a:xfrm>
-                <a:off x="5800298" y="2199184"/>
-                <a:ext cx="8497093" cy="1599220"/>
-              </a:xfrm>
-              <a:prstGeom prst="rect">
-                <a:avLst/>
-              </a:prstGeom>
-              <a:noFill/>
-              <a:ln w="9525">
-                <a:noFill/>
-                <a:miter lim="800000"/>
-                <a:headEnd/>
-                <a:tailEnd/>
-              </a:ln>
-            </p:spPr>
-            <p:txBody>
-              <a:bodyPr vert="horz" wrap="square" lIns="91440" tIns="45720" rIns="91440" bIns="45720" numCol="1" anchor="t" anchorCtr="0" compatLnSpc="1">
-                <a:prstTxWarp prst="textNoShape">
-                  <a:avLst/>
-                </a:prstTxWarp>
-                <a:spAutoFit/>
-              </a:bodyPr>
-              <a:lstStyle>
-                <a:lvl1pPr marL="455786" indent="-455786" algn="l" rtl="0" eaLnBrk="0" fontAlgn="base" hangingPunct="0">
-                  <a:spcBef>
-                    <a:spcPct val="20000"/>
-                  </a:spcBef>
-                  <a:spcAft>
-                    <a:spcPct val="0"/>
-                  </a:spcAft>
-                  <a:buChar char="•"/>
-                  <a:defRPr sz="1964">
-                    <a:solidFill>
-                      <a:schemeClr val="tx1"/>
-                    </a:solidFill>
-                    <a:latin typeface="+mn-lt"/>
-                    <a:ea typeface="+mn-ea"/>
-                    <a:cs typeface="+mn-cs"/>
-                  </a:defRPr>
-                </a:lvl1pPr>
-                <a:lvl2pPr marL="987536" indent="-379822" algn="l" rtl="0" eaLnBrk="0" fontAlgn="base" hangingPunct="0">
-                  <a:spcBef>
-                    <a:spcPct val="20000"/>
-                  </a:spcBef>
-                  <a:spcAft>
-                    <a:spcPct val="0"/>
-                  </a:spcAft>
-                  <a:buChar char="–"/>
-                  <a:defRPr sz="1745">
-                    <a:solidFill>
-                      <a:srgbClr val="0070C0"/>
-                    </a:solidFill>
-                    <a:latin typeface="+mn-lt"/>
-                  </a:defRPr>
-                </a:lvl2pPr>
-                <a:lvl3pPr marL="1519287" indent="-303858" algn="l" rtl="0" eaLnBrk="0" fontAlgn="base" hangingPunct="0">
-                  <a:spcBef>
-                    <a:spcPct val="20000"/>
-                  </a:spcBef>
-                  <a:spcAft>
-                    <a:spcPct val="0"/>
-                  </a:spcAft>
-                  <a:buChar char="•"/>
-                  <a:defRPr sz="1745">
-                    <a:solidFill>
-                      <a:schemeClr val="tx1"/>
-                    </a:solidFill>
-                    <a:latin typeface="+mn-lt"/>
-                  </a:defRPr>
-                </a:lvl3pPr>
-                <a:lvl4pPr marL="2127002" indent="-303858" algn="l" rtl="0" eaLnBrk="0" fontAlgn="base" hangingPunct="0">
-                  <a:spcBef>
-                    <a:spcPct val="20000"/>
-                  </a:spcBef>
-                  <a:spcAft>
-                    <a:spcPct val="0"/>
-                  </a:spcAft>
-                  <a:buChar char="–"/>
-                  <a:defRPr sz="1745">
-                    <a:solidFill>
-                      <a:srgbClr val="0070C0"/>
-                    </a:solidFill>
-                    <a:latin typeface="+mn-lt"/>
-                  </a:defRPr>
-                </a:lvl4pPr>
-                <a:lvl5pPr marL="2734716" indent="-303858" algn="l" rtl="0" eaLnBrk="0" fontAlgn="base" hangingPunct="0">
-                  <a:spcBef>
-                    <a:spcPct val="20000"/>
-                  </a:spcBef>
-                  <a:spcAft>
-                    <a:spcPct val="0"/>
-                  </a:spcAft>
-                  <a:buChar char="»"/>
-                  <a:defRPr sz="1745">
-                    <a:solidFill>
-                      <a:schemeClr val="tx1"/>
-                    </a:solidFill>
-                    <a:latin typeface="+mn-lt"/>
-                  </a:defRPr>
-                </a:lvl5pPr>
-                <a:lvl6pPr marL="3342430" indent="-303858" algn="l" rtl="0" fontAlgn="base">
-                  <a:spcBef>
-                    <a:spcPct val="20000"/>
-                  </a:spcBef>
-                  <a:spcAft>
-                    <a:spcPct val="0"/>
-                  </a:spcAft>
-                  <a:buChar char="»"/>
-                  <a:defRPr>
-                    <a:solidFill>
-                      <a:srgbClr val="5F5F5F"/>
-                    </a:solidFill>
-                    <a:latin typeface="+mn-lt"/>
-                  </a:defRPr>
-                </a:lvl6pPr>
-                <a:lvl7pPr marL="3950144" indent="-303858" algn="l" rtl="0" fontAlgn="base">
-                  <a:spcBef>
-                    <a:spcPct val="20000"/>
-                  </a:spcBef>
-                  <a:spcAft>
-                    <a:spcPct val="0"/>
-                  </a:spcAft>
-                  <a:buChar char="»"/>
-                  <a:defRPr>
-                    <a:solidFill>
-                      <a:srgbClr val="5F5F5F"/>
-                    </a:solidFill>
-                    <a:latin typeface="+mn-lt"/>
-                  </a:defRPr>
-                </a:lvl7pPr>
-                <a:lvl8pPr marL="4557859" indent="-303858" algn="l" rtl="0" fontAlgn="base">
-                  <a:spcBef>
-                    <a:spcPct val="20000"/>
-                  </a:spcBef>
-                  <a:spcAft>
-                    <a:spcPct val="0"/>
-                  </a:spcAft>
-                  <a:buChar char="»"/>
-                  <a:defRPr>
-                    <a:solidFill>
-                      <a:srgbClr val="5F5F5F"/>
-                    </a:solidFill>
-                    <a:latin typeface="+mn-lt"/>
-                  </a:defRPr>
-                </a:lvl8pPr>
-                <a:lvl9pPr marL="5165573" indent="-303858" algn="l" rtl="0" fontAlgn="base">
-                  <a:spcBef>
-                    <a:spcPct val="20000"/>
-                  </a:spcBef>
-                  <a:spcAft>
-                    <a:spcPct val="0"/>
-                  </a:spcAft>
-                  <a:buChar char="»"/>
-                  <a:defRPr>
-                    <a:solidFill>
-                      <a:srgbClr val="5F5F5F"/>
-                    </a:solidFill>
-                    <a:latin typeface="+mn-lt"/>
-                  </a:defRPr>
-                </a:lvl9pPr>
-              </a:lstStyle>
-              <a:p>
-                <a:r>
-                  <a:rPr lang="hr-HR" sz="2400" kern="0" dirty="0"/>
-                  <a:t>Potraga za kombinacijama z-standardiziranih značajki predviđanja koje optimiziraju 2 kriterija kvalitete </a:t>
-                </a:r>
-                <a:r>
-                  <a:rPr lang="hr-HR" sz="2400" kern="0" dirty="0" err="1"/>
-                  <a:t>prediktivnog</a:t>
-                </a:r>
-                <a:r>
-                  <a:rPr lang="hr-HR" sz="2400" kern="0" dirty="0"/>
-                  <a:t> modela:</a:t>
-                </a:r>
-                <a:endParaRPr lang="en-GB" sz="2400" kern="0" dirty="0"/>
-              </a:p>
-              <a:p>
-                <a:pPr marL="548640" lvl="1" indent="0">
-                  <a:buNone/>
-                </a:pPr>
-                <a14:m>
-                  <m:oMath xmlns:m="http://schemas.openxmlformats.org/officeDocument/2006/math">
-                    <m:sSup>
-                      <m:sSupPr>
-                        <m:ctrlPr>
-                          <a:rPr lang="en-GB" sz="2160" i="1" kern="0">
-                            <a:latin typeface="Cambria Math" panose="02040503050406030204" pitchFamily="18" charset="0"/>
-                          </a:rPr>
-                        </m:ctrlPr>
-                      </m:sSupPr>
-                      <m:e>
-                        <m:r>
-                          <a:rPr lang="hr-HR" sz="2160" i="1" kern="0">
-                            <a:latin typeface="Cambria Math" panose="02040503050406030204" pitchFamily="18" charset="0"/>
-                          </a:rPr>
-                          <m:t>𝑅</m:t>
-                        </m:r>
-                      </m:e>
-                      <m:sup>
-                        <m:r>
-                          <a:rPr lang="en-GB" sz="2160" i="1" kern="0">
-                            <a:latin typeface="Cambria Math" panose="02040503050406030204" pitchFamily="18" charset="0"/>
-                          </a:rPr>
-                          <m:t>2</m:t>
-                        </m:r>
-                      </m:sup>
-                    </m:sSup>
-                  </m:oMath>
-                </a14:m>
-                <a:r>
-                  <a:rPr lang="en-GB" sz="2160" kern="0" dirty="0"/>
-                  <a:t> → max           &amp;           </a:t>
-                </a:r>
-                <a:r>
-                  <a:rPr lang="hr-HR" sz="2160" kern="0" dirty="0"/>
-                  <a:t>m</a:t>
-                </a:r>
-                <a:r>
-                  <a:rPr lang="en-GB" sz="2160" kern="0" dirty="0" err="1"/>
-                  <a:t>ax</a:t>
-                </a:r>
-                <a:r>
-                  <a:rPr lang="en-GB" sz="2160" kern="0" dirty="0"/>
-                  <a:t> p-value of predictor</a:t>
-                </a:r>
-                <a:r>
-                  <a:rPr lang="hr-HR" sz="2160" kern="0" dirty="0"/>
-                  <a:t>s</a:t>
-                </a:r>
-                <a:r>
-                  <a:rPr lang="en-GB" sz="2160" kern="0" dirty="0"/>
-                  <a:t> → min </a:t>
-                </a:r>
-              </a:p>
-            </p:txBody>
-          </p:sp>
-        </mc:Choice>
-        <mc:Fallback xmlns="">
-          <p:sp>
-            <p:nvSpPr>
-              <p:cNvPr id="15" name="Content Placeholder 1">
-                <a:extLst>
-                  <a:ext uri="{FF2B5EF4-FFF2-40B4-BE49-F238E27FC236}">
-                    <a16:creationId xmlns:a16="http://schemas.microsoft.com/office/drawing/2014/main" id="{0B6E0BCB-A87D-2F5C-5D19-894221A76F94}"/>
-                  </a:ext>
-                </a:extLst>
-              </p:cNvPr>
-              <p:cNvSpPr txBox="1">
-                <a:spLocks noRot="1" noChangeAspect="1" noMove="1" noResize="1" noEditPoints="1" noAdjustHandles="1" noChangeArrowheads="1" noChangeShapeType="1" noTextEdit="1"/>
-              </p:cNvSpPr>
-              <p:nvPr/>
-            </p:nvSpPr>
-            <p:spPr bwMode="auto">
-              <a:xfrm>
-                <a:off x="5800298" y="2199184"/>
-                <a:ext cx="8497093" cy="1599220"/>
-              </a:xfrm>
-              <a:prstGeom prst="rect">
-                <a:avLst/>
-              </a:prstGeom>
-              <a:blipFill>
-                <a:blip r:embed="rId3"/>
-                <a:stretch>
-                  <a:fillRect l="-1076" t="-3053" b="-6489"/>
-                </a:stretch>
-              </a:blipFill>
-              <a:ln w="9525">
-                <a:noFill/>
-                <a:miter lim="800000"/>
-                <a:headEnd/>
-                <a:tailEnd/>
-              </a:ln>
-            </p:spPr>
-            <p:txBody>
-              <a:bodyPr/>
-              <a:lstStyle/>
-              <a:p>
-                <a:r>
-                  <a:rPr lang="en-GB">
-                    <a:noFill/>
-                  </a:rPr>
-                  <a:t> </a:t>
-                </a:r>
-              </a:p>
-            </p:txBody>
-          </p:sp>
-        </mc:Fallback>
-      </mc:AlternateContent>
-      <p:pic>
-        <p:nvPicPr>
-          <p:cNvPr id="20" name="Picture 19">
-            <a:extLst>
-              <a:ext uri="{FF2B5EF4-FFF2-40B4-BE49-F238E27FC236}">
-                <a16:creationId xmlns:a16="http://schemas.microsoft.com/office/drawing/2014/main" id="{5BF3E270-69ED-228E-F860-754626DEA5B2}"/>
-              </a:ext>
-            </a:extLst>
-          </p:cNvPr>
-          <p:cNvPicPr>
-            <a:picLocks noChangeAspect="1"/>
-          </p:cNvPicPr>
-          <p:nvPr/>
-        </p:nvPicPr>
-        <p:blipFill>
-          <a:blip r:embed="rId4"/>
-          <a:stretch>
-            <a:fillRect/>
-          </a:stretch>
-        </p:blipFill>
-        <p:spPr>
-          <a:xfrm>
-            <a:off x="6046473" y="4246972"/>
-            <a:ext cx="8004742" cy="1066892"/>
-          </a:xfrm>
-          <a:prstGeom prst="rect">
-            <a:avLst/>
-          </a:prstGeom>
-          <a:ln w="57150">
-            <a:solidFill>
-              <a:srgbClr val="2585C9"/>
-            </a:solidFill>
-          </a:ln>
-        </p:spPr>
-      </p:pic>
-      <p:sp>
-        <p:nvSpPr>
-          <p:cNvPr id="5" name="Rectangle 4">
-            <a:extLst>
-              <a:ext uri="{FF2B5EF4-FFF2-40B4-BE49-F238E27FC236}">
-                <a16:creationId xmlns:a16="http://schemas.microsoft.com/office/drawing/2014/main" id="{9C7990C5-8C37-4826-4706-C0FCE8FE5073}"/>
-              </a:ext>
-            </a:extLst>
-          </p:cNvPr>
-          <p:cNvSpPr/>
-          <p:nvPr/>
-        </p:nvSpPr>
-        <p:spPr>
-          <a:xfrm>
-            <a:off x="7170534" y="5958302"/>
-            <a:ext cx="5641226" cy="1234557"/>
-          </a:xfrm>
-          <a:prstGeom prst="rect">
-            <a:avLst/>
-          </a:prstGeom>
-          <a:solidFill>
-            <a:srgbClr val="C00000"/>
-          </a:solidFill>
-          <a:ln>
-            <a:solidFill>
-              <a:srgbClr val="C00000"/>
-            </a:solidFill>
-          </a:ln>
-        </p:spPr>
-        <p:style>
-          <a:lnRef idx="2">
-            <a:schemeClr val="accent1">
-              <a:shade val="15000"/>
-            </a:schemeClr>
-          </a:lnRef>
-          <a:fillRef idx="1">
-            <a:schemeClr val="accent1"/>
-          </a:fillRef>
-          <a:effectRef idx="0">
-            <a:schemeClr val="accent1"/>
-          </a:effectRef>
-          <a:fontRef idx="minor">
-            <a:schemeClr val="lt1"/>
-          </a:fontRef>
-        </p:style>
-        <p:txBody>
-          <a:bodyPr rtlCol="0" anchor="ctr"/>
-          <a:lstStyle/>
-          <a:p>
-            <a:pPr algn="just"/>
-            <a:r>
-              <a:rPr lang="hr-HR" sz="1600" dirty="0"/>
-              <a:t>U ovom slučaju zbog većeg broja značajki radila se selekcija najvažnijih, </a:t>
-            </a:r>
-            <a:r>
-              <a:rPr lang="hr-HR" sz="1600" b="1" dirty="0"/>
-              <a:t>no u seminarskim radovima ovaj korak nije obavezan, a možda niti potreban s obzirom na manji broj značajki.</a:t>
-            </a:r>
-            <a:endParaRPr lang="en-GB" sz="1600" b="1" dirty="0"/>
-          </a:p>
-        </p:txBody>
-      </p:sp>
-    </p:spTree>
-    <p:extLst>
-      <p:ext uri="{BB962C8B-B14F-4D97-AF65-F5344CB8AC3E}">
-        <p14:creationId xmlns:p14="http://schemas.microsoft.com/office/powerpoint/2010/main" val="2588314253"/>
-      </p:ext>
-    </p:extLst>
-  </p:cSld>
-  <p:clrMapOvr>
-    <a:masterClrMapping/>
-  </p:clrMapOvr>
-</p:sld>
-</file>
-
-<file path=ppt/slides/slide2.xml><?xml version="1.0" encoding="utf-8"?>
-<p:sld xmlns:a="http://schemas.openxmlformats.org/drawingml/2006/main" xmlns:r="http://schemas.openxmlformats.org/officeDocument/2006/relationships" xmlns:p="http://schemas.openxmlformats.org/presentationml/2006/main">
-  <p:cSld>
-    <p:spTree>
-      <p:nvGrpSpPr>
-        <p:cNvPr id="1" name="">
-          <a:extLst>
-            <a:ext uri="{FF2B5EF4-FFF2-40B4-BE49-F238E27FC236}">
-              <a16:creationId xmlns:a16="http://schemas.microsoft.com/office/drawing/2014/main" id="{9ECEE36D-B4E6-F070-D6E5-ECEC2F774606}"/>
-            </a:ext>
-          </a:extLst>
-        </p:cNvPr>
-        <p:cNvGrpSpPr/>
-        <p:nvPr/>
-      </p:nvGrpSpPr>
-      <p:grpSpPr>
-        <a:xfrm>
-          <a:off x="0" y="0"/>
-          <a:ext cx="0" cy="0"/>
-          <a:chOff x="0" y="0"/>
-          <a:chExt cx="0" cy="0"/>
-        </a:xfrm>
-      </p:grpSpPr>
-      <p:sp>
-        <p:nvSpPr>
-          <p:cNvPr id="2" name="Title 1">
-            <a:extLst>
-              <a:ext uri="{FF2B5EF4-FFF2-40B4-BE49-F238E27FC236}">
-                <a16:creationId xmlns:a16="http://schemas.microsoft.com/office/drawing/2014/main" id="{92E21C85-EFAF-D00E-33A7-447D652E2756}"/>
-              </a:ext>
-            </a:extLst>
-          </p:cNvPr>
-          <p:cNvSpPr>
-            <a:spLocks noGrp="1"/>
-          </p:cNvSpPr>
-          <p:nvPr>
-            <p:ph type="title"/>
-          </p:nvPr>
-        </p:nvSpPr>
-        <p:spPr>
-          <a:xfrm>
-            <a:off x="0" y="405326"/>
-            <a:ext cx="14630400" cy="492443"/>
-          </a:xfrm>
-        </p:spPr>
-        <p:txBody>
-          <a:bodyPr/>
-          <a:lstStyle/>
-          <a:p>
-            <a:r>
-              <a:rPr lang="hr-HR" sz="2600" dirty="0"/>
-              <a:t>Sadržaj</a:t>
-            </a:r>
-          </a:p>
-        </p:txBody>
-      </p:sp>
-      <p:sp>
-        <p:nvSpPr>
-          <p:cNvPr id="4" name="Slide Number Placeholder 3">
-            <a:extLst>
-              <a:ext uri="{FF2B5EF4-FFF2-40B4-BE49-F238E27FC236}">
-                <a16:creationId xmlns:a16="http://schemas.microsoft.com/office/drawing/2014/main" id="{79E8C99B-3203-D4E8-F07C-4F263A0945B6}"/>
-              </a:ext>
-            </a:extLst>
-          </p:cNvPr>
-          <p:cNvSpPr>
-            <a:spLocks noGrp="1"/>
-          </p:cNvSpPr>
-          <p:nvPr>
-            <p:ph type="sldNum" sz="quarter" idx="10"/>
-          </p:nvPr>
-        </p:nvSpPr>
-        <p:spPr/>
-        <p:txBody>
-          <a:bodyPr/>
-          <a:lstStyle/>
-          <a:p>
-            <a:fld id="{C92FC937-38D6-4B8F-AEB3-E5F6C110AD7F}" type="slidenum">
-              <a:rPr lang="hr-HR" smtClean="0"/>
-              <a:t>2</a:t>
-            </a:fld>
-            <a:endParaRPr lang="hr-HR"/>
-          </a:p>
-        </p:txBody>
-      </p:sp>
-      <p:sp>
-        <p:nvSpPr>
-          <p:cNvPr id="8" name="Content Placeholder 7">
-            <a:extLst>
-              <a:ext uri="{FF2B5EF4-FFF2-40B4-BE49-F238E27FC236}">
-                <a16:creationId xmlns:a16="http://schemas.microsoft.com/office/drawing/2014/main" id="{15A12B54-6995-3713-9EC1-2201F9881132}"/>
-              </a:ext>
-            </a:extLst>
-          </p:cNvPr>
-          <p:cNvSpPr>
-            <a:spLocks noGrp="1"/>
-          </p:cNvSpPr>
-          <p:nvPr>
-            <p:ph idx="1"/>
-          </p:nvPr>
-        </p:nvSpPr>
-        <p:spPr>
-          <a:xfrm>
-            <a:off x="316536" y="1694642"/>
-            <a:ext cx="13980855" cy="4222759"/>
-          </a:xfrm>
-        </p:spPr>
-        <p:txBody>
-          <a:bodyPr/>
-          <a:lstStyle/>
-          <a:p>
-            <a:pPr marL="457200" indent="-457200">
-              <a:buFont typeface="+mj-lt"/>
-              <a:buAutoNum type="arabicPeriod"/>
-            </a:pPr>
-            <a:r>
-              <a:rPr lang="hr-HR" dirty="0"/>
-              <a:t>Cilj</a:t>
-            </a:r>
-          </a:p>
-          <a:p>
-            <a:pPr marL="457200" indent="-457200">
-              <a:buFont typeface="+mj-lt"/>
-              <a:buAutoNum type="arabicPeriod"/>
-            </a:pPr>
-            <a:r>
-              <a:rPr lang="hr-HR" dirty="0"/>
-              <a:t>Prikaz paradigme</a:t>
-            </a:r>
-          </a:p>
-          <a:p>
-            <a:pPr marL="988950" lvl="1" indent="-457200">
-              <a:buFont typeface="+mj-lt"/>
-              <a:buAutoNum type="alphaLcParenR"/>
-            </a:pPr>
-            <a:r>
-              <a:rPr lang="hr-HR" dirty="0"/>
-              <a:t>Prikaz laboratorijske paradigme </a:t>
-            </a:r>
-            <a:r>
-              <a:rPr lang="hr-HR" dirty="0">
-                <a:solidFill>
-                  <a:srgbClr val="FF0000"/>
-                </a:solidFill>
-              </a:rPr>
-              <a:t>(za seminarske radove nije relevantno)</a:t>
-            </a:r>
-          </a:p>
-          <a:p>
-            <a:pPr marL="988950" lvl="1" indent="-457200">
-              <a:buFont typeface="+mj-lt"/>
-              <a:buAutoNum type="alphaLcParenR"/>
-            </a:pPr>
-            <a:r>
-              <a:rPr lang="hr-HR" dirty="0"/>
-              <a:t>Prikaz zadatka na simulatoru leta</a:t>
-            </a:r>
-          </a:p>
-          <a:p>
-            <a:pPr marL="457200" indent="-457200">
-              <a:buFont typeface="+mj-lt"/>
-              <a:buAutoNum type="arabicPeriod"/>
-            </a:pPr>
-            <a:r>
-              <a:rPr lang="hr-HR" dirty="0"/>
-              <a:t>Vizualizacija odabranih signala</a:t>
-            </a:r>
-          </a:p>
-          <a:p>
-            <a:pPr marL="457200" indent="-457200">
-              <a:buFont typeface="+mj-lt"/>
-              <a:buAutoNum type="arabicPeriod"/>
-            </a:pPr>
-            <a:r>
-              <a:rPr lang="hr-HR" dirty="0"/>
-              <a:t>Odabir i izračun značajki</a:t>
-            </a:r>
-          </a:p>
-          <a:p>
-            <a:pPr marL="457200" indent="-457200">
-              <a:buFont typeface="+mj-lt"/>
-              <a:buAutoNum type="arabicPeriod"/>
-            </a:pPr>
-            <a:r>
-              <a:rPr lang="hr-HR" dirty="0"/>
-              <a:t>Statistička i korelacijska analiza</a:t>
-            </a:r>
-          </a:p>
-          <a:p>
-            <a:pPr marL="457200" indent="-457200">
-              <a:buFont typeface="+mj-lt"/>
-              <a:buAutoNum type="arabicPeriod"/>
-            </a:pPr>
-            <a:r>
-              <a:rPr lang="hr-HR" dirty="0"/>
-              <a:t>Razvoj modela</a:t>
-            </a:r>
-          </a:p>
-          <a:p>
-            <a:pPr marL="988950" lvl="1" indent="-457200">
-              <a:buFont typeface="+mj-lt"/>
-              <a:buAutoNum type="alphaLcParenR"/>
-            </a:pPr>
-            <a:r>
-              <a:rPr lang="hr-HR" dirty="0"/>
-              <a:t>Prikaz izabrane metode i odgovarajućih specifikacija</a:t>
-            </a:r>
-          </a:p>
-          <a:p>
-            <a:pPr marL="988950" lvl="1" indent="-457200">
-              <a:buFont typeface="+mj-lt"/>
-              <a:buAutoNum type="alphaLcParenR"/>
-            </a:pPr>
-            <a:r>
-              <a:rPr lang="hr-HR" dirty="0"/>
-              <a:t>Selekcija značajki za razvoj modela</a:t>
-            </a:r>
-          </a:p>
-          <a:p>
-            <a:pPr marL="457200" indent="-457200">
-              <a:buFont typeface="+mj-lt"/>
-              <a:buAutoNum type="arabicPeriod"/>
-            </a:pPr>
-            <a:r>
-              <a:rPr lang="hr-HR" dirty="0"/>
-              <a:t>Rezultati</a:t>
-            </a:r>
-          </a:p>
-          <a:p>
-            <a:endParaRPr lang="hr-HR" dirty="0"/>
-          </a:p>
-        </p:txBody>
-      </p:sp>
-    </p:spTree>
-    <p:extLst>
-      <p:ext uri="{BB962C8B-B14F-4D97-AF65-F5344CB8AC3E}">
-        <p14:creationId xmlns:p14="http://schemas.microsoft.com/office/powerpoint/2010/main" val="2556499359"/>
-      </p:ext>
-    </p:extLst>
-  </p:cSld>
-  <p:clrMapOvr>
-    <a:masterClrMapping/>
-  </p:clrMapOvr>
-</p:sld>
-</file>
-
-<file path=ppt/slides/slide20.xml><?xml version="1.0" encoding="utf-8"?>
+<file path=ppt/slides/slide15.xml><?xml version="1.0" encoding="utf-8"?>
 <p:sld xmlns:a="http://schemas.openxmlformats.org/drawingml/2006/main" xmlns:r="http://schemas.openxmlformats.org/officeDocument/2006/relationships" xmlns:p="http://schemas.openxmlformats.org/presentationml/2006/main">
   <p:cSld>
     <p:spTree>
@@ -18095,7 +10986,7 @@
           <a:p>
             <a:fld id="{C92FC937-38D6-4B8F-AEB3-E5F6C110AD7F}" type="slidenum">
               <a:rPr lang="hr-HR" smtClean="0"/>
-              <a:t>20</a:t>
+              <a:t>15</a:t>
             </a:fld>
             <a:endParaRPr lang="hr-HR"/>
           </a:p>
@@ -18329,7 +11220,7 @@
           <a:p>
             <a:r>
               <a:rPr lang="hr-HR" sz="2400" kern="0" dirty="0"/>
-              <a:t>U vašim seminarskim radovima, na temelju definiranih intervala koji su od interesa (</a:t>
+              <a:t>U našem seminarskom radu, na temelju definiranih intervala koji su od interesa (</a:t>
             </a:r>
             <a:r>
               <a:rPr lang="hr-HR" sz="2400" kern="0" dirty="0">
@@ -18365,7 +11256,7 @@
             </a:r>
             <a:r>
               <a:rPr lang="hr-HR" sz="2400" kern="0" dirty="0"/>
-              <a:t>) postoji nekoliko interesantnih pristupa koje treba isprobati:</a:t>
+              <a:t>) postoji nekoliko interesantnih pristupa koje isprobavamo:</a:t>
             </a:r>
           </a:p>
           <a:p>
@@ -19564,7 +12455,7 @@
 </p:sld>
 </file>
 
-<file path=ppt/slides/slide21.xml><?xml version="1.0" encoding="utf-8"?>
+<file path=ppt/slides/slide16.xml><?xml version="1.0" encoding="utf-8"?>
 <p:sld xmlns:a="http://schemas.openxmlformats.org/drawingml/2006/main" xmlns:r="http://schemas.openxmlformats.org/officeDocument/2006/relationships" xmlns:p="http://schemas.openxmlformats.org/presentationml/2006/main">
   <p:cSld>
     <p:spTree>
@@ -19764,7 +12655,7 @@
           <a:p>
             <a:fld id="{C92FC937-38D6-4B8F-AEB3-E5F6C110AD7F}" type="slidenum">
               <a:rPr lang="hr-HR" smtClean="0"/>
-              <a:t>21</a:t>
+              <a:t>16</a:t>
             </a:fld>
             <a:endParaRPr lang="hr-HR"/>
           </a:p>
@@ -19886,7 +12777,7 @@
                 </a:solidFill>
                 <a:latin typeface="Tahoma"/>
               </a:rPr>
-              <a:t> MRA (LOOCV)</a:t>
+              <a:t> NN (LOOCV)</a:t>
             </a:r>
             <a:endParaRPr lang="en-GB" sz="2160" b="1" dirty="0">
               <a:solidFill>
@@ -19946,8 +12837,12 @@
           </a:lstStyle>
           <a:p>
             <a:r>
+              <a:rPr lang="hr-HR" dirty="0"/>
+              <a:t>NN</a:t>
+            </a:r>
+            <a:r>
               <a:rPr lang="en-GB" dirty="0"/>
-              <a:t>MRA </a:t>
+              <a:t> </a:t>
             </a:r>
             <a:r>
               <a:rPr lang="hr-HR" dirty="0"/>
@@ -20145,8 +13040,8 @@
         </p:blipFill>
         <p:spPr>
           <a:xfrm>
-            <a:off x="9442501" y="7150845"/>
-            <a:ext cx="3446677" cy="712196"/>
+            <a:off x="9157140" y="7104185"/>
+            <a:ext cx="4017400" cy="830126"/>
           </a:xfrm>
           <a:prstGeom prst="rect">
             <a:avLst/>
@@ -20166,7 +13061,7 @@
 </p:sld>
 </file>
 
-<file path=ppt/slides/slide22.xml><?xml version="1.0" encoding="utf-8"?>
+<file path=ppt/slides/slide17.xml><?xml version="1.0" encoding="utf-8"?>
 <p:sld xmlns:a="http://schemas.openxmlformats.org/drawingml/2006/main" xmlns:r="http://schemas.openxmlformats.org/officeDocument/2006/relationships" xmlns:p="http://schemas.openxmlformats.org/presentationml/2006/main">
   <p:cSld>
     <p:spTree>
@@ -20366,7 +13261,7 @@
           <a:p>
             <a:fld id="{C92FC937-38D6-4B8F-AEB3-E5F6C110AD7F}" type="slidenum">
               <a:rPr lang="hr-HR" smtClean="0"/>
-              <a:t>22</a:t>
+              <a:t>17</a:t>
             </a:fld>
             <a:endParaRPr lang="hr-HR"/>
           </a:p>
@@ -20488,7 +13383,7 @@
                 </a:solidFill>
                 <a:latin typeface="Tahoma"/>
               </a:rPr>
-              <a:t> MRA (LOOCV)</a:t>
+              <a:t> NN (LOOCV)</a:t>
             </a:r>
             <a:endParaRPr lang="en-GB" sz="2160" b="1" dirty="0">
               <a:solidFill>
@@ -20548,8 +13443,12 @@
           </a:lstStyle>
           <a:p>
             <a:r>
+              <a:rPr lang="hr-HR" dirty="0"/>
+              <a:t>NN</a:t>
+            </a:r>
+            <a:r>
               <a:rPr lang="en-GB" dirty="0"/>
-              <a:t>MRA </a:t>
+              <a:t> </a:t>
             </a:r>
             <a:r>
               <a:rPr lang="hr-HR" dirty="0"/>
@@ -20711,8 +13610,8 @@
         </p:blipFill>
         <p:spPr>
           <a:xfrm>
-            <a:off x="9284099" y="7099189"/>
-            <a:ext cx="3545936" cy="741752"/>
+            <a:off x="9011777" y="7076809"/>
+            <a:ext cx="3998247" cy="836368"/>
           </a:xfrm>
           <a:prstGeom prst="rect">
             <a:avLst/>
@@ -20732,7 +13631,7 @@
 </p:sld>
 </file>
 
-<file path=ppt/slides/slide23.xml><?xml version="1.0" encoding="utf-8"?>
+<file path=ppt/slides/slide18.xml><?xml version="1.0" encoding="utf-8"?>
 <p:sld xmlns:a="http://schemas.openxmlformats.org/drawingml/2006/main" xmlns:r="http://schemas.openxmlformats.org/officeDocument/2006/relationships" xmlns:p="http://schemas.openxmlformats.org/presentationml/2006/main">
   <p:cSld>
     <p:spTree>
@@ -20932,7 +13831,7 @@
           <a:p>
             <a:fld id="{C92FC937-38D6-4B8F-AEB3-E5F6C110AD7F}" type="slidenum">
               <a:rPr lang="hr-HR" smtClean="0"/>
-              <a:t>23</a:t>
+              <a:t>18</a:t>
             </a:fld>
             <a:endParaRPr lang="hr-HR"/>
           </a:p>
@@ -21070,7 +13969,7 @@
                 </a:solidFill>
                 <a:latin typeface="Tahoma"/>
               </a:rPr>
-              <a:t> MRA (LOOCV)</a:t>
+              <a:t> NN (LOOCV)</a:t>
             </a:r>
             <a:endParaRPr lang="en-GB" sz="2160" b="1" dirty="0">
               <a:solidFill>
@@ -21130,8 +14029,12 @@
           </a:lstStyle>
           <a:p>
             <a:r>
+              <a:rPr lang="hr-HR" dirty="0"/>
+              <a:t>NN</a:t>
+            </a:r>
+            <a:r>
               <a:rPr lang="en-GB" dirty="0"/>
-              <a:t>MRA </a:t>
+              <a:t> </a:t>
             </a:r>
             <a:r>
               <a:rPr lang="hr-HR" dirty="0"/>
@@ -21293,8 +14196,8 @@
         </p:blipFill>
         <p:spPr>
           <a:xfrm>
-            <a:off x="9391333" y="7123522"/>
-            <a:ext cx="3549013" cy="733342"/>
+            <a:off x="9344127" y="7144033"/>
+            <a:ext cx="3870540" cy="799780"/>
           </a:xfrm>
           <a:prstGeom prst="rect">
             <a:avLst/>
@@ -21314,12 +14217,18 @@
 </p:sld>
 </file>
 
-<file path=ppt/slides/slide24.xml><?xml version="1.0" encoding="utf-8"?>
+<file path=ppt/slides/slide2.xml><?xml version="1.0" encoding="utf-8"?>
 <p:sld xmlns:a="http://schemas.openxmlformats.org/drawingml/2006/main" xmlns:r="http://schemas.openxmlformats.org/officeDocument/2006/relationships" xmlns:p="http://schemas.openxmlformats.org/presentationml/2006/main">
   <p:cSld>
     <p:spTree>
       <p:nvGrpSpPr>
-        <p:cNvPr id="1" name=""/>
+        <p:cNvPr id="1" name="">
+          <a:extLst>
+            <a:ext uri="{FF2B5EF4-FFF2-40B4-BE49-F238E27FC236}">
+              <a16:creationId xmlns:a16="http://schemas.microsoft.com/office/drawing/2014/main" id="{9ECEE36D-B4E6-F070-D6E5-ECEC2F774606}"/>
+            </a:ext>
+          </a:extLst>
+        </p:cNvPr>
         <p:cNvGrpSpPr/>
         <p:nvPr/>
       </p:nvGrpSpPr>
@@ -21336,7 +14245,7 @@
           <p:cNvPr id="2" name="Title 1">
             <a:extLst>
               <a:ext uri="{FF2B5EF4-FFF2-40B4-BE49-F238E27FC236}">
-                <a16:creationId xmlns:a16="http://schemas.microsoft.com/office/drawing/2014/main" id="{61E72B26-D37A-8D98-CD5E-3464A728D78B}"/>
+                <a16:creationId xmlns:a16="http://schemas.microsoft.com/office/drawing/2014/main" id="{92E21C85-EFAF-D00E-33A7-447D652E2756}"/>
               </a:ext>
             </a:extLst>
           </p:cNvPr>
@@ -21347,39 +14256,10 @@
             <p:ph type="title"/>
           </p:nvPr>
         </p:nvSpPr>
-        <p:spPr/>
-        <p:txBody>
-          <a:bodyPr/>
-          <a:lstStyle/>
-          <a:p>
-            <a:r>
-              <a:rPr lang="hr-HR" dirty="0"/>
-              <a:t>Što dalje?</a:t>
-            </a:r>
-            <a:endParaRPr lang="en-GB" dirty="0"/>
-          </a:p>
-        </p:txBody>
-      </p:sp>
-      <p:sp>
-        <p:nvSpPr>
-          <p:cNvPr id="3" name="Content Placeholder 2">
-            <a:extLst>
-              <a:ext uri="{FF2B5EF4-FFF2-40B4-BE49-F238E27FC236}">
-                <a16:creationId xmlns:a16="http://schemas.microsoft.com/office/drawing/2014/main" id="{3AC28709-52D3-847A-B735-78DA7017CB68}"/>
-              </a:ext>
-            </a:extLst>
-          </p:cNvPr>
-          <p:cNvSpPr>
-            <a:spLocks noGrp="1"/>
-          </p:cNvSpPr>
-          <p:nvPr>
-            <p:ph idx="1"/>
-          </p:nvPr>
-        </p:nvSpPr>
         <p:spPr>
           <a:xfrm>
-            <a:off x="171297" y="854527"/>
-            <a:ext cx="14286388" cy="5895909"/>
+            <a:off x="0" y="405326"/>
+            <a:ext cx="14630400" cy="492443"/>
           </a:xfrm>
         </p:spPr>
         <p:txBody>
@@ -21387,92 +14267,9 @@
           <a:lstStyle/>
           <a:p>
             <a:r>
-              <a:rPr lang="hr-HR" dirty="0"/>
-              <a:t>S obzirom na podjelu timova i izbor tema, timovi s praktičnim temama imat će sastanak na Teams-u kako bi ih se upoznalo s podacima koji će se koristiti prilikom razvoja modela. </a:t>
-            </a:r>
-          </a:p>
-          <a:p>
-            <a:endParaRPr lang="hr-HR" dirty="0"/>
-          </a:p>
-          <a:p>
-            <a:r>
-              <a:rPr lang="hr-HR" dirty="0"/>
-              <a:t>Cilj ovog sastanka je nešto fokusiraniji pristup praktičnim temama koji će se osim predstavljanja podataka, pozabaviti sa potencijalnim pitanjima timova, te pružiti smjernice za daljni rad.</a:t>
-            </a:r>
-          </a:p>
-          <a:p>
-            <a:endParaRPr lang="hr-HR" dirty="0"/>
-          </a:p>
-          <a:p>
-            <a:r>
-              <a:rPr lang="hr-HR" dirty="0"/>
-              <a:t>Također će se pojasniti neke sitnije potrebne modifikacije u načinu vizualizacije sirovih dobivenih podataka u odnosu na prikaz na </a:t>
-            </a:r>
-            <a:r>
-              <a:rPr lang="hr-HR" dirty="0" err="1"/>
-              <a:t>slideovima</a:t>
-            </a:r>
-            <a:r>
-              <a:rPr lang="hr-HR" dirty="0"/>
-              <a:t> 10 i 12.</a:t>
-            </a:r>
-          </a:p>
-          <a:p>
-            <a:endParaRPr lang="hr-HR" dirty="0"/>
-          </a:p>
-          <a:p>
-            <a:r>
-              <a:rPr lang="hr-HR" dirty="0"/>
-              <a:t>Isto tako će se za određene timove pojasniti što su male prilagodbe koje je potrebno napraviti ako njihovi modeli strojnog učenja nisu tzv. regresijskog nego klasifikacijskog tipa.</a:t>
-            </a:r>
-          </a:p>
-          <a:p>
-            <a:endParaRPr lang="hr-HR" dirty="0"/>
-          </a:p>
-          <a:p>
-            <a:r>
-              <a:rPr lang="hr-HR" dirty="0"/>
-              <a:t>S obzirom na 14 timova koji su izabrali praktične teme, bit će predloženo nekoliko termina za sastanak te je ideja da bude više timova prisutno na jednom sastanku </a:t>
-            </a:r>
-            <a:r>
-              <a:rPr lang="hr-HR" dirty="0">
-                <a:sym typeface="Wingdings" panose="05000000000000000000" pitchFamily="2" charset="2"/>
-              </a:rPr>
-              <a:t></a:t>
-            </a:r>
-          </a:p>
-          <a:p>
-            <a:endParaRPr lang="hr-HR" dirty="0">
-              <a:sym typeface="Wingdings" panose="05000000000000000000" pitchFamily="2" charset="2"/>
-            </a:endParaRPr>
-          </a:p>
-          <a:p>
-            <a:r>
-              <a:rPr lang="hr-HR" dirty="0">
-                <a:sym typeface="Wingdings" panose="05000000000000000000" pitchFamily="2" charset="2"/>
-              </a:rPr>
-              <a:t>Za sve informacije javite se na </a:t>
-            </a:r>
-            <a:r>
-              <a:rPr lang="hr-HR" dirty="0">
-                <a:sym typeface="Wingdings" panose="05000000000000000000" pitchFamily="2" charset="2"/>
-                <a:hlinkClick r:id="rId2"/>
-              </a:rPr>
-              <a:t>mate.gambiraza@fer.unizg.hr</a:t>
-            </a:r>
-            <a:r>
-              <a:rPr lang="hr-HR" dirty="0">
-                <a:sym typeface="Wingdings" panose="05000000000000000000" pitchFamily="2" charset="2"/>
-              </a:rPr>
-              <a:t> </a:t>
-            </a:r>
-            <a:r>
-              <a:rPr lang="hr-HR" dirty="0"/>
-              <a:t> </a:t>
-            </a:r>
-          </a:p>
-          <a:p>
-            <a:endParaRPr lang="en-GB" dirty="0"/>
+              <a:rPr lang="hr-HR" sz="2600" dirty="0"/>
+              <a:t>Sadržaj</a:t>
+            </a:r>
           </a:p>
         </p:txBody>
       </p:sp>
@@ -21481,7 +14278,7 @@
           <p:cNvPr id="4" name="Slide Number Placeholder 3">
             <a:extLst>
               <a:ext uri="{FF2B5EF4-FFF2-40B4-BE49-F238E27FC236}">
-                <a16:creationId xmlns:a16="http://schemas.microsoft.com/office/drawing/2014/main" id="{67DFF686-527D-6530-4AA8-A3A1C8EC8E45}"/>
+                <a16:creationId xmlns:a16="http://schemas.microsoft.com/office/drawing/2014/main" id="{79E8C99B-3203-D4E8-F07C-4F263A0945B6}"/>
               </a:ext>
             </a:extLst>
           </p:cNvPr>
@@ -21499,16 +14296,164 @@
           <a:p>
             <a:fld id="{C92FC937-38D6-4B8F-AEB3-E5F6C110AD7F}" type="slidenum">
               <a:rPr lang="hr-HR" smtClean="0"/>
-              <a:t>24</a:t>
+              <a:t>2</a:t>
             </a:fld>
             <a:endParaRPr lang="hr-HR"/>
+          </a:p>
+        </p:txBody>
+      </p:sp>
+      <p:sp>
+        <p:nvSpPr>
+          <p:cNvPr id="8" name="Content Placeholder 7">
+            <a:extLst>
+              <a:ext uri="{FF2B5EF4-FFF2-40B4-BE49-F238E27FC236}">
+                <a16:creationId xmlns:a16="http://schemas.microsoft.com/office/drawing/2014/main" id="{15A12B54-6995-3713-9EC1-2201F9881132}"/>
+              </a:ext>
+            </a:extLst>
+          </p:cNvPr>
+          <p:cNvSpPr>
+            <a:spLocks noGrp="1"/>
+          </p:cNvSpPr>
+          <p:nvPr>
+            <p:ph idx="1"/>
+          </p:nvPr>
+        </p:nvSpPr>
+        <p:spPr>
+          <a:xfrm>
+            <a:off x="316536" y="1694642"/>
+            <a:ext cx="13980855" cy="4222759"/>
+          </a:xfrm>
+        </p:spPr>
+        <p:txBody>
+          <a:bodyPr/>
+          <a:lstStyle/>
+          <a:p>
+            <a:pPr marL="457200" indent="-457200">
+              <a:buFont typeface="+mj-lt"/>
+              <a:buAutoNum type="arabicPeriod"/>
+            </a:pPr>
+            <a:r>
+              <a:rPr lang="hr-HR" dirty="0"/>
+              <a:t>Cilj</a:t>
+            </a:r>
+          </a:p>
+          <a:p>
+            <a:pPr marL="457200" indent="-457200">
+              <a:buFont typeface="+mj-lt"/>
+              <a:buAutoNum type="arabicPeriod"/>
+            </a:pPr>
+            <a:r>
+              <a:rPr lang="hr-HR" dirty="0"/>
+              <a:t>Prikaz paradigme</a:t>
+            </a:r>
+          </a:p>
+          <a:p>
+            <a:pPr marL="988950" lvl="1" indent="-457200">
+              <a:buFont typeface="+mj-lt"/>
+              <a:buAutoNum type="alphaLcParenR"/>
+            </a:pPr>
+            <a:r>
+              <a:rPr lang="hr-HR" dirty="0"/>
+              <a:t>Prikaz laboratorijske paradigme </a:t>
+            </a:r>
+            <a:r>
+              <a:rPr lang="hr-HR" dirty="0">
+                <a:solidFill>
+                  <a:srgbClr val="FF0000"/>
+                </a:solidFill>
+              </a:rPr>
+              <a:t>(za seminarske radove nije relevantno)</a:t>
+            </a:r>
+          </a:p>
+          <a:p>
+            <a:pPr marL="988950" lvl="1" indent="-457200">
+              <a:buFont typeface="+mj-lt"/>
+              <a:buAutoNum type="alphaLcParenR"/>
+            </a:pPr>
+            <a:r>
+              <a:rPr lang="hr-HR" dirty="0"/>
+              <a:t>Prikaz zadatka na simulatoru leta</a:t>
+            </a:r>
+          </a:p>
+          <a:p>
+            <a:pPr marL="457200" indent="-457200">
+              <a:buFont typeface="+mj-lt"/>
+              <a:buAutoNum type="arabicPeriod"/>
+            </a:pPr>
+            <a:r>
+              <a:rPr lang="hr-HR" dirty="0"/>
+              <a:t>Vizualizacija odabranih signala</a:t>
+            </a:r>
+          </a:p>
+          <a:p>
+            <a:pPr marL="457200" indent="-457200">
+              <a:buFont typeface="+mj-lt"/>
+              <a:buAutoNum type="arabicPeriod"/>
+            </a:pPr>
+            <a:r>
+              <a:rPr lang="hr-HR" dirty="0"/>
+              <a:t>Odabir i izračun značajki</a:t>
+            </a:r>
+          </a:p>
+          <a:p>
+            <a:pPr marL="457200" indent="-457200">
+              <a:buFont typeface="+mj-lt"/>
+              <a:buAutoNum type="arabicPeriod"/>
+            </a:pPr>
+            <a:r>
+              <a:rPr lang="hr-HR" dirty="0"/>
+              <a:t>Statistička i korelacijska analiza</a:t>
+            </a:r>
+          </a:p>
+          <a:p>
+            <a:pPr marL="457200" indent="-457200">
+              <a:buFont typeface="+mj-lt"/>
+              <a:buAutoNum type="arabicPeriod"/>
+            </a:pPr>
+            <a:r>
+              <a:rPr lang="hr-HR" dirty="0"/>
+              <a:t>Razvoj modela</a:t>
+            </a:r>
+          </a:p>
+          <a:p>
+            <a:pPr marL="988950" lvl="1" indent="-457200">
+              <a:buFont typeface="+mj-lt"/>
+              <a:buAutoNum type="alphaLcParenR"/>
+            </a:pPr>
+            <a:r>
+              <a:rPr lang="hr-HR" dirty="0"/>
+              <a:t>Prikaz izabrane metode i odgovarajućih specifikacija</a:t>
+            </a:r>
+          </a:p>
+          <a:p>
+            <a:pPr marL="988950" lvl="1" indent="-457200">
+              <a:buFont typeface="+mj-lt"/>
+              <a:buAutoNum type="alphaLcParenR"/>
+            </a:pPr>
+            <a:r>
+              <a:rPr lang="hr-HR" dirty="0"/>
+              <a:t>Selekcija značajki za razvoj modela</a:t>
+            </a:r>
+          </a:p>
+          <a:p>
+            <a:pPr marL="457200" indent="-457200">
+              <a:buFont typeface="+mj-lt"/>
+              <a:buAutoNum type="arabicPeriod"/>
+            </a:pPr>
+            <a:r>
+              <a:rPr lang="hr-HR" dirty="0"/>
+              <a:t>Rezultati</a:t>
+            </a:r>
+          </a:p>
+          <a:p>
+            <a:endParaRPr lang="hr-HR" dirty="0"/>
           </a:p>
         </p:txBody>
       </p:sp>
     </p:spTree>
     <p:extLst>
       <p:ext uri="{BB962C8B-B14F-4D97-AF65-F5344CB8AC3E}">
-        <p14:creationId xmlns:p14="http://schemas.microsoft.com/office/powerpoint/2010/main" val="867528420"/>
+        <p14:creationId xmlns:p14="http://schemas.microsoft.com/office/powerpoint/2010/main" val="2556499359"/>
       </p:ext>
     </p:extLst>
   </p:cSld>
@@ -21777,7 +14722,7 @@
         <p:spPr bwMode="auto">
           <a:xfrm>
             <a:off x="333011" y="2500991"/>
-            <a:ext cx="13980854" cy="4062779"/>
+            <a:ext cx="13980854" cy="3760517"/>
           </a:xfrm>
           <a:prstGeom prst="rect">
             <a:avLst/>
@@ -21944,7 +14889,7 @@
             </a:pPr>
             <a:r>
               <a:rPr lang="hr-HR" kern="0" dirty="0"/>
-              <a:t>Cilj ovog pristupa je pomoću fizioloških signala snimljenih tijekom relativno generičke laboratorijske paradigme predvidjeti performanse pilota na simulatoru kojemu je pristupio tjedan dana nakon toga.</a:t>
+              <a:t>Cilj ovog pristupa je pomoću fizioloških signala snimljenih u simulatoru predvidjeti performanse pilota na tom istom simulatoru</a:t>
             </a:r>
           </a:p>
           <a:p>
@@ -21955,7 +14900,7 @@
             </a:pPr>
             <a:r>
               <a:rPr lang="hr-HR" kern="0" dirty="0"/>
-              <a:t>Kako bi ispitali potencijal fizioloških značajki u predikciji performansi pilota na simulatoru tjedan dana nakon generičkih laboratorijskih mjerenja, sljedeći koraci su poduzeti: </a:t>
+              <a:t>Kako bi ispitali potencijal fizioloških značajki u predikciji performansi pilota na simulatoru, sljedeći koraci su poduzeti: </a:t>
             </a:r>
           </a:p>
           <a:p>
@@ -22007,7 +14952,15 @@
             </a:pPr>
             <a:r>
               <a:rPr lang="hr-HR" kern="0" dirty="0"/>
-              <a:t>Razvoj prediktivnog modela koji uključuje selekciju metode te značajki</a:t>
+              <a:t>Razvoj </a:t>
+            </a:r>
+            <a:r>
+              <a:rPr lang="hr-HR" kern="0" dirty="0" err="1"/>
+              <a:t>prediktivnog</a:t>
+            </a:r>
+            <a:r>
+              <a:rPr lang="hr-HR" kern="0" dirty="0"/>
+              <a:t> modela</a:t>
             </a:r>
           </a:p>
           <a:p>
@@ -22073,7 +15026,15 @@
             <a:pPr algn="just"/>
             <a:r>
               <a:rPr lang="hr-HR" dirty="0"/>
-              <a:t>Na ovom slide-u je bitno navesti cilj seminarskog rada – što je bio plan, te po mogućnosti koji su koraci koji su napravljeni kako bi se taj plan ostvario. Tu je cilj seminarskih radova na temelju izabranih fizioloških signala estimirati/predvidjeti performanse na simulatoru. U vašem slučaju fiziološki signali su također snimljeni na simulatoru, a u ovom predlošku prikazan je jedan naš primjer koji koristi fiziološke signale snimljene primjenom generičke laboratorijske paradigme tjedan dana prije simulatora.</a:t>
+              <a:t>Na ovom </a:t>
+            </a:r>
+            <a:r>
+              <a:rPr lang="hr-HR" dirty="0" err="1"/>
+              <a:t>slide</a:t>
+            </a:r>
+            <a:r>
+              <a:rPr lang="hr-HR" dirty="0"/>
+              <a:t>-u je bitno navesti cilj seminarskog rada – što je bio plan, te po mogućnosti koji su koraci koji su napravljeni kako bi se taj plan ostvario. Tu je cilj seminarskih radova na temelju izabranih fizioloških signala estimirati/predvidjeti performanse na simulatoru. U vašem slučaju fiziološki signali su također snimljeni na simulatoru, a u ovom predlošku prikazan je jedan naš primjer koji koristi fiziološke signale snimljene primjenom generičke laboratorijske paradigme tjedan dana prije simulatora.</a:t>
             </a:r>
             <a:endParaRPr lang="en-GB" dirty="0"/>
           </a:p>
@@ -23491,7 +16452,7 @@
         <p:spPr bwMode="auto">
           <a:xfrm>
             <a:off x="7560861" y="2500991"/>
-            <a:ext cx="6753004" cy="696857"/>
+            <a:ext cx="6753004" cy="2136739"/>
           </a:xfrm>
           <a:prstGeom prst="rect">
             <a:avLst/>
@@ -23658,81 +16619,24 @@
             </a:pPr>
             <a:r>
               <a:rPr lang="hr-HR" kern="0" dirty="0"/>
-              <a:t>Iz simulatorskog zadatka uzima se samo metrika performansi. </a:t>
-            </a:r>
-          </a:p>
-        </p:txBody>
-      </p:sp>
-      <p:sp>
-        <p:nvSpPr>
-          <p:cNvPr id="6" name="Rectangle 5">
-            <a:extLst>
-              <a:ext uri="{FF2B5EF4-FFF2-40B4-BE49-F238E27FC236}">
-                <a16:creationId xmlns:a16="http://schemas.microsoft.com/office/drawing/2014/main" id="{20BB449B-C147-9A63-6982-27B40BDFDA07}"/>
-              </a:ext>
-            </a:extLst>
-          </p:cNvPr>
-          <p:cNvSpPr/>
-          <p:nvPr/>
-        </p:nvSpPr>
-        <p:spPr>
-          <a:xfrm>
-            <a:off x="7863799" y="4347711"/>
-            <a:ext cx="6147127" cy="2380976"/>
-          </a:xfrm>
-          <a:prstGeom prst="rect">
-            <a:avLst/>
-          </a:prstGeom>
-          <a:solidFill>
-            <a:srgbClr val="C00000"/>
-          </a:solidFill>
-          <a:ln>
-            <a:solidFill>
-              <a:srgbClr val="C00000"/>
-            </a:solidFill>
-          </a:ln>
-        </p:spPr>
-        <p:style>
-          <a:lnRef idx="2">
-            <a:schemeClr val="accent1">
-              <a:shade val="15000"/>
-            </a:schemeClr>
-          </a:lnRef>
-          <a:fillRef idx="1">
-            <a:schemeClr val="accent1"/>
-          </a:fillRef>
-          <a:effectRef idx="0">
-            <a:schemeClr val="accent1"/>
-          </a:effectRef>
-          <a:fontRef idx="minor">
-            <a:schemeClr val="lt1"/>
-          </a:fontRef>
-        </p:style>
-        <p:txBody>
-          <a:bodyPr rtlCol="0" anchor="ctr"/>
-          <a:lstStyle/>
-          <a:p>
-            <a:pPr algn="just"/>
-            <a:r>
-              <a:rPr lang="hr-HR" dirty="0"/>
-              <a:t>Simulatorski zadatak je izvor svih signala za performanse i fiziologiju, te će se u seminarskim radovima trebati samo prikazati simulatorski zadatak i navesti signale/podatke koji se koriste (fiziologija, performanse). </a:t>
-            </a:r>
-          </a:p>
-          <a:p>
-            <a:pPr algn="just"/>
-            <a:r>
-              <a:rPr lang="hr-HR" b="1" dirty="0"/>
-              <a:t>Ovaj </a:t>
-            </a:r>
-            <a:r>
-              <a:rPr lang="hr-HR" b="1" dirty="0" err="1"/>
-              <a:t>slide</a:t>
-            </a:r>
-            <a:r>
-              <a:rPr lang="hr-HR" b="1" dirty="0"/>
-              <a:t> trebate preuzeti u svoju prezentaciju</a:t>
-            </a:r>
-            <a:endParaRPr lang="en-GB" b="1" dirty="0"/>
+              <a:t>Iz simulatorskog zadatka uzima se metrika performansi. Za vrijeme odrađivanja simulatorskog zadatka ispitaniku su mjereni </a:t>
+            </a:r>
+            <a:r>
+              <a:rPr lang="hr-HR" b="1" kern="0" dirty="0"/>
+              <a:t>fiziološki signali</a:t>
+            </a:r>
+            <a:r>
+              <a:rPr lang="hr-HR" kern="0" dirty="0"/>
+              <a:t> kao što su vodljivost kože (EDA), srčanu aktivnost (ECG), elektromiografiju očnog mišića (EMG), i disanje (RESP)</a:t>
+            </a:r>
+          </a:p>
+          <a:p>
+            <a:pPr>
+              <a:spcBef>
+                <a:spcPts val="1800"/>
+              </a:spcBef>
+            </a:pPr>
+            <a:endParaRPr lang="hr-HR" kern="0" dirty="0"/>
           </a:p>
         </p:txBody>
       </p:sp>
@@ -23787,7 +16691,7 @@
         <p:cNvPr id="1" name="">
           <a:extLst>
             <a:ext uri="{FF2B5EF4-FFF2-40B4-BE49-F238E27FC236}">
-              <a16:creationId xmlns:a16="http://schemas.microsoft.com/office/drawing/2014/main" id="{0FFDBF54-0770-C363-4FD9-09FE0DE4566F}"/>
+              <a16:creationId xmlns:a16="http://schemas.microsoft.com/office/drawing/2014/main" id="{DBCD32E1-B1FA-46BA-573E-E87AFDD694E7}"/>
             </a:ext>
           </a:extLst>
         </p:cNvPr>
@@ -23807,7 +16711,7 @@
           <p:cNvPr id="2" name="Title 1">
             <a:extLst>
               <a:ext uri="{FF2B5EF4-FFF2-40B4-BE49-F238E27FC236}">
-                <a16:creationId xmlns:a16="http://schemas.microsoft.com/office/drawing/2014/main" id="{6B984798-258E-471D-01CB-F0FBB8C039F3}"/>
+                <a16:creationId xmlns:a16="http://schemas.microsoft.com/office/drawing/2014/main" id="{555777D5-CFE8-87B3-EF64-55C516BEE49A}"/>
               </a:ext>
             </a:extLst>
           </p:cNvPr>
@@ -23961,7 +16865,7 @@
           <p:cNvPr id="4" name="Slide Number Placeholder 3">
             <a:extLst>
               <a:ext uri="{FF2B5EF4-FFF2-40B4-BE49-F238E27FC236}">
-                <a16:creationId xmlns:a16="http://schemas.microsoft.com/office/drawing/2014/main" id="{2066AE04-3B75-6F25-7E5C-C4C328147F32}"/>
+                <a16:creationId xmlns:a16="http://schemas.microsoft.com/office/drawing/2014/main" id="{1C15D2EE-D005-7729-BC8D-C4E00A7D9FCD}"/>
               </a:ext>
             </a:extLst>
           </p:cNvPr>
@@ -23990,7 +16894,7 @@
           <p:cNvPr id="8" name="Content Placeholder 7">
             <a:extLst>
               <a:ext uri="{FF2B5EF4-FFF2-40B4-BE49-F238E27FC236}">
-                <a16:creationId xmlns:a16="http://schemas.microsoft.com/office/drawing/2014/main" id="{E38CD307-E180-299C-4A37-E345FAC2C6C1}"/>
+                <a16:creationId xmlns:a16="http://schemas.microsoft.com/office/drawing/2014/main" id="{1BD3A77E-8654-BFBC-D881-8C705EB9C746}"/>
               </a:ext>
             </a:extLst>
           </p:cNvPr>
@@ -24016,8 +16920,13 @@
             </a:pPr>
             <a:r>
               <a:rPr lang="hr-HR" b="1" dirty="0"/>
-              <a:t>Vizualizacija izabranih signala</a:t>
-            </a:r>
+              <a:t>Vizualizacija izabranih signala </a:t>
+            </a:r>
+            <a:endParaRPr lang="hr-HR" b="1" dirty="0">
+              <a:solidFill>
+                <a:srgbClr val="FF0000"/>
+              </a:solidFill>
+            </a:endParaRPr>
           </a:p>
         </p:txBody>
       </p:sp>
@@ -24026,7 +16935,7 @@
           <p:cNvPr id="5" name="Content Placeholder 7">
             <a:extLst>
               <a:ext uri="{FF2B5EF4-FFF2-40B4-BE49-F238E27FC236}">
-                <a16:creationId xmlns:a16="http://schemas.microsoft.com/office/drawing/2014/main" id="{CF153348-F5C2-8CBD-D70A-4BE9D7CC614D}"/>
+                <a16:creationId xmlns:a16="http://schemas.microsoft.com/office/drawing/2014/main" id="{5AEC63BB-4DC7-F922-31A3-656D09D8AEA7}"/>
               </a:ext>
             </a:extLst>
           </p:cNvPr>
@@ -24037,8 +16946,8 @@
         </p:nvSpPr>
         <p:spPr bwMode="auto">
           <a:xfrm>
-            <a:off x="11916528" y="2157234"/>
-            <a:ext cx="2380863" cy="5461623"/>
+            <a:off x="11269563" y="2538690"/>
+            <a:ext cx="3084394" cy="2208169"/>
           </a:xfrm>
           <a:prstGeom prst="rect">
             <a:avLst/>
@@ -24205,28 +17114,30 @@
             </a:pPr>
             <a:r>
               <a:rPr lang="hr-HR" kern="0" dirty="0"/>
-              <a:t>Prikaz sirovih izabranih fizioloških signala na generičkoj laboratorijskoj paradigmi za kandidata 12. </a:t>
-            </a:r>
-          </a:p>
-          <a:p>
-            <a:pPr>
-              <a:spcBef>
-                <a:spcPts val="1800"/>
-              </a:spcBef>
-            </a:pPr>
+              <a:t>Prikaz signala performansi i fiziologije za kandidata XY s označenim trenucima pojave startle podražaja (</a:t>
+            </a:r>
+            <a:r>
+              <a:rPr lang="hr-HR" kern="0" dirty="0">
+                <a:solidFill>
+                  <a:srgbClr val="FF0000"/>
+                </a:solidFill>
+              </a:rPr>
+              <a:t>- - -</a:t>
+            </a:r>
             <a:r>
               <a:rPr lang="hr-HR" kern="0" dirty="0"/>
-              <a:t>Performanse na generičkim kognitivnim zadacima su samo jedan broj po ispitaniku te neće biti prikazane.</a:t>
-            </a:r>
+              <a:t>)</a:t>
+            </a:r>
+            <a:endParaRPr lang="hr-HR" b="1" kern="0" dirty="0"/>
           </a:p>
         </p:txBody>
       </p:sp>
       <p:pic>
         <p:nvPicPr>
-          <p:cNvPr id="7" name="Picture 6">
+          <p:cNvPr id="9" name="Picture 8" descr="A graph of a graph of a graph&#10;&#10;Description automatically generated with medium confidence">
             <a:extLst>
               <a:ext uri="{FF2B5EF4-FFF2-40B4-BE49-F238E27FC236}">
-                <a16:creationId xmlns:a16="http://schemas.microsoft.com/office/drawing/2014/main" id="{728135A9-DE52-112B-2141-918053631AF8}"/>
+                <a16:creationId xmlns:a16="http://schemas.microsoft.com/office/drawing/2014/main" id="{8F35C99D-EBA8-B6BB-A7FF-A6C64380B587}"/>
               </a:ext>
             </a:extLst>
           </p:cNvPr>
@@ -24236,15 +17147,21 @@
           <p:nvPr/>
         </p:nvPicPr>
         <p:blipFill>
-          <a:blip r:embed="rId2"/>
+          <a:blip r:embed="rId3">
+            <a:extLst>
+              <a:ext uri="{28A0092B-C50C-407E-A947-70E740481C1C}">
+                <a14:useLocalDpi xmlns:a14="http://schemas.microsoft.com/office/drawing/2010/main" val="0"/>
+              </a:ext>
+            </a:extLst>
+          </a:blip>
           <a:stretch>
             <a:fillRect/>
           </a:stretch>
         </p:blipFill>
         <p:spPr>
           <a:xfrm>
-            <a:off x="7085" y="2089237"/>
-            <a:ext cx="11925917" cy="6028551"/>
+            <a:off x="833121" y="2199458"/>
+            <a:ext cx="8493201" cy="4714240"/>
           </a:xfrm>
           <a:prstGeom prst="rect">
             <a:avLst/>
@@ -24254,7 +17171,7 @@
     </p:spTree>
     <p:extLst>
       <p:ext uri="{BB962C8B-B14F-4D97-AF65-F5344CB8AC3E}">
-        <p14:creationId xmlns:p14="http://schemas.microsoft.com/office/powerpoint/2010/main" val="3440227560"/>
+        <p14:creationId xmlns:p14="http://schemas.microsoft.com/office/powerpoint/2010/main" val="3863856051"/>
       </p:ext>
     </p:extLst>
   </p:cSld>
@@ -24287,35 +17204,6 @@
           <a:chExt cx="0" cy="0"/>
         </a:xfrm>
       </p:grpSpPr>
-      <p:pic>
-        <p:nvPicPr>
-          <p:cNvPr id="6" name="Picture 5">
-            <a:extLst>
-              <a:ext uri="{FF2B5EF4-FFF2-40B4-BE49-F238E27FC236}">
-                <a16:creationId xmlns:a16="http://schemas.microsoft.com/office/drawing/2014/main" id="{8E3BA65B-7311-5493-CE2F-2B33130F0A66}"/>
-              </a:ext>
-            </a:extLst>
-          </p:cNvPr>
-          <p:cNvPicPr>
-            <a:picLocks noChangeAspect="1"/>
-          </p:cNvPicPr>
-          <p:nvPr/>
-        </p:nvPicPr>
-        <p:blipFill>
-          <a:blip r:embed="rId2"/>
-          <a:srcRect l="8495" t="3975" r="5006"/>
-          <a:stretch/>
-        </p:blipFill>
-        <p:spPr>
-          <a:xfrm>
-            <a:off x="316536" y="2320119"/>
-            <a:ext cx="11081981" cy="5577910"/>
-          </a:xfrm>
-          <a:prstGeom prst="rect">
-            <a:avLst/>
-          </a:prstGeom>
-        </p:spPr>
-      </p:pic>
       <p:sp>
         <p:nvSpPr>
           <p:cNvPr id="2" name="Title 1">
@@ -24530,8 +17418,13 @@
             </a:pPr>
             <a:r>
               <a:rPr lang="hr-HR" b="1" dirty="0"/>
-              <a:t>Vizualizacija izabranih signala</a:t>
-            </a:r>
+              <a:t>Vizualizacija izabranih signala </a:t>
+            </a:r>
+            <a:endParaRPr lang="hr-HR" b="1" dirty="0">
+              <a:solidFill>
+                <a:srgbClr val="FF0000"/>
+              </a:solidFill>
+            </a:endParaRPr>
           </a:p>
         </p:txBody>
       </p:sp>
@@ -24551,13 +17444,15 @@
         </p:nvSpPr>
         <p:spPr bwMode="auto">
           <a:xfrm>
-            <a:off x="11269563" y="2538690"/>
-            <a:ext cx="3084394" cy="4252574"/>
+            <a:off x="11165840" y="3018456"/>
+            <a:ext cx="3084394" cy="1905906"/>
           </a:xfrm>
           <a:prstGeom prst="rect">
             <a:avLst/>
           </a:prstGeom>
-          <a:noFill/>
+          <a:solidFill>
+            <a:srgbClr val="C00000"/>
+          </a:solidFill>
           <a:ln w="9525">
             <a:noFill/>
             <a:miter lim="800000"/>
@@ -24712,49 +17607,63 @@
             </a:lvl9pPr>
           </a:lstStyle>
           <a:p>
-            <a:pPr>
+            <a:pPr marL="0" indent="0">
               <a:spcBef>
                 <a:spcPts val="1800"/>
               </a:spcBef>
+              <a:buNone/>
             </a:pPr>
             <a:r>
-              <a:rPr lang="hr-HR" kern="0" dirty="0"/>
-              <a:t>Prikaz zadanog i ostvarenog signala praćenja pokazivača (gore) za kandidata 12</a:t>
-            </a:r>
-          </a:p>
-          <a:p>
-            <a:pPr>
-              <a:spcBef>
-                <a:spcPts val="1800"/>
-              </a:spcBef>
-            </a:pPr>
-            <a:r>
-              <a:rPr lang="hr-HR" kern="0" dirty="0"/>
-              <a:t>Apsolutna razlika između zadanog i ostvarenog signala praćenja pokazivača (dolje) </a:t>
-            </a:r>
-            <a:r>
               <a:rPr lang="hr-HR" kern="0" dirty="0">
-                <a:sym typeface="Wingdings" panose="05000000000000000000" pitchFamily="2" charset="2"/>
+                <a:solidFill>
+                  <a:schemeClr val="bg1"/>
+                </a:solidFill>
               </a:rPr>
-              <a:t> </a:t>
-            </a:r>
-            <a:r>
-              <a:rPr lang="hr-HR" b="1" kern="0" dirty="0">
-                <a:sym typeface="Wingdings" panose="05000000000000000000" pitchFamily="2" charset="2"/>
-              </a:rPr>
-              <a:t>metrika performansi bitna za seminarske radove</a:t>
-            </a:r>
-            <a:r>
-              <a:rPr lang="hr-HR" b="1" kern="0" dirty="0"/>
-              <a:t> </a:t>
+              <a:t>U fokusu je trenutak u kojem se dogodio startle, te nam je važan period koji je tome prethodio jednako kao i onaj koji je uslijedio nakon.</a:t>
             </a:r>
           </a:p>
         </p:txBody>
       </p:sp>
+      <p:pic>
+        <p:nvPicPr>
+          <p:cNvPr id="9" name="Picture 8" descr="A diagram of a graph&#10;&#10;Description automatically generated">
+            <a:extLst>
+              <a:ext uri="{FF2B5EF4-FFF2-40B4-BE49-F238E27FC236}">
+                <a16:creationId xmlns:a16="http://schemas.microsoft.com/office/drawing/2014/main" id="{8C0035F1-0830-70B9-5579-12608F892314}"/>
+              </a:ext>
+            </a:extLst>
+          </p:cNvPr>
+          <p:cNvPicPr>
+            <a:picLocks noChangeAspect="1"/>
+          </p:cNvPicPr>
+          <p:nvPr/>
+        </p:nvPicPr>
+        <p:blipFill>
+          <a:blip r:embed="rId3">
+            <a:extLst>
+              <a:ext uri="{28A0092B-C50C-407E-A947-70E740481C1C}">
+                <a14:useLocalDpi xmlns:a14="http://schemas.microsoft.com/office/drawing/2010/main" val="0"/>
+              </a:ext>
+            </a:extLst>
+          </a:blip>
+          <a:stretch>
+            <a:fillRect/>
+          </a:stretch>
+        </p:blipFill>
+        <p:spPr>
+          <a:xfrm>
+            <a:off x="1076960" y="2399657"/>
+            <a:ext cx="9237228" cy="5127220"/>
+          </a:xfrm>
+          <a:prstGeom prst="rect">
+            <a:avLst/>
+          </a:prstGeom>
+        </p:spPr>
+      </p:pic>
     </p:spTree>
     <p:extLst>
       <p:ext uri="{BB962C8B-B14F-4D97-AF65-F5344CB8AC3E}">
-        <p14:creationId xmlns:p14="http://schemas.microsoft.com/office/powerpoint/2010/main" val="3906382040"/>
+        <p14:creationId xmlns:p14="http://schemas.microsoft.com/office/powerpoint/2010/main" val="2656972624"/>
       </p:ext>
     </p:extLst>
   </p:cSld>
@@ -25001,25 +17910,106 @@
             </a:pPr>
             <a:r>
               <a:rPr lang="hr-HR" b="1" dirty="0"/>
-              <a:t>Vizualizacija izabranih signala – </a:t>
-            </a:r>
-            <a:r>
-              <a:rPr lang="hr-HR" b="1" dirty="0">
-                <a:solidFill>
-                  <a:srgbClr val="FF0000"/>
-                </a:solidFill>
-              </a:rPr>
-              <a:t>SEMINARSKI RADOVI</a:t>
-            </a:r>
+              <a:t>Vizualizacija izabranih signala </a:t>
+            </a:r>
+            <a:endParaRPr lang="hr-HR" b="1" dirty="0">
+              <a:solidFill>
+                <a:srgbClr val="FF0000"/>
+              </a:solidFill>
+            </a:endParaRPr>
           </a:p>
         </p:txBody>
       </p:sp>
       <p:sp>
         <p:nvSpPr>
-          <p:cNvPr id="5" name="Content Placeholder 7">
+          <p:cNvPr id="10" name="TextBox 9">
             <a:extLst>
               <a:ext uri="{FF2B5EF4-FFF2-40B4-BE49-F238E27FC236}">
-                <a16:creationId xmlns:a16="http://schemas.microsoft.com/office/drawing/2014/main" id="{5AEC63BB-4DC7-F922-31A3-656D09D8AEA7}"/>
+                <a16:creationId xmlns:a16="http://schemas.microsoft.com/office/drawing/2014/main" id="{6F1A15BD-B5F0-D960-7472-0B08557E4759}"/>
+              </a:ext>
+            </a:extLst>
+          </p:cNvPr>
+          <p:cNvSpPr txBox="1"/>
+          <p:nvPr/>
+        </p:nvSpPr>
+        <p:spPr>
+          <a:xfrm>
+            <a:off x="2234261" y="7437188"/>
+            <a:ext cx="3044423" cy="400110"/>
+          </a:xfrm>
+          <a:prstGeom prst="rect">
+            <a:avLst/>
+          </a:prstGeom>
+          <a:solidFill>
+            <a:schemeClr val="tx1">
+              <a:lumMod val="95000"/>
+              <a:lumOff val="5000"/>
+            </a:schemeClr>
+          </a:solidFill>
+        </p:spPr>
+        <p:txBody>
+          <a:bodyPr wrap="none" rtlCol="0">
+            <a:spAutoFit/>
+          </a:bodyPr>
+          <a:lstStyle/>
+          <a:p>
+            <a:r>
+              <a:rPr lang="en-GB" dirty="0">
+                <a:solidFill>
+                  <a:srgbClr val="CCEFDC"/>
+                </a:solidFill>
+              </a:rPr>
+              <a:t>(-10, 0</a:t>
+            </a:r>
+            <a:r>
+              <a:rPr lang="hr-HR" dirty="0">
+                <a:solidFill>
+                  <a:srgbClr val="CCEFDC"/>
+                </a:solidFill>
+              </a:rPr>
+              <a:t>)</a:t>
+            </a:r>
+            <a:r>
+              <a:rPr lang="en-GB" dirty="0">
+                <a:solidFill>
+                  <a:schemeClr val="bg1"/>
+                </a:solidFill>
+              </a:rPr>
+              <a:t>, </a:t>
+            </a:r>
+            <a:r>
+              <a:rPr lang="en-GB" dirty="0">
+                <a:solidFill>
+                  <a:srgbClr val="FFEBD6"/>
+                </a:solidFill>
+              </a:rPr>
+              <a:t>[0, 10]</a:t>
+            </a:r>
+            <a:r>
+              <a:rPr lang="en-GB" dirty="0">
+                <a:solidFill>
+                  <a:schemeClr val="bg1"/>
+                </a:solidFill>
+              </a:rPr>
+              <a:t>, </a:t>
+            </a:r>
+            <a:r>
+              <a:rPr lang="en-GB" dirty="0">
+                <a:solidFill>
+                  <a:srgbClr val="CCE0F5"/>
+                </a:solidFill>
+              </a:rPr>
+              <a:t>(10, 20)</a:t>
+            </a:r>
+          </a:p>
+        </p:txBody>
+      </p:sp>
+      <p:sp>
+        <p:nvSpPr>
+          <p:cNvPr id="6" name="Content Placeholder 7">
+            <a:extLst>
+              <a:ext uri="{FF2B5EF4-FFF2-40B4-BE49-F238E27FC236}">
+                <a16:creationId xmlns:a16="http://schemas.microsoft.com/office/drawing/2014/main" id="{E28A4035-20E1-6A8F-D76C-3F4800569A66}"/>
               </a:ext>
             </a:extLst>
           </p:cNvPr>
@@ -25030,13 +18020,15 @@
         </p:nvSpPr>
         <p:spPr bwMode="auto">
           <a:xfrm>
-            <a:off x="11269563" y="2538690"/>
-            <a:ext cx="3084394" cy="2208169"/>
+            <a:off x="6193957" y="2551096"/>
+            <a:ext cx="8133914" cy="3433761"/>
           </a:xfrm>
           <a:prstGeom prst="rect">
             <a:avLst/>
           </a:prstGeom>
-          <a:noFill/>
+          <a:solidFill>
+            <a:srgbClr val="C00000"/>
+          </a:solidFill>
           <a:ln w="9525">
             <a:noFill/>
             <a:miter lim="800000"/>
@@ -25191,95 +18183,130 @@
             </a:lvl9pPr>
           </a:lstStyle>
           <a:p>
+            <a:pPr marL="0" indent="0">
+              <a:spcBef>
+                <a:spcPts val="1800"/>
+              </a:spcBef>
+              <a:buNone/>
+            </a:pPr>
+            <a:r>
+              <a:rPr lang="hr-HR" kern="0" dirty="0">
+                <a:solidFill>
+                  <a:schemeClr val="bg1"/>
+                </a:solidFill>
+              </a:rPr>
+              <a:t>U fokusu je trenutak u kojem se dogodio startle, te nam je važan period koji je tome prethodio jednako kao i onaj koji je uslijedio nakon. Intervali koji su nam od interesa su: </a:t>
+            </a:r>
+          </a:p>
+          <a:p>
             <a:pPr>
               <a:spcBef>
                 <a:spcPts val="1800"/>
               </a:spcBef>
             </a:pPr>
             <a:r>
-              <a:rPr lang="hr-HR" kern="0" dirty="0"/>
-              <a:t>Prikaz signala performansi i fiziologije za kandidata XY s označenim trenucima pojave startle podražaja (</a:t>
+              <a:rPr lang="hr-HR" b="1" kern="0" dirty="0">
+                <a:solidFill>
+                  <a:schemeClr val="bg1"/>
+                </a:solidFill>
+              </a:rPr>
+              <a:t>Pre-startle:</a:t>
             </a:r>
             <a:r>
               <a:rPr lang="hr-HR" kern="0" dirty="0">
                 <a:solidFill>
-                  <a:srgbClr val="FF0000"/>
+                  <a:schemeClr val="bg1"/>
                 </a:solidFill>
               </a:rPr>
-              <a:t>- - -</a:t>
-            </a:r>
-            <a:r>
-              <a:rPr lang="hr-HR" kern="0" dirty="0"/>
-              <a:t>)</a:t>
-            </a:r>
-            <a:endParaRPr lang="hr-HR" b="1" kern="0" dirty="0"/>
-          </a:p>
-        </p:txBody>
-      </p:sp>
-      <p:sp>
-        <p:nvSpPr>
-          <p:cNvPr id="10" name="Rectangle 9">
-            <a:extLst>
-              <a:ext uri="{FF2B5EF4-FFF2-40B4-BE49-F238E27FC236}">
-                <a16:creationId xmlns:a16="http://schemas.microsoft.com/office/drawing/2014/main" id="{442A7C83-71DE-60A7-05C6-5C90921FF07C}"/>
-              </a:ext>
-            </a:extLst>
-          </p:cNvPr>
-          <p:cNvSpPr/>
-          <p:nvPr/>
-        </p:nvSpPr>
-        <p:spPr>
-          <a:xfrm>
-            <a:off x="833121" y="6030142"/>
-            <a:ext cx="9936480" cy="1807156"/>
-          </a:xfrm>
-          <a:prstGeom prst="rect">
-            <a:avLst/>
-          </a:prstGeom>
-          <a:solidFill>
-            <a:srgbClr val="C00000"/>
-          </a:solidFill>
-          <a:ln>
-            <a:solidFill>
-              <a:srgbClr val="C00000"/>
-            </a:solidFill>
-          </a:ln>
-        </p:spPr>
-        <p:style>
-          <a:lnRef idx="2">
-            <a:schemeClr val="accent1">
-              <a:shade val="15000"/>
-            </a:schemeClr>
-          </a:lnRef>
-          <a:fillRef idx="1">
-            <a:schemeClr val="accent1"/>
-          </a:fillRef>
-          <a:effectRef idx="0">
-            <a:schemeClr val="accent1"/>
-          </a:effectRef>
-          <a:fontRef idx="minor">
-            <a:schemeClr val="lt1"/>
-          </a:fontRef>
-        </p:style>
-        <p:txBody>
-          <a:bodyPr rtlCol="0" anchor="ctr"/>
-          <a:lstStyle/>
-          <a:p>
-            <a:pPr algn="just"/>
-            <a:r>
-              <a:rPr lang="hr-HR" dirty="0"/>
-              <a:t>Simulatorski zadatak je izvor svih signala za performanse i fiziologiju, te će se u seminarskim radovima trebati samo prikazati simulatorski zadatak i navesti signale/podatke koji se koriste (fiziologija, performanse) kao što je to napravljeno tu. Svatko je izabrao 2 fiziološka signala te ih treba pokazati na ovaj način (uočite da tu nedostaje još jedan signal fiziologije). </a:t>
-            </a:r>
-            <a:endParaRPr lang="en-GB" b="1" dirty="0"/>
+              <a:t> 10s prije početka startle do pojave startle podražaja</a:t>
+            </a:r>
+          </a:p>
+          <a:p>
+            <a:pPr>
+              <a:spcBef>
+                <a:spcPts val="1800"/>
+              </a:spcBef>
+            </a:pPr>
+            <a:r>
+              <a:rPr lang="hr-HR" b="1" kern="0" dirty="0">
+                <a:solidFill>
+                  <a:schemeClr val="bg1"/>
+                </a:solidFill>
+              </a:rPr>
+              <a:t>Startle:</a:t>
+            </a:r>
+            <a:r>
+              <a:rPr lang="hr-HR" kern="0" dirty="0">
+                <a:solidFill>
+                  <a:schemeClr val="bg1"/>
+                </a:solidFill>
+              </a:rPr>
+              <a:t> 10s od trenutka pojave startle podražaja</a:t>
+            </a:r>
+          </a:p>
+          <a:p>
+            <a:pPr>
+              <a:spcBef>
+                <a:spcPts val="1800"/>
+              </a:spcBef>
+            </a:pPr>
+            <a:r>
+              <a:rPr lang="hr-HR" b="1" kern="0" dirty="0">
+                <a:solidFill>
+                  <a:schemeClr val="bg1"/>
+                </a:solidFill>
+              </a:rPr>
+              <a:t>Post-startle:</a:t>
+            </a:r>
+            <a:r>
+              <a:rPr lang="hr-HR" kern="0" dirty="0">
+                <a:solidFill>
+                  <a:schemeClr val="bg1"/>
+                </a:solidFill>
+              </a:rPr>
+              <a:t> </a:t>
+            </a:r>
+            <a:r>
+              <a:rPr lang="en-GB" kern="0" dirty="0">
+                <a:solidFill>
+                  <a:schemeClr val="bg1"/>
+                </a:solidFill>
+              </a:rPr>
+              <a:t>od</a:t>
+            </a:r>
+            <a:r>
+              <a:rPr lang="hr-HR" kern="0" dirty="0">
+                <a:solidFill>
+                  <a:schemeClr val="bg1"/>
+                </a:solidFill>
+              </a:rPr>
+              <a:t> 10s do 20s nakon pojave startle podražaja</a:t>
+            </a:r>
+          </a:p>
+          <a:p>
+            <a:pPr marL="0" indent="0">
+              <a:spcBef>
+                <a:spcPts val="1800"/>
+              </a:spcBef>
+              <a:buNone/>
+            </a:pPr>
+            <a:r>
+              <a:rPr lang="hr-HR" kern="0" dirty="0">
+                <a:solidFill>
+                  <a:schemeClr val="bg1"/>
+                </a:solidFill>
+              </a:rPr>
+              <a:t>Ovaj pristup se radi za sva 3 startle podražaja te se na ovim intervalima računaju značajke koje se kasnije koriste za razvoj modela!</a:t>
+            </a:r>
           </a:p>
         </p:txBody>
       </p:sp>
       <p:pic>
         <p:nvPicPr>
-          <p:cNvPr id="9" name="Picture 8" descr="A graph of a graph of a graph&#10;&#10;Description automatically generated with medium confidence">
+          <p:cNvPr id="7" name="Picture 6">
             <a:extLst>
               <a:ext uri="{FF2B5EF4-FFF2-40B4-BE49-F238E27FC236}">
-                <a16:creationId xmlns:a16="http://schemas.microsoft.com/office/drawing/2014/main" id="{8F35C99D-EBA8-B6BB-A7FF-A6C64380B587}"/>
+                <a16:creationId xmlns:a16="http://schemas.microsoft.com/office/drawing/2014/main" id="{62E93630-9932-4634-B2A6-597AD6DC5624}"/>
               </a:ext>
             </a:extLst>
           </p:cNvPr>
@@ -25289,21 +18316,15 @@
           <p:nvPr/>
         </p:nvPicPr>
         <p:blipFill>
-          <a:blip r:embed="rId3">
-            <a:extLst>
-              <a:ext uri="{28A0092B-C50C-407E-A947-70E740481C1C}">
-                <a14:useLocalDpi xmlns:a14="http://schemas.microsoft.com/office/drawing/2010/main" val="0"/>
-              </a:ext>
-            </a:extLst>
-          </a:blip>
+          <a:blip r:embed="rId3"/>
           <a:stretch>
             <a:fillRect/>
           </a:stretch>
         </p:blipFill>
         <p:spPr>
           <a:xfrm>
-            <a:off x="833121" y="2199458"/>
-            <a:ext cx="8493201" cy="4714240"/>
+            <a:off x="2422787" y="1698397"/>
+            <a:ext cx="2667372" cy="6019928"/>
           </a:xfrm>
           <a:prstGeom prst="rect">
             <a:avLst/>
@@ -25313,7 +18334,7 @@
     </p:spTree>
     <p:extLst>
       <p:ext uri="{BB962C8B-B14F-4D97-AF65-F5344CB8AC3E}">
-        <p14:creationId xmlns:p14="http://schemas.microsoft.com/office/powerpoint/2010/main" val="3863856051"/>
+        <p14:creationId xmlns:p14="http://schemas.microsoft.com/office/powerpoint/2010/main" val="4082696009"/>
       </p:ext>
     </p:extLst>
   </p:cSld>
@@ -26893,6 +19914,12 @@
 </file>
 
 <file path=customXml/item1.xml><?xml version="1.0" encoding="utf-8"?>
+<p:properties xmlns:p="http://schemas.microsoft.com/office/2006/metadata/properties" xmlns:xsi="http://www.w3.org/2001/XMLSchema-instance" xmlns:pc="http://schemas.microsoft.com/office/infopath/2007/PartnerControls">
+  <documentManagement/>
+</p:properties>
+</file>
+
+<file path=customXml/item2.xml><?xml version="1.0" encoding="utf-8"?>
 <ct:contentTypeSchema xmlns:ct="http://schemas.microsoft.com/office/2006/metadata/contentType" xmlns:ma="http://schemas.microsoft.com/office/2006/metadata/properties/metaAttributes" ct:_="" ma:_="" ma:contentTypeName="Dokument" ma:contentTypeID="0x010100DA5FA0E6990937438F53B23C2D440142" ma:contentTypeVersion="14" ma:contentTypeDescription="Stvaranje novog dokumenta." ma:contentTypeScope="" ma:versionID="12a32ef67c8165ed487cb41f775985be">
   <xsd:schema xmlns:xsd="http://www.w3.org/2001/XMLSchema" xmlns:xs="http://www.w3.org/2001/XMLSchema" xmlns:p="http://schemas.microsoft.com/office/2006/metadata/properties" xmlns:ns3="ed847637-fdd2-4946-9bcb-6b9629a264cf" xmlns:ns4="22b07baa-fb9b-49de-985d-7f35a8396414" targetNamespace="http://schemas.microsoft.com/office/2006/metadata/properties" ma:root="true" ma:fieldsID="5e50f0770acba1e25188eb2d6aad934f" ns3:_="" ns4:_="">
     <xsd:import namespace="ed847637-fdd2-4946-9bcb-6b9629a264cf"/>
@@ -27121,12 +20148,6 @@
 </ct:contentTypeSchema>
 </file>
 
-<file path=customXml/item2.xml><?xml version="1.0" encoding="utf-8"?>
-<p:properties xmlns:p="http://schemas.microsoft.com/office/2006/metadata/properties" xmlns:xsi="http://www.w3.org/2001/XMLSchema-instance" xmlns:pc="http://schemas.microsoft.com/office/infopath/2007/PartnerControls">
-  <documentManagement/>
-</p:properties>
-</file>
-
 <file path=customXml/item3.xml><?xml version="1.0" encoding="utf-8"?>
 <?mso-contentType ?>
 <FormTemplates xmlns="http://schemas.microsoft.com/sharepoint/v3/contenttype/forms">
@@ -27137,6 +20158,16 @@
 </file>
 
 <file path=customXml/itemProps1.xml><?xml version="1.0" encoding="utf-8"?>
+<ds:datastoreItem xmlns:ds="http://schemas.openxmlformats.org/officeDocument/2006/customXml" ds:itemID="{BFC5E9DD-0FB8-4161-BEDC-BC91609E3813}">
+  <ds:schemaRefs>
+    <ds:schemaRef ds:uri="http://schemas.microsoft.com/office/2006/metadata/properties"/>
+    <ds:schemaRef ds:uri="http://www.w3.org/2000/xmlns/"/>
+    <ds:schemaRef ds:uri="http://schemas.microsoft.com/office/infopath/2007/PartnerControls"/>
+  </ds:schemaRefs>
+</ds:datastoreItem>
+</file>
+
+<file path=customXml/itemProps2.xml><?xml version="1.0" encoding="utf-8"?>
 <ds:datastoreItem xmlns:ds="http://schemas.openxmlformats.org/officeDocument/2006/customXml" ds:itemID="{1E42887F-EC5F-4CCD-8DB9-9BD8A91F948F}">
   <ds:schemaRefs>
     <ds:schemaRef ds:uri="http://schemas.microsoft.com/office/2006/metadata/contentType"/>
@@ -27156,16 +20187,6 @@
 </ds:datastoreItem>
 </file>
 
-<file path=customXml/itemProps2.xml><?xml version="1.0" encoding="utf-8"?>
-<ds:datastoreItem xmlns:ds="http://schemas.openxmlformats.org/officeDocument/2006/customXml" ds:itemID="{BFC5E9DD-0FB8-4161-BEDC-BC91609E3813}">
-  <ds:schemaRefs>
-    <ds:schemaRef ds:uri="http://schemas.microsoft.com/office/2006/metadata/properties"/>
-    <ds:schemaRef ds:uri="http://www.w3.org/2000/xmlns/"/>
-    <ds:schemaRef ds:uri="http://schemas.microsoft.com/office/infopath/2007/PartnerControls"/>
-  </ds:schemaRefs>
-</ds:datastoreItem>
-</file>
-
 <file path=customXml/itemProps3.xml><?xml version="1.0" encoding="utf-8"?>
 <ds:datastoreItem xmlns:ds="http://schemas.openxmlformats.org/officeDocument/2006/customXml" ds:itemID="{0C2C9D2D-4966-4033-83BF-B86269848EDC}">
   <ds:schemaRefs>
